--- a/Document/presentation/parse.pptx
+++ b/Document/presentation/parse.pptx
@@ -21,9 +21,9 @@
     <p:sldId id="305" r:id="rId15"/>
     <p:sldId id="302" r:id="rId16"/>
     <p:sldId id="306" r:id="rId17"/>
-    <p:sldId id="303" r:id="rId18"/>
-    <p:sldId id="285" r:id="rId19"/>
-    <p:sldId id="282" r:id="rId20"/>
+    <p:sldId id="310" r:id="rId18"/>
+    <p:sldId id="303" r:id="rId19"/>
+    <p:sldId id="285" r:id="rId20"/>
     <p:sldId id="307" r:id="rId21"/>
     <p:sldId id="286" r:id="rId22"/>
     <p:sldId id="309" r:id="rId23"/>
@@ -270,7 +270,7 @@
           <a:p>
             <a:fld id="{350F96C4-0C79-4454-B2EB-769C6423A21F}" type="datetimeFigureOut">
               <a:rPr lang="en-US" smtClean="0"/>
-              <a:t>12/9/2015</a:t>
+              <a:t>12/10/2015</a:t>
             </a:fld>
             <a:endParaRPr lang="en-US"/>
           </a:p>
@@ -440,7 +440,7 @@
           <a:p>
             <a:fld id="{350F96C4-0C79-4454-B2EB-769C6423A21F}" type="datetimeFigureOut">
               <a:rPr lang="en-US" smtClean="0"/>
-              <a:t>12/9/2015</a:t>
+              <a:t>12/10/2015</a:t>
             </a:fld>
             <a:endParaRPr lang="en-US"/>
           </a:p>
@@ -620,7 +620,7 @@
           <a:p>
             <a:fld id="{350F96C4-0C79-4454-B2EB-769C6423A21F}" type="datetimeFigureOut">
               <a:rPr lang="en-US" smtClean="0"/>
-              <a:t>12/9/2015</a:t>
+              <a:t>12/10/2015</a:t>
             </a:fld>
             <a:endParaRPr lang="en-US"/>
           </a:p>
@@ -790,7 +790,7 @@
           <a:p>
             <a:fld id="{350F96C4-0C79-4454-B2EB-769C6423A21F}" type="datetimeFigureOut">
               <a:rPr lang="en-US" smtClean="0"/>
-              <a:t>12/9/2015</a:t>
+              <a:t>12/10/2015</a:t>
             </a:fld>
             <a:endParaRPr lang="en-US"/>
           </a:p>
@@ -1034,7 +1034,7 @@
           <a:p>
             <a:fld id="{350F96C4-0C79-4454-B2EB-769C6423A21F}" type="datetimeFigureOut">
               <a:rPr lang="en-US" smtClean="0"/>
-              <a:t>12/9/2015</a:t>
+              <a:t>12/10/2015</a:t>
             </a:fld>
             <a:endParaRPr lang="en-US"/>
           </a:p>
@@ -1266,7 +1266,7 @@
           <a:p>
             <a:fld id="{350F96C4-0C79-4454-B2EB-769C6423A21F}" type="datetimeFigureOut">
               <a:rPr lang="en-US" smtClean="0"/>
-              <a:t>12/9/2015</a:t>
+              <a:t>12/10/2015</a:t>
             </a:fld>
             <a:endParaRPr lang="en-US"/>
           </a:p>
@@ -1633,7 +1633,7 @@
           <a:p>
             <a:fld id="{350F96C4-0C79-4454-B2EB-769C6423A21F}" type="datetimeFigureOut">
               <a:rPr lang="en-US" smtClean="0"/>
-              <a:t>12/9/2015</a:t>
+              <a:t>12/10/2015</a:t>
             </a:fld>
             <a:endParaRPr lang="en-US"/>
           </a:p>
@@ -1751,7 +1751,7 @@
           <a:p>
             <a:fld id="{350F96C4-0C79-4454-B2EB-769C6423A21F}" type="datetimeFigureOut">
               <a:rPr lang="en-US" smtClean="0"/>
-              <a:t>12/9/2015</a:t>
+              <a:t>12/10/2015</a:t>
             </a:fld>
             <a:endParaRPr lang="en-US"/>
           </a:p>
@@ -1846,7 +1846,7 @@
           <a:p>
             <a:fld id="{350F96C4-0C79-4454-B2EB-769C6423A21F}" type="datetimeFigureOut">
               <a:rPr lang="en-US" smtClean="0"/>
-              <a:t>12/9/2015</a:t>
+              <a:t>12/10/2015</a:t>
             </a:fld>
             <a:endParaRPr lang="en-US"/>
           </a:p>
@@ -2123,7 +2123,7 @@
           <a:p>
             <a:fld id="{350F96C4-0C79-4454-B2EB-769C6423A21F}" type="datetimeFigureOut">
               <a:rPr lang="en-US" smtClean="0"/>
-              <a:t>12/9/2015</a:t>
+              <a:t>12/10/2015</a:t>
             </a:fld>
             <a:endParaRPr lang="en-US"/>
           </a:p>
@@ -2380,7 +2380,7 @@
           <a:p>
             <a:fld id="{350F96C4-0C79-4454-B2EB-769C6423A21F}" type="datetimeFigureOut">
               <a:rPr lang="en-US" smtClean="0"/>
-              <a:t>12/9/2015</a:t>
+              <a:t>12/10/2015</a:t>
             </a:fld>
             <a:endParaRPr lang="en-US"/>
           </a:p>
@@ -2593,7 +2593,7 @@
           <a:p>
             <a:fld id="{350F96C4-0C79-4454-B2EB-769C6423A21F}" type="datetimeFigureOut">
               <a:rPr lang="en-US" smtClean="0"/>
-              <a:t>12/9/2015</a:t>
+              <a:t>12/10/2015</a:t>
             </a:fld>
             <a:endParaRPr lang="en-US"/>
           </a:p>
@@ -6931,8 +6931,8 @@
         </p:nvSpPr>
         <p:spPr>
           <a:xfrm>
-            <a:off x="666572" y="384561"/>
-            <a:ext cx="7810856" cy="5896598"/>
+            <a:off x="0" y="0"/>
+            <a:ext cx="9144000" cy="6858000"/>
           </a:xfrm>
           <a:prstGeom prst="rect">
             <a:avLst/>
@@ -7933,6 +7933,1339 @@
 </file>
 
 <file path=ppt/slides/slide17.xml><?xml version="1.0" encoding="utf-8"?>
+<p:sld xmlns:a="http://schemas.openxmlformats.org/drawingml/2006/main" xmlns:r="http://schemas.openxmlformats.org/officeDocument/2006/relationships" xmlns:p="http://schemas.openxmlformats.org/presentationml/2006/main">
+  <p:cSld>
+    <p:spTree>
+      <p:nvGrpSpPr>
+        <p:cNvPr id="1" name=""/>
+        <p:cNvGrpSpPr/>
+        <p:nvPr/>
+      </p:nvGrpSpPr>
+      <p:grpSpPr>
+        <a:xfrm>
+          <a:off x="0" y="0"/>
+          <a:ext cx="0" cy="0"/>
+          <a:chOff x="0" y="0"/>
+          <a:chExt cx="0" cy="0"/>
+        </a:xfrm>
+      </p:grpSpPr>
+      <p:graphicFrame>
+        <p:nvGraphicFramePr>
+          <p:cNvPr id="18" name="Table 17"/>
+          <p:cNvGraphicFramePr>
+            <a:graphicFrameLocks noGrp="1"/>
+          </p:cNvGraphicFramePr>
+          <p:nvPr>
+            <p:extLst>
+              <p:ext uri="{D42A27DB-BD31-4B8C-83A1-F6EECF244321}">
+                <p14:modId xmlns:p14="http://schemas.microsoft.com/office/powerpoint/2010/main" val="2999056806"/>
+              </p:ext>
+            </p:extLst>
+          </p:nvPr>
+        </p:nvGraphicFramePr>
+        <p:xfrm>
+          <a:off x="137159" y="76914"/>
+          <a:ext cx="5742347" cy="5978623"/>
+        </p:xfrm>
+        <a:graphic>
+          <a:graphicData uri="http://schemas.openxmlformats.org/drawingml/2006/table">
+            <a:tbl>
+              <a:tblPr firstRow="1" bandRow="1">
+                <a:tableStyleId>{5C22544A-7EE6-4342-B048-85BDC9FD1C3A}</a:tableStyleId>
+              </a:tblPr>
+              <a:tblGrid>
+                <a:gridCol w="754659"/>
+                <a:gridCol w="4987688"/>
+              </a:tblGrid>
+              <a:tr h="394829">
+                <a:tc>
+                  <a:txBody>
+                    <a:bodyPr/>
+                    <a:lstStyle/>
+                    <a:p>
+                      <a:pPr algn="ctr"/>
+                      <a:r>
+                        <a:rPr lang="en-US" sz="1600" dirty="0" smtClean="0"/>
+                        <a:t>Index</a:t>
+                      </a:r>
+                      <a:endParaRPr lang="en-US" sz="1600" dirty="0"/>
+                    </a:p>
+                  </a:txBody>
+                  <a:tcPr/>
+                </a:tc>
+                <a:tc>
+                  <a:txBody>
+                    <a:bodyPr/>
+                    <a:lstStyle/>
+                    <a:p>
+                      <a:pPr algn="ctr"/>
+                      <a:r>
+                        <a:rPr lang="en-US" dirty="0" smtClean="0"/>
+                        <a:t>Sample value</a:t>
+                      </a:r>
+                      <a:endParaRPr lang="en-US" dirty="0"/>
+                    </a:p>
+                  </a:txBody>
+                  <a:tcPr/>
+                </a:tc>
+              </a:tr>
+              <a:tr h="366218">
+                <a:tc>
+                  <a:txBody>
+                    <a:bodyPr/>
+                    <a:lstStyle/>
+                    <a:p>
+                      <a:pPr algn="ctr"/>
+                      <a:r>
+                        <a:rPr lang="en-US" dirty="0" smtClean="0"/>
+                        <a:t>0</a:t>
+                      </a:r>
+                      <a:endParaRPr lang="en-US" dirty="0"/>
+                    </a:p>
+                  </a:txBody>
+                  <a:tcPr/>
+                </a:tc>
+                <a:tc>
+                  <a:txBody>
+                    <a:bodyPr/>
+                    <a:lstStyle/>
+                    <a:p>
+                      <a:pPr algn="ctr"/>
+                      <a:r>
+                        <a:rPr lang="en-US" dirty="0" smtClean="0"/>
+                        <a:t>1</a:t>
+                      </a:r>
+                      <a:endParaRPr lang="en-US" dirty="0"/>
+                    </a:p>
+                  </a:txBody>
+                  <a:tcPr/>
+                </a:tc>
+              </a:tr>
+              <a:tr h="366218">
+                <a:tc>
+                  <a:txBody>
+                    <a:bodyPr/>
+                    <a:lstStyle/>
+                    <a:p>
+                      <a:pPr algn="ctr"/>
+                      <a:r>
+                        <a:rPr lang="en-US" dirty="0" smtClean="0"/>
+                        <a:t>1</a:t>
+                      </a:r>
+                      <a:endParaRPr lang="en-US" dirty="0"/>
+                    </a:p>
+                  </a:txBody>
+                  <a:tcPr/>
+                </a:tc>
+                <a:tc>
+                  <a:txBody>
+                    <a:bodyPr/>
+                    <a:lstStyle/>
+                    <a:p>
+                      <a:pPr algn="ctr"/>
+                      <a:r>
+                        <a:rPr lang="en-US" dirty="0" smtClean="0"/>
+                        <a:t>8999</a:t>
+                      </a:r>
+                      <a:endParaRPr lang="en-US" dirty="0"/>
+                    </a:p>
+                  </a:txBody>
+                  <a:tcPr/>
+                </a:tc>
+              </a:tr>
+              <a:tr h="366218">
+                <a:tc>
+                  <a:txBody>
+                    <a:bodyPr/>
+                    <a:lstStyle/>
+                    <a:p>
+                      <a:pPr algn="ctr"/>
+                      <a:r>
+                        <a:rPr lang="en-US" dirty="0" smtClean="0"/>
+                        <a:t>2</a:t>
+                      </a:r>
+                      <a:endParaRPr lang="en-US" dirty="0"/>
+                    </a:p>
+                  </a:txBody>
+                  <a:tcPr/>
+                </a:tc>
+                <a:tc>
+                  <a:txBody>
+                    <a:bodyPr/>
+                    <a:lstStyle/>
+                    <a:p>
+                      <a:pPr algn="ctr"/>
+                      <a:r>
+                        <a:rPr lang="en-US" dirty="0" smtClean="0"/>
+                        <a:t>8994</a:t>
+                      </a:r>
+                      <a:endParaRPr lang="en-US" dirty="0"/>
+                    </a:p>
+                  </a:txBody>
+                  <a:tcPr/>
+                </a:tc>
+              </a:tr>
+              <a:tr h="366218">
+                <a:tc>
+                  <a:txBody>
+                    <a:bodyPr/>
+                    <a:lstStyle/>
+                    <a:p>
+                      <a:pPr algn="ctr"/>
+                      <a:r>
+                        <a:rPr lang="en-US" dirty="0" smtClean="0"/>
+                        <a:t>3</a:t>
+                      </a:r>
+                      <a:endParaRPr lang="en-US" dirty="0"/>
+                    </a:p>
+                  </a:txBody>
+                  <a:tcPr/>
+                </a:tc>
+                <a:tc>
+                  <a:txBody>
+                    <a:bodyPr/>
+                    <a:lstStyle/>
+                    <a:p>
+                      <a:pPr marL="0" marR="0" indent="0" algn="ctr" defTabSz="914400" rtl="0" eaLnBrk="1" fontAlgn="auto" latinLnBrk="0" hangingPunct="1">
+                        <a:lnSpc>
+                          <a:spcPct val="100000"/>
+                        </a:lnSpc>
+                        <a:spcBef>
+                          <a:spcPts val="0"/>
+                        </a:spcBef>
+                        <a:spcAft>
+                          <a:spcPts val="0"/>
+                        </a:spcAft>
+                        <a:buClrTx/>
+                        <a:buSzTx/>
+                        <a:buFontTx/>
+                        <a:buNone/>
+                        <a:tabLst/>
+                        <a:defRPr/>
+                      </a:pPr>
+                      <a:r>
+                        <a:rPr lang="en-US" sz="1600" b="0" i="0" kern="1200" dirty="0" smtClean="0">
+                          <a:solidFill>
+                            <a:schemeClr val="dk1"/>
+                          </a:solidFill>
+                          <a:effectLst/>
+                          <a:latin typeface="Cambria" panose="02040503050406030204" pitchFamily="18" charset="0"/>
+                          <a:ea typeface="+mn-ea"/>
+                          <a:cs typeface="+mn-cs"/>
+                        </a:rPr>
+                        <a:t>106.70589000000001,10.776800000000001 106.70627,10.775810000000002 106.70623,10.77579 106.70617000000001,10.77576 ...</a:t>
+                      </a:r>
+                      <a:endParaRPr lang="en-US" sz="1600" dirty="0" smtClean="0">
+                        <a:latin typeface="Cambria" panose="02040503050406030204" pitchFamily="18" charset="0"/>
+                      </a:endParaRPr>
+                    </a:p>
+                  </a:txBody>
+                  <a:tcPr/>
+                </a:tc>
+              </a:tr>
+              <a:tr h="366218">
+                <a:tc>
+                  <a:txBody>
+                    <a:bodyPr/>
+                    <a:lstStyle/>
+                    <a:p>
+                      <a:pPr algn="ctr"/>
+                      <a:r>
+                        <a:rPr lang="en-US" dirty="0" smtClean="0"/>
+                        <a:t>4</a:t>
+                      </a:r>
+                      <a:endParaRPr lang="en-US" dirty="0"/>
+                    </a:p>
+                  </a:txBody>
+                  <a:tcPr/>
+                </a:tc>
+                <a:tc>
+                  <a:txBody>
+                    <a:bodyPr/>
+                    <a:lstStyle/>
+                    <a:p>
+                      <a:pPr algn="ctr"/>
+                      <a:r>
+                        <a:rPr lang="en-US" dirty="0" smtClean="0"/>
+                        <a:t>True</a:t>
+                      </a:r>
+                      <a:endParaRPr lang="en-US" dirty="0"/>
+                    </a:p>
+                  </a:txBody>
+                  <a:tcPr/>
+                </a:tc>
+              </a:tr>
+              <a:tr h="366218">
+                <a:tc>
+                  <a:txBody>
+                    <a:bodyPr/>
+                    <a:lstStyle/>
+                    <a:p>
+                      <a:pPr algn="ctr"/>
+                      <a:r>
+                        <a:rPr lang="en-US" dirty="0" smtClean="0"/>
+                        <a:t>5</a:t>
+                      </a:r>
+                      <a:endParaRPr lang="en-US" dirty="0"/>
+                    </a:p>
+                  </a:txBody>
+                  <a:tcPr/>
+                </a:tc>
+                <a:tc>
+                  <a:txBody>
+                    <a:bodyPr/>
+                    <a:lstStyle/>
+                    <a:p>
+                      <a:pPr algn="ctr"/>
+                      <a:r>
+                        <a:rPr lang="en-US" sz="1800" b="0" i="0" kern="1200" dirty="0" smtClean="0">
+                          <a:solidFill>
+                            <a:schemeClr val="dk1"/>
+                          </a:solidFill>
+                          <a:effectLst/>
+                          <a:latin typeface="+mn-lt"/>
+                          <a:ea typeface="+mn-ea"/>
+                          <a:cs typeface="+mn-cs"/>
+                        </a:rPr>
+                        <a:t>1</a:t>
+                      </a:r>
+                      <a:endParaRPr lang="en-US" dirty="0"/>
+                    </a:p>
+                  </a:txBody>
+                  <a:tcPr/>
+                </a:tc>
+              </a:tr>
+              <a:tr h="366218">
+                <a:tc>
+                  <a:txBody>
+                    <a:bodyPr/>
+                    <a:lstStyle/>
+                    <a:p>
+                      <a:pPr algn="ctr"/>
+                      <a:r>
+                        <a:rPr lang="en-US" dirty="0" smtClean="0"/>
+                        <a:t>6</a:t>
+                      </a:r>
+                      <a:endParaRPr lang="en-US" dirty="0"/>
+                    </a:p>
+                  </a:txBody>
+                  <a:tcPr/>
+                </a:tc>
+                <a:tc>
+                  <a:txBody>
+                    <a:bodyPr/>
+                    <a:lstStyle/>
+                    <a:p>
+                      <a:pPr algn="ctr"/>
+                      <a:r>
+                        <a:rPr lang="en-US" sz="1800" b="0" i="0" kern="1200" dirty="0" smtClean="0">
+                          <a:solidFill>
+                            <a:schemeClr val="dk1"/>
+                          </a:solidFill>
+                          <a:effectLst/>
+                          <a:latin typeface="+mn-lt"/>
+                          <a:ea typeface="+mn-ea"/>
+                          <a:cs typeface="+mn-cs"/>
+                        </a:rPr>
+                        <a:t>468.747807122203</a:t>
+                      </a:r>
+                      <a:endParaRPr lang="en-US" dirty="0"/>
+                    </a:p>
+                  </a:txBody>
+                  <a:tcPr/>
+                </a:tc>
+              </a:tr>
+              <a:tr h="366218">
+                <a:tc>
+                  <a:txBody>
+                    <a:bodyPr/>
+                    <a:lstStyle/>
+                    <a:p>
+                      <a:pPr algn="ctr"/>
+                      <a:r>
+                        <a:rPr lang="en-US" dirty="0" smtClean="0"/>
+                        <a:t>7</a:t>
+                      </a:r>
+                      <a:endParaRPr lang="en-US" dirty="0"/>
+                    </a:p>
+                  </a:txBody>
+                  <a:tcPr/>
+                </a:tc>
+                <a:tc>
+                  <a:txBody>
+                    <a:bodyPr/>
+                    <a:lstStyle/>
+                    <a:p>
+                      <a:pPr algn="ctr"/>
+                      <a:r>
+                        <a:rPr lang="vi-VN" sz="1800" b="0" i="0" kern="1200" dirty="0" smtClean="0">
+                          <a:solidFill>
+                            <a:schemeClr val="dk1"/>
+                          </a:solidFill>
+                          <a:effectLst/>
+                          <a:latin typeface="+mn-lt"/>
+                          <a:ea typeface="+mn-ea"/>
+                          <a:cs typeface="+mn-cs"/>
+                        </a:rPr>
+                        <a:t>Công Trường Mê Linh</a:t>
+                      </a:r>
+                      <a:endParaRPr lang="en-US" dirty="0"/>
+                    </a:p>
+                  </a:txBody>
+                  <a:tcPr/>
+                </a:tc>
+              </a:tr>
+              <a:tr h="366218">
+                <a:tc>
+                  <a:txBody>
+                    <a:bodyPr/>
+                    <a:lstStyle/>
+                    <a:p>
+                      <a:pPr algn="ctr"/>
+                      <a:r>
+                        <a:rPr lang="en-US" dirty="0" smtClean="0"/>
+                        <a:t>8</a:t>
+                      </a:r>
+                      <a:endParaRPr lang="en-US" dirty="0"/>
+                    </a:p>
+                  </a:txBody>
+                  <a:tcPr/>
+                </a:tc>
+                <a:tc>
+                  <a:txBody>
+                    <a:bodyPr/>
+                    <a:lstStyle/>
+                    <a:p>
+                      <a:pPr algn="ctr"/>
+                      <a:r>
+                        <a:rPr lang="en-US" sz="1800" b="0" i="0" kern="1200" dirty="0" smtClean="0">
+                          <a:solidFill>
+                            <a:schemeClr val="dk1"/>
+                          </a:solidFill>
+                          <a:effectLst/>
+                          <a:latin typeface="+mn-lt"/>
+                          <a:ea typeface="+mn-ea"/>
+                          <a:cs typeface="+mn-cs"/>
+                        </a:rPr>
+                        <a:t>106.705856990563</a:t>
+                      </a:r>
+                      <a:endParaRPr lang="en-US" dirty="0"/>
+                    </a:p>
+                  </a:txBody>
+                  <a:tcPr/>
+                </a:tc>
+              </a:tr>
+              <a:tr h="366218">
+                <a:tc>
+                  <a:txBody>
+                    <a:bodyPr/>
+                    <a:lstStyle/>
+                    <a:p>
+                      <a:pPr algn="ctr"/>
+                      <a:r>
+                        <a:rPr lang="en-US" dirty="0" smtClean="0"/>
+                        <a:t>9</a:t>
+                      </a:r>
+                      <a:endParaRPr lang="en-US" dirty="0"/>
+                    </a:p>
+                  </a:txBody>
+                  <a:tcPr/>
+                </a:tc>
+                <a:tc>
+                  <a:txBody>
+                    <a:bodyPr/>
+                    <a:lstStyle/>
+                    <a:p>
+                      <a:pPr algn="ctr"/>
+                      <a:r>
+                        <a:rPr lang="en-US" sz="1800" b="0" i="0" kern="1200" dirty="0" smtClean="0">
+                          <a:solidFill>
+                            <a:schemeClr val="dk1"/>
+                          </a:solidFill>
+                          <a:effectLst/>
+                          <a:latin typeface="+mn-lt"/>
+                          <a:ea typeface="+mn-ea"/>
+                          <a:cs typeface="+mn-cs"/>
+                        </a:rPr>
+                        <a:t>10.7767894851893</a:t>
+                      </a:r>
+                      <a:endParaRPr lang="en-US" dirty="0"/>
+                    </a:p>
+                  </a:txBody>
+                  <a:tcPr/>
+                </a:tc>
+              </a:tr>
+              <a:tr h="366218">
+                <a:tc>
+                  <a:txBody>
+                    <a:bodyPr/>
+                    <a:lstStyle/>
+                    <a:p>
+                      <a:pPr algn="ctr"/>
+                      <a:r>
+                        <a:rPr lang="en-US" dirty="0" smtClean="0"/>
+                        <a:t>10</a:t>
+                      </a:r>
+                      <a:endParaRPr lang="en-US" dirty="0"/>
+                    </a:p>
+                  </a:txBody>
+                  <a:tcPr/>
+                </a:tc>
+                <a:tc>
+                  <a:txBody>
+                    <a:bodyPr/>
+                    <a:lstStyle/>
+                    <a:p>
+                      <a:pPr algn="ctr"/>
+                      <a:r>
+                        <a:rPr lang="en-US" sz="1800" b="0" i="0" kern="1200" dirty="0" smtClean="0">
+                          <a:solidFill>
+                            <a:schemeClr val="dk1"/>
+                          </a:solidFill>
+                          <a:effectLst/>
+                          <a:latin typeface="+mn-lt"/>
+                          <a:ea typeface="+mn-ea"/>
+                          <a:cs typeface="+mn-cs"/>
+                        </a:rPr>
+                        <a:t>01</a:t>
+                      </a:r>
+                      <a:endParaRPr lang="en-US" dirty="0"/>
+                    </a:p>
+                  </a:txBody>
+                  <a:tcPr/>
+                </a:tc>
+              </a:tr>
+              <a:tr h="366218">
+                <a:tc>
+                  <a:txBody>
+                    <a:bodyPr/>
+                    <a:lstStyle/>
+                    <a:p>
+                      <a:pPr algn="ctr"/>
+                      <a:r>
+                        <a:rPr lang="en-US" dirty="0" smtClean="0"/>
+                        <a:t>11</a:t>
+                      </a:r>
+                      <a:endParaRPr lang="en-US" dirty="0"/>
+                    </a:p>
+                  </a:txBody>
+                  <a:tcPr/>
+                </a:tc>
+                <a:tc>
+                  <a:txBody>
+                    <a:bodyPr/>
+                    <a:lstStyle/>
+                    <a:p>
+                      <a:pPr algn="ctr"/>
+                      <a:r>
+                        <a:rPr lang="en-US" sz="1800" b="0" i="0" kern="1200" dirty="0" err="1" smtClean="0">
+                          <a:solidFill>
+                            <a:schemeClr val="dk1"/>
+                          </a:solidFill>
+                          <a:effectLst/>
+                          <a:latin typeface="+mn-lt"/>
+                          <a:ea typeface="+mn-ea"/>
+                          <a:cs typeface="+mn-cs"/>
+                        </a:rPr>
+                        <a:t>Bến</a:t>
+                      </a:r>
+                      <a:r>
+                        <a:rPr lang="en-US" sz="1800" b="0" i="0" kern="1200" dirty="0" smtClean="0">
+                          <a:solidFill>
+                            <a:schemeClr val="dk1"/>
+                          </a:solidFill>
+                          <a:effectLst/>
+                          <a:latin typeface="+mn-lt"/>
+                          <a:ea typeface="+mn-ea"/>
+                          <a:cs typeface="+mn-cs"/>
+                        </a:rPr>
+                        <a:t> </a:t>
+                      </a:r>
+                      <a:r>
+                        <a:rPr lang="en-US" sz="1800" b="0" i="0" kern="1200" dirty="0" err="1" smtClean="0">
+                          <a:solidFill>
+                            <a:schemeClr val="dk1"/>
+                          </a:solidFill>
+                          <a:effectLst/>
+                          <a:latin typeface="+mn-lt"/>
+                          <a:ea typeface="+mn-ea"/>
+                          <a:cs typeface="+mn-cs"/>
+                        </a:rPr>
+                        <a:t>Thành</a:t>
+                      </a:r>
+                      <a:r>
+                        <a:rPr lang="en-US" sz="1800" b="0" i="0" kern="1200" dirty="0" smtClean="0">
+                          <a:solidFill>
+                            <a:schemeClr val="dk1"/>
+                          </a:solidFill>
+                          <a:effectLst/>
+                          <a:latin typeface="+mn-lt"/>
+                          <a:ea typeface="+mn-ea"/>
+                          <a:cs typeface="+mn-cs"/>
+                        </a:rPr>
+                        <a:t>- BX </a:t>
+                      </a:r>
+                      <a:r>
+                        <a:rPr lang="en-US" sz="1800" b="0" i="0" kern="1200" dirty="0" err="1" smtClean="0">
+                          <a:solidFill>
+                            <a:schemeClr val="dk1"/>
+                          </a:solidFill>
+                          <a:effectLst/>
+                          <a:latin typeface="+mn-lt"/>
+                          <a:ea typeface="+mn-ea"/>
+                          <a:cs typeface="+mn-cs"/>
+                        </a:rPr>
+                        <a:t>Chợ</a:t>
+                      </a:r>
+                      <a:r>
+                        <a:rPr lang="en-US" sz="1800" b="0" i="0" kern="1200" dirty="0" smtClean="0">
+                          <a:solidFill>
+                            <a:schemeClr val="dk1"/>
+                          </a:solidFill>
+                          <a:effectLst/>
+                          <a:latin typeface="+mn-lt"/>
+                          <a:ea typeface="+mn-ea"/>
+                          <a:cs typeface="+mn-cs"/>
+                        </a:rPr>
+                        <a:t> </a:t>
+                      </a:r>
+                      <a:r>
+                        <a:rPr lang="en-US" sz="1800" b="0" i="0" kern="1200" dirty="0" err="1" smtClean="0">
+                          <a:solidFill>
+                            <a:schemeClr val="dk1"/>
+                          </a:solidFill>
+                          <a:effectLst/>
+                          <a:latin typeface="+mn-lt"/>
+                          <a:ea typeface="+mn-ea"/>
+                          <a:cs typeface="+mn-cs"/>
+                        </a:rPr>
+                        <a:t>Lớn</a:t>
+                      </a:r>
+                      <a:endParaRPr lang="en-US" dirty="0"/>
+                    </a:p>
+                  </a:txBody>
+                  <a:tcPr/>
+                </a:tc>
+              </a:tr>
+              <a:tr h="366218">
+                <a:tc>
+                  <a:txBody>
+                    <a:bodyPr/>
+                    <a:lstStyle/>
+                    <a:p>
+                      <a:pPr algn="ctr"/>
+                      <a:r>
+                        <a:rPr lang="en-US" dirty="0" smtClean="0"/>
+                        <a:t>12</a:t>
+                      </a:r>
+                      <a:endParaRPr lang="en-US" dirty="0"/>
+                    </a:p>
+                  </a:txBody>
+                  <a:tcPr/>
+                </a:tc>
+                <a:tc>
+                  <a:txBody>
+                    <a:bodyPr/>
+                    <a:lstStyle/>
+                    <a:p>
+                      <a:pPr algn="ctr"/>
+                      <a:r>
+                        <a:rPr lang="vi-VN" sz="1800" b="0" i="0" kern="1200" dirty="0" smtClean="0">
+                          <a:solidFill>
+                            <a:schemeClr val="dk1"/>
+                          </a:solidFill>
+                          <a:effectLst/>
+                          <a:latin typeface="+mn-lt"/>
+                          <a:ea typeface="+mn-ea"/>
+                          <a:cs typeface="+mn-cs"/>
+                        </a:rPr>
+                        <a:t>Công trường Mê Linh, Thi Sách, Quận 1</a:t>
+                      </a:r>
+                      <a:endParaRPr lang="en-US" dirty="0"/>
+                    </a:p>
+                  </a:txBody>
+                  <a:tcPr/>
+                </a:tc>
+              </a:tr>
+              <a:tr h="366218">
+                <a:tc>
+                  <a:txBody>
+                    <a:bodyPr/>
+                    <a:lstStyle/>
+                    <a:p>
+                      <a:pPr algn="ctr"/>
+                      <a:r>
+                        <a:rPr lang="en-US" dirty="0" smtClean="0"/>
+                        <a:t>13</a:t>
+                      </a:r>
+                      <a:endParaRPr lang="en-US" dirty="0"/>
+                    </a:p>
+                  </a:txBody>
+                  <a:tcPr/>
+                </a:tc>
+                <a:tc>
+                  <a:txBody>
+                    <a:bodyPr/>
+                    <a:lstStyle/>
+                    <a:p>
+                      <a:pPr algn="ctr"/>
+                      <a:r>
+                        <a:rPr lang="en-US" sz="1800" b="0" i="0" kern="1200" dirty="0" smtClean="0">
+                          <a:solidFill>
+                            <a:schemeClr val="dk1"/>
+                          </a:solidFill>
+                          <a:effectLst/>
+                          <a:latin typeface="+mn-lt"/>
+                          <a:ea typeface="+mn-ea"/>
+                          <a:cs typeface="+mn-cs"/>
+                        </a:rPr>
+                        <a:t>BX06</a:t>
+                      </a:r>
+                      <a:endParaRPr lang="en-US" dirty="0"/>
+                    </a:p>
+                  </a:txBody>
+                  <a:tcPr/>
+                </a:tc>
+              </a:tr>
+            </a:tbl>
+          </a:graphicData>
+        </a:graphic>
+      </p:graphicFrame>
+      <p:sp>
+        <p:nvSpPr>
+          <p:cNvPr id="19" name="Rectangle 18"/>
+          <p:cNvSpPr/>
+          <p:nvPr/>
+        </p:nvSpPr>
+        <p:spPr>
+          <a:xfrm>
+            <a:off x="137231" y="6192140"/>
+            <a:ext cx="7490460" cy="369332"/>
+          </a:xfrm>
+          <a:prstGeom prst="rect">
+            <a:avLst/>
+          </a:prstGeom>
+        </p:spPr>
+        <p:txBody>
+          <a:bodyPr wrap="square">
+            <a:spAutoFit/>
+          </a:bodyPr>
+          <a:lstStyle/>
+          <a:p>
+            <a:r>
+              <a:rPr lang="en-US" dirty="0" smtClean="0"/>
+              <a:t>http://mapbus.ebms.vn/ajax.aspx?action=listRouteStations&amp;</a:t>
+            </a:r>
+            <a:r>
+              <a:rPr lang="en-US" dirty="0" smtClean="0">
+                <a:solidFill>
+                  <a:srgbClr val="FF0000"/>
+                </a:solidFill>
+              </a:rPr>
+              <a:t>rid=1</a:t>
+            </a:r>
+            <a:r>
+              <a:rPr lang="en-US" dirty="0" smtClean="0"/>
+              <a:t>&amp;</a:t>
+            </a:r>
+            <a:r>
+              <a:rPr lang="en-US" dirty="0" smtClean="0">
+                <a:solidFill>
+                  <a:srgbClr val="FF0000"/>
+                </a:solidFill>
+              </a:rPr>
+              <a:t>isgo=true</a:t>
+            </a:r>
+            <a:endParaRPr lang="en-US" dirty="0">
+              <a:solidFill>
+                <a:srgbClr val="FF0000"/>
+              </a:solidFill>
+            </a:endParaRPr>
+          </a:p>
+        </p:txBody>
+      </p:sp>
+      <p:pic>
+        <p:nvPicPr>
+          <p:cNvPr id="20" name="Picture 19"/>
+          <p:cNvPicPr>
+            <a:picLocks noChangeAspect="1"/>
+          </p:cNvPicPr>
+          <p:nvPr/>
+        </p:nvPicPr>
+        <p:blipFill>
+          <a:blip r:embed="rId2">
+            <a:extLst>
+              <a:ext uri="{28A0092B-C50C-407E-A947-70E740481C1C}">
+                <a14:useLocalDpi xmlns:a14="http://schemas.microsoft.com/office/drawing/2010/main" val="0"/>
+              </a:ext>
+            </a:extLst>
+          </a:blip>
+          <a:stretch>
+            <a:fillRect/>
+          </a:stretch>
+        </p:blipFill>
+        <p:spPr>
+          <a:xfrm>
+            <a:off x="6871959" y="2265882"/>
+            <a:ext cx="2130741" cy="3926258"/>
+          </a:xfrm>
+          <a:prstGeom prst="rect">
+            <a:avLst/>
+          </a:prstGeom>
+        </p:spPr>
+      </p:pic>
+      <p:graphicFrame>
+        <p:nvGraphicFramePr>
+          <p:cNvPr id="21" name="Table 20"/>
+          <p:cNvGraphicFramePr>
+            <a:graphicFrameLocks noGrp="1"/>
+          </p:cNvGraphicFramePr>
+          <p:nvPr>
+            <p:extLst>
+              <p:ext uri="{D42A27DB-BD31-4B8C-83A1-F6EECF244321}">
+                <p14:modId xmlns:p14="http://schemas.microsoft.com/office/powerpoint/2010/main" val="4272062364"/>
+              </p:ext>
+            </p:extLst>
+          </p:nvPr>
+        </p:nvGraphicFramePr>
+        <p:xfrm>
+          <a:off x="6650407" y="75488"/>
+          <a:ext cx="1808861" cy="1005840"/>
+        </p:xfrm>
+        <a:graphic>
+          <a:graphicData uri="http://schemas.openxmlformats.org/drawingml/2006/table">
+            <a:tbl>
+              <a:tblPr firstRow="1" bandRow="1">
+                <a:tableStyleId>{21E4AEA4-8DFA-4A89-87EB-49C32662AFE0}</a:tableStyleId>
+              </a:tblPr>
+              <a:tblGrid>
+                <a:gridCol w="1808861"/>
+              </a:tblGrid>
+              <a:tr h="310682">
+                <a:tc>
+                  <a:txBody>
+                    <a:bodyPr/>
+                    <a:lstStyle/>
+                    <a:p>
+                      <a:pPr algn="ctr"/>
+                      <a:r>
+                        <a:rPr lang="en-US" sz="1600" dirty="0" err="1" smtClean="0">
+                          <a:latin typeface="Cambria" panose="02040503050406030204" pitchFamily="18" charset="0"/>
+                        </a:rPr>
+                        <a:t>PathInfo</a:t>
+                      </a:r>
+                      <a:endParaRPr lang="en-US" sz="1600" dirty="0">
+                        <a:latin typeface="Cambria" panose="02040503050406030204" pitchFamily="18" charset="0"/>
+                      </a:endParaRPr>
+                    </a:p>
+                  </a:txBody>
+                  <a:tcPr/>
+                </a:tc>
+              </a:tr>
+              <a:tr h="300814">
+                <a:tc>
+                  <a:txBody>
+                    <a:bodyPr/>
+                    <a:lstStyle/>
+                    <a:p>
+                      <a:pPr marL="0" marR="0" indent="0" algn="l" defTabSz="914400" rtl="0" eaLnBrk="1" fontAlgn="auto" latinLnBrk="0" hangingPunct="1">
+                        <a:lnSpc>
+                          <a:spcPct val="100000"/>
+                        </a:lnSpc>
+                        <a:spcBef>
+                          <a:spcPts val="0"/>
+                        </a:spcBef>
+                        <a:spcAft>
+                          <a:spcPts val="0"/>
+                        </a:spcAft>
+                        <a:buClrTx/>
+                        <a:buSzTx/>
+                        <a:buFontTx/>
+                        <a:buNone/>
+                        <a:tabLst/>
+                        <a:defRPr/>
+                      </a:pPr>
+                      <a:r>
+                        <a:rPr lang="en-US" sz="1600" dirty="0" err="1" smtClean="0">
+                          <a:latin typeface="Cambria" panose="02040503050406030204" pitchFamily="18" charset="0"/>
+                        </a:rPr>
+                        <a:t>PahtInfoNo</a:t>
+                      </a:r>
+                      <a:endParaRPr lang="en-US" sz="1600" dirty="0" smtClean="0">
+                        <a:latin typeface="Cambria" panose="02040503050406030204" pitchFamily="18" charset="0"/>
+                      </a:endParaRPr>
+                    </a:p>
+                  </a:txBody>
+                  <a:tcPr/>
+                </a:tc>
+              </a:tr>
+              <a:tr h="300814">
+                <a:tc>
+                  <a:txBody>
+                    <a:bodyPr/>
+                    <a:lstStyle/>
+                    <a:p>
+                      <a:pPr marL="0" marR="0" indent="0" algn="l" defTabSz="914400" rtl="0" eaLnBrk="1" fontAlgn="auto" latinLnBrk="0" hangingPunct="1">
+                        <a:lnSpc>
+                          <a:spcPct val="100000"/>
+                        </a:lnSpc>
+                        <a:spcBef>
+                          <a:spcPts val="0"/>
+                        </a:spcBef>
+                        <a:spcAft>
+                          <a:spcPts val="0"/>
+                        </a:spcAft>
+                        <a:buClrTx/>
+                        <a:buSzTx/>
+                        <a:buFontTx/>
+                        <a:buNone/>
+                        <a:tabLst/>
+                        <a:defRPr/>
+                      </a:pPr>
+                      <a:r>
+                        <a:rPr lang="en-US" sz="1600" dirty="0" err="1" smtClean="0">
+                          <a:latin typeface="Cambria" panose="02040503050406030204" pitchFamily="18" charset="0"/>
+                        </a:rPr>
+                        <a:t>MiddlePoints</a:t>
+                      </a:r>
+                      <a:endParaRPr lang="en-US" sz="1600" dirty="0" smtClean="0">
+                        <a:latin typeface="Cambria" panose="02040503050406030204" pitchFamily="18" charset="0"/>
+                      </a:endParaRPr>
+                    </a:p>
+                  </a:txBody>
+                  <a:tcPr/>
+                </a:tc>
+              </a:tr>
+            </a:tbl>
+          </a:graphicData>
+        </a:graphic>
+      </p:graphicFrame>
+      <p:cxnSp>
+        <p:nvCxnSpPr>
+          <p:cNvPr id="22" name="Straight Arrow Connector 21"/>
+          <p:cNvCxnSpPr/>
+          <p:nvPr/>
+        </p:nvCxnSpPr>
+        <p:spPr>
+          <a:xfrm flipV="1">
+            <a:off x="5631679" y="934720"/>
+            <a:ext cx="1084081" cy="817169"/>
+          </a:xfrm>
+          <a:prstGeom prst="straightConnector1">
+            <a:avLst/>
+          </a:prstGeom>
+          <a:ln>
+            <a:tailEnd type="triangle"/>
+          </a:ln>
+        </p:spPr>
+        <p:style>
+          <a:lnRef idx="3">
+            <a:schemeClr val="accent2"/>
+          </a:lnRef>
+          <a:fillRef idx="0">
+            <a:schemeClr val="accent2"/>
+          </a:fillRef>
+          <a:effectRef idx="2">
+            <a:schemeClr val="accent2"/>
+          </a:effectRef>
+          <a:fontRef idx="minor">
+            <a:schemeClr val="tx1"/>
+          </a:fontRef>
+        </p:style>
+      </p:cxnSp>
+      <p:sp>
+        <p:nvSpPr>
+          <p:cNvPr id="23" name="Diamond 22"/>
+          <p:cNvSpPr/>
+          <p:nvPr/>
+        </p:nvSpPr>
+        <p:spPr>
+          <a:xfrm>
+            <a:off x="7424871" y="2656318"/>
+            <a:ext cx="119641" cy="102549"/>
+          </a:xfrm>
+          <a:prstGeom prst="diamond">
+            <a:avLst/>
+          </a:prstGeom>
+          <a:solidFill>
+            <a:srgbClr val="FF0000"/>
+          </a:solidFill>
+        </p:spPr>
+        <p:style>
+          <a:lnRef idx="2">
+            <a:schemeClr val="accent2">
+              <a:shade val="50000"/>
+            </a:schemeClr>
+          </a:lnRef>
+          <a:fillRef idx="1">
+            <a:schemeClr val="accent2"/>
+          </a:fillRef>
+          <a:effectRef idx="0">
+            <a:schemeClr val="accent2"/>
+          </a:effectRef>
+          <a:fontRef idx="minor">
+            <a:schemeClr val="lt1"/>
+          </a:fontRef>
+        </p:style>
+        <p:txBody>
+          <a:bodyPr rtlCol="0" anchor="ctr"/>
+          <a:lstStyle/>
+          <a:p>
+            <a:pPr algn="ctr"/>
+            <a:endParaRPr lang="en-US"/>
+          </a:p>
+        </p:txBody>
+      </p:sp>
+      <p:sp>
+        <p:nvSpPr>
+          <p:cNvPr id="24" name="Diamond 23"/>
+          <p:cNvSpPr/>
+          <p:nvPr/>
+        </p:nvSpPr>
+        <p:spPr>
+          <a:xfrm>
+            <a:off x="7544512" y="2881932"/>
+            <a:ext cx="119641" cy="102549"/>
+          </a:xfrm>
+          <a:prstGeom prst="diamond">
+            <a:avLst/>
+          </a:prstGeom>
+          <a:solidFill>
+            <a:srgbClr val="FF0000"/>
+          </a:solidFill>
+        </p:spPr>
+        <p:style>
+          <a:lnRef idx="2">
+            <a:schemeClr val="accent2">
+              <a:shade val="50000"/>
+            </a:schemeClr>
+          </a:lnRef>
+          <a:fillRef idx="1">
+            <a:schemeClr val="accent2"/>
+          </a:fillRef>
+          <a:effectRef idx="0">
+            <a:schemeClr val="accent2"/>
+          </a:effectRef>
+          <a:fontRef idx="minor">
+            <a:schemeClr val="lt1"/>
+          </a:fontRef>
+        </p:style>
+        <p:txBody>
+          <a:bodyPr rtlCol="0" anchor="ctr"/>
+          <a:lstStyle/>
+          <a:p>
+            <a:pPr algn="ctr"/>
+            <a:endParaRPr lang="en-US"/>
+          </a:p>
+        </p:txBody>
+      </p:sp>
+      <p:sp>
+        <p:nvSpPr>
+          <p:cNvPr id="25" name="Diamond 24"/>
+          <p:cNvSpPr/>
+          <p:nvPr/>
+        </p:nvSpPr>
+        <p:spPr>
+          <a:xfrm>
+            <a:off x="7664153" y="3245978"/>
+            <a:ext cx="119641" cy="102549"/>
+          </a:xfrm>
+          <a:prstGeom prst="diamond">
+            <a:avLst/>
+          </a:prstGeom>
+          <a:solidFill>
+            <a:srgbClr val="FF0000"/>
+          </a:solidFill>
+        </p:spPr>
+        <p:style>
+          <a:lnRef idx="2">
+            <a:schemeClr val="accent2">
+              <a:shade val="50000"/>
+            </a:schemeClr>
+          </a:lnRef>
+          <a:fillRef idx="1">
+            <a:schemeClr val="accent2"/>
+          </a:fillRef>
+          <a:effectRef idx="0">
+            <a:schemeClr val="accent2"/>
+          </a:effectRef>
+          <a:fontRef idx="minor">
+            <a:schemeClr val="lt1"/>
+          </a:fontRef>
+        </p:style>
+        <p:txBody>
+          <a:bodyPr rtlCol="0" anchor="ctr"/>
+          <a:lstStyle/>
+          <a:p>
+            <a:pPr algn="ctr"/>
+            <a:endParaRPr lang="en-US"/>
+          </a:p>
+        </p:txBody>
+      </p:sp>
+      <p:sp>
+        <p:nvSpPr>
+          <p:cNvPr id="26" name="Diamond 25"/>
+          <p:cNvSpPr/>
+          <p:nvPr/>
+        </p:nvSpPr>
+        <p:spPr>
+          <a:xfrm>
+            <a:off x="7484691" y="3664722"/>
+            <a:ext cx="119641" cy="102549"/>
+          </a:xfrm>
+          <a:prstGeom prst="diamond">
+            <a:avLst/>
+          </a:prstGeom>
+          <a:solidFill>
+            <a:srgbClr val="FF0000"/>
+          </a:solidFill>
+        </p:spPr>
+        <p:style>
+          <a:lnRef idx="2">
+            <a:schemeClr val="accent2">
+              <a:shade val="50000"/>
+            </a:schemeClr>
+          </a:lnRef>
+          <a:fillRef idx="1">
+            <a:schemeClr val="accent2"/>
+          </a:fillRef>
+          <a:effectRef idx="0">
+            <a:schemeClr val="accent2"/>
+          </a:effectRef>
+          <a:fontRef idx="minor">
+            <a:schemeClr val="lt1"/>
+          </a:fontRef>
+        </p:style>
+        <p:txBody>
+          <a:bodyPr rtlCol="0" anchor="ctr"/>
+          <a:lstStyle/>
+          <a:p>
+            <a:pPr algn="ctr"/>
+            <a:endParaRPr lang="en-US"/>
+          </a:p>
+        </p:txBody>
+      </p:sp>
+      <p:sp>
+        <p:nvSpPr>
+          <p:cNvPr id="27" name="Diamond 26"/>
+          <p:cNvSpPr/>
+          <p:nvPr/>
+        </p:nvSpPr>
+        <p:spPr>
+          <a:xfrm>
+            <a:off x="7484691" y="4198547"/>
+            <a:ext cx="119641" cy="102549"/>
+          </a:xfrm>
+          <a:prstGeom prst="diamond">
+            <a:avLst/>
+          </a:prstGeom>
+          <a:solidFill>
+            <a:srgbClr val="FF0000"/>
+          </a:solidFill>
+        </p:spPr>
+        <p:style>
+          <a:lnRef idx="2">
+            <a:schemeClr val="accent2">
+              <a:shade val="50000"/>
+            </a:schemeClr>
+          </a:lnRef>
+          <a:fillRef idx="1">
+            <a:schemeClr val="accent2"/>
+          </a:fillRef>
+          <a:effectRef idx="0">
+            <a:schemeClr val="accent2"/>
+          </a:effectRef>
+          <a:fontRef idx="minor">
+            <a:schemeClr val="lt1"/>
+          </a:fontRef>
+        </p:style>
+        <p:txBody>
+          <a:bodyPr rtlCol="0" anchor="ctr"/>
+          <a:lstStyle/>
+          <a:p>
+            <a:pPr algn="ctr"/>
+            <a:endParaRPr lang="en-US"/>
+          </a:p>
+        </p:txBody>
+      </p:sp>
+      <p:sp>
+        <p:nvSpPr>
+          <p:cNvPr id="28" name="Diamond 27"/>
+          <p:cNvSpPr/>
+          <p:nvPr/>
+        </p:nvSpPr>
+        <p:spPr>
+          <a:xfrm>
+            <a:off x="7877508" y="4408206"/>
+            <a:ext cx="119641" cy="102549"/>
+          </a:xfrm>
+          <a:prstGeom prst="diamond">
+            <a:avLst/>
+          </a:prstGeom>
+          <a:solidFill>
+            <a:srgbClr val="FF0000"/>
+          </a:solidFill>
+        </p:spPr>
+        <p:style>
+          <a:lnRef idx="2">
+            <a:schemeClr val="accent2">
+              <a:shade val="50000"/>
+            </a:schemeClr>
+          </a:lnRef>
+          <a:fillRef idx="1">
+            <a:schemeClr val="accent2"/>
+          </a:fillRef>
+          <a:effectRef idx="0">
+            <a:schemeClr val="accent2"/>
+          </a:effectRef>
+          <a:fontRef idx="minor">
+            <a:schemeClr val="lt1"/>
+          </a:fontRef>
+        </p:style>
+        <p:txBody>
+          <a:bodyPr rtlCol="0" anchor="ctr"/>
+          <a:lstStyle/>
+          <a:p>
+            <a:pPr algn="ctr"/>
+            <a:endParaRPr lang="en-US"/>
+          </a:p>
+        </p:txBody>
+      </p:sp>
+      <p:sp>
+        <p:nvSpPr>
+          <p:cNvPr id="29" name="Diamond 28"/>
+          <p:cNvSpPr/>
+          <p:nvPr/>
+        </p:nvSpPr>
+        <p:spPr>
+          <a:xfrm>
+            <a:off x="7997149" y="4920954"/>
+            <a:ext cx="119641" cy="102549"/>
+          </a:xfrm>
+          <a:prstGeom prst="diamond">
+            <a:avLst/>
+          </a:prstGeom>
+          <a:solidFill>
+            <a:srgbClr val="FF0000"/>
+          </a:solidFill>
+        </p:spPr>
+        <p:style>
+          <a:lnRef idx="2">
+            <a:schemeClr val="accent2">
+              <a:shade val="50000"/>
+            </a:schemeClr>
+          </a:lnRef>
+          <a:fillRef idx="1">
+            <a:schemeClr val="accent2"/>
+          </a:fillRef>
+          <a:effectRef idx="0">
+            <a:schemeClr val="accent2"/>
+          </a:effectRef>
+          <a:fontRef idx="minor">
+            <a:schemeClr val="lt1"/>
+          </a:fontRef>
+        </p:style>
+        <p:txBody>
+          <a:bodyPr rtlCol="0" anchor="ctr"/>
+          <a:lstStyle/>
+          <a:p>
+            <a:pPr algn="ctr"/>
+            <a:endParaRPr lang="en-US"/>
+          </a:p>
+        </p:txBody>
+      </p:sp>
+      <p:sp>
+        <p:nvSpPr>
+          <p:cNvPr id="30" name="Diamond 29"/>
+          <p:cNvSpPr/>
+          <p:nvPr/>
+        </p:nvSpPr>
+        <p:spPr>
+          <a:xfrm>
+            <a:off x="7937328" y="5382427"/>
+            <a:ext cx="119641" cy="102549"/>
+          </a:xfrm>
+          <a:prstGeom prst="diamond">
+            <a:avLst/>
+          </a:prstGeom>
+          <a:solidFill>
+            <a:srgbClr val="FF0000"/>
+          </a:solidFill>
+        </p:spPr>
+        <p:style>
+          <a:lnRef idx="2">
+            <a:schemeClr val="accent2">
+              <a:shade val="50000"/>
+            </a:schemeClr>
+          </a:lnRef>
+          <a:fillRef idx="1">
+            <a:schemeClr val="accent2"/>
+          </a:fillRef>
+          <a:effectRef idx="0">
+            <a:schemeClr val="accent2"/>
+          </a:effectRef>
+          <a:fontRef idx="minor">
+            <a:schemeClr val="lt1"/>
+          </a:fontRef>
+        </p:style>
+        <p:txBody>
+          <a:bodyPr rtlCol="0" anchor="ctr"/>
+          <a:lstStyle/>
+          <a:p>
+            <a:pPr algn="ctr"/>
+            <a:endParaRPr lang="en-US"/>
+          </a:p>
+        </p:txBody>
+      </p:sp>
+      <p:cxnSp>
+        <p:nvCxnSpPr>
+          <p:cNvPr id="31" name="Straight Arrow Connector 30"/>
+          <p:cNvCxnSpPr>
+            <a:endCxn id="24" idx="1"/>
+          </p:cNvCxnSpPr>
+          <p:nvPr/>
+        </p:nvCxnSpPr>
+        <p:spPr>
+          <a:xfrm>
+            <a:off x="5247118" y="2265882"/>
+            <a:ext cx="2297394" cy="667325"/>
+          </a:xfrm>
+          <a:prstGeom prst="straightConnector1">
+            <a:avLst/>
+          </a:prstGeom>
+          <a:ln>
+            <a:tailEnd type="triangle"/>
+          </a:ln>
+        </p:spPr>
+        <p:style>
+          <a:lnRef idx="3">
+            <a:schemeClr val="accent2"/>
+          </a:lnRef>
+          <a:fillRef idx="0">
+            <a:schemeClr val="accent2"/>
+          </a:fillRef>
+          <a:effectRef idx="2">
+            <a:schemeClr val="accent2"/>
+          </a:effectRef>
+          <a:fontRef idx="minor">
+            <a:schemeClr val="tx1"/>
+          </a:fontRef>
+        </p:style>
+      </p:cxnSp>
+    </p:spTree>
+    <p:extLst>
+      <p:ext uri="{BB962C8B-B14F-4D97-AF65-F5344CB8AC3E}">
+        <p14:creationId xmlns:p14="http://schemas.microsoft.com/office/powerpoint/2010/main" val="1249556590"/>
+      </p:ext>
+    </p:extLst>
+  </p:cSld>
+  <p:clrMapOvr>
+    <a:masterClrMapping/>
+  </p:clrMapOvr>
+</p:sld>
+</file>
+
+<file path=ppt/slides/slide18.xml><?xml version="1.0" encoding="utf-8"?>
 <p:sld xmlns:a="http://schemas.openxmlformats.org/drawingml/2006/main" xmlns:r="http://schemas.openxmlformats.org/officeDocument/2006/relationships" xmlns:p="http://schemas.openxmlformats.org/presentationml/2006/main">
   <p:cSld>
     <p:spTree>
@@ -8111,7 +9444,7 @@
 </p:sld>
 </file>
 
-<file path=ppt/slides/slide18.xml><?xml version="1.0" encoding="utf-8"?>
+<file path=ppt/slides/slide19.xml><?xml version="1.0" encoding="utf-8"?>
 <p:sld xmlns:a="http://schemas.openxmlformats.org/drawingml/2006/main" xmlns:r="http://schemas.openxmlformats.org/officeDocument/2006/relationships" xmlns:p="http://schemas.openxmlformats.org/presentationml/2006/main">
   <p:cSld>
     <p:spTree>
@@ -8289,13 +9622,13 @@
           <p:nvPr>
             <p:extLst>
               <p:ext uri="{D42A27DB-BD31-4B8C-83A1-F6EECF244321}">
-                <p14:modId xmlns:p14="http://schemas.microsoft.com/office/powerpoint/2010/main" val="2442890561"/>
+                <p14:modId xmlns:p14="http://schemas.microsoft.com/office/powerpoint/2010/main" val="1628734403"/>
               </p:ext>
             </p:extLst>
           </p:nvPr>
         </p:nvGraphicFramePr>
         <p:xfrm>
-          <a:off x="488962" y="1963195"/>
+          <a:off x="488962" y="2125755"/>
           <a:ext cx="1440679" cy="1450719"/>
         </p:xfrm>
         <a:graphic>
@@ -8401,14 +9734,14 @@
           <p:nvPr>
             <p:extLst>
               <p:ext uri="{D42A27DB-BD31-4B8C-83A1-F6EECF244321}">
-                <p14:modId xmlns:p14="http://schemas.microsoft.com/office/powerpoint/2010/main" val="954914558"/>
+                <p14:modId xmlns:p14="http://schemas.microsoft.com/office/powerpoint/2010/main" val="2299441195"/>
               </p:ext>
             </p:extLst>
           </p:nvPr>
         </p:nvGraphicFramePr>
         <p:xfrm>
           <a:off x="3334639" y="1858929"/>
-          <a:ext cx="1808861" cy="1676400"/>
+          <a:ext cx="1808861" cy="2011680"/>
         </p:xfrm>
         <a:graphic>
           <a:graphicData uri="http://schemas.openxmlformats.org/drawingml/2006/table">
@@ -8571,6 +9904,43 @@
                   <a:tcPr/>
                 </a:tc>
               </a:tr>
+              <a:tr h="300814">
+                <a:tc>
+                  <a:txBody>
+                    <a:bodyPr/>
+                    <a:lstStyle/>
+                    <a:p>
+                      <a:pPr marL="0" marR="0" indent="0" algn="l" defTabSz="914400" rtl="0" eaLnBrk="1" fontAlgn="auto" latinLnBrk="0" hangingPunct="1">
+                        <a:lnSpc>
+                          <a:spcPct val="100000"/>
+                        </a:lnSpc>
+                        <a:spcBef>
+                          <a:spcPts val="0"/>
+                        </a:spcBef>
+                        <a:spcAft>
+                          <a:spcPts val="0"/>
+                        </a:spcAft>
+                        <a:buClrTx/>
+                        <a:buSzTx/>
+                        <a:buFontTx/>
+                        <a:buNone/>
+                        <a:tabLst/>
+                        <a:defRPr/>
+                      </a:pPr>
+                      <a:r>
+                        <a:rPr lang="en-US" sz="1600" dirty="0" err="1" smtClean="0">
+                          <a:latin typeface="Cambria" panose="02040503050406030204" pitchFamily="18" charset="0"/>
+                        </a:rPr>
+                        <a:t>MiddlePoints</a:t>
+                      </a:r>
+                      <a:endParaRPr lang="en-US" sz="1600" dirty="0" smtClean="0">
+                        <a:latin typeface="Cambria" panose="02040503050406030204" pitchFamily="18" charset="0"/>
+                      </a:endParaRPr>
+                    </a:p>
+                  </a:txBody>
+                  <a:tcPr/>
+                </a:tc>
+              </a:tr>
             </a:tbl>
           </a:graphicData>
         </a:graphic>
@@ -8586,8 +9956,8 @@
         </p:nvCxnSpPr>
         <p:spPr>
           <a:xfrm>
-            <a:off x="1929641" y="2688554"/>
-            <a:ext cx="1404998" cy="8575"/>
+            <a:off x="1929641" y="2851114"/>
+            <a:ext cx="1404998" cy="13655"/>
           </a:xfrm>
           <a:prstGeom prst="line">
             <a:avLst/>
@@ -8676,7 +10046,7 @@
         </p:nvSpPr>
         <p:spPr>
           <a:xfrm>
-            <a:off x="1852729" y="2372736"/>
+            <a:off x="1858541" y="2537740"/>
             <a:ext cx="301686" cy="369332"/>
           </a:xfrm>
           <a:prstGeom prst="rect">
@@ -8836,7 +10206,7 @@
             </p:nvSpPr>
             <p:spPr>
               <a:xfrm>
-                <a:off x="3100578" y="2459930"/>
+                <a:off x="3103380" y="2621596"/>
                 <a:ext cx="248465" cy="276999"/>
               </a:xfrm>
               <a:prstGeom prst="rect">
@@ -8883,7 +10253,7 @@
             </p:nvSpPr>
             <p:spPr>
               <a:xfrm>
-                <a:off x="3100578" y="2459930"/>
+                <a:off x="3103380" y="2621596"/>
                 <a:ext cx="248465" cy="276999"/>
               </a:xfrm>
               <a:prstGeom prst="rect">
@@ -8892,7 +10262,7 @@
               <a:blipFill rotWithShape="0">
                 <a:blip r:embed="rId2"/>
                 <a:stretch>
-                  <a:fillRect l="-15000" r="-12500"/>
+                  <a:fillRect l="-12195" r="-12195"/>
                 </a:stretch>
               </a:blipFill>
             </p:spPr>
@@ -9089,7 +10459,7 @@
         </p:nvSpPr>
         <p:spPr>
           <a:xfrm>
-            <a:off x="2180221" y="2405217"/>
+            <a:off x="2148311" y="2567652"/>
             <a:ext cx="917239" cy="338554"/>
           </a:xfrm>
           <a:prstGeom prst="rect">
@@ -9119,1440 +10489,6 @@
     <p:extLst>
       <p:ext uri="{BB962C8B-B14F-4D97-AF65-F5344CB8AC3E}">
         <p14:creationId xmlns:p14="http://schemas.microsoft.com/office/powerpoint/2010/main" val="3767814212"/>
-      </p:ext>
-    </p:extLst>
-  </p:cSld>
-  <p:clrMapOvr>
-    <a:masterClrMapping/>
-  </p:clrMapOvr>
-  <p:timing>
-    <p:tnLst>
-      <p:par>
-        <p:cTn id="1" dur="indefinite" restart="never" nodeType="tmRoot"/>
-      </p:par>
-    </p:tnLst>
-  </p:timing>
-</p:sld>
-</file>
-
-<file path=ppt/slides/slide19.xml><?xml version="1.0" encoding="utf-8"?>
-<p:sld xmlns:a="http://schemas.openxmlformats.org/drawingml/2006/main" xmlns:r="http://schemas.openxmlformats.org/officeDocument/2006/relationships" xmlns:p="http://schemas.openxmlformats.org/presentationml/2006/main">
-  <p:cSld>
-    <p:spTree>
-      <p:nvGrpSpPr>
-        <p:cNvPr id="1" name=""/>
-        <p:cNvGrpSpPr/>
-        <p:nvPr/>
-      </p:nvGrpSpPr>
-      <p:grpSpPr>
-        <a:xfrm>
-          <a:off x="0" y="0"/>
-          <a:ext cx="0" cy="0"/>
-          <a:chOff x="0" y="0"/>
-          <a:chExt cx="0" cy="0"/>
-        </a:xfrm>
-      </p:grpSpPr>
-      <p:graphicFrame>
-        <p:nvGraphicFramePr>
-          <p:cNvPr id="4" name="Table 3"/>
-          <p:cNvGraphicFramePr>
-            <a:graphicFrameLocks noGrp="1"/>
-          </p:cNvGraphicFramePr>
-          <p:nvPr>
-            <p:extLst>
-              <p:ext uri="{D42A27DB-BD31-4B8C-83A1-F6EECF244321}">
-                <p14:modId xmlns:p14="http://schemas.microsoft.com/office/powerpoint/2010/main" val="3616197222"/>
-              </p:ext>
-            </p:extLst>
-          </p:nvPr>
-        </p:nvGraphicFramePr>
-        <p:xfrm>
-          <a:off x="137159" y="76914"/>
-          <a:ext cx="5742347" cy="5978623"/>
-        </p:xfrm>
-        <a:graphic>
-          <a:graphicData uri="http://schemas.openxmlformats.org/drawingml/2006/table">
-            <a:tbl>
-              <a:tblPr firstRow="1" bandRow="1">
-                <a:tableStyleId>{5C22544A-7EE6-4342-B048-85BDC9FD1C3A}</a:tableStyleId>
-              </a:tblPr>
-              <a:tblGrid>
-                <a:gridCol w="754659"/>
-                <a:gridCol w="4987688"/>
-              </a:tblGrid>
-              <a:tr h="394829">
-                <a:tc>
-                  <a:txBody>
-                    <a:bodyPr/>
-                    <a:lstStyle/>
-                    <a:p>
-                      <a:pPr algn="ctr"/>
-                      <a:r>
-                        <a:rPr lang="en-US" sz="1600" dirty="0" smtClean="0"/>
-                        <a:t>Index</a:t>
-                      </a:r>
-                      <a:endParaRPr lang="en-US" sz="1600" dirty="0"/>
-                    </a:p>
-                  </a:txBody>
-                  <a:tcPr/>
-                </a:tc>
-                <a:tc>
-                  <a:txBody>
-                    <a:bodyPr/>
-                    <a:lstStyle/>
-                    <a:p>
-                      <a:pPr algn="ctr"/>
-                      <a:r>
-                        <a:rPr lang="en-US" dirty="0" smtClean="0"/>
-                        <a:t>Sample value</a:t>
-                      </a:r>
-                      <a:endParaRPr lang="en-US" dirty="0"/>
-                    </a:p>
-                  </a:txBody>
-                  <a:tcPr/>
-                </a:tc>
-              </a:tr>
-              <a:tr h="366218">
-                <a:tc>
-                  <a:txBody>
-                    <a:bodyPr/>
-                    <a:lstStyle/>
-                    <a:p>
-                      <a:pPr algn="ctr"/>
-                      <a:r>
-                        <a:rPr lang="en-US" dirty="0" smtClean="0"/>
-                        <a:t>0</a:t>
-                      </a:r>
-                      <a:endParaRPr lang="en-US" dirty="0"/>
-                    </a:p>
-                  </a:txBody>
-                  <a:tcPr/>
-                </a:tc>
-                <a:tc>
-                  <a:txBody>
-                    <a:bodyPr/>
-                    <a:lstStyle/>
-                    <a:p>
-                      <a:pPr algn="ctr"/>
-                      <a:r>
-                        <a:rPr lang="en-US" dirty="0" smtClean="0"/>
-                        <a:t>1</a:t>
-                      </a:r>
-                      <a:endParaRPr lang="en-US" dirty="0"/>
-                    </a:p>
-                  </a:txBody>
-                  <a:tcPr/>
-                </a:tc>
-              </a:tr>
-              <a:tr h="366218">
-                <a:tc>
-                  <a:txBody>
-                    <a:bodyPr/>
-                    <a:lstStyle/>
-                    <a:p>
-                      <a:pPr algn="ctr"/>
-                      <a:r>
-                        <a:rPr lang="en-US" dirty="0" smtClean="0"/>
-                        <a:t>1</a:t>
-                      </a:r>
-                      <a:endParaRPr lang="en-US" dirty="0"/>
-                    </a:p>
-                  </a:txBody>
-                  <a:tcPr/>
-                </a:tc>
-                <a:tc>
-                  <a:txBody>
-                    <a:bodyPr/>
-                    <a:lstStyle/>
-                    <a:p>
-                      <a:pPr algn="ctr"/>
-                      <a:r>
-                        <a:rPr lang="en-US" dirty="0" smtClean="0"/>
-                        <a:t>8999</a:t>
-                      </a:r>
-                      <a:endParaRPr lang="en-US" dirty="0"/>
-                    </a:p>
-                  </a:txBody>
-                  <a:tcPr/>
-                </a:tc>
-              </a:tr>
-              <a:tr h="366218">
-                <a:tc>
-                  <a:txBody>
-                    <a:bodyPr/>
-                    <a:lstStyle/>
-                    <a:p>
-                      <a:pPr algn="ctr"/>
-                      <a:r>
-                        <a:rPr lang="en-US" dirty="0" smtClean="0"/>
-                        <a:t>2</a:t>
-                      </a:r>
-                      <a:endParaRPr lang="en-US" dirty="0"/>
-                    </a:p>
-                  </a:txBody>
-                  <a:tcPr/>
-                </a:tc>
-                <a:tc>
-                  <a:txBody>
-                    <a:bodyPr/>
-                    <a:lstStyle/>
-                    <a:p>
-                      <a:pPr algn="ctr"/>
-                      <a:r>
-                        <a:rPr lang="en-US" dirty="0" smtClean="0"/>
-                        <a:t>8994</a:t>
-                      </a:r>
-                      <a:endParaRPr lang="en-US" dirty="0"/>
-                    </a:p>
-                  </a:txBody>
-                  <a:tcPr/>
-                </a:tc>
-              </a:tr>
-              <a:tr h="366218">
-                <a:tc>
-                  <a:txBody>
-                    <a:bodyPr/>
-                    <a:lstStyle/>
-                    <a:p>
-                      <a:pPr algn="ctr"/>
-                      <a:r>
-                        <a:rPr lang="en-US" dirty="0" smtClean="0"/>
-                        <a:t>3</a:t>
-                      </a:r>
-                      <a:endParaRPr lang="en-US" dirty="0"/>
-                    </a:p>
-                  </a:txBody>
-                  <a:tcPr/>
-                </a:tc>
-                <a:tc>
-                  <a:txBody>
-                    <a:bodyPr/>
-                    <a:lstStyle/>
-                    <a:p>
-                      <a:pPr marL="0" marR="0" indent="0" algn="ctr" defTabSz="914400" rtl="0" eaLnBrk="1" fontAlgn="auto" latinLnBrk="0" hangingPunct="1">
-                        <a:lnSpc>
-                          <a:spcPct val="100000"/>
-                        </a:lnSpc>
-                        <a:spcBef>
-                          <a:spcPts val="0"/>
-                        </a:spcBef>
-                        <a:spcAft>
-                          <a:spcPts val="0"/>
-                        </a:spcAft>
-                        <a:buClrTx/>
-                        <a:buSzTx/>
-                        <a:buFontTx/>
-                        <a:buNone/>
-                        <a:tabLst/>
-                        <a:defRPr/>
-                      </a:pPr>
-                      <a:r>
-                        <a:rPr lang="en-US" sz="1600" b="0" i="0" kern="1200" dirty="0" smtClean="0">
-                          <a:solidFill>
-                            <a:schemeClr val="dk1"/>
-                          </a:solidFill>
-                          <a:effectLst/>
-                          <a:latin typeface="Cambria" panose="02040503050406030204" pitchFamily="18" charset="0"/>
-                          <a:ea typeface="+mn-ea"/>
-                          <a:cs typeface="+mn-cs"/>
-                        </a:rPr>
-                        <a:t>106.70589000000001,10.776800000000001 106.70627,10.775810000000002 106.70623,10.77579 106.70617000000001,10.77576 ...</a:t>
-                      </a:r>
-                      <a:endParaRPr lang="en-US" sz="1600" dirty="0" smtClean="0">
-                        <a:latin typeface="Cambria" panose="02040503050406030204" pitchFamily="18" charset="0"/>
-                      </a:endParaRPr>
-                    </a:p>
-                  </a:txBody>
-                  <a:tcPr/>
-                </a:tc>
-              </a:tr>
-              <a:tr h="366218">
-                <a:tc>
-                  <a:txBody>
-                    <a:bodyPr/>
-                    <a:lstStyle/>
-                    <a:p>
-                      <a:pPr algn="ctr"/>
-                      <a:r>
-                        <a:rPr lang="en-US" dirty="0" smtClean="0"/>
-                        <a:t>4</a:t>
-                      </a:r>
-                      <a:endParaRPr lang="en-US" dirty="0"/>
-                    </a:p>
-                  </a:txBody>
-                  <a:tcPr/>
-                </a:tc>
-                <a:tc>
-                  <a:txBody>
-                    <a:bodyPr/>
-                    <a:lstStyle/>
-                    <a:p>
-                      <a:pPr algn="ctr"/>
-                      <a:r>
-                        <a:rPr lang="en-US" dirty="0" smtClean="0"/>
-                        <a:t>True</a:t>
-                      </a:r>
-                      <a:endParaRPr lang="en-US" dirty="0"/>
-                    </a:p>
-                  </a:txBody>
-                  <a:tcPr/>
-                </a:tc>
-              </a:tr>
-              <a:tr h="366218">
-                <a:tc>
-                  <a:txBody>
-                    <a:bodyPr/>
-                    <a:lstStyle/>
-                    <a:p>
-                      <a:pPr algn="ctr"/>
-                      <a:r>
-                        <a:rPr lang="en-US" dirty="0" smtClean="0"/>
-                        <a:t>5</a:t>
-                      </a:r>
-                      <a:endParaRPr lang="en-US" dirty="0"/>
-                    </a:p>
-                  </a:txBody>
-                  <a:tcPr/>
-                </a:tc>
-                <a:tc>
-                  <a:txBody>
-                    <a:bodyPr/>
-                    <a:lstStyle/>
-                    <a:p>
-                      <a:pPr algn="ctr"/>
-                      <a:r>
-                        <a:rPr lang="en-US" sz="1800" b="0" i="0" kern="1200" dirty="0" smtClean="0">
-                          <a:solidFill>
-                            <a:schemeClr val="dk1"/>
-                          </a:solidFill>
-                          <a:effectLst/>
-                          <a:latin typeface="+mn-lt"/>
-                          <a:ea typeface="+mn-ea"/>
-                          <a:cs typeface="+mn-cs"/>
-                        </a:rPr>
-                        <a:t>1</a:t>
-                      </a:r>
-                      <a:endParaRPr lang="en-US" dirty="0"/>
-                    </a:p>
-                  </a:txBody>
-                  <a:tcPr/>
-                </a:tc>
-              </a:tr>
-              <a:tr h="366218">
-                <a:tc>
-                  <a:txBody>
-                    <a:bodyPr/>
-                    <a:lstStyle/>
-                    <a:p>
-                      <a:pPr algn="ctr"/>
-                      <a:r>
-                        <a:rPr lang="en-US" dirty="0" smtClean="0"/>
-                        <a:t>6</a:t>
-                      </a:r>
-                      <a:endParaRPr lang="en-US" dirty="0"/>
-                    </a:p>
-                  </a:txBody>
-                  <a:tcPr/>
-                </a:tc>
-                <a:tc>
-                  <a:txBody>
-                    <a:bodyPr/>
-                    <a:lstStyle/>
-                    <a:p>
-                      <a:pPr algn="ctr"/>
-                      <a:r>
-                        <a:rPr lang="en-US" sz="1800" b="0" i="0" kern="1200" dirty="0" smtClean="0">
-                          <a:solidFill>
-                            <a:schemeClr val="dk1"/>
-                          </a:solidFill>
-                          <a:effectLst/>
-                          <a:latin typeface="+mn-lt"/>
-                          <a:ea typeface="+mn-ea"/>
-                          <a:cs typeface="+mn-cs"/>
-                        </a:rPr>
-                        <a:t>468.747807122203</a:t>
-                      </a:r>
-                      <a:endParaRPr lang="en-US" dirty="0"/>
-                    </a:p>
-                  </a:txBody>
-                  <a:tcPr/>
-                </a:tc>
-              </a:tr>
-              <a:tr h="366218">
-                <a:tc>
-                  <a:txBody>
-                    <a:bodyPr/>
-                    <a:lstStyle/>
-                    <a:p>
-                      <a:pPr algn="ctr"/>
-                      <a:r>
-                        <a:rPr lang="en-US" dirty="0" smtClean="0"/>
-                        <a:t>7</a:t>
-                      </a:r>
-                      <a:endParaRPr lang="en-US" dirty="0"/>
-                    </a:p>
-                  </a:txBody>
-                  <a:tcPr/>
-                </a:tc>
-                <a:tc>
-                  <a:txBody>
-                    <a:bodyPr/>
-                    <a:lstStyle/>
-                    <a:p>
-                      <a:pPr algn="ctr"/>
-                      <a:r>
-                        <a:rPr lang="vi-VN" sz="1800" b="0" i="0" kern="1200" dirty="0" smtClean="0">
-                          <a:solidFill>
-                            <a:schemeClr val="dk1"/>
-                          </a:solidFill>
-                          <a:effectLst/>
-                          <a:latin typeface="+mn-lt"/>
-                          <a:ea typeface="+mn-ea"/>
-                          <a:cs typeface="+mn-cs"/>
-                        </a:rPr>
-                        <a:t>Công Trường Mê Linh</a:t>
-                      </a:r>
-                      <a:endParaRPr lang="en-US" dirty="0"/>
-                    </a:p>
-                  </a:txBody>
-                  <a:tcPr/>
-                </a:tc>
-              </a:tr>
-              <a:tr h="366218">
-                <a:tc>
-                  <a:txBody>
-                    <a:bodyPr/>
-                    <a:lstStyle/>
-                    <a:p>
-                      <a:pPr algn="ctr"/>
-                      <a:r>
-                        <a:rPr lang="en-US" dirty="0" smtClean="0"/>
-                        <a:t>8</a:t>
-                      </a:r>
-                      <a:endParaRPr lang="en-US" dirty="0"/>
-                    </a:p>
-                  </a:txBody>
-                  <a:tcPr/>
-                </a:tc>
-                <a:tc>
-                  <a:txBody>
-                    <a:bodyPr/>
-                    <a:lstStyle/>
-                    <a:p>
-                      <a:pPr algn="ctr"/>
-                      <a:r>
-                        <a:rPr lang="en-US" sz="1800" b="0" i="0" kern="1200" dirty="0" smtClean="0">
-                          <a:solidFill>
-                            <a:schemeClr val="dk1"/>
-                          </a:solidFill>
-                          <a:effectLst/>
-                          <a:latin typeface="+mn-lt"/>
-                          <a:ea typeface="+mn-ea"/>
-                          <a:cs typeface="+mn-cs"/>
-                        </a:rPr>
-                        <a:t>106.705856990563</a:t>
-                      </a:r>
-                      <a:endParaRPr lang="en-US" dirty="0"/>
-                    </a:p>
-                  </a:txBody>
-                  <a:tcPr/>
-                </a:tc>
-              </a:tr>
-              <a:tr h="366218">
-                <a:tc>
-                  <a:txBody>
-                    <a:bodyPr/>
-                    <a:lstStyle/>
-                    <a:p>
-                      <a:pPr algn="ctr"/>
-                      <a:r>
-                        <a:rPr lang="en-US" dirty="0" smtClean="0"/>
-                        <a:t>9</a:t>
-                      </a:r>
-                      <a:endParaRPr lang="en-US" dirty="0"/>
-                    </a:p>
-                  </a:txBody>
-                  <a:tcPr/>
-                </a:tc>
-                <a:tc>
-                  <a:txBody>
-                    <a:bodyPr/>
-                    <a:lstStyle/>
-                    <a:p>
-                      <a:pPr algn="ctr"/>
-                      <a:r>
-                        <a:rPr lang="en-US" sz="1800" b="0" i="0" kern="1200" dirty="0" smtClean="0">
-                          <a:solidFill>
-                            <a:schemeClr val="dk1"/>
-                          </a:solidFill>
-                          <a:effectLst/>
-                          <a:latin typeface="+mn-lt"/>
-                          <a:ea typeface="+mn-ea"/>
-                          <a:cs typeface="+mn-cs"/>
-                        </a:rPr>
-                        <a:t>10.7767894851893</a:t>
-                      </a:r>
-                      <a:endParaRPr lang="en-US" dirty="0"/>
-                    </a:p>
-                  </a:txBody>
-                  <a:tcPr/>
-                </a:tc>
-              </a:tr>
-              <a:tr h="366218">
-                <a:tc>
-                  <a:txBody>
-                    <a:bodyPr/>
-                    <a:lstStyle/>
-                    <a:p>
-                      <a:pPr algn="ctr"/>
-                      <a:r>
-                        <a:rPr lang="en-US" dirty="0" smtClean="0"/>
-                        <a:t>10</a:t>
-                      </a:r>
-                      <a:endParaRPr lang="en-US" dirty="0"/>
-                    </a:p>
-                  </a:txBody>
-                  <a:tcPr/>
-                </a:tc>
-                <a:tc>
-                  <a:txBody>
-                    <a:bodyPr/>
-                    <a:lstStyle/>
-                    <a:p>
-                      <a:pPr algn="ctr"/>
-                      <a:r>
-                        <a:rPr lang="en-US" sz="1800" b="0" i="0" kern="1200" dirty="0" smtClean="0">
-                          <a:solidFill>
-                            <a:schemeClr val="dk1"/>
-                          </a:solidFill>
-                          <a:effectLst/>
-                          <a:latin typeface="+mn-lt"/>
-                          <a:ea typeface="+mn-ea"/>
-                          <a:cs typeface="+mn-cs"/>
-                        </a:rPr>
-                        <a:t>01</a:t>
-                      </a:r>
-                      <a:endParaRPr lang="en-US" dirty="0"/>
-                    </a:p>
-                  </a:txBody>
-                  <a:tcPr/>
-                </a:tc>
-              </a:tr>
-              <a:tr h="366218">
-                <a:tc>
-                  <a:txBody>
-                    <a:bodyPr/>
-                    <a:lstStyle/>
-                    <a:p>
-                      <a:pPr algn="ctr"/>
-                      <a:r>
-                        <a:rPr lang="en-US" dirty="0" smtClean="0"/>
-                        <a:t>11</a:t>
-                      </a:r>
-                      <a:endParaRPr lang="en-US" dirty="0"/>
-                    </a:p>
-                  </a:txBody>
-                  <a:tcPr/>
-                </a:tc>
-                <a:tc>
-                  <a:txBody>
-                    <a:bodyPr/>
-                    <a:lstStyle/>
-                    <a:p>
-                      <a:pPr algn="ctr"/>
-                      <a:r>
-                        <a:rPr lang="en-US" sz="1800" b="0" i="0" kern="1200" dirty="0" err="1" smtClean="0">
-                          <a:solidFill>
-                            <a:schemeClr val="dk1"/>
-                          </a:solidFill>
-                          <a:effectLst/>
-                          <a:latin typeface="+mn-lt"/>
-                          <a:ea typeface="+mn-ea"/>
-                          <a:cs typeface="+mn-cs"/>
-                        </a:rPr>
-                        <a:t>Bến</a:t>
-                      </a:r>
-                      <a:r>
-                        <a:rPr lang="en-US" sz="1800" b="0" i="0" kern="1200" dirty="0" smtClean="0">
-                          <a:solidFill>
-                            <a:schemeClr val="dk1"/>
-                          </a:solidFill>
-                          <a:effectLst/>
-                          <a:latin typeface="+mn-lt"/>
-                          <a:ea typeface="+mn-ea"/>
-                          <a:cs typeface="+mn-cs"/>
-                        </a:rPr>
-                        <a:t> </a:t>
-                      </a:r>
-                      <a:r>
-                        <a:rPr lang="en-US" sz="1800" b="0" i="0" kern="1200" dirty="0" err="1" smtClean="0">
-                          <a:solidFill>
-                            <a:schemeClr val="dk1"/>
-                          </a:solidFill>
-                          <a:effectLst/>
-                          <a:latin typeface="+mn-lt"/>
-                          <a:ea typeface="+mn-ea"/>
-                          <a:cs typeface="+mn-cs"/>
-                        </a:rPr>
-                        <a:t>Thành</a:t>
-                      </a:r>
-                      <a:r>
-                        <a:rPr lang="en-US" sz="1800" b="0" i="0" kern="1200" dirty="0" smtClean="0">
-                          <a:solidFill>
-                            <a:schemeClr val="dk1"/>
-                          </a:solidFill>
-                          <a:effectLst/>
-                          <a:latin typeface="+mn-lt"/>
-                          <a:ea typeface="+mn-ea"/>
-                          <a:cs typeface="+mn-cs"/>
-                        </a:rPr>
-                        <a:t>- BX </a:t>
-                      </a:r>
-                      <a:r>
-                        <a:rPr lang="en-US" sz="1800" b="0" i="0" kern="1200" dirty="0" err="1" smtClean="0">
-                          <a:solidFill>
-                            <a:schemeClr val="dk1"/>
-                          </a:solidFill>
-                          <a:effectLst/>
-                          <a:latin typeface="+mn-lt"/>
-                          <a:ea typeface="+mn-ea"/>
-                          <a:cs typeface="+mn-cs"/>
-                        </a:rPr>
-                        <a:t>Chợ</a:t>
-                      </a:r>
-                      <a:r>
-                        <a:rPr lang="en-US" sz="1800" b="0" i="0" kern="1200" dirty="0" smtClean="0">
-                          <a:solidFill>
-                            <a:schemeClr val="dk1"/>
-                          </a:solidFill>
-                          <a:effectLst/>
-                          <a:latin typeface="+mn-lt"/>
-                          <a:ea typeface="+mn-ea"/>
-                          <a:cs typeface="+mn-cs"/>
-                        </a:rPr>
-                        <a:t> </a:t>
-                      </a:r>
-                      <a:r>
-                        <a:rPr lang="en-US" sz="1800" b="0" i="0" kern="1200" dirty="0" err="1" smtClean="0">
-                          <a:solidFill>
-                            <a:schemeClr val="dk1"/>
-                          </a:solidFill>
-                          <a:effectLst/>
-                          <a:latin typeface="+mn-lt"/>
-                          <a:ea typeface="+mn-ea"/>
-                          <a:cs typeface="+mn-cs"/>
-                        </a:rPr>
-                        <a:t>Lớn</a:t>
-                      </a:r>
-                      <a:endParaRPr lang="en-US" dirty="0"/>
-                    </a:p>
-                  </a:txBody>
-                  <a:tcPr/>
-                </a:tc>
-              </a:tr>
-              <a:tr h="366218">
-                <a:tc>
-                  <a:txBody>
-                    <a:bodyPr/>
-                    <a:lstStyle/>
-                    <a:p>
-                      <a:pPr algn="ctr"/>
-                      <a:r>
-                        <a:rPr lang="en-US" dirty="0" smtClean="0"/>
-                        <a:t>12</a:t>
-                      </a:r>
-                      <a:endParaRPr lang="en-US" dirty="0"/>
-                    </a:p>
-                  </a:txBody>
-                  <a:tcPr/>
-                </a:tc>
-                <a:tc>
-                  <a:txBody>
-                    <a:bodyPr/>
-                    <a:lstStyle/>
-                    <a:p>
-                      <a:pPr algn="ctr"/>
-                      <a:r>
-                        <a:rPr lang="vi-VN" sz="1800" b="0" i="0" kern="1200" dirty="0" smtClean="0">
-                          <a:solidFill>
-                            <a:schemeClr val="dk1"/>
-                          </a:solidFill>
-                          <a:effectLst/>
-                          <a:latin typeface="+mn-lt"/>
-                          <a:ea typeface="+mn-ea"/>
-                          <a:cs typeface="+mn-cs"/>
-                        </a:rPr>
-                        <a:t>Công trường Mê Linh, Thi Sách, Quận 1</a:t>
-                      </a:r>
-                      <a:endParaRPr lang="en-US" dirty="0"/>
-                    </a:p>
-                  </a:txBody>
-                  <a:tcPr/>
-                </a:tc>
-              </a:tr>
-              <a:tr h="366218">
-                <a:tc>
-                  <a:txBody>
-                    <a:bodyPr/>
-                    <a:lstStyle/>
-                    <a:p>
-                      <a:pPr algn="ctr"/>
-                      <a:r>
-                        <a:rPr lang="en-US" dirty="0" smtClean="0"/>
-                        <a:t>13</a:t>
-                      </a:r>
-                      <a:endParaRPr lang="en-US" dirty="0"/>
-                    </a:p>
-                  </a:txBody>
-                  <a:tcPr/>
-                </a:tc>
-                <a:tc>
-                  <a:txBody>
-                    <a:bodyPr/>
-                    <a:lstStyle/>
-                    <a:p>
-                      <a:pPr algn="ctr"/>
-                      <a:r>
-                        <a:rPr lang="en-US" sz="1800" b="0" i="0" kern="1200" dirty="0" smtClean="0">
-                          <a:solidFill>
-                            <a:schemeClr val="dk1"/>
-                          </a:solidFill>
-                          <a:effectLst/>
-                          <a:latin typeface="+mn-lt"/>
-                          <a:ea typeface="+mn-ea"/>
-                          <a:cs typeface="+mn-cs"/>
-                        </a:rPr>
-                        <a:t>BX06</a:t>
-                      </a:r>
-                      <a:endParaRPr lang="en-US" dirty="0"/>
-                    </a:p>
-                  </a:txBody>
-                  <a:tcPr/>
-                </a:tc>
-              </a:tr>
-            </a:tbl>
-          </a:graphicData>
-        </a:graphic>
-      </p:graphicFrame>
-      <p:sp>
-        <p:nvSpPr>
-          <p:cNvPr id="5" name="Rectangle 4"/>
-          <p:cNvSpPr/>
-          <p:nvPr/>
-        </p:nvSpPr>
-        <p:spPr>
-          <a:xfrm>
-            <a:off x="137231" y="6192140"/>
-            <a:ext cx="7490460" cy="369332"/>
-          </a:xfrm>
-          <a:prstGeom prst="rect">
-            <a:avLst/>
-          </a:prstGeom>
-        </p:spPr>
-        <p:txBody>
-          <a:bodyPr wrap="square">
-            <a:spAutoFit/>
-          </a:bodyPr>
-          <a:lstStyle/>
-          <a:p>
-            <a:r>
-              <a:rPr lang="en-US" dirty="0" smtClean="0"/>
-              <a:t>http://mapbus.ebms.vn/ajax.aspx?action=listRouteStations&amp;</a:t>
-            </a:r>
-            <a:r>
-              <a:rPr lang="en-US" dirty="0" smtClean="0">
-                <a:solidFill>
-                  <a:srgbClr val="FF0000"/>
-                </a:solidFill>
-              </a:rPr>
-              <a:t>rid=1</a:t>
-            </a:r>
-            <a:r>
-              <a:rPr lang="en-US" dirty="0" smtClean="0"/>
-              <a:t>&amp;</a:t>
-            </a:r>
-            <a:r>
-              <a:rPr lang="en-US" dirty="0" smtClean="0">
-                <a:solidFill>
-                  <a:srgbClr val="FF0000"/>
-                </a:solidFill>
-              </a:rPr>
-              <a:t>isgo=true</a:t>
-            </a:r>
-            <a:endParaRPr lang="en-US" dirty="0">
-              <a:solidFill>
-                <a:srgbClr val="FF0000"/>
-              </a:solidFill>
-            </a:endParaRPr>
-          </a:p>
-        </p:txBody>
-      </p:sp>
-      <p:pic>
-        <p:nvPicPr>
-          <p:cNvPr id="2" name="Picture 1"/>
-          <p:cNvPicPr>
-            <a:picLocks noChangeAspect="1"/>
-          </p:cNvPicPr>
-          <p:nvPr/>
-        </p:nvPicPr>
-        <p:blipFill>
-          <a:blip r:embed="rId2">
-            <a:extLst>
-              <a:ext uri="{28A0092B-C50C-407E-A947-70E740481C1C}">
-                <a14:useLocalDpi xmlns:a14="http://schemas.microsoft.com/office/drawing/2010/main" val="0"/>
-              </a:ext>
-            </a:extLst>
-          </a:blip>
-          <a:stretch>
-            <a:fillRect/>
-          </a:stretch>
-        </p:blipFill>
-        <p:spPr>
-          <a:xfrm>
-            <a:off x="6871959" y="2265882"/>
-            <a:ext cx="2130741" cy="3926258"/>
-          </a:xfrm>
-          <a:prstGeom prst="rect">
-            <a:avLst/>
-          </a:prstGeom>
-        </p:spPr>
-      </p:pic>
-      <p:graphicFrame>
-        <p:nvGraphicFramePr>
-          <p:cNvPr id="8" name="Table 7"/>
-          <p:cNvGraphicFramePr>
-            <a:graphicFrameLocks noGrp="1"/>
-          </p:cNvGraphicFramePr>
-          <p:nvPr>
-            <p:extLst>
-              <p:ext uri="{D42A27DB-BD31-4B8C-83A1-F6EECF244321}">
-                <p14:modId xmlns:p14="http://schemas.microsoft.com/office/powerpoint/2010/main" val="2386833447"/>
-              </p:ext>
-            </p:extLst>
-          </p:nvPr>
-        </p:nvGraphicFramePr>
-        <p:xfrm>
-          <a:off x="6650407" y="75488"/>
-          <a:ext cx="1808861" cy="2011680"/>
-        </p:xfrm>
-        <a:graphic>
-          <a:graphicData uri="http://schemas.openxmlformats.org/drawingml/2006/table">
-            <a:tbl>
-              <a:tblPr firstRow="1" bandRow="1">
-                <a:tableStyleId>{21E4AEA4-8DFA-4A89-87EB-49C32662AFE0}</a:tableStyleId>
-              </a:tblPr>
-              <a:tblGrid>
-                <a:gridCol w="1808861"/>
-              </a:tblGrid>
-              <a:tr h="310682">
-                <a:tc>
-                  <a:txBody>
-                    <a:bodyPr/>
-                    <a:lstStyle/>
-                    <a:p>
-                      <a:pPr algn="ctr"/>
-                      <a:r>
-                        <a:rPr lang="en-US" sz="1600" dirty="0" err="1" smtClean="0">
-                          <a:latin typeface="Cambria" panose="02040503050406030204" pitchFamily="18" charset="0"/>
-                        </a:rPr>
-                        <a:t>PathInfo</a:t>
-                      </a:r>
-                      <a:endParaRPr lang="en-US" sz="1600" dirty="0">
-                        <a:latin typeface="Cambria" panose="02040503050406030204" pitchFamily="18" charset="0"/>
-                      </a:endParaRPr>
-                    </a:p>
-                  </a:txBody>
-                  <a:tcPr/>
-                </a:tc>
-              </a:tr>
-              <a:tr h="300814">
-                <a:tc>
-                  <a:txBody>
-                    <a:bodyPr/>
-                    <a:lstStyle/>
-                    <a:p>
-                      <a:r>
-                        <a:rPr lang="en-US" sz="1600" dirty="0" err="1" smtClean="0">
-                          <a:latin typeface="Cambria" panose="02040503050406030204" pitchFamily="18" charset="0"/>
-                        </a:rPr>
-                        <a:t>FromStationID</a:t>
-                      </a:r>
-                      <a:endParaRPr lang="en-US" sz="1600" dirty="0">
-                        <a:latin typeface="Cambria" panose="02040503050406030204" pitchFamily="18" charset="0"/>
-                      </a:endParaRPr>
-                    </a:p>
-                  </a:txBody>
-                  <a:tcPr/>
-                </a:tc>
-              </a:tr>
-              <a:tr h="300814">
-                <a:tc>
-                  <a:txBody>
-                    <a:bodyPr/>
-                    <a:lstStyle/>
-                    <a:p>
-                      <a:pPr marL="0" marR="0" indent="0" algn="l" defTabSz="914400" rtl="0" eaLnBrk="1" fontAlgn="auto" latinLnBrk="0" hangingPunct="1">
-                        <a:lnSpc>
-                          <a:spcPct val="100000"/>
-                        </a:lnSpc>
-                        <a:spcBef>
-                          <a:spcPts val="0"/>
-                        </a:spcBef>
-                        <a:spcAft>
-                          <a:spcPts val="0"/>
-                        </a:spcAft>
-                        <a:buClrTx/>
-                        <a:buSzTx/>
-                        <a:buFontTx/>
-                        <a:buNone/>
-                        <a:tabLst/>
-                        <a:defRPr/>
-                      </a:pPr>
-                      <a:r>
-                        <a:rPr lang="en-US" sz="1600" dirty="0" err="1" smtClean="0">
-                          <a:latin typeface="Cambria" panose="02040503050406030204" pitchFamily="18" charset="0"/>
-                        </a:rPr>
-                        <a:t>ToStationID</a:t>
-                      </a:r>
-                      <a:endParaRPr lang="en-US" sz="1600" dirty="0" smtClean="0">
-                        <a:latin typeface="Cambria" panose="02040503050406030204" pitchFamily="18" charset="0"/>
-                      </a:endParaRPr>
-                    </a:p>
-                  </a:txBody>
-                  <a:tcPr/>
-                </a:tc>
-              </a:tr>
-              <a:tr h="300814">
-                <a:tc>
-                  <a:txBody>
-                    <a:bodyPr/>
-                    <a:lstStyle/>
-                    <a:p>
-                      <a:pPr marL="0" marR="0" indent="0" algn="l" defTabSz="914400" rtl="0" eaLnBrk="1" fontAlgn="auto" latinLnBrk="0" hangingPunct="1">
-                        <a:lnSpc>
-                          <a:spcPct val="100000"/>
-                        </a:lnSpc>
-                        <a:spcBef>
-                          <a:spcPts val="0"/>
-                        </a:spcBef>
-                        <a:spcAft>
-                          <a:spcPts val="0"/>
-                        </a:spcAft>
-                        <a:buClrTx/>
-                        <a:buSzTx/>
-                        <a:buFontTx/>
-                        <a:buNone/>
-                        <a:tabLst/>
-                        <a:defRPr/>
-                      </a:pPr>
-                      <a:r>
-                        <a:rPr lang="en-US" sz="1600" dirty="0" err="1" smtClean="0">
-                          <a:latin typeface="Cambria" panose="02040503050406030204" pitchFamily="18" charset="0"/>
-                        </a:rPr>
-                        <a:t>RouteID</a:t>
-                      </a:r>
-                      <a:endParaRPr lang="en-US" sz="1600" dirty="0" smtClean="0">
-                        <a:latin typeface="Cambria" panose="02040503050406030204" pitchFamily="18" charset="0"/>
-                      </a:endParaRPr>
-                    </a:p>
-                  </a:txBody>
-                  <a:tcPr/>
-                </a:tc>
-              </a:tr>
-              <a:tr h="300814">
-                <a:tc>
-                  <a:txBody>
-                    <a:bodyPr/>
-                    <a:lstStyle/>
-                    <a:p>
-                      <a:pPr marL="0" marR="0" indent="0" algn="l" defTabSz="914400" rtl="0" eaLnBrk="1" fontAlgn="auto" latinLnBrk="0" hangingPunct="1">
-                        <a:lnSpc>
-                          <a:spcPct val="100000"/>
-                        </a:lnSpc>
-                        <a:spcBef>
-                          <a:spcPts val="0"/>
-                        </a:spcBef>
-                        <a:spcAft>
-                          <a:spcPts val="0"/>
-                        </a:spcAft>
-                        <a:buClrTx/>
-                        <a:buSzTx/>
-                        <a:buFontTx/>
-                        <a:buNone/>
-                        <a:tabLst/>
-                        <a:defRPr/>
-                      </a:pPr>
-                      <a:r>
-                        <a:rPr lang="en-US" sz="1600" dirty="0" err="1" smtClean="0">
-                          <a:latin typeface="Cambria" panose="02040503050406030204" pitchFamily="18" charset="0"/>
-                        </a:rPr>
-                        <a:t>PahtInfoNo</a:t>
-                      </a:r>
-                      <a:endParaRPr lang="en-US" sz="1600" dirty="0" smtClean="0">
-                        <a:latin typeface="Cambria" panose="02040503050406030204" pitchFamily="18" charset="0"/>
-                      </a:endParaRPr>
-                    </a:p>
-                  </a:txBody>
-                  <a:tcPr/>
-                </a:tc>
-              </a:tr>
-              <a:tr h="300814">
-                <a:tc>
-                  <a:txBody>
-                    <a:bodyPr/>
-                    <a:lstStyle/>
-                    <a:p>
-                      <a:pPr marL="0" marR="0" indent="0" algn="l" defTabSz="914400" rtl="0" eaLnBrk="1" fontAlgn="auto" latinLnBrk="0" hangingPunct="1">
-                        <a:lnSpc>
-                          <a:spcPct val="100000"/>
-                        </a:lnSpc>
-                        <a:spcBef>
-                          <a:spcPts val="0"/>
-                        </a:spcBef>
-                        <a:spcAft>
-                          <a:spcPts val="0"/>
-                        </a:spcAft>
-                        <a:buClrTx/>
-                        <a:buSzTx/>
-                        <a:buFontTx/>
-                        <a:buNone/>
-                        <a:tabLst/>
-                        <a:defRPr/>
-                      </a:pPr>
-                      <a:r>
-                        <a:rPr lang="en-US" sz="1600" dirty="0" err="1" smtClean="0">
-                          <a:latin typeface="Cambria" panose="02040503050406030204" pitchFamily="18" charset="0"/>
-                        </a:rPr>
-                        <a:t>MiddlePoints</a:t>
-                      </a:r>
-                      <a:endParaRPr lang="en-US" sz="1600" dirty="0" smtClean="0">
-                        <a:latin typeface="Cambria" panose="02040503050406030204" pitchFamily="18" charset="0"/>
-                      </a:endParaRPr>
-                    </a:p>
-                  </a:txBody>
-                  <a:tcPr/>
-                </a:tc>
-              </a:tr>
-            </a:tbl>
-          </a:graphicData>
-        </a:graphic>
-      </p:graphicFrame>
-      <p:cxnSp>
-        <p:nvCxnSpPr>
-          <p:cNvPr id="7" name="Straight Arrow Connector 6"/>
-          <p:cNvCxnSpPr/>
-          <p:nvPr/>
-        </p:nvCxnSpPr>
-        <p:spPr>
-          <a:xfrm>
-            <a:off x="5631679" y="1751889"/>
-            <a:ext cx="1102407" cy="153823"/>
-          </a:xfrm>
-          <a:prstGeom prst="straightConnector1">
-            <a:avLst/>
-          </a:prstGeom>
-          <a:ln>
-            <a:tailEnd type="triangle"/>
-          </a:ln>
-        </p:spPr>
-        <p:style>
-          <a:lnRef idx="3">
-            <a:schemeClr val="accent2"/>
-          </a:lnRef>
-          <a:fillRef idx="0">
-            <a:schemeClr val="accent2"/>
-          </a:fillRef>
-          <a:effectRef idx="2">
-            <a:schemeClr val="accent2"/>
-          </a:effectRef>
-          <a:fontRef idx="minor">
-            <a:schemeClr val="tx1"/>
-          </a:fontRef>
-        </p:style>
-      </p:cxnSp>
-      <p:sp>
-        <p:nvSpPr>
-          <p:cNvPr id="10" name="Diamond 9"/>
-          <p:cNvSpPr/>
-          <p:nvPr/>
-        </p:nvSpPr>
-        <p:spPr>
-          <a:xfrm>
-            <a:off x="7424871" y="2656318"/>
-            <a:ext cx="119641" cy="102549"/>
-          </a:xfrm>
-          <a:prstGeom prst="diamond">
-            <a:avLst/>
-          </a:prstGeom>
-          <a:solidFill>
-            <a:srgbClr val="FF0000"/>
-          </a:solidFill>
-        </p:spPr>
-        <p:style>
-          <a:lnRef idx="2">
-            <a:schemeClr val="accent2">
-              <a:shade val="50000"/>
-            </a:schemeClr>
-          </a:lnRef>
-          <a:fillRef idx="1">
-            <a:schemeClr val="accent2"/>
-          </a:fillRef>
-          <a:effectRef idx="0">
-            <a:schemeClr val="accent2"/>
-          </a:effectRef>
-          <a:fontRef idx="minor">
-            <a:schemeClr val="lt1"/>
-          </a:fontRef>
-        </p:style>
-        <p:txBody>
-          <a:bodyPr rtlCol="0" anchor="ctr"/>
-          <a:lstStyle/>
-          <a:p>
-            <a:pPr algn="ctr"/>
-            <a:endParaRPr lang="en-US"/>
-          </a:p>
-        </p:txBody>
-      </p:sp>
-      <p:sp>
-        <p:nvSpPr>
-          <p:cNvPr id="11" name="Diamond 10"/>
-          <p:cNvSpPr/>
-          <p:nvPr/>
-        </p:nvSpPr>
-        <p:spPr>
-          <a:xfrm>
-            <a:off x="7544512" y="2881932"/>
-            <a:ext cx="119641" cy="102549"/>
-          </a:xfrm>
-          <a:prstGeom prst="diamond">
-            <a:avLst/>
-          </a:prstGeom>
-          <a:solidFill>
-            <a:srgbClr val="FF0000"/>
-          </a:solidFill>
-        </p:spPr>
-        <p:style>
-          <a:lnRef idx="2">
-            <a:schemeClr val="accent2">
-              <a:shade val="50000"/>
-            </a:schemeClr>
-          </a:lnRef>
-          <a:fillRef idx="1">
-            <a:schemeClr val="accent2"/>
-          </a:fillRef>
-          <a:effectRef idx="0">
-            <a:schemeClr val="accent2"/>
-          </a:effectRef>
-          <a:fontRef idx="minor">
-            <a:schemeClr val="lt1"/>
-          </a:fontRef>
-        </p:style>
-        <p:txBody>
-          <a:bodyPr rtlCol="0" anchor="ctr"/>
-          <a:lstStyle/>
-          <a:p>
-            <a:pPr algn="ctr"/>
-            <a:endParaRPr lang="en-US"/>
-          </a:p>
-        </p:txBody>
-      </p:sp>
-      <p:sp>
-        <p:nvSpPr>
-          <p:cNvPr id="12" name="Diamond 11"/>
-          <p:cNvSpPr/>
-          <p:nvPr/>
-        </p:nvSpPr>
-        <p:spPr>
-          <a:xfrm>
-            <a:off x="7664153" y="3245978"/>
-            <a:ext cx="119641" cy="102549"/>
-          </a:xfrm>
-          <a:prstGeom prst="diamond">
-            <a:avLst/>
-          </a:prstGeom>
-          <a:solidFill>
-            <a:srgbClr val="FF0000"/>
-          </a:solidFill>
-        </p:spPr>
-        <p:style>
-          <a:lnRef idx="2">
-            <a:schemeClr val="accent2">
-              <a:shade val="50000"/>
-            </a:schemeClr>
-          </a:lnRef>
-          <a:fillRef idx="1">
-            <a:schemeClr val="accent2"/>
-          </a:fillRef>
-          <a:effectRef idx="0">
-            <a:schemeClr val="accent2"/>
-          </a:effectRef>
-          <a:fontRef idx="minor">
-            <a:schemeClr val="lt1"/>
-          </a:fontRef>
-        </p:style>
-        <p:txBody>
-          <a:bodyPr rtlCol="0" anchor="ctr"/>
-          <a:lstStyle/>
-          <a:p>
-            <a:pPr algn="ctr"/>
-            <a:endParaRPr lang="en-US"/>
-          </a:p>
-        </p:txBody>
-      </p:sp>
-      <p:sp>
-        <p:nvSpPr>
-          <p:cNvPr id="13" name="Diamond 12"/>
-          <p:cNvSpPr/>
-          <p:nvPr/>
-        </p:nvSpPr>
-        <p:spPr>
-          <a:xfrm>
-            <a:off x="7484691" y="3664722"/>
-            <a:ext cx="119641" cy="102549"/>
-          </a:xfrm>
-          <a:prstGeom prst="diamond">
-            <a:avLst/>
-          </a:prstGeom>
-          <a:solidFill>
-            <a:srgbClr val="FF0000"/>
-          </a:solidFill>
-        </p:spPr>
-        <p:style>
-          <a:lnRef idx="2">
-            <a:schemeClr val="accent2">
-              <a:shade val="50000"/>
-            </a:schemeClr>
-          </a:lnRef>
-          <a:fillRef idx="1">
-            <a:schemeClr val="accent2"/>
-          </a:fillRef>
-          <a:effectRef idx="0">
-            <a:schemeClr val="accent2"/>
-          </a:effectRef>
-          <a:fontRef idx="minor">
-            <a:schemeClr val="lt1"/>
-          </a:fontRef>
-        </p:style>
-        <p:txBody>
-          <a:bodyPr rtlCol="0" anchor="ctr"/>
-          <a:lstStyle/>
-          <a:p>
-            <a:pPr algn="ctr"/>
-            <a:endParaRPr lang="en-US"/>
-          </a:p>
-        </p:txBody>
-      </p:sp>
-      <p:sp>
-        <p:nvSpPr>
-          <p:cNvPr id="14" name="Diamond 13"/>
-          <p:cNvSpPr/>
-          <p:nvPr/>
-        </p:nvSpPr>
-        <p:spPr>
-          <a:xfrm>
-            <a:off x="7484691" y="4198547"/>
-            <a:ext cx="119641" cy="102549"/>
-          </a:xfrm>
-          <a:prstGeom prst="diamond">
-            <a:avLst/>
-          </a:prstGeom>
-          <a:solidFill>
-            <a:srgbClr val="FF0000"/>
-          </a:solidFill>
-        </p:spPr>
-        <p:style>
-          <a:lnRef idx="2">
-            <a:schemeClr val="accent2">
-              <a:shade val="50000"/>
-            </a:schemeClr>
-          </a:lnRef>
-          <a:fillRef idx="1">
-            <a:schemeClr val="accent2"/>
-          </a:fillRef>
-          <a:effectRef idx="0">
-            <a:schemeClr val="accent2"/>
-          </a:effectRef>
-          <a:fontRef idx="minor">
-            <a:schemeClr val="lt1"/>
-          </a:fontRef>
-        </p:style>
-        <p:txBody>
-          <a:bodyPr rtlCol="0" anchor="ctr"/>
-          <a:lstStyle/>
-          <a:p>
-            <a:pPr algn="ctr"/>
-            <a:endParaRPr lang="en-US"/>
-          </a:p>
-        </p:txBody>
-      </p:sp>
-      <p:sp>
-        <p:nvSpPr>
-          <p:cNvPr id="15" name="Diamond 14"/>
-          <p:cNvSpPr/>
-          <p:nvPr/>
-        </p:nvSpPr>
-        <p:spPr>
-          <a:xfrm>
-            <a:off x="7877508" y="4408206"/>
-            <a:ext cx="119641" cy="102549"/>
-          </a:xfrm>
-          <a:prstGeom prst="diamond">
-            <a:avLst/>
-          </a:prstGeom>
-          <a:solidFill>
-            <a:srgbClr val="FF0000"/>
-          </a:solidFill>
-        </p:spPr>
-        <p:style>
-          <a:lnRef idx="2">
-            <a:schemeClr val="accent2">
-              <a:shade val="50000"/>
-            </a:schemeClr>
-          </a:lnRef>
-          <a:fillRef idx="1">
-            <a:schemeClr val="accent2"/>
-          </a:fillRef>
-          <a:effectRef idx="0">
-            <a:schemeClr val="accent2"/>
-          </a:effectRef>
-          <a:fontRef idx="minor">
-            <a:schemeClr val="lt1"/>
-          </a:fontRef>
-        </p:style>
-        <p:txBody>
-          <a:bodyPr rtlCol="0" anchor="ctr"/>
-          <a:lstStyle/>
-          <a:p>
-            <a:pPr algn="ctr"/>
-            <a:endParaRPr lang="en-US"/>
-          </a:p>
-        </p:txBody>
-      </p:sp>
-      <p:sp>
-        <p:nvSpPr>
-          <p:cNvPr id="16" name="Diamond 15"/>
-          <p:cNvSpPr/>
-          <p:nvPr/>
-        </p:nvSpPr>
-        <p:spPr>
-          <a:xfrm>
-            <a:off x="7997149" y="4920954"/>
-            <a:ext cx="119641" cy="102549"/>
-          </a:xfrm>
-          <a:prstGeom prst="diamond">
-            <a:avLst/>
-          </a:prstGeom>
-          <a:solidFill>
-            <a:srgbClr val="FF0000"/>
-          </a:solidFill>
-        </p:spPr>
-        <p:style>
-          <a:lnRef idx="2">
-            <a:schemeClr val="accent2">
-              <a:shade val="50000"/>
-            </a:schemeClr>
-          </a:lnRef>
-          <a:fillRef idx="1">
-            <a:schemeClr val="accent2"/>
-          </a:fillRef>
-          <a:effectRef idx="0">
-            <a:schemeClr val="accent2"/>
-          </a:effectRef>
-          <a:fontRef idx="minor">
-            <a:schemeClr val="lt1"/>
-          </a:fontRef>
-        </p:style>
-        <p:txBody>
-          <a:bodyPr rtlCol="0" anchor="ctr"/>
-          <a:lstStyle/>
-          <a:p>
-            <a:pPr algn="ctr"/>
-            <a:endParaRPr lang="en-US"/>
-          </a:p>
-        </p:txBody>
-      </p:sp>
-      <p:sp>
-        <p:nvSpPr>
-          <p:cNvPr id="17" name="Diamond 16"/>
-          <p:cNvSpPr/>
-          <p:nvPr/>
-        </p:nvSpPr>
-        <p:spPr>
-          <a:xfrm>
-            <a:off x="7937328" y="5382427"/>
-            <a:ext cx="119641" cy="102549"/>
-          </a:xfrm>
-          <a:prstGeom prst="diamond">
-            <a:avLst/>
-          </a:prstGeom>
-          <a:solidFill>
-            <a:srgbClr val="FF0000"/>
-          </a:solidFill>
-        </p:spPr>
-        <p:style>
-          <a:lnRef idx="2">
-            <a:schemeClr val="accent2">
-              <a:shade val="50000"/>
-            </a:schemeClr>
-          </a:lnRef>
-          <a:fillRef idx="1">
-            <a:schemeClr val="accent2"/>
-          </a:fillRef>
-          <a:effectRef idx="0">
-            <a:schemeClr val="accent2"/>
-          </a:effectRef>
-          <a:fontRef idx="minor">
-            <a:schemeClr val="lt1"/>
-          </a:fontRef>
-        </p:style>
-        <p:txBody>
-          <a:bodyPr rtlCol="0" anchor="ctr"/>
-          <a:lstStyle/>
-          <a:p>
-            <a:pPr algn="ctr"/>
-            <a:endParaRPr lang="en-US"/>
-          </a:p>
-        </p:txBody>
-      </p:sp>
-      <p:cxnSp>
-        <p:nvCxnSpPr>
-          <p:cNvPr id="18" name="Straight Arrow Connector 17"/>
-          <p:cNvCxnSpPr>
-            <a:endCxn id="11" idx="1"/>
-          </p:cNvCxnSpPr>
-          <p:nvPr/>
-        </p:nvCxnSpPr>
-        <p:spPr>
-          <a:xfrm>
-            <a:off x="5247118" y="2265882"/>
-            <a:ext cx="2297394" cy="667325"/>
-          </a:xfrm>
-          <a:prstGeom prst="straightConnector1">
-            <a:avLst/>
-          </a:prstGeom>
-          <a:ln>
-            <a:tailEnd type="triangle"/>
-          </a:ln>
-        </p:spPr>
-        <p:style>
-          <a:lnRef idx="3">
-            <a:schemeClr val="accent2"/>
-          </a:lnRef>
-          <a:fillRef idx="0">
-            <a:schemeClr val="accent2"/>
-          </a:fillRef>
-          <a:effectRef idx="2">
-            <a:schemeClr val="accent2"/>
-          </a:effectRef>
-          <a:fontRef idx="minor">
-            <a:schemeClr val="tx1"/>
-          </a:fontRef>
-        </p:style>
-      </p:cxnSp>
-    </p:spTree>
-    <p:extLst>
-      <p:ext uri="{BB962C8B-B14F-4D97-AF65-F5344CB8AC3E}">
-        <p14:creationId xmlns:p14="http://schemas.microsoft.com/office/powerpoint/2010/main" val="1220495010"/>
       </p:ext>
     </p:extLst>
   </p:cSld>
@@ -10751,8 +10687,8 @@
         </p:nvSpPr>
         <p:spPr>
           <a:xfrm>
-            <a:off x="666572" y="384561"/>
-            <a:ext cx="7810856" cy="5896598"/>
+            <a:off x="0" y="0"/>
+            <a:ext cx="9144000" cy="6858000"/>
           </a:xfrm>
           <a:prstGeom prst="rect">
             <a:avLst/>
@@ -11404,15 +11340,7 @@
                   <a:srgbClr val="0070C0"/>
                 </a:solidFill>
               </a:rPr>
-              <a:t>Time </a:t>
-            </a:r>
-            <a:r>
-              <a:rPr lang="en-US" dirty="0" smtClean="0">
-                <a:solidFill>
-                  <a:srgbClr val="0070C0"/>
-                </a:solidFill>
-              </a:rPr>
-              <a:t>of route depart</a:t>
+              <a:t>Time of route depart</a:t>
             </a:r>
             <a:endParaRPr lang="en-US" dirty="0"/>
           </a:p>
@@ -12325,8 +12253,8 @@
           </a:p>
         </p:txBody>
       </p:sp>
-      <mc:AlternateContent xmlns:mc="http://schemas.openxmlformats.org/markup-compatibility/2006">
-        <mc:Choice xmlns:a14="http://schemas.microsoft.com/office/drawing/2010/main" Requires="a14">
+      <mc:AlternateContent xmlns:mc="http://schemas.openxmlformats.org/markup-compatibility/2006" xmlns:a14="http://schemas.microsoft.com/office/drawing/2010/main">
+        <mc:Choice Requires="a14">
           <p:sp>
             <p:nvSpPr>
               <p:cNvPr id="30" name="TextBox 29"/>
@@ -12371,7 +12299,7 @@
             </p:txBody>
           </p:sp>
         </mc:Choice>
-        <mc:Fallback>
+        <mc:Fallback xmlns="">
           <p:sp>
             <p:nvSpPr>
               <p:cNvPr id="30" name="TextBox 29"/>
@@ -14985,8 +14913,8 @@
           </a:p>
         </p:txBody>
       </p:sp>
-      <mc:AlternateContent xmlns:mc="http://schemas.openxmlformats.org/markup-compatibility/2006">
-        <mc:Choice xmlns:a14="http://schemas.microsoft.com/office/drawing/2010/main" Requires="a14">
+      <mc:AlternateContent xmlns:mc="http://schemas.openxmlformats.org/markup-compatibility/2006" xmlns:a14="http://schemas.microsoft.com/office/drawing/2010/main">
+        <mc:Choice Requires="a14">
           <p:sp>
             <p:nvSpPr>
               <p:cNvPr id="22" name="TextBox 21"/>
@@ -15031,7 +14959,7 @@
             </p:txBody>
           </p:sp>
         </mc:Choice>
-        <mc:Fallback>
+        <mc:Fallback xmlns="">
           <p:sp>
             <p:nvSpPr>
               <p:cNvPr id="22" name="TextBox 21"/>
@@ -16145,8 +16073,8 @@
         </p:nvSpPr>
         <p:spPr>
           <a:xfrm>
-            <a:off x="615297" y="401652"/>
-            <a:ext cx="7810856" cy="5896598"/>
+            <a:off x="0" y="0"/>
+            <a:ext cx="9144000" cy="6858000"/>
           </a:xfrm>
           <a:prstGeom prst="rect">
             <a:avLst/>
@@ -18963,8 +18891,8 @@
         </p:nvSpPr>
         <p:spPr>
           <a:xfrm>
-            <a:off x="666572" y="384561"/>
-            <a:ext cx="7810856" cy="5896598"/>
+            <a:off x="0" y="0"/>
+            <a:ext cx="9144000" cy="6858000"/>
           </a:xfrm>
           <a:prstGeom prst="rect">
             <a:avLst/>

--- a/Document/presentation/parse.pptx
+++ b/Document/presentation/parse.pptx
@@ -10196,8 +10196,8 @@
           </a:p>
         </p:txBody>
       </p:sp>
-      <mc:AlternateContent xmlns:mc="http://schemas.openxmlformats.org/markup-compatibility/2006">
-        <mc:Choice xmlns:a14="http://schemas.microsoft.com/office/drawing/2010/main" Requires="a14">
+      <mc:AlternateContent xmlns:mc="http://schemas.openxmlformats.org/markup-compatibility/2006" xmlns:a14="http://schemas.microsoft.com/office/drawing/2010/main">
+        <mc:Choice Requires="a14">
           <p:sp>
             <p:nvSpPr>
               <p:cNvPr id="15" name="TextBox 14"/>
@@ -10242,7 +10242,7 @@
             </p:txBody>
           </p:sp>
         </mc:Choice>
-        <mc:Fallback>
+        <mc:Fallback xmlns="">
           <p:sp>
             <p:nvSpPr>
               <p:cNvPr id="15" name="TextBox 14"/>

--- a/Document/presentation/parse.pptx
+++ b/Document/presentation/parse.pptx
@@ -9,30 +9,34 @@
     <p:sldId id="258" r:id="rId3"/>
     <p:sldId id="259" r:id="rId4"/>
     <p:sldId id="300" r:id="rId5"/>
-    <p:sldId id="271" r:id="rId6"/>
-    <p:sldId id="272" r:id="rId7"/>
-    <p:sldId id="273" r:id="rId8"/>
-    <p:sldId id="301" r:id="rId9"/>
-    <p:sldId id="274" r:id="rId10"/>
-    <p:sldId id="275" r:id="rId11"/>
-    <p:sldId id="276" r:id="rId12"/>
-    <p:sldId id="277" r:id="rId13"/>
-    <p:sldId id="278" r:id="rId14"/>
-    <p:sldId id="305" r:id="rId15"/>
-    <p:sldId id="302" r:id="rId16"/>
-    <p:sldId id="306" r:id="rId17"/>
-    <p:sldId id="310" r:id="rId18"/>
-    <p:sldId id="303" r:id="rId19"/>
-    <p:sldId id="285" r:id="rId20"/>
-    <p:sldId id="307" r:id="rId21"/>
-    <p:sldId id="286" r:id="rId22"/>
-    <p:sldId id="309" r:id="rId23"/>
-    <p:sldId id="299" r:id="rId24"/>
-    <p:sldId id="308" r:id="rId25"/>
-    <p:sldId id="295" r:id="rId26"/>
-    <p:sldId id="289" r:id="rId27"/>
-    <p:sldId id="291" r:id="rId28"/>
-    <p:sldId id="298" r:id="rId29"/>
+    <p:sldId id="313" r:id="rId6"/>
+    <p:sldId id="311" r:id="rId7"/>
+    <p:sldId id="271" r:id="rId8"/>
+    <p:sldId id="272" r:id="rId9"/>
+    <p:sldId id="273" r:id="rId10"/>
+    <p:sldId id="301" r:id="rId11"/>
+    <p:sldId id="314" r:id="rId12"/>
+    <p:sldId id="312" r:id="rId13"/>
+    <p:sldId id="274" r:id="rId14"/>
+    <p:sldId id="275" r:id="rId15"/>
+    <p:sldId id="276" r:id="rId16"/>
+    <p:sldId id="277" r:id="rId17"/>
+    <p:sldId id="278" r:id="rId18"/>
+    <p:sldId id="305" r:id="rId19"/>
+    <p:sldId id="302" r:id="rId20"/>
+    <p:sldId id="306" r:id="rId21"/>
+    <p:sldId id="310" r:id="rId22"/>
+    <p:sldId id="303" r:id="rId23"/>
+    <p:sldId id="285" r:id="rId24"/>
+    <p:sldId id="307" r:id="rId25"/>
+    <p:sldId id="286" r:id="rId26"/>
+    <p:sldId id="309" r:id="rId27"/>
+    <p:sldId id="299" r:id="rId28"/>
+    <p:sldId id="308" r:id="rId29"/>
+    <p:sldId id="295" r:id="rId30"/>
+    <p:sldId id="289" r:id="rId31"/>
+    <p:sldId id="291" r:id="rId32"/>
+    <p:sldId id="298" r:id="rId33"/>
   </p:sldIdLst>
   <p:sldSz cx="9144000" cy="6858000" type="screen4x3"/>
   <p:notesSz cx="6858000" cy="9144000"/>
@@ -3183,6 +3187,2121 @@
           <a:chExt cx="0" cy="0"/>
         </a:xfrm>
       </p:grpSpPr>
+      <p:sp>
+        <p:nvSpPr>
+          <p:cNvPr id="5" name="Rectangle 4"/>
+          <p:cNvSpPr/>
+          <p:nvPr/>
+        </p:nvSpPr>
+        <p:spPr>
+          <a:xfrm>
+            <a:off x="0" y="0"/>
+            <a:ext cx="9144000" cy="6858000"/>
+          </a:xfrm>
+          <a:prstGeom prst="rect">
+            <a:avLst/>
+          </a:prstGeom>
+        </p:spPr>
+        <p:style>
+          <a:lnRef idx="2">
+            <a:schemeClr val="accent1">
+              <a:shade val="50000"/>
+            </a:schemeClr>
+          </a:lnRef>
+          <a:fillRef idx="1">
+            <a:schemeClr val="accent1"/>
+          </a:fillRef>
+          <a:effectRef idx="0">
+            <a:schemeClr val="accent1"/>
+          </a:effectRef>
+          <a:fontRef idx="minor">
+            <a:schemeClr val="lt1"/>
+          </a:fontRef>
+        </p:style>
+        <p:txBody>
+          <a:bodyPr rtlCol="0" anchor="ctr"/>
+          <a:lstStyle/>
+          <a:p>
+            <a:pPr algn="ctr"/>
+            <a:r>
+              <a:rPr lang="en-US" sz="11500" dirty="0" smtClean="0">
+                <a:latin typeface="Cambria" panose="02040503050406030204" pitchFamily="18" charset="0"/>
+              </a:rPr>
+              <a:t>STATION</a:t>
+            </a:r>
+          </a:p>
+          <a:p>
+            <a:pPr algn="ctr"/>
+            <a:r>
+              <a:rPr lang="en-US" sz="2000" dirty="0" smtClean="0">
+                <a:latin typeface="Cambria" panose="02040503050406030204" pitchFamily="18" charset="0"/>
+              </a:rPr>
+              <a:t>Station: represent the statio</a:t>
+            </a:r>
+            <a:r>
+              <a:rPr lang="en-US" sz="2000" dirty="0" smtClean="0">
+                <a:latin typeface="Cambria" panose="02040503050406030204" pitchFamily="18" charset="0"/>
+              </a:rPr>
+              <a:t>n of bus</a:t>
+            </a:r>
+            <a:endParaRPr lang="en-US" sz="2000" dirty="0" smtClean="0">
+              <a:latin typeface="Cambria" panose="02040503050406030204" pitchFamily="18" charset="0"/>
+            </a:endParaRPr>
+          </a:p>
+        </p:txBody>
+      </p:sp>
+    </p:spTree>
+    <p:extLst>
+      <p:ext uri="{BB962C8B-B14F-4D97-AF65-F5344CB8AC3E}">
+        <p14:creationId xmlns:p14="http://schemas.microsoft.com/office/powerpoint/2010/main" val="793598644"/>
+      </p:ext>
+    </p:extLst>
+  </p:cSld>
+  <p:clrMapOvr>
+    <a:masterClrMapping/>
+  </p:clrMapOvr>
+</p:sld>
+</file>
+
+<file path=ppt/slides/slide11.xml><?xml version="1.0" encoding="utf-8"?>
+<p:sld xmlns:a="http://schemas.openxmlformats.org/drawingml/2006/main" xmlns:r="http://schemas.openxmlformats.org/officeDocument/2006/relationships" xmlns:p="http://schemas.openxmlformats.org/presentationml/2006/main">
+  <p:cSld>
+    <p:spTree>
+      <p:nvGrpSpPr>
+        <p:cNvPr id="1" name=""/>
+        <p:cNvGrpSpPr/>
+        <p:nvPr/>
+      </p:nvGrpSpPr>
+      <p:grpSpPr>
+        <a:xfrm>
+          <a:off x="0" y="0"/>
+          <a:ext cx="0" cy="0"/>
+          <a:chOff x="0" y="0"/>
+          <a:chExt cx="0" cy="0"/>
+        </a:xfrm>
+      </p:grpSpPr>
+      <p:pic>
+        <p:nvPicPr>
+          <p:cNvPr id="4" name="Picture 3"/>
+          <p:cNvPicPr>
+            <a:picLocks noChangeAspect="1"/>
+          </p:cNvPicPr>
+          <p:nvPr/>
+        </p:nvPicPr>
+        <p:blipFill>
+          <a:blip r:embed="rId2"/>
+          <a:stretch>
+            <a:fillRect/>
+          </a:stretch>
+        </p:blipFill>
+        <p:spPr>
+          <a:xfrm>
+            <a:off x="1981200" y="1404937"/>
+            <a:ext cx="5181600" cy="4048125"/>
+          </a:xfrm>
+          <a:prstGeom prst="rect">
+            <a:avLst/>
+          </a:prstGeom>
+        </p:spPr>
+      </p:pic>
+    </p:spTree>
+    <p:extLst>
+      <p:ext uri="{BB962C8B-B14F-4D97-AF65-F5344CB8AC3E}">
+        <p14:creationId xmlns:p14="http://schemas.microsoft.com/office/powerpoint/2010/main" val="538880581"/>
+      </p:ext>
+    </p:extLst>
+  </p:cSld>
+  <p:clrMapOvr>
+    <a:masterClrMapping/>
+  </p:clrMapOvr>
+</p:sld>
+</file>
+
+<file path=ppt/slides/slide12.xml><?xml version="1.0" encoding="utf-8"?>
+<p:sld xmlns:a="http://schemas.openxmlformats.org/drawingml/2006/main" xmlns:r="http://schemas.openxmlformats.org/officeDocument/2006/relationships" xmlns:p="http://schemas.openxmlformats.org/presentationml/2006/main">
+  <p:cSld>
+    <p:spTree>
+      <p:nvGrpSpPr>
+        <p:cNvPr id="1" name=""/>
+        <p:cNvGrpSpPr/>
+        <p:nvPr/>
+      </p:nvGrpSpPr>
+      <p:grpSpPr>
+        <a:xfrm>
+          <a:off x="0" y="0"/>
+          <a:ext cx="0" cy="0"/>
+          <a:chOff x="0" y="0"/>
+          <a:chExt cx="0" cy="0"/>
+        </a:xfrm>
+      </p:grpSpPr>
+      <p:graphicFrame>
+        <p:nvGraphicFramePr>
+          <p:cNvPr id="6" name="Table 5"/>
+          <p:cNvGraphicFramePr>
+            <a:graphicFrameLocks noGrp="1"/>
+          </p:cNvGraphicFramePr>
+          <p:nvPr>
+            <p:extLst>
+              <p:ext uri="{D42A27DB-BD31-4B8C-83A1-F6EECF244321}">
+                <p14:modId xmlns:p14="http://schemas.microsoft.com/office/powerpoint/2010/main" val="4200806993"/>
+              </p:ext>
+            </p:extLst>
+          </p:nvPr>
+        </p:nvGraphicFramePr>
+        <p:xfrm>
+          <a:off x="137160" y="83819"/>
+          <a:ext cx="8557260" cy="5514975"/>
+        </p:xfrm>
+        <a:graphic>
+          <a:graphicData uri="http://schemas.openxmlformats.org/drawingml/2006/table">
+            <a:tbl>
+              <a:tblPr firstRow="1" bandRow="1">
+                <a:tableStyleId>{5C22544A-7EE6-4342-B048-85BDC9FD1C3A}</a:tableStyleId>
+              </a:tblPr>
+              <a:tblGrid>
+                <a:gridCol w="662940"/>
+                <a:gridCol w="4583750"/>
+                <a:gridCol w="3310570"/>
+              </a:tblGrid>
+              <a:tr h="394335">
+                <a:tc>
+                  <a:txBody>
+                    <a:bodyPr/>
+                    <a:lstStyle/>
+                    <a:p>
+                      <a:pPr algn="ctr"/>
+                      <a:r>
+                        <a:rPr lang="en-US" sz="1600" dirty="0" smtClean="0"/>
+                        <a:t>Index</a:t>
+                      </a:r>
+                      <a:endParaRPr lang="en-US" sz="1600" dirty="0"/>
+                    </a:p>
+                  </a:txBody>
+                  <a:tcPr/>
+                </a:tc>
+                <a:tc>
+                  <a:txBody>
+                    <a:bodyPr/>
+                    <a:lstStyle/>
+                    <a:p>
+                      <a:pPr algn="ctr"/>
+                      <a:r>
+                        <a:rPr lang="en-US" dirty="0" smtClean="0"/>
+                        <a:t>Sample value</a:t>
+                      </a:r>
+                      <a:endParaRPr lang="en-US" dirty="0"/>
+                    </a:p>
+                  </a:txBody>
+                  <a:tcPr/>
+                </a:tc>
+                <a:tc>
+                  <a:txBody>
+                    <a:bodyPr/>
+                    <a:lstStyle/>
+                    <a:p>
+                      <a:pPr algn="ctr"/>
+                      <a:r>
+                        <a:rPr lang="en-US" dirty="0" smtClean="0"/>
+                        <a:t>Attribute</a:t>
+                      </a:r>
+                      <a:endParaRPr lang="en-US" dirty="0"/>
+                    </a:p>
+                  </a:txBody>
+                  <a:tcPr/>
+                </a:tc>
+              </a:tr>
+              <a:tr h="175260">
+                <a:tc>
+                  <a:txBody>
+                    <a:bodyPr/>
+                    <a:lstStyle/>
+                    <a:p>
+                      <a:pPr algn="ctr"/>
+                      <a:r>
+                        <a:rPr lang="en-US" dirty="0" smtClean="0"/>
+                        <a:t>0</a:t>
+                      </a:r>
+                      <a:endParaRPr lang="en-US" dirty="0"/>
+                    </a:p>
+                  </a:txBody>
+                  <a:tcPr/>
+                </a:tc>
+                <a:tc>
+                  <a:txBody>
+                    <a:bodyPr/>
+                    <a:lstStyle/>
+                    <a:p>
+                      <a:pPr algn="ctr"/>
+                      <a:r>
+                        <a:rPr lang="en-US" dirty="0" smtClean="0"/>
+                        <a:t>1</a:t>
+                      </a:r>
+                      <a:endParaRPr lang="en-US" dirty="0"/>
+                    </a:p>
+                  </a:txBody>
+                  <a:tcPr/>
+                </a:tc>
+                <a:tc>
+                  <a:txBody>
+                    <a:bodyPr/>
+                    <a:lstStyle/>
+                    <a:p>
+                      <a:pPr algn="ctr"/>
+                      <a:r>
+                        <a:rPr lang="en-US" dirty="0" smtClean="0"/>
+                        <a:t>Route’s id</a:t>
+                      </a:r>
+                      <a:endParaRPr lang="en-US" dirty="0"/>
+                    </a:p>
+                  </a:txBody>
+                  <a:tcPr/>
+                </a:tc>
+              </a:tr>
+              <a:tr h="175260">
+                <a:tc>
+                  <a:txBody>
+                    <a:bodyPr/>
+                    <a:lstStyle/>
+                    <a:p>
+                      <a:pPr algn="ctr"/>
+                      <a:r>
+                        <a:rPr lang="en-US" dirty="0" smtClean="0"/>
+                        <a:t>1</a:t>
+                      </a:r>
+                      <a:endParaRPr lang="en-US" dirty="0"/>
+                    </a:p>
+                  </a:txBody>
+                  <a:tcPr/>
+                </a:tc>
+                <a:tc>
+                  <a:txBody>
+                    <a:bodyPr/>
+                    <a:lstStyle/>
+                    <a:p>
+                      <a:pPr algn="ctr"/>
+                      <a:r>
+                        <a:rPr lang="en-US" dirty="0" smtClean="0"/>
+                        <a:t>8999</a:t>
+                      </a:r>
+                      <a:endParaRPr lang="en-US" dirty="0"/>
+                    </a:p>
+                  </a:txBody>
+                  <a:tcPr/>
+                </a:tc>
+                <a:tc>
+                  <a:txBody>
+                    <a:bodyPr/>
+                    <a:lstStyle/>
+                    <a:p>
+                      <a:pPr algn="ctr"/>
+                      <a:r>
+                        <a:rPr lang="en-US" dirty="0" smtClean="0"/>
+                        <a:t>Stop station’s ID</a:t>
+                      </a:r>
+                      <a:endParaRPr lang="en-US" dirty="0"/>
+                    </a:p>
+                  </a:txBody>
+                  <a:tcPr/>
+                </a:tc>
+              </a:tr>
+              <a:tr h="175260">
+                <a:tc>
+                  <a:txBody>
+                    <a:bodyPr/>
+                    <a:lstStyle/>
+                    <a:p>
+                      <a:pPr algn="ctr"/>
+                      <a:r>
+                        <a:rPr lang="en-US" dirty="0" smtClean="0"/>
+                        <a:t>2</a:t>
+                      </a:r>
+                      <a:endParaRPr lang="en-US" dirty="0"/>
+                    </a:p>
+                  </a:txBody>
+                  <a:tcPr/>
+                </a:tc>
+                <a:tc>
+                  <a:txBody>
+                    <a:bodyPr/>
+                    <a:lstStyle/>
+                    <a:p>
+                      <a:pPr algn="ctr"/>
+                      <a:r>
+                        <a:rPr lang="en-US" dirty="0" smtClean="0"/>
+                        <a:t>8994</a:t>
+                      </a:r>
+                      <a:endParaRPr lang="en-US" dirty="0"/>
+                    </a:p>
+                  </a:txBody>
+                  <a:tcPr/>
+                </a:tc>
+                <a:tc>
+                  <a:txBody>
+                    <a:bodyPr/>
+                    <a:lstStyle/>
+                    <a:p>
+                      <a:pPr algn="ctr"/>
+                      <a:r>
+                        <a:rPr lang="en-US" dirty="0" smtClean="0"/>
+                        <a:t>Stop station’s ID</a:t>
+                      </a:r>
+                      <a:endParaRPr lang="en-US" dirty="0"/>
+                    </a:p>
+                  </a:txBody>
+                  <a:tcPr/>
+                </a:tc>
+              </a:tr>
+              <a:tr h="306705">
+                <a:tc>
+                  <a:txBody>
+                    <a:bodyPr/>
+                    <a:lstStyle/>
+                    <a:p>
+                      <a:pPr algn="ctr"/>
+                      <a:r>
+                        <a:rPr lang="en-US" dirty="0" smtClean="0"/>
+                        <a:t>3</a:t>
+                      </a:r>
+                      <a:endParaRPr lang="en-US" dirty="0"/>
+                    </a:p>
+                  </a:txBody>
+                  <a:tcPr/>
+                </a:tc>
+                <a:tc>
+                  <a:txBody>
+                    <a:bodyPr/>
+                    <a:lstStyle/>
+                    <a:p>
+                      <a:pPr algn="ctr"/>
+                      <a:r>
+                        <a:rPr lang="en-US" sz="1800" b="0" i="0" kern="1200" dirty="0" smtClean="0">
+                          <a:solidFill>
+                            <a:schemeClr val="dk1"/>
+                          </a:solidFill>
+                          <a:effectLst/>
+                          <a:latin typeface="+mn-lt"/>
+                          <a:ea typeface="+mn-ea"/>
+                          <a:cs typeface="+mn-cs"/>
+                        </a:rPr>
+                        <a:t>106.70589000000001,10.776800000000001</a:t>
+                      </a:r>
+                      <a:endParaRPr lang="en-US" dirty="0"/>
+                    </a:p>
+                  </a:txBody>
+                  <a:tcPr/>
+                </a:tc>
+                <a:tc>
+                  <a:txBody>
+                    <a:bodyPr/>
+                    <a:lstStyle/>
+                    <a:p>
+                      <a:pPr algn="ctr"/>
+                      <a:r>
+                        <a:rPr lang="en-US" dirty="0" smtClean="0"/>
+                        <a:t>Middle points</a:t>
+                      </a:r>
+                      <a:endParaRPr lang="en-US" dirty="0"/>
+                    </a:p>
+                  </a:txBody>
+                  <a:tcPr/>
+                </a:tc>
+              </a:tr>
+              <a:tr h="175260">
+                <a:tc>
+                  <a:txBody>
+                    <a:bodyPr/>
+                    <a:lstStyle/>
+                    <a:p>
+                      <a:pPr algn="ctr"/>
+                      <a:r>
+                        <a:rPr lang="en-US" dirty="0" smtClean="0"/>
+                        <a:t>4</a:t>
+                      </a:r>
+                      <a:endParaRPr lang="en-US" dirty="0"/>
+                    </a:p>
+                  </a:txBody>
+                  <a:tcPr/>
+                </a:tc>
+                <a:tc>
+                  <a:txBody>
+                    <a:bodyPr/>
+                    <a:lstStyle/>
+                    <a:p>
+                      <a:pPr algn="ctr"/>
+                      <a:r>
+                        <a:rPr lang="en-US" dirty="0" smtClean="0"/>
+                        <a:t>True</a:t>
+                      </a:r>
+                      <a:endParaRPr lang="en-US" dirty="0"/>
+                    </a:p>
+                  </a:txBody>
+                  <a:tcPr/>
+                </a:tc>
+                <a:tc>
+                  <a:txBody>
+                    <a:bodyPr/>
+                    <a:lstStyle/>
+                    <a:p>
+                      <a:pPr algn="ctr"/>
+                      <a:r>
+                        <a:rPr lang="en-US" dirty="0" smtClean="0"/>
+                        <a:t>Turn</a:t>
+                      </a:r>
+                      <a:r>
+                        <a:rPr lang="en-US" baseline="0" dirty="0" smtClean="0"/>
+                        <a:t> (</a:t>
+                      </a:r>
+                      <a:r>
+                        <a:rPr lang="en-US" baseline="0" dirty="0" err="1" smtClean="0"/>
+                        <a:t>isgo</a:t>
+                      </a:r>
+                      <a:r>
+                        <a:rPr lang="en-US" baseline="0" dirty="0" smtClean="0"/>
+                        <a:t> parameter)</a:t>
+                      </a:r>
+                      <a:endParaRPr lang="en-US" dirty="0"/>
+                    </a:p>
+                  </a:txBody>
+                  <a:tcPr/>
+                </a:tc>
+              </a:tr>
+              <a:tr h="175260">
+                <a:tc>
+                  <a:txBody>
+                    <a:bodyPr/>
+                    <a:lstStyle/>
+                    <a:p>
+                      <a:pPr algn="ctr"/>
+                      <a:r>
+                        <a:rPr lang="en-US" dirty="0" smtClean="0"/>
+                        <a:t>5</a:t>
+                      </a:r>
+                      <a:endParaRPr lang="en-US" dirty="0"/>
+                    </a:p>
+                  </a:txBody>
+                  <a:tcPr/>
+                </a:tc>
+                <a:tc>
+                  <a:txBody>
+                    <a:bodyPr/>
+                    <a:lstStyle/>
+                    <a:p>
+                      <a:pPr algn="ctr"/>
+                      <a:r>
+                        <a:rPr lang="en-US" sz="1800" b="0" i="0" kern="1200" dirty="0" smtClean="0">
+                          <a:solidFill>
+                            <a:schemeClr val="dk1"/>
+                          </a:solidFill>
+                          <a:effectLst/>
+                          <a:latin typeface="+mn-lt"/>
+                          <a:ea typeface="+mn-ea"/>
+                          <a:cs typeface="+mn-cs"/>
+                        </a:rPr>
+                        <a:t>1</a:t>
+                      </a:r>
+                      <a:endParaRPr lang="en-US" dirty="0"/>
+                    </a:p>
+                  </a:txBody>
+                  <a:tcPr/>
+                </a:tc>
+                <a:tc>
+                  <a:txBody>
+                    <a:bodyPr/>
+                    <a:lstStyle/>
+                    <a:p>
+                      <a:pPr algn="ctr"/>
+                      <a:r>
+                        <a:rPr lang="en-US" dirty="0" smtClean="0"/>
+                        <a:t>Order</a:t>
+                      </a:r>
+                      <a:r>
+                        <a:rPr lang="en-US" baseline="0" dirty="0" smtClean="0"/>
+                        <a:t> in route</a:t>
+                      </a:r>
+                      <a:endParaRPr lang="en-US" dirty="0"/>
+                    </a:p>
+                  </a:txBody>
+                  <a:tcPr/>
+                </a:tc>
+              </a:tr>
+              <a:tr h="175260">
+                <a:tc>
+                  <a:txBody>
+                    <a:bodyPr/>
+                    <a:lstStyle/>
+                    <a:p>
+                      <a:pPr algn="ctr"/>
+                      <a:r>
+                        <a:rPr lang="en-US" dirty="0" smtClean="0"/>
+                        <a:t>6</a:t>
+                      </a:r>
+                      <a:endParaRPr lang="en-US" dirty="0"/>
+                    </a:p>
+                  </a:txBody>
+                  <a:tcPr/>
+                </a:tc>
+                <a:tc>
+                  <a:txBody>
+                    <a:bodyPr/>
+                    <a:lstStyle/>
+                    <a:p>
+                      <a:pPr algn="ctr"/>
+                      <a:r>
+                        <a:rPr lang="en-US" sz="1800" b="0" i="0" kern="1200" dirty="0" smtClean="0">
+                          <a:solidFill>
+                            <a:schemeClr val="dk1"/>
+                          </a:solidFill>
+                          <a:effectLst/>
+                          <a:latin typeface="+mn-lt"/>
+                          <a:ea typeface="+mn-ea"/>
+                          <a:cs typeface="+mn-cs"/>
+                        </a:rPr>
+                        <a:t>468.747807122203</a:t>
+                      </a:r>
+                      <a:endParaRPr lang="en-US" dirty="0"/>
+                    </a:p>
+                  </a:txBody>
+                  <a:tcPr/>
+                </a:tc>
+                <a:tc>
+                  <a:txBody>
+                    <a:bodyPr/>
+                    <a:lstStyle/>
+                    <a:p>
+                      <a:pPr algn="ctr"/>
+                      <a:r>
+                        <a:rPr lang="en-US" dirty="0" smtClean="0"/>
+                        <a:t>Distance</a:t>
+                      </a:r>
+                      <a:endParaRPr lang="en-US" dirty="0"/>
+                    </a:p>
+                  </a:txBody>
+                  <a:tcPr/>
+                </a:tc>
+              </a:tr>
+              <a:tr h="175260">
+                <a:tc>
+                  <a:txBody>
+                    <a:bodyPr/>
+                    <a:lstStyle/>
+                    <a:p>
+                      <a:pPr algn="ctr"/>
+                      <a:r>
+                        <a:rPr lang="en-US" dirty="0" smtClean="0"/>
+                        <a:t>7</a:t>
+                      </a:r>
+                      <a:endParaRPr lang="en-US" dirty="0"/>
+                    </a:p>
+                  </a:txBody>
+                  <a:tcPr/>
+                </a:tc>
+                <a:tc>
+                  <a:txBody>
+                    <a:bodyPr/>
+                    <a:lstStyle/>
+                    <a:p>
+                      <a:pPr algn="ctr"/>
+                      <a:r>
+                        <a:rPr lang="vi-VN" sz="1800" b="1" i="0" kern="1200" dirty="0" smtClean="0">
+                          <a:solidFill>
+                            <a:srgbClr val="FF0000"/>
+                          </a:solidFill>
+                          <a:effectLst/>
+                          <a:latin typeface="+mn-lt"/>
+                          <a:ea typeface="+mn-ea"/>
+                          <a:cs typeface="+mn-cs"/>
+                        </a:rPr>
+                        <a:t>Công Trường Mê Linh</a:t>
+                      </a:r>
+                      <a:endParaRPr lang="en-US" b="1" dirty="0">
+                        <a:solidFill>
+                          <a:srgbClr val="FF0000"/>
+                        </a:solidFill>
+                      </a:endParaRPr>
+                    </a:p>
+                  </a:txBody>
+                  <a:tcPr/>
+                </a:tc>
+                <a:tc>
+                  <a:txBody>
+                    <a:bodyPr/>
+                    <a:lstStyle/>
+                    <a:p>
+                      <a:pPr algn="ctr"/>
+                      <a:r>
+                        <a:rPr lang="en-US" dirty="0" smtClean="0"/>
+                        <a:t>Start station’s name</a:t>
+                      </a:r>
+                      <a:endParaRPr lang="en-US" dirty="0"/>
+                    </a:p>
+                  </a:txBody>
+                  <a:tcPr/>
+                </a:tc>
+              </a:tr>
+              <a:tr h="175260">
+                <a:tc>
+                  <a:txBody>
+                    <a:bodyPr/>
+                    <a:lstStyle/>
+                    <a:p>
+                      <a:pPr algn="ctr"/>
+                      <a:r>
+                        <a:rPr lang="en-US" dirty="0" smtClean="0"/>
+                        <a:t>8</a:t>
+                      </a:r>
+                      <a:endParaRPr lang="en-US" dirty="0"/>
+                    </a:p>
+                  </a:txBody>
+                  <a:tcPr/>
+                </a:tc>
+                <a:tc>
+                  <a:txBody>
+                    <a:bodyPr/>
+                    <a:lstStyle/>
+                    <a:p>
+                      <a:pPr algn="ctr"/>
+                      <a:r>
+                        <a:rPr lang="en-US" sz="1800" b="1" i="0" kern="1200" dirty="0" smtClean="0">
+                          <a:solidFill>
+                            <a:srgbClr val="FF0000"/>
+                          </a:solidFill>
+                          <a:effectLst/>
+                          <a:latin typeface="+mn-lt"/>
+                          <a:ea typeface="+mn-ea"/>
+                          <a:cs typeface="+mn-cs"/>
+                        </a:rPr>
+                        <a:t>106.705856990563</a:t>
+                      </a:r>
+                      <a:endParaRPr lang="en-US" b="1" dirty="0">
+                        <a:solidFill>
+                          <a:srgbClr val="FF0000"/>
+                        </a:solidFill>
+                      </a:endParaRPr>
+                    </a:p>
+                  </a:txBody>
+                  <a:tcPr/>
+                </a:tc>
+                <a:tc>
+                  <a:txBody>
+                    <a:bodyPr/>
+                    <a:lstStyle/>
+                    <a:p>
+                      <a:pPr algn="ctr"/>
+                      <a:r>
+                        <a:rPr lang="en-US" dirty="0" smtClean="0"/>
+                        <a:t>Start station’s longitude</a:t>
+                      </a:r>
+                      <a:endParaRPr lang="en-US" dirty="0"/>
+                    </a:p>
+                  </a:txBody>
+                  <a:tcPr/>
+                </a:tc>
+              </a:tr>
+              <a:tr h="175260">
+                <a:tc>
+                  <a:txBody>
+                    <a:bodyPr/>
+                    <a:lstStyle/>
+                    <a:p>
+                      <a:pPr algn="ctr"/>
+                      <a:r>
+                        <a:rPr lang="en-US" dirty="0" smtClean="0"/>
+                        <a:t>9</a:t>
+                      </a:r>
+                      <a:endParaRPr lang="en-US" dirty="0"/>
+                    </a:p>
+                  </a:txBody>
+                  <a:tcPr/>
+                </a:tc>
+                <a:tc>
+                  <a:txBody>
+                    <a:bodyPr/>
+                    <a:lstStyle/>
+                    <a:p>
+                      <a:pPr algn="ctr"/>
+                      <a:r>
+                        <a:rPr lang="en-US" sz="1800" b="1" i="0" kern="1200" dirty="0" smtClean="0">
+                          <a:solidFill>
+                            <a:srgbClr val="FF0000"/>
+                          </a:solidFill>
+                          <a:effectLst/>
+                          <a:latin typeface="+mn-lt"/>
+                          <a:ea typeface="+mn-ea"/>
+                          <a:cs typeface="+mn-cs"/>
+                        </a:rPr>
+                        <a:t>10.7767894851893</a:t>
+                      </a:r>
+                      <a:endParaRPr lang="en-US" b="1" dirty="0">
+                        <a:solidFill>
+                          <a:srgbClr val="FF0000"/>
+                        </a:solidFill>
+                      </a:endParaRPr>
+                    </a:p>
+                  </a:txBody>
+                  <a:tcPr/>
+                </a:tc>
+                <a:tc>
+                  <a:txBody>
+                    <a:bodyPr/>
+                    <a:lstStyle/>
+                    <a:p>
+                      <a:pPr algn="ctr"/>
+                      <a:r>
+                        <a:rPr lang="en-US" dirty="0" smtClean="0"/>
+                        <a:t>Start station’s latitude</a:t>
+                      </a:r>
+                      <a:endParaRPr lang="en-US" dirty="0"/>
+                    </a:p>
+                  </a:txBody>
+                  <a:tcPr/>
+                </a:tc>
+              </a:tr>
+              <a:tr h="306705">
+                <a:tc>
+                  <a:txBody>
+                    <a:bodyPr/>
+                    <a:lstStyle/>
+                    <a:p>
+                      <a:pPr algn="ctr"/>
+                      <a:r>
+                        <a:rPr lang="en-US" dirty="0" smtClean="0"/>
+                        <a:t>10</a:t>
+                      </a:r>
+                      <a:endParaRPr lang="en-US" dirty="0"/>
+                    </a:p>
+                  </a:txBody>
+                  <a:tcPr/>
+                </a:tc>
+                <a:tc>
+                  <a:txBody>
+                    <a:bodyPr/>
+                    <a:lstStyle/>
+                    <a:p>
+                      <a:pPr algn="ctr"/>
+                      <a:r>
+                        <a:rPr lang="en-US" sz="1800" b="0" i="0" kern="1200" dirty="0" smtClean="0">
+                          <a:solidFill>
+                            <a:schemeClr val="dk1"/>
+                          </a:solidFill>
+                          <a:effectLst/>
+                          <a:latin typeface="+mn-lt"/>
+                          <a:ea typeface="+mn-ea"/>
+                          <a:cs typeface="+mn-cs"/>
+                        </a:rPr>
+                        <a:t>01</a:t>
+                      </a:r>
+                      <a:endParaRPr lang="en-US" dirty="0"/>
+                    </a:p>
+                  </a:txBody>
+                  <a:tcPr/>
+                </a:tc>
+                <a:tc>
+                  <a:txBody>
+                    <a:bodyPr/>
+                    <a:lstStyle/>
+                    <a:p>
+                      <a:pPr algn="ctr"/>
+                      <a:r>
+                        <a:rPr lang="en-US" dirty="0" smtClean="0"/>
+                        <a:t>Bus number</a:t>
+                      </a:r>
+                      <a:endParaRPr lang="en-US" dirty="0"/>
+                    </a:p>
+                  </a:txBody>
+                  <a:tcPr/>
+                </a:tc>
+              </a:tr>
+              <a:tr h="306705">
+                <a:tc>
+                  <a:txBody>
+                    <a:bodyPr/>
+                    <a:lstStyle/>
+                    <a:p>
+                      <a:pPr algn="ctr"/>
+                      <a:r>
+                        <a:rPr lang="en-US" dirty="0" smtClean="0"/>
+                        <a:t>11</a:t>
+                      </a:r>
+                      <a:endParaRPr lang="en-US" dirty="0"/>
+                    </a:p>
+                  </a:txBody>
+                  <a:tcPr/>
+                </a:tc>
+                <a:tc>
+                  <a:txBody>
+                    <a:bodyPr/>
+                    <a:lstStyle/>
+                    <a:p>
+                      <a:pPr algn="ctr"/>
+                      <a:r>
+                        <a:rPr lang="en-US" sz="1800" b="0" i="0" kern="1200" dirty="0" err="1" smtClean="0">
+                          <a:solidFill>
+                            <a:schemeClr val="dk1"/>
+                          </a:solidFill>
+                          <a:effectLst/>
+                          <a:latin typeface="+mn-lt"/>
+                          <a:ea typeface="+mn-ea"/>
+                          <a:cs typeface="+mn-cs"/>
+                        </a:rPr>
+                        <a:t>Bến</a:t>
+                      </a:r>
+                      <a:r>
+                        <a:rPr lang="en-US" sz="1800" b="0" i="0" kern="1200" dirty="0" smtClean="0">
+                          <a:solidFill>
+                            <a:schemeClr val="dk1"/>
+                          </a:solidFill>
+                          <a:effectLst/>
+                          <a:latin typeface="+mn-lt"/>
+                          <a:ea typeface="+mn-ea"/>
+                          <a:cs typeface="+mn-cs"/>
+                        </a:rPr>
+                        <a:t> </a:t>
+                      </a:r>
+                      <a:r>
+                        <a:rPr lang="en-US" sz="1800" b="0" i="0" kern="1200" dirty="0" err="1" smtClean="0">
+                          <a:solidFill>
+                            <a:schemeClr val="dk1"/>
+                          </a:solidFill>
+                          <a:effectLst/>
+                          <a:latin typeface="+mn-lt"/>
+                          <a:ea typeface="+mn-ea"/>
+                          <a:cs typeface="+mn-cs"/>
+                        </a:rPr>
+                        <a:t>Thành</a:t>
+                      </a:r>
+                      <a:r>
+                        <a:rPr lang="en-US" sz="1800" b="0" i="0" kern="1200" dirty="0" smtClean="0">
+                          <a:solidFill>
+                            <a:schemeClr val="dk1"/>
+                          </a:solidFill>
+                          <a:effectLst/>
+                          <a:latin typeface="+mn-lt"/>
+                          <a:ea typeface="+mn-ea"/>
+                          <a:cs typeface="+mn-cs"/>
+                        </a:rPr>
+                        <a:t>- BX </a:t>
+                      </a:r>
+                      <a:r>
+                        <a:rPr lang="en-US" sz="1800" b="0" i="0" kern="1200" dirty="0" err="1" smtClean="0">
+                          <a:solidFill>
+                            <a:schemeClr val="dk1"/>
+                          </a:solidFill>
+                          <a:effectLst/>
+                          <a:latin typeface="+mn-lt"/>
+                          <a:ea typeface="+mn-ea"/>
+                          <a:cs typeface="+mn-cs"/>
+                        </a:rPr>
+                        <a:t>Chợ</a:t>
+                      </a:r>
+                      <a:r>
+                        <a:rPr lang="en-US" sz="1800" b="0" i="0" kern="1200" dirty="0" smtClean="0">
+                          <a:solidFill>
+                            <a:schemeClr val="dk1"/>
+                          </a:solidFill>
+                          <a:effectLst/>
+                          <a:latin typeface="+mn-lt"/>
+                          <a:ea typeface="+mn-ea"/>
+                          <a:cs typeface="+mn-cs"/>
+                        </a:rPr>
+                        <a:t> </a:t>
+                      </a:r>
+                      <a:r>
+                        <a:rPr lang="en-US" sz="1800" b="0" i="0" kern="1200" dirty="0" err="1" smtClean="0">
+                          <a:solidFill>
+                            <a:schemeClr val="dk1"/>
+                          </a:solidFill>
+                          <a:effectLst/>
+                          <a:latin typeface="+mn-lt"/>
+                          <a:ea typeface="+mn-ea"/>
+                          <a:cs typeface="+mn-cs"/>
+                        </a:rPr>
+                        <a:t>Lớn</a:t>
+                      </a:r>
+                      <a:endParaRPr lang="en-US" dirty="0"/>
+                    </a:p>
+                  </a:txBody>
+                  <a:tcPr/>
+                </a:tc>
+                <a:tc>
+                  <a:txBody>
+                    <a:bodyPr/>
+                    <a:lstStyle/>
+                    <a:p>
+                      <a:pPr algn="ctr"/>
+                      <a:r>
+                        <a:rPr lang="en-US" dirty="0" smtClean="0"/>
+                        <a:t>Bus name</a:t>
+                      </a:r>
+                      <a:endParaRPr lang="en-US" dirty="0"/>
+                    </a:p>
+                  </a:txBody>
+                  <a:tcPr/>
+                </a:tc>
+              </a:tr>
+              <a:tr h="306705">
+                <a:tc>
+                  <a:txBody>
+                    <a:bodyPr/>
+                    <a:lstStyle/>
+                    <a:p>
+                      <a:pPr algn="ctr"/>
+                      <a:r>
+                        <a:rPr lang="en-US" dirty="0" smtClean="0"/>
+                        <a:t>12</a:t>
+                      </a:r>
+                      <a:endParaRPr lang="en-US" dirty="0"/>
+                    </a:p>
+                  </a:txBody>
+                  <a:tcPr/>
+                </a:tc>
+                <a:tc>
+                  <a:txBody>
+                    <a:bodyPr/>
+                    <a:lstStyle/>
+                    <a:p>
+                      <a:pPr algn="ctr"/>
+                      <a:r>
+                        <a:rPr lang="vi-VN" sz="1800" b="1" i="0" kern="1200" dirty="0" smtClean="0">
+                          <a:solidFill>
+                            <a:srgbClr val="FF0000"/>
+                          </a:solidFill>
+                          <a:effectLst/>
+                          <a:latin typeface="+mn-lt"/>
+                          <a:ea typeface="+mn-ea"/>
+                          <a:cs typeface="+mn-cs"/>
+                        </a:rPr>
+                        <a:t>Công trường Mê Linh, Thi Sách, Quận 1</a:t>
+                      </a:r>
+                      <a:endParaRPr lang="en-US" b="1" dirty="0">
+                        <a:solidFill>
+                          <a:srgbClr val="FF0000"/>
+                        </a:solidFill>
+                      </a:endParaRPr>
+                    </a:p>
+                  </a:txBody>
+                  <a:tcPr/>
+                </a:tc>
+                <a:tc>
+                  <a:txBody>
+                    <a:bodyPr/>
+                    <a:lstStyle/>
+                    <a:p>
+                      <a:pPr algn="ctr"/>
+                      <a:r>
+                        <a:rPr lang="en-US" dirty="0" smtClean="0"/>
+                        <a:t>Start</a:t>
+                      </a:r>
+                      <a:r>
+                        <a:rPr lang="en-US" baseline="0" dirty="0" smtClean="0"/>
+                        <a:t> station’s address</a:t>
+                      </a:r>
+                      <a:endParaRPr lang="en-US" dirty="0"/>
+                    </a:p>
+                  </a:txBody>
+                  <a:tcPr/>
+                </a:tc>
+              </a:tr>
+              <a:tr h="306705">
+                <a:tc>
+                  <a:txBody>
+                    <a:bodyPr/>
+                    <a:lstStyle/>
+                    <a:p>
+                      <a:pPr algn="ctr"/>
+                      <a:r>
+                        <a:rPr lang="en-US" dirty="0" smtClean="0"/>
+                        <a:t>13</a:t>
+                      </a:r>
+                      <a:endParaRPr lang="en-US" dirty="0"/>
+                    </a:p>
+                  </a:txBody>
+                  <a:tcPr/>
+                </a:tc>
+                <a:tc>
+                  <a:txBody>
+                    <a:bodyPr/>
+                    <a:lstStyle/>
+                    <a:p>
+                      <a:pPr algn="ctr"/>
+                      <a:r>
+                        <a:rPr lang="en-US" sz="1800" b="1" i="0" kern="1200" dirty="0" smtClean="0">
+                          <a:solidFill>
+                            <a:srgbClr val="FF0000"/>
+                          </a:solidFill>
+                          <a:effectLst/>
+                          <a:latin typeface="+mn-lt"/>
+                          <a:ea typeface="+mn-ea"/>
+                          <a:cs typeface="+mn-cs"/>
+                        </a:rPr>
+                        <a:t>BX06</a:t>
+                      </a:r>
+                      <a:endParaRPr lang="en-US" b="1" dirty="0">
+                        <a:solidFill>
+                          <a:srgbClr val="FF0000"/>
+                        </a:solidFill>
+                      </a:endParaRPr>
+                    </a:p>
+                  </a:txBody>
+                  <a:tcPr/>
+                </a:tc>
+                <a:tc>
+                  <a:txBody>
+                    <a:bodyPr/>
+                    <a:lstStyle/>
+                    <a:p>
+                      <a:pPr algn="ctr"/>
+                      <a:r>
+                        <a:rPr lang="en-US" dirty="0" smtClean="0"/>
+                        <a:t>Start station’s code</a:t>
+                      </a:r>
+                      <a:endParaRPr lang="en-US" dirty="0"/>
+                    </a:p>
+                  </a:txBody>
+                  <a:tcPr/>
+                </a:tc>
+              </a:tr>
+            </a:tbl>
+          </a:graphicData>
+        </a:graphic>
+      </p:graphicFrame>
+      <p:sp>
+        <p:nvSpPr>
+          <p:cNvPr id="7" name="Rectangle 6"/>
+          <p:cNvSpPr/>
+          <p:nvPr/>
+        </p:nvSpPr>
+        <p:spPr>
+          <a:xfrm>
+            <a:off x="769620" y="5867400"/>
+            <a:ext cx="7490460" cy="369332"/>
+          </a:xfrm>
+          <a:prstGeom prst="rect">
+            <a:avLst/>
+          </a:prstGeom>
+        </p:spPr>
+        <p:txBody>
+          <a:bodyPr wrap="square">
+            <a:spAutoFit/>
+          </a:bodyPr>
+          <a:lstStyle/>
+          <a:p>
+            <a:r>
+              <a:rPr lang="en-US" dirty="0" smtClean="0"/>
+              <a:t>http://mapbus.ebms.vn/ajax.aspx?action=listRouteStations&amp;</a:t>
+            </a:r>
+            <a:r>
+              <a:rPr lang="en-US" dirty="0" smtClean="0">
+                <a:solidFill>
+                  <a:srgbClr val="FF0000"/>
+                </a:solidFill>
+              </a:rPr>
+              <a:t>rid=1</a:t>
+            </a:r>
+            <a:r>
+              <a:rPr lang="en-US" dirty="0" smtClean="0"/>
+              <a:t>&amp;</a:t>
+            </a:r>
+            <a:r>
+              <a:rPr lang="en-US" dirty="0" smtClean="0">
+                <a:solidFill>
+                  <a:srgbClr val="FF0000"/>
+                </a:solidFill>
+              </a:rPr>
+              <a:t>isgo=true</a:t>
+            </a:r>
+            <a:endParaRPr lang="en-US" dirty="0">
+              <a:solidFill>
+                <a:srgbClr val="FF0000"/>
+              </a:solidFill>
+            </a:endParaRPr>
+          </a:p>
+        </p:txBody>
+      </p:sp>
+    </p:spTree>
+    <p:extLst>
+      <p:ext uri="{BB962C8B-B14F-4D97-AF65-F5344CB8AC3E}">
+        <p14:creationId xmlns:p14="http://schemas.microsoft.com/office/powerpoint/2010/main" val="32203514"/>
+      </p:ext>
+    </p:extLst>
+  </p:cSld>
+  <p:clrMapOvr>
+    <a:masterClrMapping/>
+  </p:clrMapOvr>
+</p:sld>
+</file>
+
+<file path=ppt/slides/slide13.xml><?xml version="1.0" encoding="utf-8"?>
+<p:sld xmlns:a="http://schemas.openxmlformats.org/drawingml/2006/main" xmlns:r="http://schemas.openxmlformats.org/officeDocument/2006/relationships" xmlns:p="http://schemas.openxmlformats.org/presentationml/2006/main">
+  <p:cSld>
+    <p:spTree>
+      <p:nvGrpSpPr>
+        <p:cNvPr id="1" name=""/>
+        <p:cNvGrpSpPr/>
+        <p:nvPr/>
+      </p:nvGrpSpPr>
+      <p:grpSpPr>
+        <a:xfrm>
+          <a:off x="0" y="0"/>
+          <a:ext cx="0" cy="0"/>
+          <a:chOff x="0" y="0"/>
+          <a:chExt cx="0" cy="0"/>
+        </a:xfrm>
+      </p:grpSpPr>
+      <p:graphicFrame>
+        <p:nvGraphicFramePr>
+          <p:cNvPr id="15" name="Table 14"/>
+          <p:cNvGraphicFramePr>
+            <a:graphicFrameLocks noGrp="1"/>
+          </p:cNvGraphicFramePr>
+          <p:nvPr>
+            <p:extLst>
+              <p:ext uri="{D42A27DB-BD31-4B8C-83A1-F6EECF244321}">
+                <p14:modId xmlns:p14="http://schemas.microsoft.com/office/powerpoint/2010/main" val="2220707338"/>
+              </p:ext>
+            </p:extLst>
+          </p:nvPr>
+        </p:nvGraphicFramePr>
+        <p:xfrm>
+          <a:off x="106679" y="82333"/>
+          <a:ext cx="5661732" cy="6192816"/>
+        </p:xfrm>
+        <a:graphic>
+          <a:graphicData uri="http://schemas.openxmlformats.org/drawingml/2006/table">
+            <a:tbl>
+              <a:tblPr firstRow="1" bandRow="1">
+                <a:tableStyleId>{5C22544A-7EE6-4342-B048-85BDC9FD1C3A}</a:tableStyleId>
+              </a:tblPr>
+              <a:tblGrid>
+                <a:gridCol w="744064"/>
+                <a:gridCol w="4917668"/>
+              </a:tblGrid>
+              <a:tr h="371136">
+                <a:tc>
+                  <a:txBody>
+                    <a:bodyPr/>
+                    <a:lstStyle/>
+                    <a:p>
+                      <a:pPr algn="ctr"/>
+                      <a:r>
+                        <a:rPr lang="en-US" sz="1600" dirty="0" smtClean="0">
+                          <a:latin typeface="Cambria" panose="02040503050406030204" pitchFamily="18" charset="0"/>
+                        </a:rPr>
+                        <a:t>Index</a:t>
+                      </a:r>
+                      <a:endParaRPr lang="en-US" sz="1600" dirty="0">
+                        <a:latin typeface="Cambria" panose="02040503050406030204" pitchFamily="18" charset="0"/>
+                      </a:endParaRPr>
+                    </a:p>
+                  </a:txBody>
+                  <a:tcPr/>
+                </a:tc>
+                <a:tc>
+                  <a:txBody>
+                    <a:bodyPr/>
+                    <a:lstStyle/>
+                    <a:p>
+                      <a:pPr algn="ctr"/>
+                      <a:r>
+                        <a:rPr lang="en-US" dirty="0" smtClean="0">
+                          <a:latin typeface="Cambria" panose="02040503050406030204" pitchFamily="18" charset="0"/>
+                        </a:rPr>
+                        <a:t>Sample value</a:t>
+                      </a:r>
+                      <a:endParaRPr lang="en-US" dirty="0">
+                        <a:latin typeface="Cambria" panose="02040503050406030204" pitchFamily="18" charset="0"/>
+                      </a:endParaRPr>
+                    </a:p>
+                  </a:txBody>
+                  <a:tcPr/>
+                </a:tc>
+              </a:tr>
+              <a:tr h="365027">
+                <a:tc>
+                  <a:txBody>
+                    <a:bodyPr/>
+                    <a:lstStyle/>
+                    <a:p>
+                      <a:pPr algn="ctr"/>
+                      <a:r>
+                        <a:rPr lang="en-US" smtClean="0">
+                          <a:latin typeface="Cambria" panose="02040503050406030204" pitchFamily="18" charset="0"/>
+                        </a:rPr>
+                        <a:t>0</a:t>
+                      </a:r>
+                      <a:endParaRPr lang="en-US" dirty="0">
+                        <a:latin typeface="Cambria" panose="02040503050406030204" pitchFamily="18" charset="0"/>
+                      </a:endParaRPr>
+                    </a:p>
+                  </a:txBody>
+                  <a:tcPr/>
+                </a:tc>
+                <a:tc>
+                  <a:txBody>
+                    <a:bodyPr/>
+                    <a:lstStyle/>
+                    <a:p>
+                      <a:pPr algn="ctr"/>
+                      <a:r>
+                        <a:rPr lang="en-US" smtClean="0">
+                          <a:latin typeface="Cambria" panose="02040503050406030204" pitchFamily="18" charset="0"/>
+                        </a:rPr>
+                        <a:t>1</a:t>
+                      </a:r>
+                      <a:endParaRPr lang="en-US" dirty="0">
+                        <a:latin typeface="Cambria" panose="02040503050406030204" pitchFamily="18" charset="0"/>
+                      </a:endParaRPr>
+                    </a:p>
+                  </a:txBody>
+                  <a:tcPr/>
+                </a:tc>
+              </a:tr>
+              <a:tr h="365027">
+                <a:tc>
+                  <a:txBody>
+                    <a:bodyPr/>
+                    <a:lstStyle/>
+                    <a:p>
+                      <a:pPr algn="ctr"/>
+                      <a:r>
+                        <a:rPr lang="en-US" smtClean="0">
+                          <a:latin typeface="Cambria" panose="02040503050406030204" pitchFamily="18" charset="0"/>
+                        </a:rPr>
+                        <a:t>1</a:t>
+                      </a:r>
+                      <a:endParaRPr lang="en-US" dirty="0">
+                        <a:latin typeface="Cambria" panose="02040503050406030204" pitchFamily="18" charset="0"/>
+                      </a:endParaRPr>
+                    </a:p>
+                  </a:txBody>
+                  <a:tcPr/>
+                </a:tc>
+                <a:tc>
+                  <a:txBody>
+                    <a:bodyPr/>
+                    <a:lstStyle/>
+                    <a:p>
+                      <a:pPr algn="ctr"/>
+                      <a:r>
+                        <a:rPr lang="en-US" smtClean="0">
+                          <a:latin typeface="Cambria" panose="02040503050406030204" pitchFamily="18" charset="0"/>
+                        </a:rPr>
+                        <a:t>8999</a:t>
+                      </a:r>
+                      <a:endParaRPr lang="en-US" dirty="0">
+                        <a:latin typeface="Cambria" panose="02040503050406030204" pitchFamily="18" charset="0"/>
+                      </a:endParaRPr>
+                    </a:p>
+                  </a:txBody>
+                  <a:tcPr/>
+                </a:tc>
+              </a:tr>
+              <a:tr h="365027">
+                <a:tc>
+                  <a:txBody>
+                    <a:bodyPr/>
+                    <a:lstStyle/>
+                    <a:p>
+                      <a:pPr algn="ctr"/>
+                      <a:r>
+                        <a:rPr lang="en-US" smtClean="0">
+                          <a:latin typeface="Cambria" panose="02040503050406030204" pitchFamily="18" charset="0"/>
+                        </a:rPr>
+                        <a:t>2</a:t>
+                      </a:r>
+                      <a:endParaRPr lang="en-US" dirty="0">
+                        <a:latin typeface="Cambria" panose="02040503050406030204" pitchFamily="18" charset="0"/>
+                      </a:endParaRPr>
+                    </a:p>
+                  </a:txBody>
+                  <a:tcPr/>
+                </a:tc>
+                <a:tc>
+                  <a:txBody>
+                    <a:bodyPr/>
+                    <a:lstStyle/>
+                    <a:p>
+                      <a:pPr algn="ctr"/>
+                      <a:r>
+                        <a:rPr lang="en-US" dirty="0" smtClean="0">
+                          <a:latin typeface="Cambria" panose="02040503050406030204" pitchFamily="18" charset="0"/>
+                        </a:rPr>
+                        <a:t>8994</a:t>
+                      </a:r>
+                      <a:endParaRPr lang="en-US" dirty="0">
+                        <a:latin typeface="Cambria" panose="02040503050406030204" pitchFamily="18" charset="0"/>
+                      </a:endParaRPr>
+                    </a:p>
+                  </a:txBody>
+                  <a:tcPr/>
+                </a:tc>
+              </a:tr>
+              <a:tr h="1064661">
+                <a:tc>
+                  <a:txBody>
+                    <a:bodyPr/>
+                    <a:lstStyle/>
+                    <a:p>
+                      <a:pPr algn="ctr"/>
+                      <a:r>
+                        <a:rPr lang="en-US" smtClean="0">
+                          <a:latin typeface="Cambria" panose="02040503050406030204" pitchFamily="18" charset="0"/>
+                        </a:rPr>
+                        <a:t>3</a:t>
+                      </a:r>
+                      <a:endParaRPr lang="en-US" dirty="0">
+                        <a:latin typeface="Cambria" panose="02040503050406030204" pitchFamily="18" charset="0"/>
+                      </a:endParaRPr>
+                    </a:p>
+                  </a:txBody>
+                  <a:tcPr/>
+                </a:tc>
+                <a:tc>
+                  <a:txBody>
+                    <a:bodyPr/>
+                    <a:lstStyle/>
+                    <a:p>
+                      <a:pPr marL="0" marR="0" indent="0" algn="ctr" defTabSz="914400" rtl="0" eaLnBrk="1" fontAlgn="auto" latinLnBrk="0" hangingPunct="1">
+                        <a:lnSpc>
+                          <a:spcPct val="100000"/>
+                        </a:lnSpc>
+                        <a:spcBef>
+                          <a:spcPts val="0"/>
+                        </a:spcBef>
+                        <a:spcAft>
+                          <a:spcPts val="0"/>
+                        </a:spcAft>
+                        <a:buClrTx/>
+                        <a:buSzTx/>
+                        <a:buFontTx/>
+                        <a:buNone/>
+                        <a:tabLst/>
+                        <a:defRPr/>
+                      </a:pPr>
+                      <a:r>
+                        <a:rPr lang="en-US" sz="1600" b="0" i="0" kern="1200" dirty="0" smtClean="0">
+                          <a:solidFill>
+                            <a:schemeClr val="dk1"/>
+                          </a:solidFill>
+                          <a:effectLst/>
+                          <a:latin typeface="Cambria" panose="02040503050406030204" pitchFamily="18" charset="0"/>
+                          <a:ea typeface="+mn-ea"/>
+                          <a:cs typeface="+mn-cs"/>
+                        </a:rPr>
+                        <a:t>106.70589000000001,10.776800000000001 106.70627,10.775810000000002 106.70623,10.77579 106.70617000000001,10.77576 ...</a:t>
+                      </a:r>
+                      <a:endParaRPr lang="en-US" sz="1600" dirty="0" smtClean="0">
+                        <a:latin typeface="Cambria" panose="02040503050406030204" pitchFamily="18" charset="0"/>
+                      </a:endParaRPr>
+                    </a:p>
+                  </a:txBody>
+                  <a:tcPr/>
+                </a:tc>
+              </a:tr>
+              <a:tr h="365027">
+                <a:tc>
+                  <a:txBody>
+                    <a:bodyPr/>
+                    <a:lstStyle/>
+                    <a:p>
+                      <a:pPr algn="ctr"/>
+                      <a:r>
+                        <a:rPr lang="en-US" smtClean="0">
+                          <a:latin typeface="Cambria" panose="02040503050406030204" pitchFamily="18" charset="0"/>
+                        </a:rPr>
+                        <a:t>4</a:t>
+                      </a:r>
+                      <a:endParaRPr lang="en-US" dirty="0">
+                        <a:latin typeface="Cambria" panose="02040503050406030204" pitchFamily="18" charset="0"/>
+                      </a:endParaRPr>
+                    </a:p>
+                  </a:txBody>
+                  <a:tcPr/>
+                </a:tc>
+                <a:tc>
+                  <a:txBody>
+                    <a:bodyPr/>
+                    <a:lstStyle/>
+                    <a:p>
+                      <a:pPr algn="ctr"/>
+                      <a:r>
+                        <a:rPr lang="en-US" smtClean="0">
+                          <a:latin typeface="Cambria" panose="02040503050406030204" pitchFamily="18" charset="0"/>
+                        </a:rPr>
+                        <a:t>True</a:t>
+                      </a:r>
+                      <a:endParaRPr lang="en-US" dirty="0">
+                        <a:latin typeface="Cambria" panose="02040503050406030204" pitchFamily="18" charset="0"/>
+                      </a:endParaRPr>
+                    </a:p>
+                  </a:txBody>
+                  <a:tcPr/>
+                </a:tc>
+              </a:tr>
+              <a:tr h="365027">
+                <a:tc>
+                  <a:txBody>
+                    <a:bodyPr/>
+                    <a:lstStyle/>
+                    <a:p>
+                      <a:pPr algn="ctr"/>
+                      <a:r>
+                        <a:rPr lang="en-US" smtClean="0">
+                          <a:latin typeface="Cambria" panose="02040503050406030204" pitchFamily="18" charset="0"/>
+                        </a:rPr>
+                        <a:t>5</a:t>
+                      </a:r>
+                      <a:endParaRPr lang="en-US" dirty="0">
+                        <a:latin typeface="Cambria" panose="02040503050406030204" pitchFamily="18" charset="0"/>
+                      </a:endParaRPr>
+                    </a:p>
+                  </a:txBody>
+                  <a:tcPr/>
+                </a:tc>
+                <a:tc>
+                  <a:txBody>
+                    <a:bodyPr/>
+                    <a:lstStyle/>
+                    <a:p>
+                      <a:pPr algn="ctr"/>
+                      <a:r>
+                        <a:rPr lang="en-US" sz="1800" b="0" i="0" kern="1200" smtClean="0">
+                          <a:solidFill>
+                            <a:schemeClr val="dk1"/>
+                          </a:solidFill>
+                          <a:effectLst/>
+                          <a:latin typeface="Cambria" panose="02040503050406030204" pitchFamily="18" charset="0"/>
+                          <a:ea typeface="+mn-ea"/>
+                          <a:cs typeface="+mn-cs"/>
+                        </a:rPr>
+                        <a:t>1</a:t>
+                      </a:r>
+                      <a:endParaRPr lang="en-US" dirty="0">
+                        <a:latin typeface="Cambria" panose="02040503050406030204" pitchFamily="18" charset="0"/>
+                      </a:endParaRPr>
+                    </a:p>
+                  </a:txBody>
+                  <a:tcPr/>
+                </a:tc>
+              </a:tr>
+              <a:tr h="365027">
+                <a:tc>
+                  <a:txBody>
+                    <a:bodyPr/>
+                    <a:lstStyle/>
+                    <a:p>
+                      <a:pPr algn="ctr"/>
+                      <a:r>
+                        <a:rPr lang="en-US" smtClean="0">
+                          <a:latin typeface="Cambria" panose="02040503050406030204" pitchFamily="18" charset="0"/>
+                        </a:rPr>
+                        <a:t>6</a:t>
+                      </a:r>
+                      <a:endParaRPr lang="en-US" dirty="0">
+                        <a:latin typeface="Cambria" panose="02040503050406030204" pitchFamily="18" charset="0"/>
+                      </a:endParaRPr>
+                    </a:p>
+                  </a:txBody>
+                  <a:tcPr/>
+                </a:tc>
+                <a:tc>
+                  <a:txBody>
+                    <a:bodyPr/>
+                    <a:lstStyle/>
+                    <a:p>
+                      <a:pPr algn="ctr"/>
+                      <a:r>
+                        <a:rPr lang="en-US" sz="1800" b="0" i="0" kern="1200" smtClean="0">
+                          <a:solidFill>
+                            <a:schemeClr val="dk1"/>
+                          </a:solidFill>
+                          <a:effectLst/>
+                          <a:latin typeface="Cambria" panose="02040503050406030204" pitchFamily="18" charset="0"/>
+                          <a:ea typeface="+mn-ea"/>
+                          <a:cs typeface="+mn-cs"/>
+                        </a:rPr>
+                        <a:t>468.747807122203</a:t>
+                      </a:r>
+                      <a:endParaRPr lang="en-US" dirty="0">
+                        <a:latin typeface="Cambria" panose="02040503050406030204" pitchFamily="18" charset="0"/>
+                      </a:endParaRPr>
+                    </a:p>
+                  </a:txBody>
+                  <a:tcPr/>
+                </a:tc>
+              </a:tr>
+              <a:tr h="365027">
+                <a:tc>
+                  <a:txBody>
+                    <a:bodyPr/>
+                    <a:lstStyle/>
+                    <a:p>
+                      <a:pPr algn="ctr"/>
+                      <a:r>
+                        <a:rPr lang="en-US" smtClean="0">
+                          <a:latin typeface="Cambria" panose="02040503050406030204" pitchFamily="18" charset="0"/>
+                        </a:rPr>
+                        <a:t>7</a:t>
+                      </a:r>
+                      <a:endParaRPr lang="en-US" dirty="0">
+                        <a:latin typeface="Cambria" panose="02040503050406030204" pitchFamily="18" charset="0"/>
+                      </a:endParaRPr>
+                    </a:p>
+                  </a:txBody>
+                  <a:tcPr/>
+                </a:tc>
+                <a:tc>
+                  <a:txBody>
+                    <a:bodyPr/>
+                    <a:lstStyle/>
+                    <a:p>
+                      <a:pPr algn="ctr"/>
+                      <a:r>
+                        <a:rPr lang="vi-VN" sz="1800" b="0" i="0" kern="1200" smtClean="0">
+                          <a:solidFill>
+                            <a:schemeClr val="dk1"/>
+                          </a:solidFill>
+                          <a:effectLst/>
+                          <a:latin typeface="Cambria" panose="02040503050406030204" pitchFamily="18" charset="0"/>
+                          <a:ea typeface="+mn-ea"/>
+                          <a:cs typeface="+mn-cs"/>
+                        </a:rPr>
+                        <a:t>Công Trường Mê Linh</a:t>
+                      </a:r>
+                      <a:endParaRPr lang="en-US" dirty="0">
+                        <a:latin typeface="Cambria" panose="02040503050406030204" pitchFamily="18" charset="0"/>
+                      </a:endParaRPr>
+                    </a:p>
+                  </a:txBody>
+                  <a:tcPr/>
+                </a:tc>
+              </a:tr>
+              <a:tr h="365027">
+                <a:tc>
+                  <a:txBody>
+                    <a:bodyPr/>
+                    <a:lstStyle/>
+                    <a:p>
+                      <a:pPr algn="ctr"/>
+                      <a:r>
+                        <a:rPr lang="en-US" smtClean="0">
+                          <a:latin typeface="Cambria" panose="02040503050406030204" pitchFamily="18" charset="0"/>
+                        </a:rPr>
+                        <a:t>8</a:t>
+                      </a:r>
+                      <a:endParaRPr lang="en-US" dirty="0">
+                        <a:latin typeface="Cambria" panose="02040503050406030204" pitchFamily="18" charset="0"/>
+                      </a:endParaRPr>
+                    </a:p>
+                  </a:txBody>
+                  <a:tcPr/>
+                </a:tc>
+                <a:tc>
+                  <a:txBody>
+                    <a:bodyPr/>
+                    <a:lstStyle/>
+                    <a:p>
+                      <a:pPr algn="ctr"/>
+                      <a:r>
+                        <a:rPr lang="en-US" sz="1800" b="0" i="0" kern="1200" dirty="0" smtClean="0">
+                          <a:solidFill>
+                            <a:schemeClr val="dk1"/>
+                          </a:solidFill>
+                          <a:effectLst/>
+                          <a:latin typeface="Cambria" panose="02040503050406030204" pitchFamily="18" charset="0"/>
+                          <a:ea typeface="+mn-ea"/>
+                          <a:cs typeface="+mn-cs"/>
+                        </a:rPr>
+                        <a:t>106.705856990563</a:t>
+                      </a:r>
+                      <a:endParaRPr lang="en-US" dirty="0">
+                        <a:latin typeface="Cambria" panose="02040503050406030204" pitchFamily="18" charset="0"/>
+                      </a:endParaRPr>
+                    </a:p>
+                  </a:txBody>
+                  <a:tcPr/>
+                </a:tc>
+              </a:tr>
+              <a:tr h="365027">
+                <a:tc>
+                  <a:txBody>
+                    <a:bodyPr/>
+                    <a:lstStyle/>
+                    <a:p>
+                      <a:pPr algn="ctr"/>
+                      <a:r>
+                        <a:rPr lang="en-US" smtClean="0">
+                          <a:latin typeface="Cambria" panose="02040503050406030204" pitchFamily="18" charset="0"/>
+                        </a:rPr>
+                        <a:t>9</a:t>
+                      </a:r>
+                      <a:endParaRPr lang="en-US" dirty="0">
+                        <a:latin typeface="Cambria" panose="02040503050406030204" pitchFamily="18" charset="0"/>
+                      </a:endParaRPr>
+                    </a:p>
+                  </a:txBody>
+                  <a:tcPr/>
+                </a:tc>
+                <a:tc>
+                  <a:txBody>
+                    <a:bodyPr/>
+                    <a:lstStyle/>
+                    <a:p>
+                      <a:pPr algn="ctr"/>
+                      <a:r>
+                        <a:rPr lang="en-US" sz="1800" b="0" i="0" kern="1200" smtClean="0">
+                          <a:solidFill>
+                            <a:schemeClr val="dk1"/>
+                          </a:solidFill>
+                          <a:effectLst/>
+                          <a:latin typeface="Cambria" panose="02040503050406030204" pitchFamily="18" charset="0"/>
+                          <a:ea typeface="+mn-ea"/>
+                          <a:cs typeface="+mn-cs"/>
+                        </a:rPr>
+                        <a:t>10.7767894851893</a:t>
+                      </a:r>
+                      <a:endParaRPr lang="en-US" dirty="0">
+                        <a:latin typeface="Cambria" panose="02040503050406030204" pitchFamily="18" charset="0"/>
+                      </a:endParaRPr>
+                    </a:p>
+                  </a:txBody>
+                  <a:tcPr/>
+                </a:tc>
+              </a:tr>
+              <a:tr h="365027">
+                <a:tc>
+                  <a:txBody>
+                    <a:bodyPr/>
+                    <a:lstStyle/>
+                    <a:p>
+                      <a:pPr algn="ctr"/>
+                      <a:r>
+                        <a:rPr lang="en-US" smtClean="0">
+                          <a:latin typeface="Cambria" panose="02040503050406030204" pitchFamily="18" charset="0"/>
+                        </a:rPr>
+                        <a:t>10</a:t>
+                      </a:r>
+                      <a:endParaRPr lang="en-US" dirty="0">
+                        <a:latin typeface="Cambria" panose="02040503050406030204" pitchFamily="18" charset="0"/>
+                      </a:endParaRPr>
+                    </a:p>
+                  </a:txBody>
+                  <a:tcPr/>
+                </a:tc>
+                <a:tc>
+                  <a:txBody>
+                    <a:bodyPr/>
+                    <a:lstStyle/>
+                    <a:p>
+                      <a:pPr algn="ctr"/>
+                      <a:r>
+                        <a:rPr lang="en-US" sz="1800" b="0" i="0" kern="1200" smtClean="0">
+                          <a:solidFill>
+                            <a:schemeClr val="dk1"/>
+                          </a:solidFill>
+                          <a:effectLst/>
+                          <a:latin typeface="Cambria" panose="02040503050406030204" pitchFamily="18" charset="0"/>
+                          <a:ea typeface="+mn-ea"/>
+                          <a:cs typeface="+mn-cs"/>
+                        </a:rPr>
+                        <a:t>01</a:t>
+                      </a:r>
+                      <a:endParaRPr lang="en-US" dirty="0">
+                        <a:latin typeface="Cambria" panose="02040503050406030204" pitchFamily="18" charset="0"/>
+                      </a:endParaRPr>
+                    </a:p>
+                  </a:txBody>
+                  <a:tcPr/>
+                </a:tc>
+              </a:tr>
+              <a:tr h="365027">
+                <a:tc>
+                  <a:txBody>
+                    <a:bodyPr/>
+                    <a:lstStyle/>
+                    <a:p>
+                      <a:pPr algn="ctr"/>
+                      <a:r>
+                        <a:rPr lang="en-US" smtClean="0">
+                          <a:latin typeface="Cambria" panose="02040503050406030204" pitchFamily="18" charset="0"/>
+                        </a:rPr>
+                        <a:t>11</a:t>
+                      </a:r>
+                      <a:endParaRPr lang="en-US" dirty="0">
+                        <a:latin typeface="Cambria" panose="02040503050406030204" pitchFamily="18" charset="0"/>
+                      </a:endParaRPr>
+                    </a:p>
+                  </a:txBody>
+                  <a:tcPr/>
+                </a:tc>
+                <a:tc>
+                  <a:txBody>
+                    <a:bodyPr/>
+                    <a:lstStyle/>
+                    <a:p>
+                      <a:pPr algn="ctr"/>
+                      <a:r>
+                        <a:rPr lang="en-US" sz="1800" b="0" i="0" kern="1200" smtClean="0">
+                          <a:solidFill>
+                            <a:schemeClr val="dk1"/>
+                          </a:solidFill>
+                          <a:effectLst/>
+                          <a:latin typeface="Cambria" panose="02040503050406030204" pitchFamily="18" charset="0"/>
+                          <a:ea typeface="+mn-ea"/>
+                          <a:cs typeface="+mn-cs"/>
+                        </a:rPr>
+                        <a:t>Bến Thành- BX Chợ Lớn</a:t>
+                      </a:r>
+                      <a:endParaRPr lang="en-US" dirty="0">
+                        <a:latin typeface="Cambria" panose="02040503050406030204" pitchFamily="18" charset="0"/>
+                      </a:endParaRPr>
+                    </a:p>
+                  </a:txBody>
+                  <a:tcPr/>
+                </a:tc>
+              </a:tr>
+              <a:tr h="365027">
+                <a:tc>
+                  <a:txBody>
+                    <a:bodyPr/>
+                    <a:lstStyle/>
+                    <a:p>
+                      <a:pPr algn="ctr"/>
+                      <a:r>
+                        <a:rPr lang="en-US" smtClean="0">
+                          <a:latin typeface="Cambria" panose="02040503050406030204" pitchFamily="18" charset="0"/>
+                        </a:rPr>
+                        <a:t>12</a:t>
+                      </a:r>
+                      <a:endParaRPr lang="en-US" dirty="0">
+                        <a:latin typeface="Cambria" panose="02040503050406030204" pitchFamily="18" charset="0"/>
+                      </a:endParaRPr>
+                    </a:p>
+                  </a:txBody>
+                  <a:tcPr/>
+                </a:tc>
+                <a:tc>
+                  <a:txBody>
+                    <a:bodyPr/>
+                    <a:lstStyle/>
+                    <a:p>
+                      <a:pPr algn="ctr"/>
+                      <a:r>
+                        <a:rPr lang="vi-VN" sz="1800" b="0" i="0" kern="1200" dirty="0" smtClean="0">
+                          <a:solidFill>
+                            <a:schemeClr val="dk1"/>
+                          </a:solidFill>
+                          <a:effectLst/>
+                          <a:latin typeface="Cambria" panose="02040503050406030204" pitchFamily="18" charset="0"/>
+                          <a:ea typeface="+mn-ea"/>
+                          <a:cs typeface="+mn-cs"/>
+                        </a:rPr>
+                        <a:t>Công trường Mê Linh, Thi Sách, Quận 1</a:t>
+                      </a:r>
+                      <a:endParaRPr lang="en-US" dirty="0">
+                        <a:latin typeface="Cambria" panose="02040503050406030204" pitchFamily="18" charset="0"/>
+                      </a:endParaRPr>
+                    </a:p>
+                  </a:txBody>
+                  <a:tcPr/>
+                </a:tc>
+              </a:tr>
+              <a:tr h="365027">
+                <a:tc>
+                  <a:txBody>
+                    <a:bodyPr/>
+                    <a:lstStyle/>
+                    <a:p>
+                      <a:pPr algn="ctr"/>
+                      <a:r>
+                        <a:rPr lang="en-US" smtClean="0">
+                          <a:latin typeface="Cambria" panose="02040503050406030204" pitchFamily="18" charset="0"/>
+                        </a:rPr>
+                        <a:t>13</a:t>
+                      </a:r>
+                      <a:endParaRPr lang="en-US" dirty="0">
+                        <a:latin typeface="Cambria" panose="02040503050406030204" pitchFamily="18" charset="0"/>
+                      </a:endParaRPr>
+                    </a:p>
+                  </a:txBody>
+                  <a:tcPr/>
+                </a:tc>
+                <a:tc>
+                  <a:txBody>
+                    <a:bodyPr/>
+                    <a:lstStyle/>
+                    <a:p>
+                      <a:pPr algn="ctr"/>
+                      <a:r>
+                        <a:rPr lang="en-US" sz="1800" b="1" i="0" kern="1200" dirty="0" smtClean="0">
+                          <a:solidFill>
+                            <a:srgbClr val="FF0000"/>
+                          </a:solidFill>
+                          <a:effectLst/>
+                          <a:latin typeface="Cambria" panose="02040503050406030204" pitchFamily="18" charset="0"/>
+                          <a:ea typeface="+mn-ea"/>
+                          <a:cs typeface="+mn-cs"/>
+                        </a:rPr>
+                        <a:t>BX06</a:t>
+                      </a:r>
+                      <a:endParaRPr lang="en-US" b="1" dirty="0">
+                        <a:solidFill>
+                          <a:srgbClr val="FF0000"/>
+                        </a:solidFill>
+                        <a:latin typeface="Cambria" panose="02040503050406030204" pitchFamily="18" charset="0"/>
+                      </a:endParaRPr>
+                    </a:p>
+                  </a:txBody>
+                  <a:tcPr/>
+                </a:tc>
+              </a:tr>
+            </a:tbl>
+          </a:graphicData>
+        </a:graphic>
+      </p:graphicFrame>
+      <p:sp>
+        <p:nvSpPr>
+          <p:cNvPr id="9" name="Rectangle 8"/>
+          <p:cNvSpPr/>
+          <p:nvPr/>
+        </p:nvSpPr>
+        <p:spPr>
+          <a:xfrm>
+            <a:off x="495300" y="6334760"/>
+            <a:ext cx="7490460" cy="369332"/>
+          </a:xfrm>
+          <a:prstGeom prst="rect">
+            <a:avLst/>
+          </a:prstGeom>
+        </p:spPr>
+        <p:txBody>
+          <a:bodyPr wrap="square">
+            <a:spAutoFit/>
+          </a:bodyPr>
+          <a:lstStyle/>
+          <a:p>
+            <a:r>
+              <a:rPr lang="en-US" dirty="0" smtClean="0"/>
+              <a:t>http://mapbus.ebms.vn/ajax.aspx?action=listRouteStations&amp;</a:t>
+            </a:r>
+            <a:r>
+              <a:rPr lang="en-US" dirty="0" smtClean="0">
+                <a:solidFill>
+                  <a:srgbClr val="FF0000"/>
+                </a:solidFill>
+              </a:rPr>
+              <a:t>rid=1</a:t>
+            </a:r>
+            <a:r>
+              <a:rPr lang="en-US" dirty="0" smtClean="0"/>
+              <a:t>&amp;</a:t>
+            </a:r>
+            <a:r>
+              <a:rPr lang="en-US" dirty="0" smtClean="0">
+                <a:solidFill>
+                  <a:srgbClr val="FF0000"/>
+                </a:solidFill>
+              </a:rPr>
+              <a:t>isgo=true</a:t>
+            </a:r>
+            <a:endParaRPr lang="en-US" dirty="0">
+              <a:solidFill>
+                <a:srgbClr val="FF0000"/>
+              </a:solidFill>
+            </a:endParaRPr>
+          </a:p>
+        </p:txBody>
+      </p:sp>
+      <p:graphicFrame>
+        <p:nvGraphicFramePr>
+          <p:cNvPr id="10" name="Table 9"/>
+          <p:cNvGraphicFramePr>
+            <a:graphicFrameLocks noGrp="1"/>
+          </p:cNvGraphicFramePr>
+          <p:nvPr>
+            <p:extLst>
+              <p:ext uri="{D42A27DB-BD31-4B8C-83A1-F6EECF244321}">
+                <p14:modId xmlns:p14="http://schemas.microsoft.com/office/powerpoint/2010/main" val="413110626"/>
+              </p:ext>
+            </p:extLst>
+          </p:nvPr>
+        </p:nvGraphicFramePr>
+        <p:xfrm>
+          <a:off x="6335282" y="68365"/>
+          <a:ext cx="1749039" cy="743698"/>
+        </p:xfrm>
+        <a:graphic>
+          <a:graphicData uri="http://schemas.openxmlformats.org/drawingml/2006/table">
+            <a:tbl>
+              <a:tblPr firstRow="1" bandRow="1">
+                <a:tableStyleId>{21E4AEA4-8DFA-4A89-87EB-49C32662AFE0}</a:tableStyleId>
+              </a:tblPr>
+              <a:tblGrid>
+                <a:gridCol w="1749039"/>
+              </a:tblGrid>
+              <a:tr h="371849">
+                <a:tc>
+                  <a:txBody>
+                    <a:bodyPr/>
+                    <a:lstStyle/>
+                    <a:p>
+                      <a:pPr algn="ctr"/>
+                      <a:r>
+                        <a:rPr lang="en-US" dirty="0" smtClean="0"/>
+                        <a:t>Station</a:t>
+                      </a:r>
+                      <a:endParaRPr lang="en-US" dirty="0"/>
+                    </a:p>
+                  </a:txBody>
+                  <a:tcPr/>
+                </a:tc>
+              </a:tr>
+              <a:tr h="371849">
+                <a:tc>
+                  <a:txBody>
+                    <a:bodyPr/>
+                    <a:lstStyle/>
+                    <a:p>
+                      <a:r>
+                        <a:rPr lang="en-US" dirty="0" err="1" smtClean="0"/>
+                        <a:t>CodeID</a:t>
+                      </a:r>
+                      <a:endParaRPr lang="en-US" dirty="0"/>
+                    </a:p>
+                  </a:txBody>
+                  <a:tcPr/>
+                </a:tc>
+              </a:tr>
+            </a:tbl>
+          </a:graphicData>
+        </a:graphic>
+      </p:graphicFrame>
+      <p:cxnSp>
+        <p:nvCxnSpPr>
+          <p:cNvPr id="11" name="Straight Arrow Connector 10"/>
+          <p:cNvCxnSpPr/>
+          <p:nvPr/>
+        </p:nvCxnSpPr>
+        <p:spPr>
+          <a:xfrm flipV="1">
+            <a:off x="3576320" y="632389"/>
+            <a:ext cx="2807388" cy="5473771"/>
+          </a:xfrm>
+          <a:prstGeom prst="straightConnector1">
+            <a:avLst/>
+          </a:prstGeom>
+          <a:ln>
+            <a:tailEnd type="triangle"/>
+          </a:ln>
+        </p:spPr>
+        <p:style>
+          <a:lnRef idx="3">
+            <a:schemeClr val="accent2"/>
+          </a:lnRef>
+          <a:fillRef idx="0">
+            <a:schemeClr val="accent2"/>
+          </a:fillRef>
+          <a:effectRef idx="2">
+            <a:schemeClr val="accent2"/>
+          </a:effectRef>
+          <a:fontRef idx="minor">
+            <a:schemeClr val="tx1"/>
+          </a:fontRef>
+        </p:style>
+      </p:cxnSp>
+      <p:pic>
+        <p:nvPicPr>
+          <p:cNvPr id="13" name="Picture 12"/>
+          <p:cNvPicPr>
+            <a:picLocks noChangeAspect="1"/>
+          </p:cNvPicPr>
+          <p:nvPr/>
+        </p:nvPicPr>
+        <p:blipFill>
+          <a:blip r:embed="rId2"/>
+          <a:stretch>
+            <a:fillRect/>
+          </a:stretch>
+        </p:blipFill>
+        <p:spPr>
+          <a:xfrm>
+            <a:off x="5995673" y="2203747"/>
+            <a:ext cx="3054323" cy="2386190"/>
+          </a:xfrm>
+          <a:prstGeom prst="rect">
+            <a:avLst/>
+          </a:prstGeom>
+        </p:spPr>
+      </p:pic>
+      <p:cxnSp>
+        <p:nvCxnSpPr>
+          <p:cNvPr id="8" name="Straight Arrow Connector 7"/>
+          <p:cNvCxnSpPr/>
+          <p:nvPr/>
+        </p:nvCxnSpPr>
+        <p:spPr>
+          <a:xfrm flipV="1">
+            <a:off x="3576320" y="3076486"/>
+            <a:ext cx="3576510" cy="3029674"/>
+          </a:xfrm>
+          <a:prstGeom prst="straightConnector1">
+            <a:avLst/>
+          </a:prstGeom>
+          <a:ln>
+            <a:tailEnd type="triangle"/>
+          </a:ln>
+        </p:spPr>
+        <p:style>
+          <a:lnRef idx="3">
+            <a:schemeClr val="accent2"/>
+          </a:lnRef>
+          <a:fillRef idx="0">
+            <a:schemeClr val="accent2"/>
+          </a:fillRef>
+          <a:effectRef idx="2">
+            <a:schemeClr val="accent2"/>
+          </a:effectRef>
+          <a:fontRef idx="minor">
+            <a:schemeClr val="tx1"/>
+          </a:fontRef>
+        </p:style>
+      </p:cxnSp>
+    </p:spTree>
+    <p:extLst>
+      <p:ext uri="{BB962C8B-B14F-4D97-AF65-F5344CB8AC3E}">
+        <p14:creationId xmlns:p14="http://schemas.microsoft.com/office/powerpoint/2010/main" val="616242176"/>
+      </p:ext>
+    </p:extLst>
+  </p:cSld>
+  <p:clrMapOvr>
+    <a:masterClrMapping/>
+  </p:clrMapOvr>
+  <p:timing>
+    <p:tnLst>
+      <p:par>
+        <p:cTn id="1" dur="indefinite" restart="never" nodeType="tmRoot"/>
+      </p:par>
+    </p:tnLst>
+  </p:timing>
+</p:sld>
+</file>
+
+<file path=ppt/slides/slide14.xml><?xml version="1.0" encoding="utf-8"?>
+<p:sld xmlns:a="http://schemas.openxmlformats.org/drawingml/2006/main" xmlns:r="http://schemas.openxmlformats.org/officeDocument/2006/relationships" xmlns:p="http://schemas.openxmlformats.org/presentationml/2006/main">
+  <p:cSld>
+    <p:spTree>
+      <p:nvGrpSpPr>
+        <p:cNvPr id="1" name=""/>
+        <p:cNvGrpSpPr/>
+        <p:nvPr/>
+      </p:nvGrpSpPr>
+      <p:grpSpPr>
+        <a:xfrm>
+          <a:off x="0" y="0"/>
+          <a:ext cx="0" cy="0"/>
+          <a:chOff x="0" y="0"/>
+          <a:chExt cx="0" cy="0"/>
+        </a:xfrm>
+      </p:grpSpPr>
       <p:graphicFrame>
         <p:nvGraphicFramePr>
           <p:cNvPr id="13" name="Table 12"/>
@@ -3192,7 +5311,7 @@
           <p:nvPr>
             <p:extLst>
               <p:ext uri="{D42A27DB-BD31-4B8C-83A1-F6EECF244321}">
-                <p14:modId xmlns:p14="http://schemas.microsoft.com/office/powerpoint/2010/main" val="875992847"/>
+                <p14:modId xmlns:p14="http://schemas.microsoft.com/office/powerpoint/2010/main" val="3655858526"/>
               </p:ext>
             </p:extLst>
           </p:nvPr>
@@ -3822,9 +5941,9 @@
                     <a:p>
                       <a:pPr algn="ctr"/>
                       <a:r>
-                        <a:rPr lang="vi-VN" sz="1800" b="0" i="0" kern="1200" smtClean="0">
+                        <a:rPr lang="vi-VN" sz="1800" b="1" i="0" kern="1200" dirty="0" smtClean="0">
                           <a:solidFill>
-                            <a:schemeClr val="dk1"/>
+                            <a:srgbClr val="FF0000"/>
                           </a:solidFill>
                           <a:effectLst/>
                           <a:latin typeface="Cambria" panose="02040503050406030204" pitchFamily="18" charset="0"/>
@@ -3833,7 +5952,10 @@
                         </a:rPr>
                         <a:t>Công trường Mê Linh, Thi Sách, Quận 1</a:t>
                       </a:r>
-                      <a:endParaRPr lang="en-US" dirty="0">
+                      <a:endParaRPr lang="en-US" b="1" dirty="0">
+                        <a:solidFill>
+                          <a:srgbClr val="FF0000"/>
+                        </a:solidFill>
                         <a:latin typeface="Cambria" panose="02040503050406030204" pitchFamily="18" charset="0"/>
                       </a:endParaRPr>
                     </a:p>
@@ -3953,13 +6075,13 @@
           <p:nvPr>
             <p:extLst>
               <p:ext uri="{D42A27DB-BD31-4B8C-83A1-F6EECF244321}">
-                <p14:modId xmlns:p14="http://schemas.microsoft.com/office/powerpoint/2010/main" val="482159887"/>
+                <p14:modId xmlns:p14="http://schemas.microsoft.com/office/powerpoint/2010/main" val="4279258251"/>
               </p:ext>
             </p:extLst>
           </p:nvPr>
         </p:nvGraphicFramePr>
         <p:xfrm>
-          <a:off x="6360919" y="393105"/>
+          <a:off x="6338321" y="106645"/>
           <a:ext cx="1749039" cy="1115547"/>
         </p:xfrm>
         <a:graphic>
@@ -4024,6 +6146,63 @@
           </a:graphicData>
         </a:graphic>
       </p:graphicFrame>
+      <p:pic>
+        <p:nvPicPr>
+          <p:cNvPr id="16" name="Picture 15"/>
+          <p:cNvPicPr>
+            <a:picLocks noChangeAspect="1"/>
+          </p:cNvPicPr>
+          <p:nvPr/>
+        </p:nvPicPr>
+        <p:blipFill>
+          <a:blip r:embed="rId2"/>
+          <a:stretch>
+            <a:fillRect/>
+          </a:stretch>
+        </p:blipFill>
+        <p:spPr>
+          <a:xfrm>
+            <a:off x="5987127" y="2537572"/>
+            <a:ext cx="3054323" cy="2386190"/>
+          </a:xfrm>
+          <a:prstGeom prst="rect">
+            <a:avLst/>
+          </a:prstGeom>
+        </p:spPr>
+      </p:pic>
+      <p:cxnSp>
+        <p:nvCxnSpPr>
+          <p:cNvPr id="10" name="Straight Arrow Connector 9"/>
+          <p:cNvCxnSpPr/>
+          <p:nvPr/>
+        </p:nvCxnSpPr>
+        <p:spPr>
+          <a:xfrm flipV="1">
+            <a:off x="5293360" y="3452929"/>
+            <a:ext cx="1979111" cy="2307792"/>
+          </a:xfrm>
+          <a:prstGeom prst="straightConnector1">
+            <a:avLst/>
+          </a:prstGeom>
+          <a:ln>
+            <a:tailEnd type="triangle"/>
+          </a:ln>
+        </p:spPr>
+        <p:style>
+          <a:lnRef idx="3">
+            <a:schemeClr val="accent2"/>
+          </a:lnRef>
+          <a:fillRef idx="0">
+            <a:schemeClr val="accent2"/>
+          </a:fillRef>
+          <a:effectRef idx="2">
+            <a:schemeClr val="accent2"/>
+          </a:effectRef>
+          <a:fontRef idx="minor">
+            <a:schemeClr val="tx1"/>
+          </a:fontRef>
+        </p:style>
+      </p:cxnSp>
       <p:cxnSp>
         <p:nvCxnSpPr>
           <p:cNvPr id="7" name="Straight Arrow Connector 6"/>
@@ -4032,8 +6211,8 @@
         </p:nvCxnSpPr>
         <p:spPr>
           <a:xfrm flipV="1">
-            <a:off x="5293360" y="1375874"/>
-            <a:ext cx="1175806" cy="4384846"/>
+            <a:off x="5293360" y="1145136"/>
+            <a:ext cx="1175806" cy="4615586"/>
           </a:xfrm>
           <a:prstGeom prst="straightConnector1">
             <a:avLst/>
@@ -4077,7 +6256,7 @@
 </p:sld>
 </file>
 
-<file path=ppt/slides/slide11.xml><?xml version="1.0" encoding="utf-8"?>
+<file path=ppt/slides/slide15.xml><?xml version="1.0" encoding="utf-8"?>
 <p:sld xmlns:a="http://schemas.openxmlformats.org/drawingml/2006/main" xmlns:r="http://schemas.openxmlformats.org/officeDocument/2006/relationships" xmlns:p="http://schemas.openxmlformats.org/presentationml/2006/main">
   <p:cSld>
     <p:spTree>
@@ -4103,7 +6282,7 @@
           <p:nvPr>
             <p:extLst>
               <p:ext uri="{D42A27DB-BD31-4B8C-83A1-F6EECF244321}">
-                <p14:modId xmlns:p14="http://schemas.microsoft.com/office/powerpoint/2010/main" val="2004361816"/>
+                <p14:modId xmlns:p14="http://schemas.microsoft.com/office/powerpoint/2010/main" val="3876145970"/>
               </p:ext>
             </p:extLst>
           </p:nvPr>
@@ -4549,7 +6728,7 @@
                     <a:p>
                       <a:pPr algn="ctr"/>
                       <a:r>
-                        <a:rPr lang="en-US" sz="1800" b="0" i="0" kern="1200" smtClean="0">
+                        <a:rPr lang="en-US" sz="1800" b="0" i="0" kern="1200" dirty="0" smtClean="0">
                           <a:solidFill>
                             <a:schemeClr val="dk1"/>
                           </a:solidFill>
@@ -4595,9 +6774,9 @@
                     <a:p>
                       <a:pPr algn="ctr"/>
                       <a:r>
-                        <a:rPr lang="en-US" sz="1800" b="0" i="0" kern="1200" smtClean="0">
+                        <a:rPr lang="en-US" sz="1800" b="1" i="0" kern="1200" dirty="0" smtClean="0">
                           <a:solidFill>
-                            <a:schemeClr val="dk1"/>
+                            <a:srgbClr val="FF0000"/>
                           </a:solidFill>
                           <a:effectLst/>
                           <a:latin typeface="Cambria" panose="02040503050406030204" pitchFamily="18" charset="0"/>
@@ -4606,7 +6785,10 @@
                         </a:rPr>
                         <a:t>10.7767894851893</a:t>
                       </a:r>
-                      <a:endParaRPr lang="en-US" dirty="0">
+                      <a:endParaRPr lang="en-US" b="1" dirty="0">
+                        <a:solidFill>
+                          <a:srgbClr val="FF0000"/>
+                        </a:solidFill>
                         <a:latin typeface="Cambria" panose="02040503050406030204" pitchFamily="18" charset="0"/>
                       </a:endParaRPr>
                     </a:p>
@@ -4864,14 +7046,14 @@
           <p:nvPr>
             <p:extLst>
               <p:ext uri="{D42A27DB-BD31-4B8C-83A1-F6EECF244321}">
-                <p14:modId xmlns:p14="http://schemas.microsoft.com/office/powerpoint/2010/main" val="3175720147"/>
+                <p14:modId xmlns:p14="http://schemas.microsoft.com/office/powerpoint/2010/main" val="3810936710"/>
               </p:ext>
             </p:extLst>
           </p:nvPr>
         </p:nvGraphicFramePr>
         <p:xfrm>
-          <a:off x="6360919" y="393105"/>
-          <a:ext cx="1749039" cy="1487396"/>
+          <a:off x="6207094" y="105546"/>
+          <a:ext cx="1749039" cy="1559930"/>
         </p:xfrm>
         <a:graphic>
           <a:graphicData uri="http://schemas.openxmlformats.org/drawingml/2006/table">
@@ -4882,7 +7064,7 @@
               <a:tblGrid>
                 <a:gridCol w="1749039"/>
               </a:tblGrid>
-              <a:tr h="371849">
+              <a:tr h="444383">
                 <a:tc>
                   <a:txBody>
                     <a:bodyPr/>
@@ -4959,8 +7141,65 @@
         </p:nvCxnSpPr>
         <p:spPr>
           <a:xfrm flipV="1">
-            <a:off x="4318000" y="1726251"/>
-            <a:ext cx="2125529" cy="2927029"/>
+            <a:off x="4318000" y="1572426"/>
+            <a:ext cx="1963160" cy="3080855"/>
+          </a:xfrm>
+          <a:prstGeom prst="straightConnector1">
+            <a:avLst/>
+          </a:prstGeom>
+          <a:ln>
+            <a:tailEnd type="triangle"/>
+          </a:ln>
+        </p:spPr>
+        <p:style>
+          <a:lnRef idx="3">
+            <a:schemeClr val="accent2"/>
+          </a:lnRef>
+          <a:fillRef idx="0">
+            <a:schemeClr val="accent2"/>
+          </a:fillRef>
+          <a:effectRef idx="2">
+            <a:schemeClr val="accent2"/>
+          </a:effectRef>
+          <a:fontRef idx="minor">
+            <a:schemeClr val="tx1"/>
+          </a:fontRef>
+        </p:style>
+      </p:cxnSp>
+      <p:pic>
+        <p:nvPicPr>
+          <p:cNvPr id="12" name="Picture 11"/>
+          <p:cNvPicPr>
+            <a:picLocks noChangeAspect="1"/>
+          </p:cNvPicPr>
+          <p:nvPr/>
+        </p:nvPicPr>
+        <p:blipFill>
+          <a:blip r:embed="rId2"/>
+          <a:stretch>
+            <a:fillRect/>
+          </a:stretch>
+        </p:blipFill>
+        <p:spPr>
+          <a:xfrm>
+            <a:off x="5961489" y="2562671"/>
+            <a:ext cx="3054323" cy="2386190"/>
+          </a:xfrm>
+          <a:prstGeom prst="rect">
+            <a:avLst/>
+          </a:prstGeom>
+        </p:spPr>
+      </p:pic>
+      <p:cxnSp>
+        <p:nvCxnSpPr>
+          <p:cNvPr id="9" name="Straight Arrow Connector 8"/>
+          <p:cNvCxnSpPr/>
+          <p:nvPr/>
+        </p:nvCxnSpPr>
+        <p:spPr>
+          <a:xfrm flipV="1">
+            <a:off x="4318000" y="3443955"/>
+            <a:ext cx="2843376" cy="1209327"/>
           </a:xfrm>
           <a:prstGeom prst="straightConnector1">
             <a:avLst/>
@@ -5004,7 +7243,7 @@
 </p:sld>
 </file>
 
-<file path=ppt/slides/slide12.xml><?xml version="1.0" encoding="utf-8"?>
+<file path=ppt/slides/slide16.xml><?xml version="1.0" encoding="utf-8"?>
 <p:sld xmlns:a="http://schemas.openxmlformats.org/drawingml/2006/main" xmlns:r="http://schemas.openxmlformats.org/officeDocument/2006/relationships" xmlns:p="http://schemas.openxmlformats.org/presentationml/2006/main">
   <p:cSld>
     <p:spTree>
@@ -5030,7 +7269,7 @@
           <p:nvPr>
             <p:extLst>
               <p:ext uri="{D42A27DB-BD31-4B8C-83A1-F6EECF244321}">
-                <p14:modId xmlns:p14="http://schemas.microsoft.com/office/powerpoint/2010/main" val="606742367"/>
+                <p14:modId xmlns:p14="http://schemas.microsoft.com/office/powerpoint/2010/main" val="3138804925"/>
               </p:ext>
             </p:extLst>
           </p:nvPr>
@@ -5476,9 +7715,9 @@
                     <a:p>
                       <a:pPr algn="ctr"/>
                       <a:r>
-                        <a:rPr lang="en-US" sz="1800" b="0" i="0" kern="1200" smtClean="0">
+                        <a:rPr lang="en-US" sz="1800" b="1" i="0" kern="1200" dirty="0" smtClean="0">
                           <a:solidFill>
-                            <a:schemeClr val="dk1"/>
+                            <a:srgbClr val="FF0000"/>
                           </a:solidFill>
                           <a:effectLst/>
                           <a:latin typeface="Cambria" panose="02040503050406030204" pitchFamily="18" charset="0"/>
@@ -5487,7 +7726,10 @@
                         </a:rPr>
                         <a:t>106.705856990563</a:t>
                       </a:r>
-                      <a:endParaRPr lang="en-US" dirty="0">
+                      <a:endParaRPr lang="en-US" b="1" dirty="0">
+                        <a:solidFill>
+                          <a:srgbClr val="FF0000"/>
+                        </a:solidFill>
                         <a:latin typeface="Cambria" panose="02040503050406030204" pitchFamily="18" charset="0"/>
                       </a:endParaRPr>
                     </a:p>
@@ -5791,13 +8033,13 @@
           <p:nvPr>
             <p:extLst>
               <p:ext uri="{D42A27DB-BD31-4B8C-83A1-F6EECF244321}">
-                <p14:modId xmlns:p14="http://schemas.microsoft.com/office/powerpoint/2010/main" val="4152217791"/>
+                <p14:modId xmlns:p14="http://schemas.microsoft.com/office/powerpoint/2010/main" val="4051717553"/>
               </p:ext>
             </p:extLst>
           </p:nvPr>
         </p:nvGraphicFramePr>
         <p:xfrm>
-          <a:off x="6360919" y="393105"/>
+          <a:off x="6019087" y="76911"/>
           <a:ext cx="1749039" cy="1859245"/>
         </p:xfrm>
         <a:graphic>
@@ -5902,8 +8144,65 @@
         </p:nvCxnSpPr>
         <p:spPr>
           <a:xfrm flipV="1">
-            <a:off x="4287520" y="2076629"/>
-            <a:ext cx="2147463" cy="2200731"/>
+            <a:off x="4287520" y="1854437"/>
+            <a:ext cx="1839815" cy="2422924"/>
+          </a:xfrm>
+          <a:prstGeom prst="straightConnector1">
+            <a:avLst/>
+          </a:prstGeom>
+          <a:ln>
+            <a:tailEnd type="triangle"/>
+          </a:ln>
+        </p:spPr>
+        <p:style>
+          <a:lnRef idx="3">
+            <a:schemeClr val="accent2"/>
+          </a:lnRef>
+          <a:fillRef idx="0">
+            <a:schemeClr val="accent2"/>
+          </a:fillRef>
+          <a:effectRef idx="2">
+            <a:schemeClr val="accent2"/>
+          </a:effectRef>
+          <a:fontRef idx="minor">
+            <a:schemeClr val="tx1"/>
+          </a:fontRef>
+        </p:style>
+      </p:cxnSp>
+      <p:pic>
+        <p:nvPicPr>
+          <p:cNvPr id="11" name="Picture 10"/>
+          <p:cNvPicPr>
+            <a:picLocks noChangeAspect="1"/>
+          </p:cNvPicPr>
+          <p:nvPr/>
+        </p:nvPicPr>
+        <p:blipFill>
+          <a:blip r:embed="rId2"/>
+          <a:stretch>
+            <a:fillRect/>
+          </a:stretch>
+        </p:blipFill>
+        <p:spPr>
+          <a:xfrm>
+            <a:off x="5995672" y="2794913"/>
+            <a:ext cx="3054323" cy="2386190"/>
+          </a:xfrm>
+          <a:prstGeom prst="rect">
+            <a:avLst/>
+          </a:prstGeom>
+        </p:spPr>
+      </p:pic>
+      <p:cxnSp>
+        <p:nvCxnSpPr>
+          <p:cNvPr id="9" name="Straight Arrow Connector 8"/>
+          <p:cNvCxnSpPr/>
+          <p:nvPr/>
+        </p:nvCxnSpPr>
+        <p:spPr>
+          <a:xfrm flipV="1">
+            <a:off x="4287520" y="3597779"/>
+            <a:ext cx="2890947" cy="679582"/>
           </a:xfrm>
           <a:prstGeom prst="straightConnector1">
             <a:avLst/>
@@ -5947,7 +8246,7 @@
 </p:sld>
 </file>
 
-<file path=ppt/slides/slide13.xml><?xml version="1.0" encoding="utf-8"?>
+<file path=ppt/slides/slide17.xml><?xml version="1.0" encoding="utf-8"?>
 <p:sld xmlns:a="http://schemas.openxmlformats.org/drawingml/2006/main" xmlns:r="http://schemas.openxmlformats.org/officeDocument/2006/relationships" xmlns:p="http://schemas.openxmlformats.org/presentationml/2006/main">
   <p:cSld>
     <p:spTree>
@@ -5973,7 +8272,7 @@
           <p:nvPr>
             <p:extLst>
               <p:ext uri="{D42A27DB-BD31-4B8C-83A1-F6EECF244321}">
-                <p14:modId xmlns:p14="http://schemas.microsoft.com/office/powerpoint/2010/main" val="3662691250"/>
+                <p14:modId xmlns:p14="http://schemas.microsoft.com/office/powerpoint/2010/main" val="1516795742"/>
               </p:ext>
             </p:extLst>
           </p:nvPr>
@@ -6373,9 +8672,9 @@
                     <a:p>
                       <a:pPr algn="ctr"/>
                       <a:r>
-                        <a:rPr lang="vi-VN" sz="1800" b="0" i="0" kern="1200" smtClean="0">
+                        <a:rPr lang="vi-VN" sz="1800" b="1" i="0" kern="1200" dirty="0" smtClean="0">
                           <a:solidFill>
-                            <a:schemeClr val="dk1"/>
+                            <a:srgbClr val="FF0000"/>
                           </a:solidFill>
                           <a:effectLst/>
                           <a:latin typeface="Cambria" panose="02040503050406030204" pitchFamily="18" charset="0"/>
@@ -6384,7 +8683,10 @@
                         </a:rPr>
                         <a:t>Công Trường Mê Linh</a:t>
                       </a:r>
-                      <a:endParaRPr lang="en-US" dirty="0">
+                      <a:endParaRPr lang="en-US" b="1" dirty="0">
+                        <a:solidFill>
+                          <a:srgbClr val="FF0000"/>
+                        </a:solidFill>
                         <a:latin typeface="Cambria" panose="02040503050406030204" pitchFamily="18" charset="0"/>
                       </a:endParaRPr>
                     </a:p>
@@ -6734,13 +9036,13 @@
           <p:nvPr>
             <p:extLst>
               <p:ext uri="{D42A27DB-BD31-4B8C-83A1-F6EECF244321}">
-                <p14:modId xmlns:p14="http://schemas.microsoft.com/office/powerpoint/2010/main" val="944082832"/>
+                <p14:modId xmlns:p14="http://schemas.microsoft.com/office/powerpoint/2010/main" val="1822586470"/>
               </p:ext>
             </p:extLst>
           </p:nvPr>
         </p:nvGraphicFramePr>
         <p:xfrm>
-          <a:off x="6360919" y="393105"/>
+          <a:off x="6087454" y="85457"/>
           <a:ext cx="1749039" cy="2231094"/>
         </p:xfrm>
         <a:graphic>
@@ -6861,8 +9163,65 @@
         </p:nvCxnSpPr>
         <p:spPr>
           <a:xfrm flipV="1">
-            <a:off x="4490720" y="2392822"/>
-            <a:ext cx="2004084" cy="2971658"/>
+            <a:off x="4375447" y="2256090"/>
+            <a:ext cx="1871529" cy="1623701"/>
+          </a:xfrm>
+          <a:prstGeom prst="straightConnector1">
+            <a:avLst/>
+          </a:prstGeom>
+          <a:ln>
+            <a:tailEnd type="triangle"/>
+          </a:ln>
+        </p:spPr>
+        <p:style>
+          <a:lnRef idx="3">
+            <a:schemeClr val="accent2"/>
+          </a:lnRef>
+          <a:fillRef idx="0">
+            <a:schemeClr val="accent2"/>
+          </a:fillRef>
+          <a:effectRef idx="2">
+            <a:schemeClr val="accent2"/>
+          </a:effectRef>
+          <a:fontRef idx="minor">
+            <a:schemeClr val="tx1"/>
+          </a:fontRef>
+        </p:style>
+      </p:cxnSp>
+      <p:pic>
+        <p:nvPicPr>
+          <p:cNvPr id="12" name="Picture 11"/>
+          <p:cNvPicPr>
+            <a:picLocks noChangeAspect="1"/>
+          </p:cNvPicPr>
+          <p:nvPr/>
+        </p:nvPicPr>
+        <p:blipFill>
+          <a:blip r:embed="rId2"/>
+          <a:stretch>
+            <a:fillRect/>
+          </a:stretch>
+        </p:blipFill>
+        <p:spPr>
+          <a:xfrm>
+            <a:off x="6038402" y="3113986"/>
+            <a:ext cx="3054323" cy="2386190"/>
+          </a:xfrm>
+          <a:prstGeom prst="rect">
+            <a:avLst/>
+          </a:prstGeom>
+        </p:spPr>
+      </p:pic>
+      <p:cxnSp>
+        <p:nvCxnSpPr>
+          <p:cNvPr id="9" name="Straight Arrow Connector 8"/>
+          <p:cNvCxnSpPr/>
+          <p:nvPr/>
+        </p:nvCxnSpPr>
+        <p:spPr>
+          <a:xfrm flipV="1">
+            <a:off x="4375447" y="3879791"/>
+            <a:ext cx="2897024" cy="1"/>
           </a:xfrm>
           <a:prstGeom prst="straightConnector1">
             <a:avLst/>
@@ -6906,7 +9265,7 @@
 </p:sld>
 </file>
 
-<file path=ppt/slides/slide14.xml><?xml version="1.0" encoding="utf-8"?>
+<file path=ppt/slides/slide18.xml><?xml version="1.0" encoding="utf-8"?>
 <p:sld xmlns:a="http://schemas.openxmlformats.org/drawingml/2006/main" xmlns:r="http://schemas.openxmlformats.org/officeDocument/2006/relationships" xmlns:p="http://schemas.openxmlformats.org/presentationml/2006/main">
   <p:cSld>
     <p:spTree>
@@ -6965,7 +9324,22 @@
               </a:rPr>
               <a:t>PATHINFO</a:t>
             </a:r>
-            <a:endParaRPr lang="en-US" dirty="0">
+          </a:p>
+          <a:p>
+            <a:pPr algn="ctr"/>
+            <a:r>
+              <a:rPr lang="en-US" sz="2000" dirty="0" err="1" smtClean="0">
+                <a:latin typeface="Cambria" panose="02040503050406030204" pitchFamily="18" charset="0"/>
+              </a:rPr>
+              <a:t>PathInfo</a:t>
+            </a:r>
+            <a:r>
+              <a:rPr lang="en-US" sz="2000" dirty="0" smtClean="0">
+                <a:latin typeface="Cambria" panose="02040503050406030204" pitchFamily="18" charset="0"/>
+              </a:rPr>
+              <a:t>: represent the path between two stations</a:t>
+            </a:r>
+            <a:endParaRPr lang="en-US" sz="2000" dirty="0">
               <a:latin typeface="Cambria" panose="02040503050406030204" pitchFamily="18" charset="0"/>
             </a:endParaRPr>
           </a:p>
@@ -6984,7 +9358,7 @@
 </p:sld>
 </file>
 
-<file path=ppt/slides/slide15.xml><?xml version="1.0" encoding="utf-8"?>
+<file path=ppt/slides/slide19.xml><?xml version="1.0" encoding="utf-8"?>
 <p:sld xmlns:a="http://schemas.openxmlformats.org/drawingml/2006/main" xmlns:r="http://schemas.openxmlformats.org/officeDocument/2006/relationships" xmlns:p="http://schemas.openxmlformats.org/presentationml/2006/main">
   <p:cSld>
     <p:spTree>
@@ -7044,7 +9418,164 @@
 </p:sld>
 </file>
 
-<file path=ppt/slides/slide16.xml><?xml version="1.0" encoding="utf-8"?>
+<file path=ppt/slides/slide2.xml><?xml version="1.0" encoding="utf-8"?>
+<p:sld xmlns:a="http://schemas.openxmlformats.org/drawingml/2006/main" xmlns:r="http://schemas.openxmlformats.org/officeDocument/2006/relationships" xmlns:p="http://schemas.openxmlformats.org/presentationml/2006/main">
+  <p:cSld>
+    <p:spTree>
+      <p:nvGrpSpPr>
+        <p:cNvPr id="1" name=""/>
+        <p:cNvGrpSpPr/>
+        <p:nvPr/>
+      </p:nvGrpSpPr>
+      <p:grpSpPr>
+        <a:xfrm>
+          <a:off x="0" y="0"/>
+          <a:ext cx="0" cy="0"/>
+          <a:chOff x="0" y="0"/>
+          <a:chExt cx="0" cy="0"/>
+        </a:xfrm>
+      </p:grpSpPr>
+      <p:pic>
+        <p:nvPicPr>
+          <p:cNvPr id="4" name="Picture 3"/>
+          <p:cNvPicPr>
+            <a:picLocks noChangeAspect="1"/>
+          </p:cNvPicPr>
+          <p:nvPr/>
+        </p:nvPicPr>
+        <p:blipFill>
+          <a:blip r:embed="rId2">
+            <a:extLst>
+              <a:ext uri="{28A0092B-C50C-407E-A947-70E740481C1C}">
+                <a14:useLocalDpi xmlns:a14="http://schemas.microsoft.com/office/drawing/2010/main" val="0"/>
+              </a:ext>
+            </a:extLst>
+          </a:blip>
+          <a:stretch>
+            <a:fillRect/>
+          </a:stretch>
+        </p:blipFill>
+        <p:spPr>
+          <a:xfrm>
+            <a:off x="373380" y="373380"/>
+            <a:ext cx="4526934" cy="5935980"/>
+          </a:xfrm>
+          <a:prstGeom prst="rect">
+            <a:avLst/>
+          </a:prstGeom>
+        </p:spPr>
+      </p:pic>
+      <p:pic>
+        <p:nvPicPr>
+          <p:cNvPr id="5" name="Picture 4"/>
+          <p:cNvPicPr>
+            <a:picLocks noChangeAspect="1"/>
+          </p:cNvPicPr>
+          <p:nvPr/>
+        </p:nvPicPr>
+        <p:blipFill>
+          <a:blip r:embed="rId3">
+            <a:extLst>
+              <a:ext uri="{28A0092B-C50C-407E-A947-70E740481C1C}">
+                <a14:useLocalDpi xmlns:a14="http://schemas.microsoft.com/office/drawing/2010/main" val="0"/>
+              </a:ext>
+            </a:extLst>
+          </a:blip>
+          <a:stretch>
+            <a:fillRect/>
+          </a:stretch>
+        </p:blipFill>
+        <p:spPr>
+          <a:xfrm>
+            <a:off x="5113021" y="106680"/>
+            <a:ext cx="3322320" cy="6121947"/>
+          </a:xfrm>
+          <a:prstGeom prst="rect">
+            <a:avLst/>
+          </a:prstGeom>
+        </p:spPr>
+      </p:pic>
+      <p:sp>
+        <p:nvSpPr>
+          <p:cNvPr id="6" name="Rectangle 5"/>
+          <p:cNvSpPr/>
+          <p:nvPr/>
+        </p:nvSpPr>
+        <p:spPr>
+          <a:xfrm>
+            <a:off x="944881" y="6309360"/>
+            <a:ext cx="7490460" cy="338554"/>
+          </a:xfrm>
+          <a:prstGeom prst="rect">
+            <a:avLst/>
+          </a:prstGeom>
+        </p:spPr>
+        <p:txBody>
+          <a:bodyPr wrap="square">
+            <a:spAutoFit/>
+          </a:bodyPr>
+          <a:lstStyle/>
+          <a:p>
+            <a:r>
+              <a:rPr lang="en-US" sz="1600" dirty="0" smtClean="0">
+                <a:latin typeface="Cambria" panose="02040503050406030204" pitchFamily="18" charset="0"/>
+              </a:rPr>
+              <a:t>http://mapbus.ebms.vn/ajax.aspx?action=listRouteStations&amp;</a:t>
+            </a:r>
+            <a:r>
+              <a:rPr lang="en-US" sz="1600" dirty="0" smtClean="0">
+                <a:solidFill>
+                  <a:srgbClr val="FF0000"/>
+                </a:solidFill>
+                <a:latin typeface="Cambria" panose="02040503050406030204" pitchFamily="18" charset="0"/>
+              </a:rPr>
+              <a:t>rid=1</a:t>
+            </a:r>
+            <a:r>
+              <a:rPr lang="en-US" sz="1600" dirty="0" smtClean="0">
+                <a:latin typeface="Cambria" panose="02040503050406030204" pitchFamily="18" charset="0"/>
+              </a:rPr>
+              <a:t>&amp;</a:t>
+            </a:r>
+            <a:r>
+              <a:rPr lang="en-US" sz="1600" dirty="0" smtClean="0">
+                <a:solidFill>
+                  <a:srgbClr val="FF0000"/>
+                </a:solidFill>
+                <a:latin typeface="Cambria" panose="02040503050406030204" pitchFamily="18" charset="0"/>
+              </a:rPr>
+              <a:t>isgo=true</a:t>
+            </a:r>
+            <a:endParaRPr lang="en-US" sz="1600" dirty="0">
+              <a:solidFill>
+                <a:srgbClr val="FF0000"/>
+              </a:solidFill>
+              <a:latin typeface="Cambria" panose="02040503050406030204" pitchFamily="18" charset="0"/>
+            </a:endParaRPr>
+          </a:p>
+        </p:txBody>
+      </p:sp>
+    </p:spTree>
+    <p:extLst>
+      <p:ext uri="{BB962C8B-B14F-4D97-AF65-F5344CB8AC3E}">
+        <p14:creationId xmlns:p14="http://schemas.microsoft.com/office/powerpoint/2010/main" val="208184830"/>
+      </p:ext>
+    </p:extLst>
+  </p:cSld>
+  <p:clrMapOvr>
+    <a:masterClrMapping/>
+  </p:clrMapOvr>
+  <p:timing>
+    <p:tnLst>
+      <p:par>
+        <p:cTn id="1" dur="indefinite" restart="never" nodeType="tmRoot"/>
+      </p:par>
+    </p:tnLst>
+  </p:timing>
+</p:sld>
+</file>
+
+<file path=ppt/slides/slide20.xml><?xml version="1.0" encoding="utf-8"?>
 <p:sld xmlns:a="http://schemas.openxmlformats.org/drawingml/2006/main" xmlns:r="http://schemas.openxmlformats.org/officeDocument/2006/relationships" xmlns:p="http://schemas.openxmlformats.org/presentationml/2006/main">
   <p:cSld>
     <p:spTree>
@@ -7841,8 +10372,8 @@
         </p:nvCxnSpPr>
         <p:spPr>
           <a:xfrm flipV="1">
-            <a:off x="5452217" y="623843"/>
-            <a:ext cx="863125" cy="2555193"/>
+            <a:off x="3478138" y="623844"/>
+            <a:ext cx="2837204" cy="2539059"/>
           </a:xfrm>
           <a:prstGeom prst="straightConnector1">
             <a:avLst/>
@@ -7919,6 +10450,174 @@
           </a:p>
         </p:txBody>
       </p:sp>
+      <p:pic>
+        <p:nvPicPr>
+          <p:cNvPr id="2" name="Picture 1"/>
+          <p:cNvPicPr>
+            <a:picLocks noChangeAspect="1"/>
+          </p:cNvPicPr>
+          <p:nvPr/>
+        </p:nvPicPr>
+        <p:blipFill>
+          <a:blip r:embed="rId2"/>
+          <a:stretch>
+            <a:fillRect/>
+          </a:stretch>
+        </p:blipFill>
+        <p:spPr>
+          <a:xfrm>
+            <a:off x="6208520" y="1726251"/>
+            <a:ext cx="2740565" cy="3780090"/>
+          </a:xfrm>
+          <a:prstGeom prst="rect">
+            <a:avLst/>
+          </a:prstGeom>
+        </p:spPr>
+      </p:pic>
+      <p:sp>
+        <p:nvSpPr>
+          <p:cNvPr id="3" name="TextBox 2"/>
+          <p:cNvSpPr txBox="1"/>
+          <p:nvPr/>
+        </p:nvSpPr>
+        <p:spPr>
+          <a:xfrm>
+            <a:off x="8255237" y="2809704"/>
+            <a:ext cx="301686" cy="369332"/>
+          </a:xfrm>
+          <a:prstGeom prst="rect">
+            <a:avLst/>
+          </a:prstGeom>
+          <a:noFill/>
+        </p:spPr>
+        <p:txBody>
+          <a:bodyPr wrap="none" rtlCol="0">
+            <a:spAutoFit/>
+          </a:bodyPr>
+          <a:lstStyle/>
+          <a:p>
+            <a:r>
+              <a:rPr lang="en-US" b="1" dirty="0" smtClean="0">
+                <a:solidFill>
+                  <a:srgbClr val="FF0000"/>
+                </a:solidFill>
+              </a:rPr>
+              <a:t>1</a:t>
+            </a:r>
+            <a:endParaRPr lang="en-US" b="1" dirty="0">
+              <a:solidFill>
+                <a:srgbClr val="FF0000"/>
+              </a:solidFill>
+            </a:endParaRPr>
+          </a:p>
+        </p:txBody>
+      </p:sp>
+      <p:sp>
+        <p:nvSpPr>
+          <p:cNvPr id="10" name="TextBox 9"/>
+          <p:cNvSpPr txBox="1"/>
+          <p:nvPr/>
+        </p:nvSpPr>
+        <p:spPr>
+          <a:xfrm>
+            <a:off x="8406080" y="4713992"/>
+            <a:ext cx="301686" cy="369332"/>
+          </a:xfrm>
+          <a:prstGeom prst="rect">
+            <a:avLst/>
+          </a:prstGeom>
+          <a:noFill/>
+        </p:spPr>
+        <p:txBody>
+          <a:bodyPr wrap="none" rtlCol="0">
+            <a:spAutoFit/>
+          </a:bodyPr>
+          <a:lstStyle/>
+          <a:p>
+            <a:r>
+              <a:rPr lang="en-US" b="1" dirty="0">
+                <a:solidFill>
+                  <a:srgbClr val="FF0000"/>
+                </a:solidFill>
+              </a:rPr>
+              <a:t>2</a:t>
+            </a:r>
+          </a:p>
+        </p:txBody>
+      </p:sp>
+      <p:sp>
+        <p:nvSpPr>
+          <p:cNvPr id="11" name="TextBox 10"/>
+          <p:cNvSpPr txBox="1"/>
+          <p:nvPr/>
+        </p:nvSpPr>
+        <p:spPr>
+          <a:xfrm>
+            <a:off x="6584402" y="4934759"/>
+            <a:ext cx="301686" cy="369332"/>
+          </a:xfrm>
+          <a:prstGeom prst="rect">
+            <a:avLst/>
+          </a:prstGeom>
+          <a:noFill/>
+        </p:spPr>
+        <p:txBody>
+          <a:bodyPr wrap="none" rtlCol="0">
+            <a:spAutoFit/>
+          </a:bodyPr>
+          <a:lstStyle/>
+          <a:p>
+            <a:r>
+              <a:rPr lang="en-US" b="1" dirty="0" smtClean="0">
+                <a:solidFill>
+                  <a:srgbClr val="FF0000"/>
+                </a:solidFill>
+              </a:rPr>
+              <a:t>3</a:t>
+            </a:r>
+            <a:endParaRPr lang="en-US" b="1" dirty="0">
+              <a:solidFill>
+                <a:srgbClr val="FF0000"/>
+              </a:solidFill>
+            </a:endParaRPr>
+          </a:p>
+        </p:txBody>
+      </p:sp>
+      <p:cxnSp>
+        <p:nvCxnSpPr>
+          <p:cNvPr id="12" name="Straight Arrow Connector 11"/>
+          <p:cNvCxnSpPr>
+            <a:endCxn id="3" idx="1"/>
+          </p:cNvCxnSpPr>
+          <p:nvPr/>
+        </p:nvCxnSpPr>
+        <p:spPr>
+          <a:xfrm flipV="1">
+            <a:off x="3478138" y="2994370"/>
+            <a:ext cx="4777099" cy="184666"/>
+          </a:xfrm>
+          <a:prstGeom prst="straightConnector1">
+            <a:avLst/>
+          </a:prstGeom>
+          <a:ln>
+            <a:tailEnd type="triangle"/>
+          </a:ln>
+        </p:spPr>
+        <p:style>
+          <a:lnRef idx="3">
+            <a:schemeClr val="accent2"/>
+          </a:lnRef>
+          <a:fillRef idx="0">
+            <a:schemeClr val="accent2"/>
+          </a:fillRef>
+          <a:effectRef idx="2">
+            <a:schemeClr val="accent2"/>
+          </a:effectRef>
+          <a:fontRef idx="minor">
+            <a:schemeClr val="tx1"/>
+          </a:fontRef>
+        </p:style>
+      </p:cxnSp>
     </p:spTree>
     <p:extLst>
       <p:ext uri="{BB962C8B-B14F-4D97-AF65-F5344CB8AC3E}">
@@ -7932,7 +10631,7 @@
 </p:sld>
 </file>
 
-<file path=ppt/slides/slide17.xml><?xml version="1.0" encoding="utf-8"?>
+<file path=ppt/slides/slide21.xml><?xml version="1.0" encoding="utf-8"?>
 <p:sld xmlns:a="http://schemas.openxmlformats.org/drawingml/2006/main" xmlns:r="http://schemas.openxmlformats.org/officeDocument/2006/relationships" xmlns:p="http://schemas.openxmlformats.org/presentationml/2006/main">
   <p:cSld>
     <p:spTree>
@@ -9262,10 +11961,17 @@
   <p:clrMapOvr>
     <a:masterClrMapping/>
   </p:clrMapOvr>
+  <p:timing>
+    <p:tnLst>
+      <p:par>
+        <p:cTn id="1" dur="indefinite" restart="never" nodeType="tmRoot"/>
+      </p:par>
+    </p:tnLst>
+  </p:timing>
 </p:sld>
 </file>
 
-<file path=ppt/slides/slide18.xml><?xml version="1.0" encoding="utf-8"?>
+<file path=ppt/slides/slide22.xml><?xml version="1.0" encoding="utf-8"?>
 <p:sld xmlns:a="http://schemas.openxmlformats.org/drawingml/2006/main" xmlns:r="http://schemas.openxmlformats.org/officeDocument/2006/relationships" xmlns:p="http://schemas.openxmlformats.org/presentationml/2006/main">
   <p:cSld>
     <p:spTree>
@@ -9334,7 +12040,7 @@
         </p:blipFill>
         <p:spPr>
           <a:xfrm>
-            <a:off x="4248150" y="571500"/>
+            <a:off x="4342153" y="2325381"/>
             <a:ext cx="4061460" cy="1844040"/>
           </a:xfrm>
           <a:prstGeom prst="rect">
@@ -9424,6 +12130,142 @@
           </a:p>
         </p:txBody>
       </p:sp>
+      <p:cxnSp>
+        <p:nvCxnSpPr>
+          <p:cNvPr id="3" name="Straight Connector 2"/>
+          <p:cNvCxnSpPr/>
+          <p:nvPr/>
+        </p:nvCxnSpPr>
+        <p:spPr>
+          <a:xfrm>
+            <a:off x="4666004" y="3144852"/>
+            <a:ext cx="205099" cy="205099"/>
+          </a:xfrm>
+          <a:prstGeom prst="line">
+            <a:avLst/>
+          </a:prstGeom>
+          <a:ln w="57150">
+            <a:solidFill>
+              <a:srgbClr val="FF0000"/>
+            </a:solidFill>
+          </a:ln>
+        </p:spPr>
+        <p:style>
+          <a:lnRef idx="1">
+            <a:schemeClr val="accent1"/>
+          </a:lnRef>
+          <a:fillRef idx="0">
+            <a:schemeClr val="accent1"/>
+          </a:fillRef>
+          <a:effectRef idx="0">
+            <a:schemeClr val="accent1"/>
+          </a:effectRef>
+          <a:fontRef idx="minor">
+            <a:schemeClr val="tx1"/>
+          </a:fontRef>
+        </p:style>
+      </p:cxnSp>
+      <p:cxnSp>
+        <p:nvCxnSpPr>
+          <p:cNvPr id="8" name="Straight Connector 7"/>
+          <p:cNvCxnSpPr/>
+          <p:nvPr/>
+        </p:nvCxnSpPr>
+        <p:spPr>
+          <a:xfrm flipV="1">
+            <a:off x="4666003" y="3144852"/>
+            <a:ext cx="205100" cy="205099"/>
+          </a:xfrm>
+          <a:prstGeom prst="line">
+            <a:avLst/>
+          </a:prstGeom>
+          <a:ln w="57150">
+            <a:solidFill>
+              <a:srgbClr val="FF0000"/>
+            </a:solidFill>
+          </a:ln>
+        </p:spPr>
+        <p:style>
+          <a:lnRef idx="1">
+            <a:schemeClr val="accent1"/>
+          </a:lnRef>
+          <a:fillRef idx="0">
+            <a:schemeClr val="accent1"/>
+          </a:fillRef>
+          <a:effectRef idx="0">
+            <a:schemeClr val="accent1"/>
+          </a:effectRef>
+          <a:fontRef idx="minor">
+            <a:schemeClr val="tx1"/>
+          </a:fontRef>
+        </p:style>
+      </p:cxnSp>
+      <p:cxnSp>
+        <p:nvCxnSpPr>
+          <p:cNvPr id="11" name="Straight Arrow Connector 10"/>
+          <p:cNvCxnSpPr/>
+          <p:nvPr/>
+        </p:nvCxnSpPr>
+        <p:spPr>
+          <a:xfrm>
+            <a:off x="3367043" y="2444097"/>
+            <a:ext cx="1298960" cy="803304"/>
+          </a:xfrm>
+          <a:prstGeom prst="straightConnector1">
+            <a:avLst/>
+          </a:prstGeom>
+          <a:ln>
+            <a:tailEnd type="triangle"/>
+          </a:ln>
+        </p:spPr>
+        <p:style>
+          <a:lnRef idx="3">
+            <a:schemeClr val="accent2"/>
+          </a:lnRef>
+          <a:fillRef idx="0">
+            <a:schemeClr val="accent2"/>
+          </a:fillRef>
+          <a:effectRef idx="2">
+            <a:schemeClr val="accent2"/>
+          </a:effectRef>
+          <a:fontRef idx="minor">
+            <a:schemeClr val="tx1"/>
+          </a:fontRef>
+        </p:style>
+      </p:cxnSp>
+      <p:cxnSp>
+        <p:nvCxnSpPr>
+          <p:cNvPr id="12" name="Straight Arrow Connector 11"/>
+          <p:cNvCxnSpPr/>
+          <p:nvPr/>
+        </p:nvCxnSpPr>
+        <p:spPr>
+          <a:xfrm flipV="1">
+            <a:off x="3236256" y="3366117"/>
+            <a:ext cx="1429747" cy="1362094"/>
+          </a:xfrm>
+          <a:prstGeom prst="straightConnector1">
+            <a:avLst/>
+          </a:prstGeom>
+          <a:ln>
+            <a:tailEnd type="triangle"/>
+          </a:ln>
+        </p:spPr>
+        <p:style>
+          <a:lnRef idx="3">
+            <a:schemeClr val="accent2"/>
+          </a:lnRef>
+          <a:fillRef idx="0">
+            <a:schemeClr val="accent2"/>
+          </a:fillRef>
+          <a:effectRef idx="2">
+            <a:schemeClr val="accent2"/>
+          </a:effectRef>
+          <a:fontRef idx="minor">
+            <a:schemeClr val="tx1"/>
+          </a:fontRef>
+        </p:style>
+      </p:cxnSp>
     </p:spTree>
     <p:extLst>
       <p:ext uri="{BB962C8B-B14F-4D97-AF65-F5344CB8AC3E}">
@@ -9444,7 +12286,7 @@
 </p:sld>
 </file>
 
-<file path=ppt/slides/slide19.xml><?xml version="1.0" encoding="utf-8"?>
+<file path=ppt/slides/slide23.xml><?xml version="1.0" encoding="utf-8"?>
 <p:sld xmlns:a="http://schemas.openxmlformats.org/drawingml/2006/main" xmlns:r="http://schemas.openxmlformats.org/officeDocument/2006/relationships" xmlns:p="http://schemas.openxmlformats.org/presentationml/2006/main">
   <p:cSld>
     <p:spTree>
@@ -10505,164 +13347,7 @@
 </p:sld>
 </file>
 
-<file path=ppt/slides/slide2.xml><?xml version="1.0" encoding="utf-8"?>
-<p:sld xmlns:a="http://schemas.openxmlformats.org/drawingml/2006/main" xmlns:r="http://schemas.openxmlformats.org/officeDocument/2006/relationships" xmlns:p="http://schemas.openxmlformats.org/presentationml/2006/main">
-  <p:cSld>
-    <p:spTree>
-      <p:nvGrpSpPr>
-        <p:cNvPr id="1" name=""/>
-        <p:cNvGrpSpPr/>
-        <p:nvPr/>
-      </p:nvGrpSpPr>
-      <p:grpSpPr>
-        <a:xfrm>
-          <a:off x="0" y="0"/>
-          <a:ext cx="0" cy="0"/>
-          <a:chOff x="0" y="0"/>
-          <a:chExt cx="0" cy="0"/>
-        </a:xfrm>
-      </p:grpSpPr>
-      <p:pic>
-        <p:nvPicPr>
-          <p:cNvPr id="4" name="Picture 3"/>
-          <p:cNvPicPr>
-            <a:picLocks noChangeAspect="1"/>
-          </p:cNvPicPr>
-          <p:nvPr/>
-        </p:nvPicPr>
-        <p:blipFill>
-          <a:blip r:embed="rId2">
-            <a:extLst>
-              <a:ext uri="{28A0092B-C50C-407E-A947-70E740481C1C}">
-                <a14:useLocalDpi xmlns:a14="http://schemas.microsoft.com/office/drawing/2010/main" val="0"/>
-              </a:ext>
-            </a:extLst>
-          </a:blip>
-          <a:stretch>
-            <a:fillRect/>
-          </a:stretch>
-        </p:blipFill>
-        <p:spPr>
-          <a:xfrm>
-            <a:off x="373380" y="373380"/>
-            <a:ext cx="4526934" cy="5935980"/>
-          </a:xfrm>
-          <a:prstGeom prst="rect">
-            <a:avLst/>
-          </a:prstGeom>
-        </p:spPr>
-      </p:pic>
-      <p:pic>
-        <p:nvPicPr>
-          <p:cNvPr id="5" name="Picture 4"/>
-          <p:cNvPicPr>
-            <a:picLocks noChangeAspect="1"/>
-          </p:cNvPicPr>
-          <p:nvPr/>
-        </p:nvPicPr>
-        <p:blipFill>
-          <a:blip r:embed="rId3">
-            <a:extLst>
-              <a:ext uri="{28A0092B-C50C-407E-A947-70E740481C1C}">
-                <a14:useLocalDpi xmlns:a14="http://schemas.microsoft.com/office/drawing/2010/main" val="0"/>
-              </a:ext>
-            </a:extLst>
-          </a:blip>
-          <a:stretch>
-            <a:fillRect/>
-          </a:stretch>
-        </p:blipFill>
-        <p:spPr>
-          <a:xfrm>
-            <a:off x="5113021" y="106680"/>
-            <a:ext cx="3322320" cy="6121947"/>
-          </a:xfrm>
-          <a:prstGeom prst="rect">
-            <a:avLst/>
-          </a:prstGeom>
-        </p:spPr>
-      </p:pic>
-      <p:sp>
-        <p:nvSpPr>
-          <p:cNvPr id="6" name="Rectangle 5"/>
-          <p:cNvSpPr/>
-          <p:nvPr/>
-        </p:nvSpPr>
-        <p:spPr>
-          <a:xfrm>
-            <a:off x="944881" y="6309360"/>
-            <a:ext cx="7490460" cy="338554"/>
-          </a:xfrm>
-          <a:prstGeom prst="rect">
-            <a:avLst/>
-          </a:prstGeom>
-        </p:spPr>
-        <p:txBody>
-          <a:bodyPr wrap="square">
-            <a:spAutoFit/>
-          </a:bodyPr>
-          <a:lstStyle/>
-          <a:p>
-            <a:r>
-              <a:rPr lang="en-US" sz="1600" dirty="0" smtClean="0">
-                <a:latin typeface="Cambria" panose="02040503050406030204" pitchFamily="18" charset="0"/>
-              </a:rPr>
-              <a:t>http://mapbus.ebms.vn/ajax.aspx?action=listRouteStations&amp;</a:t>
-            </a:r>
-            <a:r>
-              <a:rPr lang="en-US" sz="1600" dirty="0" smtClean="0">
-                <a:solidFill>
-                  <a:srgbClr val="FF0000"/>
-                </a:solidFill>
-                <a:latin typeface="Cambria" panose="02040503050406030204" pitchFamily="18" charset="0"/>
-              </a:rPr>
-              <a:t>rid=1</a:t>
-            </a:r>
-            <a:r>
-              <a:rPr lang="en-US" sz="1600" dirty="0" smtClean="0">
-                <a:latin typeface="Cambria" panose="02040503050406030204" pitchFamily="18" charset="0"/>
-              </a:rPr>
-              <a:t>&amp;</a:t>
-            </a:r>
-            <a:r>
-              <a:rPr lang="en-US" sz="1600" dirty="0" smtClean="0">
-                <a:solidFill>
-                  <a:srgbClr val="FF0000"/>
-                </a:solidFill>
-                <a:latin typeface="Cambria" panose="02040503050406030204" pitchFamily="18" charset="0"/>
-              </a:rPr>
-              <a:t>isgo=true</a:t>
-            </a:r>
-            <a:endParaRPr lang="en-US" sz="1600" dirty="0">
-              <a:solidFill>
-                <a:srgbClr val="FF0000"/>
-              </a:solidFill>
-              <a:latin typeface="Cambria" panose="02040503050406030204" pitchFamily="18" charset="0"/>
-            </a:endParaRPr>
-          </a:p>
-        </p:txBody>
-      </p:sp>
-    </p:spTree>
-    <p:extLst>
-      <p:ext uri="{BB962C8B-B14F-4D97-AF65-F5344CB8AC3E}">
-        <p14:creationId xmlns:p14="http://schemas.microsoft.com/office/powerpoint/2010/main" val="208184830"/>
-      </p:ext>
-    </p:extLst>
-  </p:cSld>
-  <p:clrMapOvr>
-    <a:masterClrMapping/>
-  </p:clrMapOvr>
-  <p:timing>
-    <p:tnLst>
-      <p:par>
-        <p:cTn id="1" dur="indefinite" restart="never" nodeType="tmRoot"/>
-      </p:par>
-    </p:tnLst>
-  </p:timing>
-</p:sld>
-</file>
-
-<file path=ppt/slides/slide20.xml><?xml version="1.0" encoding="utf-8"?>
+<file path=ppt/slides/slide24.xml><?xml version="1.0" encoding="utf-8"?>
 <p:sld xmlns:a="http://schemas.openxmlformats.org/drawingml/2006/main" xmlns:r="http://schemas.openxmlformats.org/officeDocument/2006/relationships" xmlns:p="http://schemas.openxmlformats.org/presentationml/2006/main">
   <p:cSld>
     <p:spTree>
@@ -10721,7 +13406,16 @@
               </a:rPr>
               <a:t>TRIP</a:t>
             </a:r>
-            <a:endParaRPr lang="en-US" dirty="0">
+          </a:p>
+          <a:p>
+            <a:pPr algn="ctr"/>
+            <a:r>
+              <a:rPr lang="en-US" sz="2000" dirty="0" smtClean="0">
+                <a:latin typeface="Cambria" panose="02040503050406030204" pitchFamily="18" charset="0"/>
+              </a:rPr>
+              <a:t>Trip: represent start time and end time of route.</a:t>
+            </a:r>
+            <a:endParaRPr lang="en-US" sz="2000" dirty="0">
               <a:latin typeface="Cambria" panose="02040503050406030204" pitchFamily="18" charset="0"/>
             </a:endParaRPr>
           </a:p>
@@ -10740,7 +13434,7 @@
 </p:sld>
 </file>
 
-<file path=ppt/slides/slide21.xml><?xml version="1.0" encoding="utf-8"?>
+<file path=ppt/slides/slide25.xml><?xml version="1.0" encoding="utf-8"?>
 <p:sld xmlns:a="http://schemas.openxmlformats.org/drawingml/2006/main" xmlns:r="http://schemas.openxmlformats.org/officeDocument/2006/relationships" xmlns:p="http://schemas.openxmlformats.org/presentationml/2006/main">
   <p:cSld>
     <p:spTree>
@@ -10893,6 +13587,11 @@
           <a:p>
             <a:r>
               <a:rPr lang="en-US" dirty="0">
+                <a:solidFill>
+                  <a:schemeClr val="accent1">
+                    <a:lumMod val="75000"/>
+                  </a:schemeClr>
+                </a:solidFill>
                 <a:latin typeface="Cambria" panose="02040503050406030204" pitchFamily="18" charset="0"/>
               </a:rPr>
               <a:t>http://buyttphcm.com.vn/TTLT.aspx</a:t>
@@ -10966,7 +13665,7 @@
 </p:sld>
 </file>
 
-<file path=ppt/slides/slide22.xml><?xml version="1.0" encoding="utf-8"?>
+<file path=ppt/slides/slide26.xml><?xml version="1.0" encoding="utf-8"?>
 <p:sld xmlns:a="http://schemas.openxmlformats.org/drawingml/2006/main" xmlns:r="http://schemas.openxmlformats.org/officeDocument/2006/relationships" xmlns:p="http://schemas.openxmlformats.org/presentationml/2006/main">
   <p:cSld>
     <p:spTree>
@@ -11077,6 +13776,11 @@
           <a:p>
             <a:r>
               <a:rPr lang="en-US" dirty="0">
+                <a:solidFill>
+                  <a:schemeClr val="accent1">
+                    <a:lumMod val="75000"/>
+                  </a:schemeClr>
+                </a:solidFill>
                 <a:latin typeface="Cambria" panose="02040503050406030204" pitchFamily="18" charset="0"/>
               </a:rPr>
               <a:t>http://buyttphcm.com.vn/TTLT.aspx</a:t>
@@ -11295,7 +13999,7 @@
 </p:sld>
 </file>
 
-<file path=ppt/slides/slide23.xml><?xml version="1.0" encoding="utf-8"?>
+<file path=ppt/slides/slide27.xml><?xml version="1.0" encoding="utf-8"?>
 <p:sld xmlns:a="http://schemas.openxmlformats.org/drawingml/2006/main" xmlns:r="http://schemas.openxmlformats.org/officeDocument/2006/relationships" xmlns:p="http://schemas.openxmlformats.org/presentationml/2006/main">
   <p:cSld>
     <p:spTree>
@@ -11611,7 +14315,7 @@
 </p:sld>
 </file>
 
-<file path=ppt/slides/slide24.xml><?xml version="1.0" encoding="utf-8"?>
+<file path=ppt/slides/slide28.xml><?xml version="1.0" encoding="utf-8"?>
 <p:sld xmlns:a="http://schemas.openxmlformats.org/drawingml/2006/main" xmlns:r="http://schemas.openxmlformats.org/officeDocument/2006/relationships" xmlns:p="http://schemas.openxmlformats.org/presentationml/2006/main">
   <p:cSld>
     <p:spTree>
@@ -12358,7 +15062,7 @@
 </p:sld>
 </file>
 
-<file path=ppt/slides/slide25.xml><?xml version="1.0" encoding="utf-8"?>
+<file path=ppt/slides/slide29.xml><?xml version="1.0" encoding="utf-8"?>
 <p:sld xmlns:a="http://schemas.openxmlformats.org/drawingml/2006/main" xmlns:r="http://schemas.openxmlformats.org/officeDocument/2006/relationships" xmlns:p="http://schemas.openxmlformats.org/presentationml/2006/main">
   <p:cSld>
     <p:spTree>
@@ -12787,7 +15491,1007 @@
 </p:sld>
 </file>
 
-<file path=ppt/slides/slide26.xml><?xml version="1.0" encoding="utf-8"?>
+<file path=ppt/slides/slide3.xml><?xml version="1.0" encoding="utf-8"?>
+<p:sld xmlns:a="http://schemas.openxmlformats.org/drawingml/2006/main" xmlns:r="http://schemas.openxmlformats.org/officeDocument/2006/relationships" xmlns:p="http://schemas.openxmlformats.org/presentationml/2006/main">
+  <p:cSld>
+    <p:spTree>
+      <p:nvGrpSpPr>
+        <p:cNvPr id="1" name=""/>
+        <p:cNvGrpSpPr/>
+        <p:nvPr/>
+      </p:nvGrpSpPr>
+      <p:grpSpPr>
+        <a:xfrm>
+          <a:off x="0" y="0"/>
+          <a:ext cx="0" cy="0"/>
+          <a:chOff x="0" y="0"/>
+          <a:chExt cx="0" cy="0"/>
+        </a:xfrm>
+      </p:grpSpPr>
+      <p:graphicFrame>
+        <p:nvGraphicFramePr>
+          <p:cNvPr id="4" name="Table 3"/>
+          <p:cNvGraphicFramePr>
+            <a:graphicFrameLocks noGrp="1"/>
+          </p:cNvGraphicFramePr>
+          <p:nvPr>
+            <p:extLst>
+              <p:ext uri="{D42A27DB-BD31-4B8C-83A1-F6EECF244321}">
+                <p14:modId xmlns:p14="http://schemas.microsoft.com/office/powerpoint/2010/main" val="3635451886"/>
+              </p:ext>
+            </p:extLst>
+          </p:nvPr>
+        </p:nvGraphicFramePr>
+        <p:xfrm>
+          <a:off x="137160" y="83819"/>
+          <a:ext cx="8557260" cy="5514975"/>
+        </p:xfrm>
+        <a:graphic>
+          <a:graphicData uri="http://schemas.openxmlformats.org/drawingml/2006/table">
+            <a:tbl>
+              <a:tblPr firstRow="1" bandRow="1">
+                <a:tableStyleId>{5C22544A-7EE6-4342-B048-85BDC9FD1C3A}</a:tableStyleId>
+              </a:tblPr>
+              <a:tblGrid>
+                <a:gridCol w="662940"/>
+                <a:gridCol w="4381500"/>
+                <a:gridCol w="3512820"/>
+              </a:tblGrid>
+              <a:tr h="394335">
+                <a:tc>
+                  <a:txBody>
+                    <a:bodyPr/>
+                    <a:lstStyle/>
+                    <a:p>
+                      <a:pPr algn="ctr"/>
+                      <a:r>
+                        <a:rPr lang="en-US" sz="1600" dirty="0" smtClean="0"/>
+                        <a:t>Index</a:t>
+                      </a:r>
+                      <a:endParaRPr lang="en-US" sz="1600" dirty="0"/>
+                    </a:p>
+                  </a:txBody>
+                  <a:tcPr/>
+                </a:tc>
+                <a:tc>
+                  <a:txBody>
+                    <a:bodyPr/>
+                    <a:lstStyle/>
+                    <a:p>
+                      <a:pPr algn="ctr"/>
+                      <a:r>
+                        <a:rPr lang="en-US" dirty="0" smtClean="0"/>
+                        <a:t>Sample value</a:t>
+                      </a:r>
+                      <a:endParaRPr lang="en-US" dirty="0"/>
+                    </a:p>
+                  </a:txBody>
+                  <a:tcPr/>
+                </a:tc>
+                <a:tc>
+                  <a:txBody>
+                    <a:bodyPr/>
+                    <a:lstStyle/>
+                    <a:p>
+                      <a:pPr algn="ctr"/>
+                      <a:r>
+                        <a:rPr lang="en-US" dirty="0" smtClean="0"/>
+                        <a:t>Attribute</a:t>
+                      </a:r>
+                      <a:endParaRPr lang="en-US" dirty="0"/>
+                    </a:p>
+                  </a:txBody>
+                  <a:tcPr/>
+                </a:tc>
+              </a:tr>
+              <a:tr h="175260">
+                <a:tc>
+                  <a:txBody>
+                    <a:bodyPr/>
+                    <a:lstStyle/>
+                    <a:p>
+                      <a:pPr algn="ctr"/>
+                      <a:r>
+                        <a:rPr lang="en-US" dirty="0" smtClean="0"/>
+                        <a:t>0</a:t>
+                      </a:r>
+                      <a:endParaRPr lang="en-US" dirty="0"/>
+                    </a:p>
+                  </a:txBody>
+                  <a:tcPr/>
+                </a:tc>
+                <a:tc>
+                  <a:txBody>
+                    <a:bodyPr/>
+                    <a:lstStyle/>
+                    <a:p>
+                      <a:pPr algn="ctr"/>
+                      <a:r>
+                        <a:rPr lang="en-US" dirty="0" smtClean="0"/>
+                        <a:t>1</a:t>
+                      </a:r>
+                      <a:endParaRPr lang="en-US" dirty="0"/>
+                    </a:p>
+                  </a:txBody>
+                  <a:tcPr/>
+                </a:tc>
+                <a:tc>
+                  <a:txBody>
+                    <a:bodyPr/>
+                    <a:lstStyle/>
+                    <a:p>
+                      <a:pPr algn="ctr"/>
+                      <a:r>
+                        <a:rPr lang="en-US" dirty="0" smtClean="0"/>
+                        <a:t>Route’s id</a:t>
+                      </a:r>
+                      <a:endParaRPr lang="en-US" dirty="0"/>
+                    </a:p>
+                  </a:txBody>
+                  <a:tcPr/>
+                </a:tc>
+              </a:tr>
+              <a:tr h="175260">
+                <a:tc>
+                  <a:txBody>
+                    <a:bodyPr/>
+                    <a:lstStyle/>
+                    <a:p>
+                      <a:pPr algn="ctr"/>
+                      <a:r>
+                        <a:rPr lang="en-US" dirty="0" smtClean="0"/>
+                        <a:t>1</a:t>
+                      </a:r>
+                      <a:endParaRPr lang="en-US" dirty="0"/>
+                    </a:p>
+                  </a:txBody>
+                  <a:tcPr/>
+                </a:tc>
+                <a:tc>
+                  <a:txBody>
+                    <a:bodyPr/>
+                    <a:lstStyle/>
+                    <a:p>
+                      <a:pPr algn="ctr"/>
+                      <a:r>
+                        <a:rPr lang="en-US" dirty="0" smtClean="0"/>
+                        <a:t>8999</a:t>
+                      </a:r>
+                      <a:endParaRPr lang="en-US" dirty="0"/>
+                    </a:p>
+                  </a:txBody>
+                  <a:tcPr/>
+                </a:tc>
+                <a:tc>
+                  <a:txBody>
+                    <a:bodyPr/>
+                    <a:lstStyle/>
+                    <a:p>
+                      <a:pPr algn="ctr"/>
+                      <a:r>
+                        <a:rPr lang="en-US" dirty="0" smtClean="0"/>
+                        <a:t>Stop station’s ID</a:t>
+                      </a:r>
+                      <a:endParaRPr lang="en-US" dirty="0"/>
+                    </a:p>
+                  </a:txBody>
+                  <a:tcPr/>
+                </a:tc>
+              </a:tr>
+              <a:tr h="175260">
+                <a:tc>
+                  <a:txBody>
+                    <a:bodyPr/>
+                    <a:lstStyle/>
+                    <a:p>
+                      <a:pPr algn="ctr"/>
+                      <a:r>
+                        <a:rPr lang="en-US" dirty="0" smtClean="0"/>
+                        <a:t>2</a:t>
+                      </a:r>
+                      <a:endParaRPr lang="en-US" dirty="0"/>
+                    </a:p>
+                  </a:txBody>
+                  <a:tcPr/>
+                </a:tc>
+                <a:tc>
+                  <a:txBody>
+                    <a:bodyPr/>
+                    <a:lstStyle/>
+                    <a:p>
+                      <a:pPr algn="ctr"/>
+                      <a:r>
+                        <a:rPr lang="en-US" dirty="0" smtClean="0"/>
+                        <a:t>8994</a:t>
+                      </a:r>
+                      <a:endParaRPr lang="en-US" dirty="0"/>
+                    </a:p>
+                  </a:txBody>
+                  <a:tcPr/>
+                </a:tc>
+                <a:tc>
+                  <a:txBody>
+                    <a:bodyPr/>
+                    <a:lstStyle/>
+                    <a:p>
+                      <a:pPr algn="ctr"/>
+                      <a:r>
+                        <a:rPr lang="en-US" dirty="0" smtClean="0"/>
+                        <a:t>Stop station’s ID</a:t>
+                      </a:r>
+                      <a:endParaRPr lang="en-US" dirty="0"/>
+                    </a:p>
+                  </a:txBody>
+                  <a:tcPr/>
+                </a:tc>
+              </a:tr>
+              <a:tr h="306705">
+                <a:tc>
+                  <a:txBody>
+                    <a:bodyPr/>
+                    <a:lstStyle/>
+                    <a:p>
+                      <a:pPr algn="ctr"/>
+                      <a:r>
+                        <a:rPr lang="en-US" dirty="0" smtClean="0"/>
+                        <a:t>3</a:t>
+                      </a:r>
+                      <a:endParaRPr lang="en-US" dirty="0"/>
+                    </a:p>
+                  </a:txBody>
+                  <a:tcPr/>
+                </a:tc>
+                <a:tc>
+                  <a:txBody>
+                    <a:bodyPr/>
+                    <a:lstStyle/>
+                    <a:p>
+                      <a:pPr algn="ctr"/>
+                      <a:r>
+                        <a:rPr lang="en-US" sz="1800" b="0" i="0" kern="1200" dirty="0" smtClean="0">
+                          <a:solidFill>
+                            <a:schemeClr val="dk1"/>
+                          </a:solidFill>
+                          <a:effectLst/>
+                          <a:latin typeface="+mn-lt"/>
+                          <a:ea typeface="+mn-ea"/>
+                          <a:cs typeface="+mn-cs"/>
+                        </a:rPr>
+                        <a:t>106.70589000000001,10.776800000000001</a:t>
+                      </a:r>
+                      <a:endParaRPr lang="en-US" dirty="0"/>
+                    </a:p>
+                  </a:txBody>
+                  <a:tcPr/>
+                </a:tc>
+                <a:tc>
+                  <a:txBody>
+                    <a:bodyPr/>
+                    <a:lstStyle/>
+                    <a:p>
+                      <a:pPr algn="ctr"/>
+                      <a:r>
+                        <a:rPr lang="en-US" dirty="0" smtClean="0"/>
+                        <a:t>Middle points</a:t>
+                      </a:r>
+                      <a:endParaRPr lang="en-US" dirty="0"/>
+                    </a:p>
+                  </a:txBody>
+                  <a:tcPr/>
+                </a:tc>
+              </a:tr>
+              <a:tr h="175260">
+                <a:tc>
+                  <a:txBody>
+                    <a:bodyPr/>
+                    <a:lstStyle/>
+                    <a:p>
+                      <a:pPr algn="ctr"/>
+                      <a:r>
+                        <a:rPr lang="en-US" dirty="0" smtClean="0"/>
+                        <a:t>4</a:t>
+                      </a:r>
+                      <a:endParaRPr lang="en-US" dirty="0"/>
+                    </a:p>
+                  </a:txBody>
+                  <a:tcPr/>
+                </a:tc>
+                <a:tc>
+                  <a:txBody>
+                    <a:bodyPr/>
+                    <a:lstStyle/>
+                    <a:p>
+                      <a:pPr algn="ctr"/>
+                      <a:r>
+                        <a:rPr lang="en-US" dirty="0" smtClean="0"/>
+                        <a:t>True</a:t>
+                      </a:r>
+                      <a:endParaRPr lang="en-US" dirty="0"/>
+                    </a:p>
+                  </a:txBody>
+                  <a:tcPr/>
+                </a:tc>
+                <a:tc>
+                  <a:txBody>
+                    <a:bodyPr/>
+                    <a:lstStyle/>
+                    <a:p>
+                      <a:pPr algn="ctr"/>
+                      <a:r>
+                        <a:rPr lang="en-US" dirty="0" smtClean="0"/>
+                        <a:t>Turn</a:t>
+                      </a:r>
+                      <a:r>
+                        <a:rPr lang="en-US" baseline="0" dirty="0" smtClean="0"/>
+                        <a:t> (</a:t>
+                      </a:r>
+                      <a:r>
+                        <a:rPr lang="en-US" baseline="0" dirty="0" err="1" smtClean="0"/>
+                        <a:t>isgo</a:t>
+                      </a:r>
+                      <a:r>
+                        <a:rPr lang="en-US" baseline="0" dirty="0" smtClean="0"/>
+                        <a:t> parameter)</a:t>
+                      </a:r>
+                      <a:endParaRPr lang="en-US" dirty="0"/>
+                    </a:p>
+                  </a:txBody>
+                  <a:tcPr/>
+                </a:tc>
+              </a:tr>
+              <a:tr h="175260">
+                <a:tc>
+                  <a:txBody>
+                    <a:bodyPr/>
+                    <a:lstStyle/>
+                    <a:p>
+                      <a:pPr algn="ctr"/>
+                      <a:r>
+                        <a:rPr lang="en-US" dirty="0" smtClean="0"/>
+                        <a:t>5</a:t>
+                      </a:r>
+                      <a:endParaRPr lang="en-US" dirty="0"/>
+                    </a:p>
+                  </a:txBody>
+                  <a:tcPr/>
+                </a:tc>
+                <a:tc>
+                  <a:txBody>
+                    <a:bodyPr/>
+                    <a:lstStyle/>
+                    <a:p>
+                      <a:pPr algn="ctr"/>
+                      <a:r>
+                        <a:rPr lang="en-US" sz="1800" b="0" i="0" kern="1200" dirty="0" smtClean="0">
+                          <a:solidFill>
+                            <a:schemeClr val="dk1"/>
+                          </a:solidFill>
+                          <a:effectLst/>
+                          <a:latin typeface="+mn-lt"/>
+                          <a:ea typeface="+mn-ea"/>
+                          <a:cs typeface="+mn-cs"/>
+                        </a:rPr>
+                        <a:t>1</a:t>
+                      </a:r>
+                      <a:endParaRPr lang="en-US" dirty="0"/>
+                    </a:p>
+                  </a:txBody>
+                  <a:tcPr/>
+                </a:tc>
+                <a:tc>
+                  <a:txBody>
+                    <a:bodyPr/>
+                    <a:lstStyle/>
+                    <a:p>
+                      <a:pPr algn="ctr"/>
+                      <a:r>
+                        <a:rPr lang="en-US" dirty="0" smtClean="0"/>
+                        <a:t>Order</a:t>
+                      </a:r>
+                      <a:r>
+                        <a:rPr lang="en-US" baseline="0" dirty="0" smtClean="0"/>
+                        <a:t> in route</a:t>
+                      </a:r>
+                      <a:endParaRPr lang="en-US" dirty="0"/>
+                    </a:p>
+                  </a:txBody>
+                  <a:tcPr/>
+                </a:tc>
+              </a:tr>
+              <a:tr h="175260">
+                <a:tc>
+                  <a:txBody>
+                    <a:bodyPr/>
+                    <a:lstStyle/>
+                    <a:p>
+                      <a:pPr algn="ctr"/>
+                      <a:r>
+                        <a:rPr lang="en-US" dirty="0" smtClean="0"/>
+                        <a:t>6</a:t>
+                      </a:r>
+                      <a:endParaRPr lang="en-US" dirty="0"/>
+                    </a:p>
+                  </a:txBody>
+                  <a:tcPr/>
+                </a:tc>
+                <a:tc>
+                  <a:txBody>
+                    <a:bodyPr/>
+                    <a:lstStyle/>
+                    <a:p>
+                      <a:pPr algn="ctr"/>
+                      <a:r>
+                        <a:rPr lang="en-US" sz="1800" b="0" i="0" kern="1200" dirty="0" smtClean="0">
+                          <a:solidFill>
+                            <a:schemeClr val="dk1"/>
+                          </a:solidFill>
+                          <a:effectLst/>
+                          <a:latin typeface="+mn-lt"/>
+                          <a:ea typeface="+mn-ea"/>
+                          <a:cs typeface="+mn-cs"/>
+                        </a:rPr>
+                        <a:t>468.747807122203</a:t>
+                      </a:r>
+                      <a:endParaRPr lang="en-US" dirty="0"/>
+                    </a:p>
+                  </a:txBody>
+                  <a:tcPr/>
+                </a:tc>
+                <a:tc>
+                  <a:txBody>
+                    <a:bodyPr/>
+                    <a:lstStyle/>
+                    <a:p>
+                      <a:pPr algn="ctr"/>
+                      <a:r>
+                        <a:rPr lang="en-US" dirty="0" smtClean="0"/>
+                        <a:t>Distance</a:t>
+                      </a:r>
+                      <a:endParaRPr lang="en-US" dirty="0"/>
+                    </a:p>
+                  </a:txBody>
+                  <a:tcPr/>
+                </a:tc>
+              </a:tr>
+              <a:tr h="175260">
+                <a:tc>
+                  <a:txBody>
+                    <a:bodyPr/>
+                    <a:lstStyle/>
+                    <a:p>
+                      <a:pPr algn="ctr"/>
+                      <a:r>
+                        <a:rPr lang="en-US" dirty="0" smtClean="0"/>
+                        <a:t>7</a:t>
+                      </a:r>
+                      <a:endParaRPr lang="en-US" dirty="0"/>
+                    </a:p>
+                  </a:txBody>
+                  <a:tcPr/>
+                </a:tc>
+                <a:tc>
+                  <a:txBody>
+                    <a:bodyPr/>
+                    <a:lstStyle/>
+                    <a:p>
+                      <a:pPr algn="ctr"/>
+                      <a:r>
+                        <a:rPr lang="vi-VN" sz="1800" b="0" i="0" kern="1200" dirty="0" smtClean="0">
+                          <a:solidFill>
+                            <a:schemeClr val="dk1"/>
+                          </a:solidFill>
+                          <a:effectLst/>
+                          <a:latin typeface="+mn-lt"/>
+                          <a:ea typeface="+mn-ea"/>
+                          <a:cs typeface="+mn-cs"/>
+                        </a:rPr>
+                        <a:t>Công Trường Mê Linh</a:t>
+                      </a:r>
+                      <a:endParaRPr lang="en-US" dirty="0"/>
+                    </a:p>
+                  </a:txBody>
+                  <a:tcPr/>
+                </a:tc>
+                <a:tc>
+                  <a:txBody>
+                    <a:bodyPr/>
+                    <a:lstStyle/>
+                    <a:p>
+                      <a:pPr algn="ctr"/>
+                      <a:r>
+                        <a:rPr lang="en-US" dirty="0" smtClean="0"/>
+                        <a:t>Start station’s name</a:t>
+                      </a:r>
+                      <a:endParaRPr lang="en-US" dirty="0"/>
+                    </a:p>
+                  </a:txBody>
+                  <a:tcPr/>
+                </a:tc>
+              </a:tr>
+              <a:tr h="175260">
+                <a:tc>
+                  <a:txBody>
+                    <a:bodyPr/>
+                    <a:lstStyle/>
+                    <a:p>
+                      <a:pPr algn="ctr"/>
+                      <a:r>
+                        <a:rPr lang="en-US" dirty="0" smtClean="0"/>
+                        <a:t>8</a:t>
+                      </a:r>
+                      <a:endParaRPr lang="en-US" dirty="0"/>
+                    </a:p>
+                  </a:txBody>
+                  <a:tcPr/>
+                </a:tc>
+                <a:tc>
+                  <a:txBody>
+                    <a:bodyPr/>
+                    <a:lstStyle/>
+                    <a:p>
+                      <a:pPr algn="ctr"/>
+                      <a:r>
+                        <a:rPr lang="en-US" sz="1800" b="0" i="0" kern="1200" dirty="0" smtClean="0">
+                          <a:solidFill>
+                            <a:schemeClr val="dk1"/>
+                          </a:solidFill>
+                          <a:effectLst/>
+                          <a:latin typeface="+mn-lt"/>
+                          <a:ea typeface="+mn-ea"/>
+                          <a:cs typeface="+mn-cs"/>
+                        </a:rPr>
+                        <a:t>106.705856990563</a:t>
+                      </a:r>
+                      <a:endParaRPr lang="en-US" dirty="0"/>
+                    </a:p>
+                  </a:txBody>
+                  <a:tcPr/>
+                </a:tc>
+                <a:tc>
+                  <a:txBody>
+                    <a:bodyPr/>
+                    <a:lstStyle/>
+                    <a:p>
+                      <a:pPr algn="ctr"/>
+                      <a:r>
+                        <a:rPr lang="en-US" dirty="0" smtClean="0"/>
+                        <a:t>Start station’s longitude</a:t>
+                      </a:r>
+                      <a:endParaRPr lang="en-US" dirty="0"/>
+                    </a:p>
+                  </a:txBody>
+                  <a:tcPr/>
+                </a:tc>
+              </a:tr>
+              <a:tr h="175260">
+                <a:tc>
+                  <a:txBody>
+                    <a:bodyPr/>
+                    <a:lstStyle/>
+                    <a:p>
+                      <a:pPr algn="ctr"/>
+                      <a:r>
+                        <a:rPr lang="en-US" dirty="0" smtClean="0"/>
+                        <a:t>9</a:t>
+                      </a:r>
+                      <a:endParaRPr lang="en-US" dirty="0"/>
+                    </a:p>
+                  </a:txBody>
+                  <a:tcPr/>
+                </a:tc>
+                <a:tc>
+                  <a:txBody>
+                    <a:bodyPr/>
+                    <a:lstStyle/>
+                    <a:p>
+                      <a:pPr algn="ctr"/>
+                      <a:r>
+                        <a:rPr lang="en-US" sz="1800" b="0" i="0" kern="1200" dirty="0" smtClean="0">
+                          <a:solidFill>
+                            <a:schemeClr val="dk1"/>
+                          </a:solidFill>
+                          <a:effectLst/>
+                          <a:latin typeface="+mn-lt"/>
+                          <a:ea typeface="+mn-ea"/>
+                          <a:cs typeface="+mn-cs"/>
+                        </a:rPr>
+                        <a:t>10.7767894851893</a:t>
+                      </a:r>
+                      <a:endParaRPr lang="en-US" dirty="0"/>
+                    </a:p>
+                  </a:txBody>
+                  <a:tcPr/>
+                </a:tc>
+                <a:tc>
+                  <a:txBody>
+                    <a:bodyPr/>
+                    <a:lstStyle/>
+                    <a:p>
+                      <a:pPr algn="ctr"/>
+                      <a:r>
+                        <a:rPr lang="en-US" dirty="0" smtClean="0"/>
+                        <a:t>Start station’s latitude</a:t>
+                      </a:r>
+                      <a:endParaRPr lang="en-US" dirty="0"/>
+                    </a:p>
+                  </a:txBody>
+                  <a:tcPr/>
+                </a:tc>
+              </a:tr>
+              <a:tr h="306705">
+                <a:tc>
+                  <a:txBody>
+                    <a:bodyPr/>
+                    <a:lstStyle/>
+                    <a:p>
+                      <a:pPr algn="ctr"/>
+                      <a:r>
+                        <a:rPr lang="en-US" dirty="0" smtClean="0"/>
+                        <a:t>10</a:t>
+                      </a:r>
+                      <a:endParaRPr lang="en-US" dirty="0"/>
+                    </a:p>
+                  </a:txBody>
+                  <a:tcPr/>
+                </a:tc>
+                <a:tc>
+                  <a:txBody>
+                    <a:bodyPr/>
+                    <a:lstStyle/>
+                    <a:p>
+                      <a:pPr algn="ctr"/>
+                      <a:r>
+                        <a:rPr lang="en-US" sz="1800" b="0" i="0" kern="1200" dirty="0" smtClean="0">
+                          <a:solidFill>
+                            <a:schemeClr val="dk1"/>
+                          </a:solidFill>
+                          <a:effectLst/>
+                          <a:latin typeface="+mn-lt"/>
+                          <a:ea typeface="+mn-ea"/>
+                          <a:cs typeface="+mn-cs"/>
+                        </a:rPr>
+                        <a:t>01</a:t>
+                      </a:r>
+                      <a:endParaRPr lang="en-US" dirty="0"/>
+                    </a:p>
+                  </a:txBody>
+                  <a:tcPr/>
+                </a:tc>
+                <a:tc>
+                  <a:txBody>
+                    <a:bodyPr/>
+                    <a:lstStyle/>
+                    <a:p>
+                      <a:pPr algn="ctr"/>
+                      <a:r>
+                        <a:rPr lang="en-US" dirty="0" smtClean="0"/>
+                        <a:t>Bus number</a:t>
+                      </a:r>
+                      <a:endParaRPr lang="en-US" dirty="0"/>
+                    </a:p>
+                  </a:txBody>
+                  <a:tcPr/>
+                </a:tc>
+              </a:tr>
+              <a:tr h="306705">
+                <a:tc>
+                  <a:txBody>
+                    <a:bodyPr/>
+                    <a:lstStyle/>
+                    <a:p>
+                      <a:pPr algn="ctr"/>
+                      <a:r>
+                        <a:rPr lang="en-US" dirty="0" smtClean="0"/>
+                        <a:t>11</a:t>
+                      </a:r>
+                      <a:endParaRPr lang="en-US" dirty="0"/>
+                    </a:p>
+                  </a:txBody>
+                  <a:tcPr/>
+                </a:tc>
+                <a:tc>
+                  <a:txBody>
+                    <a:bodyPr/>
+                    <a:lstStyle/>
+                    <a:p>
+                      <a:pPr algn="ctr"/>
+                      <a:r>
+                        <a:rPr lang="en-US" sz="1800" b="0" i="0" kern="1200" dirty="0" err="1" smtClean="0">
+                          <a:solidFill>
+                            <a:schemeClr val="dk1"/>
+                          </a:solidFill>
+                          <a:effectLst/>
+                          <a:latin typeface="+mn-lt"/>
+                          <a:ea typeface="+mn-ea"/>
+                          <a:cs typeface="+mn-cs"/>
+                        </a:rPr>
+                        <a:t>Bến</a:t>
+                      </a:r>
+                      <a:r>
+                        <a:rPr lang="en-US" sz="1800" b="0" i="0" kern="1200" dirty="0" smtClean="0">
+                          <a:solidFill>
+                            <a:schemeClr val="dk1"/>
+                          </a:solidFill>
+                          <a:effectLst/>
+                          <a:latin typeface="+mn-lt"/>
+                          <a:ea typeface="+mn-ea"/>
+                          <a:cs typeface="+mn-cs"/>
+                        </a:rPr>
+                        <a:t> </a:t>
+                      </a:r>
+                      <a:r>
+                        <a:rPr lang="en-US" sz="1800" b="0" i="0" kern="1200" dirty="0" err="1" smtClean="0">
+                          <a:solidFill>
+                            <a:schemeClr val="dk1"/>
+                          </a:solidFill>
+                          <a:effectLst/>
+                          <a:latin typeface="+mn-lt"/>
+                          <a:ea typeface="+mn-ea"/>
+                          <a:cs typeface="+mn-cs"/>
+                        </a:rPr>
+                        <a:t>Thành</a:t>
+                      </a:r>
+                      <a:r>
+                        <a:rPr lang="en-US" sz="1800" b="0" i="0" kern="1200" dirty="0" smtClean="0">
+                          <a:solidFill>
+                            <a:schemeClr val="dk1"/>
+                          </a:solidFill>
+                          <a:effectLst/>
+                          <a:latin typeface="+mn-lt"/>
+                          <a:ea typeface="+mn-ea"/>
+                          <a:cs typeface="+mn-cs"/>
+                        </a:rPr>
+                        <a:t>- BX </a:t>
+                      </a:r>
+                      <a:r>
+                        <a:rPr lang="en-US" sz="1800" b="0" i="0" kern="1200" dirty="0" err="1" smtClean="0">
+                          <a:solidFill>
+                            <a:schemeClr val="dk1"/>
+                          </a:solidFill>
+                          <a:effectLst/>
+                          <a:latin typeface="+mn-lt"/>
+                          <a:ea typeface="+mn-ea"/>
+                          <a:cs typeface="+mn-cs"/>
+                        </a:rPr>
+                        <a:t>Chợ</a:t>
+                      </a:r>
+                      <a:r>
+                        <a:rPr lang="en-US" sz="1800" b="0" i="0" kern="1200" dirty="0" smtClean="0">
+                          <a:solidFill>
+                            <a:schemeClr val="dk1"/>
+                          </a:solidFill>
+                          <a:effectLst/>
+                          <a:latin typeface="+mn-lt"/>
+                          <a:ea typeface="+mn-ea"/>
+                          <a:cs typeface="+mn-cs"/>
+                        </a:rPr>
+                        <a:t> </a:t>
+                      </a:r>
+                      <a:r>
+                        <a:rPr lang="en-US" sz="1800" b="0" i="0" kern="1200" dirty="0" err="1" smtClean="0">
+                          <a:solidFill>
+                            <a:schemeClr val="dk1"/>
+                          </a:solidFill>
+                          <a:effectLst/>
+                          <a:latin typeface="+mn-lt"/>
+                          <a:ea typeface="+mn-ea"/>
+                          <a:cs typeface="+mn-cs"/>
+                        </a:rPr>
+                        <a:t>Lớn</a:t>
+                      </a:r>
+                      <a:endParaRPr lang="en-US" dirty="0"/>
+                    </a:p>
+                  </a:txBody>
+                  <a:tcPr/>
+                </a:tc>
+                <a:tc>
+                  <a:txBody>
+                    <a:bodyPr/>
+                    <a:lstStyle/>
+                    <a:p>
+                      <a:pPr algn="ctr"/>
+                      <a:r>
+                        <a:rPr lang="en-US" dirty="0" smtClean="0"/>
+                        <a:t>Bus name</a:t>
+                      </a:r>
+                      <a:endParaRPr lang="en-US" dirty="0"/>
+                    </a:p>
+                  </a:txBody>
+                  <a:tcPr/>
+                </a:tc>
+              </a:tr>
+              <a:tr h="306705">
+                <a:tc>
+                  <a:txBody>
+                    <a:bodyPr/>
+                    <a:lstStyle/>
+                    <a:p>
+                      <a:pPr algn="ctr"/>
+                      <a:r>
+                        <a:rPr lang="en-US" dirty="0" smtClean="0"/>
+                        <a:t>12</a:t>
+                      </a:r>
+                      <a:endParaRPr lang="en-US" dirty="0"/>
+                    </a:p>
+                  </a:txBody>
+                  <a:tcPr/>
+                </a:tc>
+                <a:tc>
+                  <a:txBody>
+                    <a:bodyPr/>
+                    <a:lstStyle/>
+                    <a:p>
+                      <a:pPr algn="ctr"/>
+                      <a:r>
+                        <a:rPr lang="vi-VN" sz="1800" b="0" i="0" kern="1200" dirty="0" smtClean="0">
+                          <a:solidFill>
+                            <a:schemeClr val="dk1"/>
+                          </a:solidFill>
+                          <a:effectLst/>
+                          <a:latin typeface="+mn-lt"/>
+                          <a:ea typeface="+mn-ea"/>
+                          <a:cs typeface="+mn-cs"/>
+                        </a:rPr>
+                        <a:t>Công trường Mê Linh, Thi Sách, Quận 1</a:t>
+                      </a:r>
+                      <a:endParaRPr lang="en-US" dirty="0"/>
+                    </a:p>
+                  </a:txBody>
+                  <a:tcPr/>
+                </a:tc>
+                <a:tc>
+                  <a:txBody>
+                    <a:bodyPr/>
+                    <a:lstStyle/>
+                    <a:p>
+                      <a:pPr algn="ctr"/>
+                      <a:r>
+                        <a:rPr lang="en-US" dirty="0" smtClean="0"/>
+                        <a:t>Start</a:t>
+                      </a:r>
+                      <a:r>
+                        <a:rPr lang="en-US" baseline="0" dirty="0" smtClean="0"/>
+                        <a:t> station’s address</a:t>
+                      </a:r>
+                      <a:endParaRPr lang="en-US" dirty="0"/>
+                    </a:p>
+                  </a:txBody>
+                  <a:tcPr/>
+                </a:tc>
+              </a:tr>
+              <a:tr h="306705">
+                <a:tc>
+                  <a:txBody>
+                    <a:bodyPr/>
+                    <a:lstStyle/>
+                    <a:p>
+                      <a:pPr algn="ctr"/>
+                      <a:r>
+                        <a:rPr lang="en-US" dirty="0" smtClean="0"/>
+                        <a:t>13</a:t>
+                      </a:r>
+                      <a:endParaRPr lang="en-US" dirty="0"/>
+                    </a:p>
+                  </a:txBody>
+                  <a:tcPr/>
+                </a:tc>
+                <a:tc>
+                  <a:txBody>
+                    <a:bodyPr/>
+                    <a:lstStyle/>
+                    <a:p>
+                      <a:pPr algn="ctr"/>
+                      <a:r>
+                        <a:rPr lang="en-US" sz="1800" b="0" i="0" kern="1200" dirty="0" smtClean="0">
+                          <a:solidFill>
+                            <a:schemeClr val="dk1"/>
+                          </a:solidFill>
+                          <a:effectLst/>
+                          <a:latin typeface="+mn-lt"/>
+                          <a:ea typeface="+mn-ea"/>
+                          <a:cs typeface="+mn-cs"/>
+                        </a:rPr>
+                        <a:t>BX06</a:t>
+                      </a:r>
+                      <a:endParaRPr lang="en-US" dirty="0"/>
+                    </a:p>
+                  </a:txBody>
+                  <a:tcPr/>
+                </a:tc>
+                <a:tc>
+                  <a:txBody>
+                    <a:bodyPr/>
+                    <a:lstStyle/>
+                    <a:p>
+                      <a:pPr algn="ctr"/>
+                      <a:r>
+                        <a:rPr lang="en-US" dirty="0" smtClean="0"/>
+                        <a:t>Start station’s code</a:t>
+                      </a:r>
+                      <a:endParaRPr lang="en-US" dirty="0"/>
+                    </a:p>
+                  </a:txBody>
+                  <a:tcPr/>
+                </a:tc>
+              </a:tr>
+            </a:tbl>
+          </a:graphicData>
+        </a:graphic>
+      </p:graphicFrame>
+      <p:sp>
+        <p:nvSpPr>
+          <p:cNvPr id="6" name="Rectangle 5"/>
+          <p:cNvSpPr/>
+          <p:nvPr/>
+        </p:nvSpPr>
+        <p:spPr>
+          <a:xfrm>
+            <a:off x="769620" y="5867400"/>
+            <a:ext cx="7490460" cy="369332"/>
+          </a:xfrm>
+          <a:prstGeom prst="rect">
+            <a:avLst/>
+          </a:prstGeom>
+        </p:spPr>
+        <p:txBody>
+          <a:bodyPr wrap="square">
+            <a:spAutoFit/>
+          </a:bodyPr>
+          <a:lstStyle/>
+          <a:p>
+            <a:r>
+              <a:rPr lang="en-US" dirty="0" smtClean="0"/>
+              <a:t>http://mapbus.ebms.vn/ajax.aspx?action=listRouteStations&amp;</a:t>
+            </a:r>
+            <a:r>
+              <a:rPr lang="en-US" dirty="0" smtClean="0">
+                <a:solidFill>
+                  <a:srgbClr val="FF0000"/>
+                </a:solidFill>
+              </a:rPr>
+              <a:t>rid=1</a:t>
+            </a:r>
+            <a:r>
+              <a:rPr lang="en-US" dirty="0" smtClean="0"/>
+              <a:t>&amp;</a:t>
+            </a:r>
+            <a:r>
+              <a:rPr lang="en-US" dirty="0" smtClean="0">
+                <a:solidFill>
+                  <a:srgbClr val="FF0000"/>
+                </a:solidFill>
+              </a:rPr>
+              <a:t>isgo=true</a:t>
+            </a:r>
+            <a:endParaRPr lang="en-US" dirty="0">
+              <a:solidFill>
+                <a:srgbClr val="FF0000"/>
+              </a:solidFill>
+            </a:endParaRPr>
+          </a:p>
+        </p:txBody>
+      </p:sp>
+    </p:spTree>
+    <p:extLst>
+      <p:ext uri="{BB962C8B-B14F-4D97-AF65-F5344CB8AC3E}">
+        <p14:creationId xmlns:p14="http://schemas.microsoft.com/office/powerpoint/2010/main" val="1894702267"/>
+      </p:ext>
+    </p:extLst>
+  </p:cSld>
+  <p:clrMapOvr>
+    <a:masterClrMapping/>
+  </p:clrMapOvr>
+  <p:timing>
+    <p:tnLst>
+      <p:par>
+        <p:cTn id="1" dur="indefinite" restart="never" nodeType="tmRoot"/>
+      </p:par>
+    </p:tnLst>
+  </p:timing>
+</p:sld>
+</file>
+
+<file path=ppt/slides/slide30.xml><?xml version="1.0" encoding="utf-8"?>
 <p:sld xmlns:a="http://schemas.openxmlformats.org/drawingml/2006/main" xmlns:r="http://schemas.openxmlformats.org/officeDocument/2006/relationships" xmlns:p="http://schemas.openxmlformats.org/presentationml/2006/main">
   <p:cSld>
     <p:spTree>
@@ -13232,7 +16936,7 @@
 </p:sld>
 </file>
 
-<file path=ppt/slides/slide27.xml><?xml version="1.0" encoding="utf-8"?>
+<file path=ppt/slides/slide31.xml><?xml version="1.0" encoding="utf-8"?>
 <p:sld xmlns:a="http://schemas.openxmlformats.org/drawingml/2006/main" xmlns:r="http://schemas.openxmlformats.org/officeDocument/2006/relationships" xmlns:p="http://schemas.openxmlformats.org/presentationml/2006/main">
   <p:cSld>
     <p:spTree>
@@ -13693,7 +17397,7 @@
 </p:sld>
 </file>
 
-<file path=ppt/slides/slide28.xml><?xml version="1.0" encoding="utf-8"?>
+<file path=ppt/slides/slide32.xml><?xml version="1.0" encoding="utf-8"?>
 <p:sld xmlns:a="http://schemas.openxmlformats.org/drawingml/2006/main" xmlns:r="http://schemas.openxmlformats.org/officeDocument/2006/relationships" xmlns:p="http://schemas.openxmlformats.org/presentationml/2006/main">
   <p:cSld>
     <p:spTree>
@@ -15048,1006 +18752,6 @@
 </p:sld>
 </file>
 
-<file path=ppt/slides/slide3.xml><?xml version="1.0" encoding="utf-8"?>
-<p:sld xmlns:a="http://schemas.openxmlformats.org/drawingml/2006/main" xmlns:r="http://schemas.openxmlformats.org/officeDocument/2006/relationships" xmlns:p="http://schemas.openxmlformats.org/presentationml/2006/main">
-  <p:cSld>
-    <p:spTree>
-      <p:nvGrpSpPr>
-        <p:cNvPr id="1" name=""/>
-        <p:cNvGrpSpPr/>
-        <p:nvPr/>
-      </p:nvGrpSpPr>
-      <p:grpSpPr>
-        <a:xfrm>
-          <a:off x="0" y="0"/>
-          <a:ext cx="0" cy="0"/>
-          <a:chOff x="0" y="0"/>
-          <a:chExt cx="0" cy="0"/>
-        </a:xfrm>
-      </p:grpSpPr>
-      <p:graphicFrame>
-        <p:nvGraphicFramePr>
-          <p:cNvPr id="4" name="Table 3"/>
-          <p:cNvGraphicFramePr>
-            <a:graphicFrameLocks noGrp="1"/>
-          </p:cNvGraphicFramePr>
-          <p:nvPr>
-            <p:extLst>
-              <p:ext uri="{D42A27DB-BD31-4B8C-83A1-F6EECF244321}">
-                <p14:modId xmlns:p14="http://schemas.microsoft.com/office/powerpoint/2010/main" val="3635451886"/>
-              </p:ext>
-            </p:extLst>
-          </p:nvPr>
-        </p:nvGraphicFramePr>
-        <p:xfrm>
-          <a:off x="137160" y="83819"/>
-          <a:ext cx="8557260" cy="5514975"/>
-        </p:xfrm>
-        <a:graphic>
-          <a:graphicData uri="http://schemas.openxmlformats.org/drawingml/2006/table">
-            <a:tbl>
-              <a:tblPr firstRow="1" bandRow="1">
-                <a:tableStyleId>{5C22544A-7EE6-4342-B048-85BDC9FD1C3A}</a:tableStyleId>
-              </a:tblPr>
-              <a:tblGrid>
-                <a:gridCol w="662940"/>
-                <a:gridCol w="4381500"/>
-                <a:gridCol w="3512820"/>
-              </a:tblGrid>
-              <a:tr h="394335">
-                <a:tc>
-                  <a:txBody>
-                    <a:bodyPr/>
-                    <a:lstStyle/>
-                    <a:p>
-                      <a:pPr algn="ctr"/>
-                      <a:r>
-                        <a:rPr lang="en-US" sz="1600" dirty="0" smtClean="0"/>
-                        <a:t>Index</a:t>
-                      </a:r>
-                      <a:endParaRPr lang="en-US" sz="1600" dirty="0"/>
-                    </a:p>
-                  </a:txBody>
-                  <a:tcPr/>
-                </a:tc>
-                <a:tc>
-                  <a:txBody>
-                    <a:bodyPr/>
-                    <a:lstStyle/>
-                    <a:p>
-                      <a:pPr algn="ctr"/>
-                      <a:r>
-                        <a:rPr lang="en-US" dirty="0" smtClean="0"/>
-                        <a:t>Sample value</a:t>
-                      </a:r>
-                      <a:endParaRPr lang="en-US" dirty="0"/>
-                    </a:p>
-                  </a:txBody>
-                  <a:tcPr/>
-                </a:tc>
-                <a:tc>
-                  <a:txBody>
-                    <a:bodyPr/>
-                    <a:lstStyle/>
-                    <a:p>
-                      <a:pPr algn="ctr"/>
-                      <a:r>
-                        <a:rPr lang="en-US" dirty="0" smtClean="0"/>
-                        <a:t>Attribute</a:t>
-                      </a:r>
-                      <a:endParaRPr lang="en-US" dirty="0"/>
-                    </a:p>
-                  </a:txBody>
-                  <a:tcPr/>
-                </a:tc>
-              </a:tr>
-              <a:tr h="175260">
-                <a:tc>
-                  <a:txBody>
-                    <a:bodyPr/>
-                    <a:lstStyle/>
-                    <a:p>
-                      <a:pPr algn="ctr"/>
-                      <a:r>
-                        <a:rPr lang="en-US" dirty="0" smtClean="0"/>
-                        <a:t>0</a:t>
-                      </a:r>
-                      <a:endParaRPr lang="en-US" dirty="0"/>
-                    </a:p>
-                  </a:txBody>
-                  <a:tcPr/>
-                </a:tc>
-                <a:tc>
-                  <a:txBody>
-                    <a:bodyPr/>
-                    <a:lstStyle/>
-                    <a:p>
-                      <a:pPr algn="ctr"/>
-                      <a:r>
-                        <a:rPr lang="en-US" dirty="0" smtClean="0"/>
-                        <a:t>1</a:t>
-                      </a:r>
-                      <a:endParaRPr lang="en-US" dirty="0"/>
-                    </a:p>
-                  </a:txBody>
-                  <a:tcPr/>
-                </a:tc>
-                <a:tc>
-                  <a:txBody>
-                    <a:bodyPr/>
-                    <a:lstStyle/>
-                    <a:p>
-                      <a:pPr algn="ctr"/>
-                      <a:r>
-                        <a:rPr lang="en-US" dirty="0" smtClean="0"/>
-                        <a:t>Route’s id</a:t>
-                      </a:r>
-                      <a:endParaRPr lang="en-US" dirty="0"/>
-                    </a:p>
-                  </a:txBody>
-                  <a:tcPr/>
-                </a:tc>
-              </a:tr>
-              <a:tr h="175260">
-                <a:tc>
-                  <a:txBody>
-                    <a:bodyPr/>
-                    <a:lstStyle/>
-                    <a:p>
-                      <a:pPr algn="ctr"/>
-                      <a:r>
-                        <a:rPr lang="en-US" dirty="0" smtClean="0"/>
-                        <a:t>1</a:t>
-                      </a:r>
-                      <a:endParaRPr lang="en-US" dirty="0"/>
-                    </a:p>
-                  </a:txBody>
-                  <a:tcPr/>
-                </a:tc>
-                <a:tc>
-                  <a:txBody>
-                    <a:bodyPr/>
-                    <a:lstStyle/>
-                    <a:p>
-                      <a:pPr algn="ctr"/>
-                      <a:r>
-                        <a:rPr lang="en-US" dirty="0" smtClean="0"/>
-                        <a:t>8999</a:t>
-                      </a:r>
-                      <a:endParaRPr lang="en-US" dirty="0"/>
-                    </a:p>
-                  </a:txBody>
-                  <a:tcPr/>
-                </a:tc>
-                <a:tc>
-                  <a:txBody>
-                    <a:bodyPr/>
-                    <a:lstStyle/>
-                    <a:p>
-                      <a:pPr algn="ctr"/>
-                      <a:r>
-                        <a:rPr lang="en-US" dirty="0" smtClean="0"/>
-                        <a:t>Stop station’s ID</a:t>
-                      </a:r>
-                      <a:endParaRPr lang="en-US" dirty="0"/>
-                    </a:p>
-                  </a:txBody>
-                  <a:tcPr/>
-                </a:tc>
-              </a:tr>
-              <a:tr h="175260">
-                <a:tc>
-                  <a:txBody>
-                    <a:bodyPr/>
-                    <a:lstStyle/>
-                    <a:p>
-                      <a:pPr algn="ctr"/>
-                      <a:r>
-                        <a:rPr lang="en-US" dirty="0" smtClean="0"/>
-                        <a:t>2</a:t>
-                      </a:r>
-                      <a:endParaRPr lang="en-US" dirty="0"/>
-                    </a:p>
-                  </a:txBody>
-                  <a:tcPr/>
-                </a:tc>
-                <a:tc>
-                  <a:txBody>
-                    <a:bodyPr/>
-                    <a:lstStyle/>
-                    <a:p>
-                      <a:pPr algn="ctr"/>
-                      <a:r>
-                        <a:rPr lang="en-US" dirty="0" smtClean="0"/>
-                        <a:t>8994</a:t>
-                      </a:r>
-                      <a:endParaRPr lang="en-US" dirty="0"/>
-                    </a:p>
-                  </a:txBody>
-                  <a:tcPr/>
-                </a:tc>
-                <a:tc>
-                  <a:txBody>
-                    <a:bodyPr/>
-                    <a:lstStyle/>
-                    <a:p>
-                      <a:pPr algn="ctr"/>
-                      <a:r>
-                        <a:rPr lang="en-US" dirty="0" smtClean="0"/>
-                        <a:t>Stop station’s ID</a:t>
-                      </a:r>
-                      <a:endParaRPr lang="en-US" dirty="0"/>
-                    </a:p>
-                  </a:txBody>
-                  <a:tcPr/>
-                </a:tc>
-              </a:tr>
-              <a:tr h="306705">
-                <a:tc>
-                  <a:txBody>
-                    <a:bodyPr/>
-                    <a:lstStyle/>
-                    <a:p>
-                      <a:pPr algn="ctr"/>
-                      <a:r>
-                        <a:rPr lang="en-US" dirty="0" smtClean="0"/>
-                        <a:t>3</a:t>
-                      </a:r>
-                      <a:endParaRPr lang="en-US" dirty="0"/>
-                    </a:p>
-                  </a:txBody>
-                  <a:tcPr/>
-                </a:tc>
-                <a:tc>
-                  <a:txBody>
-                    <a:bodyPr/>
-                    <a:lstStyle/>
-                    <a:p>
-                      <a:pPr algn="ctr"/>
-                      <a:r>
-                        <a:rPr lang="en-US" sz="1800" b="0" i="0" kern="1200" dirty="0" smtClean="0">
-                          <a:solidFill>
-                            <a:schemeClr val="dk1"/>
-                          </a:solidFill>
-                          <a:effectLst/>
-                          <a:latin typeface="+mn-lt"/>
-                          <a:ea typeface="+mn-ea"/>
-                          <a:cs typeface="+mn-cs"/>
-                        </a:rPr>
-                        <a:t>106.70589000000001,10.776800000000001</a:t>
-                      </a:r>
-                      <a:endParaRPr lang="en-US" dirty="0"/>
-                    </a:p>
-                  </a:txBody>
-                  <a:tcPr/>
-                </a:tc>
-                <a:tc>
-                  <a:txBody>
-                    <a:bodyPr/>
-                    <a:lstStyle/>
-                    <a:p>
-                      <a:pPr algn="ctr"/>
-                      <a:r>
-                        <a:rPr lang="en-US" dirty="0" smtClean="0"/>
-                        <a:t>Middle points</a:t>
-                      </a:r>
-                      <a:endParaRPr lang="en-US" dirty="0"/>
-                    </a:p>
-                  </a:txBody>
-                  <a:tcPr/>
-                </a:tc>
-              </a:tr>
-              <a:tr h="175260">
-                <a:tc>
-                  <a:txBody>
-                    <a:bodyPr/>
-                    <a:lstStyle/>
-                    <a:p>
-                      <a:pPr algn="ctr"/>
-                      <a:r>
-                        <a:rPr lang="en-US" dirty="0" smtClean="0"/>
-                        <a:t>4</a:t>
-                      </a:r>
-                      <a:endParaRPr lang="en-US" dirty="0"/>
-                    </a:p>
-                  </a:txBody>
-                  <a:tcPr/>
-                </a:tc>
-                <a:tc>
-                  <a:txBody>
-                    <a:bodyPr/>
-                    <a:lstStyle/>
-                    <a:p>
-                      <a:pPr algn="ctr"/>
-                      <a:r>
-                        <a:rPr lang="en-US" dirty="0" smtClean="0"/>
-                        <a:t>True</a:t>
-                      </a:r>
-                      <a:endParaRPr lang="en-US" dirty="0"/>
-                    </a:p>
-                  </a:txBody>
-                  <a:tcPr/>
-                </a:tc>
-                <a:tc>
-                  <a:txBody>
-                    <a:bodyPr/>
-                    <a:lstStyle/>
-                    <a:p>
-                      <a:pPr algn="ctr"/>
-                      <a:r>
-                        <a:rPr lang="en-US" dirty="0" smtClean="0"/>
-                        <a:t>Turn</a:t>
-                      </a:r>
-                      <a:r>
-                        <a:rPr lang="en-US" baseline="0" dirty="0" smtClean="0"/>
-                        <a:t> (</a:t>
-                      </a:r>
-                      <a:r>
-                        <a:rPr lang="en-US" baseline="0" dirty="0" err="1" smtClean="0"/>
-                        <a:t>isgo</a:t>
-                      </a:r>
-                      <a:r>
-                        <a:rPr lang="en-US" baseline="0" dirty="0" smtClean="0"/>
-                        <a:t> parameter)</a:t>
-                      </a:r>
-                      <a:endParaRPr lang="en-US" dirty="0"/>
-                    </a:p>
-                  </a:txBody>
-                  <a:tcPr/>
-                </a:tc>
-              </a:tr>
-              <a:tr h="175260">
-                <a:tc>
-                  <a:txBody>
-                    <a:bodyPr/>
-                    <a:lstStyle/>
-                    <a:p>
-                      <a:pPr algn="ctr"/>
-                      <a:r>
-                        <a:rPr lang="en-US" dirty="0" smtClean="0"/>
-                        <a:t>5</a:t>
-                      </a:r>
-                      <a:endParaRPr lang="en-US" dirty="0"/>
-                    </a:p>
-                  </a:txBody>
-                  <a:tcPr/>
-                </a:tc>
-                <a:tc>
-                  <a:txBody>
-                    <a:bodyPr/>
-                    <a:lstStyle/>
-                    <a:p>
-                      <a:pPr algn="ctr"/>
-                      <a:r>
-                        <a:rPr lang="en-US" sz="1800" b="0" i="0" kern="1200" dirty="0" smtClean="0">
-                          <a:solidFill>
-                            <a:schemeClr val="dk1"/>
-                          </a:solidFill>
-                          <a:effectLst/>
-                          <a:latin typeface="+mn-lt"/>
-                          <a:ea typeface="+mn-ea"/>
-                          <a:cs typeface="+mn-cs"/>
-                        </a:rPr>
-                        <a:t>1</a:t>
-                      </a:r>
-                      <a:endParaRPr lang="en-US" dirty="0"/>
-                    </a:p>
-                  </a:txBody>
-                  <a:tcPr/>
-                </a:tc>
-                <a:tc>
-                  <a:txBody>
-                    <a:bodyPr/>
-                    <a:lstStyle/>
-                    <a:p>
-                      <a:pPr algn="ctr"/>
-                      <a:r>
-                        <a:rPr lang="en-US" dirty="0" smtClean="0"/>
-                        <a:t>Order</a:t>
-                      </a:r>
-                      <a:r>
-                        <a:rPr lang="en-US" baseline="0" dirty="0" smtClean="0"/>
-                        <a:t> in route</a:t>
-                      </a:r>
-                      <a:endParaRPr lang="en-US" dirty="0"/>
-                    </a:p>
-                  </a:txBody>
-                  <a:tcPr/>
-                </a:tc>
-              </a:tr>
-              <a:tr h="175260">
-                <a:tc>
-                  <a:txBody>
-                    <a:bodyPr/>
-                    <a:lstStyle/>
-                    <a:p>
-                      <a:pPr algn="ctr"/>
-                      <a:r>
-                        <a:rPr lang="en-US" dirty="0" smtClean="0"/>
-                        <a:t>6</a:t>
-                      </a:r>
-                      <a:endParaRPr lang="en-US" dirty="0"/>
-                    </a:p>
-                  </a:txBody>
-                  <a:tcPr/>
-                </a:tc>
-                <a:tc>
-                  <a:txBody>
-                    <a:bodyPr/>
-                    <a:lstStyle/>
-                    <a:p>
-                      <a:pPr algn="ctr"/>
-                      <a:r>
-                        <a:rPr lang="en-US" sz="1800" b="0" i="0" kern="1200" dirty="0" smtClean="0">
-                          <a:solidFill>
-                            <a:schemeClr val="dk1"/>
-                          </a:solidFill>
-                          <a:effectLst/>
-                          <a:latin typeface="+mn-lt"/>
-                          <a:ea typeface="+mn-ea"/>
-                          <a:cs typeface="+mn-cs"/>
-                        </a:rPr>
-                        <a:t>468.747807122203</a:t>
-                      </a:r>
-                      <a:endParaRPr lang="en-US" dirty="0"/>
-                    </a:p>
-                  </a:txBody>
-                  <a:tcPr/>
-                </a:tc>
-                <a:tc>
-                  <a:txBody>
-                    <a:bodyPr/>
-                    <a:lstStyle/>
-                    <a:p>
-                      <a:pPr algn="ctr"/>
-                      <a:r>
-                        <a:rPr lang="en-US" dirty="0" smtClean="0"/>
-                        <a:t>Distance</a:t>
-                      </a:r>
-                      <a:endParaRPr lang="en-US" dirty="0"/>
-                    </a:p>
-                  </a:txBody>
-                  <a:tcPr/>
-                </a:tc>
-              </a:tr>
-              <a:tr h="175260">
-                <a:tc>
-                  <a:txBody>
-                    <a:bodyPr/>
-                    <a:lstStyle/>
-                    <a:p>
-                      <a:pPr algn="ctr"/>
-                      <a:r>
-                        <a:rPr lang="en-US" dirty="0" smtClean="0"/>
-                        <a:t>7</a:t>
-                      </a:r>
-                      <a:endParaRPr lang="en-US" dirty="0"/>
-                    </a:p>
-                  </a:txBody>
-                  <a:tcPr/>
-                </a:tc>
-                <a:tc>
-                  <a:txBody>
-                    <a:bodyPr/>
-                    <a:lstStyle/>
-                    <a:p>
-                      <a:pPr algn="ctr"/>
-                      <a:r>
-                        <a:rPr lang="vi-VN" sz="1800" b="0" i="0" kern="1200" dirty="0" smtClean="0">
-                          <a:solidFill>
-                            <a:schemeClr val="dk1"/>
-                          </a:solidFill>
-                          <a:effectLst/>
-                          <a:latin typeface="+mn-lt"/>
-                          <a:ea typeface="+mn-ea"/>
-                          <a:cs typeface="+mn-cs"/>
-                        </a:rPr>
-                        <a:t>Công Trường Mê Linh</a:t>
-                      </a:r>
-                      <a:endParaRPr lang="en-US" dirty="0"/>
-                    </a:p>
-                  </a:txBody>
-                  <a:tcPr/>
-                </a:tc>
-                <a:tc>
-                  <a:txBody>
-                    <a:bodyPr/>
-                    <a:lstStyle/>
-                    <a:p>
-                      <a:pPr algn="ctr"/>
-                      <a:r>
-                        <a:rPr lang="en-US" dirty="0" smtClean="0"/>
-                        <a:t>Start station’s name</a:t>
-                      </a:r>
-                      <a:endParaRPr lang="en-US" dirty="0"/>
-                    </a:p>
-                  </a:txBody>
-                  <a:tcPr/>
-                </a:tc>
-              </a:tr>
-              <a:tr h="175260">
-                <a:tc>
-                  <a:txBody>
-                    <a:bodyPr/>
-                    <a:lstStyle/>
-                    <a:p>
-                      <a:pPr algn="ctr"/>
-                      <a:r>
-                        <a:rPr lang="en-US" dirty="0" smtClean="0"/>
-                        <a:t>8</a:t>
-                      </a:r>
-                      <a:endParaRPr lang="en-US" dirty="0"/>
-                    </a:p>
-                  </a:txBody>
-                  <a:tcPr/>
-                </a:tc>
-                <a:tc>
-                  <a:txBody>
-                    <a:bodyPr/>
-                    <a:lstStyle/>
-                    <a:p>
-                      <a:pPr algn="ctr"/>
-                      <a:r>
-                        <a:rPr lang="en-US" sz="1800" b="0" i="0" kern="1200" dirty="0" smtClean="0">
-                          <a:solidFill>
-                            <a:schemeClr val="dk1"/>
-                          </a:solidFill>
-                          <a:effectLst/>
-                          <a:latin typeface="+mn-lt"/>
-                          <a:ea typeface="+mn-ea"/>
-                          <a:cs typeface="+mn-cs"/>
-                        </a:rPr>
-                        <a:t>106.705856990563</a:t>
-                      </a:r>
-                      <a:endParaRPr lang="en-US" dirty="0"/>
-                    </a:p>
-                  </a:txBody>
-                  <a:tcPr/>
-                </a:tc>
-                <a:tc>
-                  <a:txBody>
-                    <a:bodyPr/>
-                    <a:lstStyle/>
-                    <a:p>
-                      <a:pPr algn="ctr"/>
-                      <a:r>
-                        <a:rPr lang="en-US" dirty="0" smtClean="0"/>
-                        <a:t>Start station’s longitude</a:t>
-                      </a:r>
-                      <a:endParaRPr lang="en-US" dirty="0"/>
-                    </a:p>
-                  </a:txBody>
-                  <a:tcPr/>
-                </a:tc>
-              </a:tr>
-              <a:tr h="175260">
-                <a:tc>
-                  <a:txBody>
-                    <a:bodyPr/>
-                    <a:lstStyle/>
-                    <a:p>
-                      <a:pPr algn="ctr"/>
-                      <a:r>
-                        <a:rPr lang="en-US" dirty="0" smtClean="0"/>
-                        <a:t>9</a:t>
-                      </a:r>
-                      <a:endParaRPr lang="en-US" dirty="0"/>
-                    </a:p>
-                  </a:txBody>
-                  <a:tcPr/>
-                </a:tc>
-                <a:tc>
-                  <a:txBody>
-                    <a:bodyPr/>
-                    <a:lstStyle/>
-                    <a:p>
-                      <a:pPr algn="ctr"/>
-                      <a:r>
-                        <a:rPr lang="en-US" sz="1800" b="0" i="0" kern="1200" dirty="0" smtClean="0">
-                          <a:solidFill>
-                            <a:schemeClr val="dk1"/>
-                          </a:solidFill>
-                          <a:effectLst/>
-                          <a:latin typeface="+mn-lt"/>
-                          <a:ea typeface="+mn-ea"/>
-                          <a:cs typeface="+mn-cs"/>
-                        </a:rPr>
-                        <a:t>10.7767894851893</a:t>
-                      </a:r>
-                      <a:endParaRPr lang="en-US" dirty="0"/>
-                    </a:p>
-                  </a:txBody>
-                  <a:tcPr/>
-                </a:tc>
-                <a:tc>
-                  <a:txBody>
-                    <a:bodyPr/>
-                    <a:lstStyle/>
-                    <a:p>
-                      <a:pPr algn="ctr"/>
-                      <a:r>
-                        <a:rPr lang="en-US" dirty="0" smtClean="0"/>
-                        <a:t>Start station’s latitude</a:t>
-                      </a:r>
-                      <a:endParaRPr lang="en-US" dirty="0"/>
-                    </a:p>
-                  </a:txBody>
-                  <a:tcPr/>
-                </a:tc>
-              </a:tr>
-              <a:tr h="306705">
-                <a:tc>
-                  <a:txBody>
-                    <a:bodyPr/>
-                    <a:lstStyle/>
-                    <a:p>
-                      <a:pPr algn="ctr"/>
-                      <a:r>
-                        <a:rPr lang="en-US" dirty="0" smtClean="0"/>
-                        <a:t>10</a:t>
-                      </a:r>
-                      <a:endParaRPr lang="en-US" dirty="0"/>
-                    </a:p>
-                  </a:txBody>
-                  <a:tcPr/>
-                </a:tc>
-                <a:tc>
-                  <a:txBody>
-                    <a:bodyPr/>
-                    <a:lstStyle/>
-                    <a:p>
-                      <a:pPr algn="ctr"/>
-                      <a:r>
-                        <a:rPr lang="en-US" sz="1800" b="0" i="0" kern="1200" dirty="0" smtClean="0">
-                          <a:solidFill>
-                            <a:schemeClr val="dk1"/>
-                          </a:solidFill>
-                          <a:effectLst/>
-                          <a:latin typeface="+mn-lt"/>
-                          <a:ea typeface="+mn-ea"/>
-                          <a:cs typeface="+mn-cs"/>
-                        </a:rPr>
-                        <a:t>01</a:t>
-                      </a:r>
-                      <a:endParaRPr lang="en-US" dirty="0"/>
-                    </a:p>
-                  </a:txBody>
-                  <a:tcPr/>
-                </a:tc>
-                <a:tc>
-                  <a:txBody>
-                    <a:bodyPr/>
-                    <a:lstStyle/>
-                    <a:p>
-                      <a:pPr algn="ctr"/>
-                      <a:r>
-                        <a:rPr lang="en-US" dirty="0" smtClean="0"/>
-                        <a:t>Bus number</a:t>
-                      </a:r>
-                      <a:endParaRPr lang="en-US" dirty="0"/>
-                    </a:p>
-                  </a:txBody>
-                  <a:tcPr/>
-                </a:tc>
-              </a:tr>
-              <a:tr h="306705">
-                <a:tc>
-                  <a:txBody>
-                    <a:bodyPr/>
-                    <a:lstStyle/>
-                    <a:p>
-                      <a:pPr algn="ctr"/>
-                      <a:r>
-                        <a:rPr lang="en-US" dirty="0" smtClean="0"/>
-                        <a:t>11</a:t>
-                      </a:r>
-                      <a:endParaRPr lang="en-US" dirty="0"/>
-                    </a:p>
-                  </a:txBody>
-                  <a:tcPr/>
-                </a:tc>
-                <a:tc>
-                  <a:txBody>
-                    <a:bodyPr/>
-                    <a:lstStyle/>
-                    <a:p>
-                      <a:pPr algn="ctr"/>
-                      <a:r>
-                        <a:rPr lang="en-US" sz="1800" b="0" i="0" kern="1200" dirty="0" err="1" smtClean="0">
-                          <a:solidFill>
-                            <a:schemeClr val="dk1"/>
-                          </a:solidFill>
-                          <a:effectLst/>
-                          <a:latin typeface="+mn-lt"/>
-                          <a:ea typeface="+mn-ea"/>
-                          <a:cs typeface="+mn-cs"/>
-                        </a:rPr>
-                        <a:t>Bến</a:t>
-                      </a:r>
-                      <a:r>
-                        <a:rPr lang="en-US" sz="1800" b="0" i="0" kern="1200" dirty="0" smtClean="0">
-                          <a:solidFill>
-                            <a:schemeClr val="dk1"/>
-                          </a:solidFill>
-                          <a:effectLst/>
-                          <a:latin typeface="+mn-lt"/>
-                          <a:ea typeface="+mn-ea"/>
-                          <a:cs typeface="+mn-cs"/>
-                        </a:rPr>
-                        <a:t> </a:t>
-                      </a:r>
-                      <a:r>
-                        <a:rPr lang="en-US" sz="1800" b="0" i="0" kern="1200" dirty="0" err="1" smtClean="0">
-                          <a:solidFill>
-                            <a:schemeClr val="dk1"/>
-                          </a:solidFill>
-                          <a:effectLst/>
-                          <a:latin typeface="+mn-lt"/>
-                          <a:ea typeface="+mn-ea"/>
-                          <a:cs typeface="+mn-cs"/>
-                        </a:rPr>
-                        <a:t>Thành</a:t>
-                      </a:r>
-                      <a:r>
-                        <a:rPr lang="en-US" sz="1800" b="0" i="0" kern="1200" dirty="0" smtClean="0">
-                          <a:solidFill>
-                            <a:schemeClr val="dk1"/>
-                          </a:solidFill>
-                          <a:effectLst/>
-                          <a:latin typeface="+mn-lt"/>
-                          <a:ea typeface="+mn-ea"/>
-                          <a:cs typeface="+mn-cs"/>
-                        </a:rPr>
-                        <a:t>- BX </a:t>
-                      </a:r>
-                      <a:r>
-                        <a:rPr lang="en-US" sz="1800" b="0" i="0" kern="1200" dirty="0" err="1" smtClean="0">
-                          <a:solidFill>
-                            <a:schemeClr val="dk1"/>
-                          </a:solidFill>
-                          <a:effectLst/>
-                          <a:latin typeface="+mn-lt"/>
-                          <a:ea typeface="+mn-ea"/>
-                          <a:cs typeface="+mn-cs"/>
-                        </a:rPr>
-                        <a:t>Chợ</a:t>
-                      </a:r>
-                      <a:r>
-                        <a:rPr lang="en-US" sz="1800" b="0" i="0" kern="1200" dirty="0" smtClean="0">
-                          <a:solidFill>
-                            <a:schemeClr val="dk1"/>
-                          </a:solidFill>
-                          <a:effectLst/>
-                          <a:latin typeface="+mn-lt"/>
-                          <a:ea typeface="+mn-ea"/>
-                          <a:cs typeface="+mn-cs"/>
-                        </a:rPr>
-                        <a:t> </a:t>
-                      </a:r>
-                      <a:r>
-                        <a:rPr lang="en-US" sz="1800" b="0" i="0" kern="1200" dirty="0" err="1" smtClean="0">
-                          <a:solidFill>
-                            <a:schemeClr val="dk1"/>
-                          </a:solidFill>
-                          <a:effectLst/>
-                          <a:latin typeface="+mn-lt"/>
-                          <a:ea typeface="+mn-ea"/>
-                          <a:cs typeface="+mn-cs"/>
-                        </a:rPr>
-                        <a:t>Lớn</a:t>
-                      </a:r>
-                      <a:endParaRPr lang="en-US" dirty="0"/>
-                    </a:p>
-                  </a:txBody>
-                  <a:tcPr/>
-                </a:tc>
-                <a:tc>
-                  <a:txBody>
-                    <a:bodyPr/>
-                    <a:lstStyle/>
-                    <a:p>
-                      <a:pPr algn="ctr"/>
-                      <a:r>
-                        <a:rPr lang="en-US" dirty="0" smtClean="0"/>
-                        <a:t>Bus name</a:t>
-                      </a:r>
-                      <a:endParaRPr lang="en-US" dirty="0"/>
-                    </a:p>
-                  </a:txBody>
-                  <a:tcPr/>
-                </a:tc>
-              </a:tr>
-              <a:tr h="306705">
-                <a:tc>
-                  <a:txBody>
-                    <a:bodyPr/>
-                    <a:lstStyle/>
-                    <a:p>
-                      <a:pPr algn="ctr"/>
-                      <a:r>
-                        <a:rPr lang="en-US" dirty="0" smtClean="0"/>
-                        <a:t>12</a:t>
-                      </a:r>
-                      <a:endParaRPr lang="en-US" dirty="0"/>
-                    </a:p>
-                  </a:txBody>
-                  <a:tcPr/>
-                </a:tc>
-                <a:tc>
-                  <a:txBody>
-                    <a:bodyPr/>
-                    <a:lstStyle/>
-                    <a:p>
-                      <a:pPr algn="ctr"/>
-                      <a:r>
-                        <a:rPr lang="vi-VN" sz="1800" b="0" i="0" kern="1200" dirty="0" smtClean="0">
-                          <a:solidFill>
-                            <a:schemeClr val="dk1"/>
-                          </a:solidFill>
-                          <a:effectLst/>
-                          <a:latin typeface="+mn-lt"/>
-                          <a:ea typeface="+mn-ea"/>
-                          <a:cs typeface="+mn-cs"/>
-                        </a:rPr>
-                        <a:t>Công trường Mê Linh, Thi Sách, Quận 1</a:t>
-                      </a:r>
-                      <a:endParaRPr lang="en-US" dirty="0"/>
-                    </a:p>
-                  </a:txBody>
-                  <a:tcPr/>
-                </a:tc>
-                <a:tc>
-                  <a:txBody>
-                    <a:bodyPr/>
-                    <a:lstStyle/>
-                    <a:p>
-                      <a:pPr algn="ctr"/>
-                      <a:r>
-                        <a:rPr lang="en-US" dirty="0" smtClean="0"/>
-                        <a:t>Start</a:t>
-                      </a:r>
-                      <a:r>
-                        <a:rPr lang="en-US" baseline="0" dirty="0" smtClean="0"/>
-                        <a:t> station’s address</a:t>
-                      </a:r>
-                      <a:endParaRPr lang="en-US" dirty="0"/>
-                    </a:p>
-                  </a:txBody>
-                  <a:tcPr/>
-                </a:tc>
-              </a:tr>
-              <a:tr h="306705">
-                <a:tc>
-                  <a:txBody>
-                    <a:bodyPr/>
-                    <a:lstStyle/>
-                    <a:p>
-                      <a:pPr algn="ctr"/>
-                      <a:r>
-                        <a:rPr lang="en-US" dirty="0" smtClean="0"/>
-                        <a:t>13</a:t>
-                      </a:r>
-                      <a:endParaRPr lang="en-US" dirty="0"/>
-                    </a:p>
-                  </a:txBody>
-                  <a:tcPr/>
-                </a:tc>
-                <a:tc>
-                  <a:txBody>
-                    <a:bodyPr/>
-                    <a:lstStyle/>
-                    <a:p>
-                      <a:pPr algn="ctr"/>
-                      <a:r>
-                        <a:rPr lang="en-US" sz="1800" b="0" i="0" kern="1200" dirty="0" smtClean="0">
-                          <a:solidFill>
-                            <a:schemeClr val="dk1"/>
-                          </a:solidFill>
-                          <a:effectLst/>
-                          <a:latin typeface="+mn-lt"/>
-                          <a:ea typeface="+mn-ea"/>
-                          <a:cs typeface="+mn-cs"/>
-                        </a:rPr>
-                        <a:t>BX06</a:t>
-                      </a:r>
-                      <a:endParaRPr lang="en-US" dirty="0"/>
-                    </a:p>
-                  </a:txBody>
-                  <a:tcPr/>
-                </a:tc>
-                <a:tc>
-                  <a:txBody>
-                    <a:bodyPr/>
-                    <a:lstStyle/>
-                    <a:p>
-                      <a:pPr algn="ctr"/>
-                      <a:r>
-                        <a:rPr lang="en-US" dirty="0" smtClean="0"/>
-                        <a:t>Start station’s code</a:t>
-                      </a:r>
-                      <a:endParaRPr lang="en-US" dirty="0"/>
-                    </a:p>
-                  </a:txBody>
-                  <a:tcPr/>
-                </a:tc>
-              </a:tr>
-            </a:tbl>
-          </a:graphicData>
-        </a:graphic>
-      </p:graphicFrame>
-      <p:sp>
-        <p:nvSpPr>
-          <p:cNvPr id="6" name="Rectangle 5"/>
-          <p:cNvSpPr/>
-          <p:nvPr/>
-        </p:nvSpPr>
-        <p:spPr>
-          <a:xfrm>
-            <a:off x="769620" y="5867400"/>
-            <a:ext cx="7490460" cy="369332"/>
-          </a:xfrm>
-          <a:prstGeom prst="rect">
-            <a:avLst/>
-          </a:prstGeom>
-        </p:spPr>
-        <p:txBody>
-          <a:bodyPr wrap="square">
-            <a:spAutoFit/>
-          </a:bodyPr>
-          <a:lstStyle/>
-          <a:p>
-            <a:r>
-              <a:rPr lang="en-US" dirty="0" smtClean="0"/>
-              <a:t>http://mapbus.ebms.vn/ajax.aspx?action=listRouteStations&amp;</a:t>
-            </a:r>
-            <a:r>
-              <a:rPr lang="en-US" dirty="0" smtClean="0">
-                <a:solidFill>
-                  <a:srgbClr val="FF0000"/>
-                </a:solidFill>
-              </a:rPr>
-              <a:t>rid=1</a:t>
-            </a:r>
-            <a:r>
-              <a:rPr lang="en-US" dirty="0" smtClean="0"/>
-              <a:t>&amp;</a:t>
-            </a:r>
-            <a:r>
-              <a:rPr lang="en-US" dirty="0" smtClean="0">
-                <a:solidFill>
-                  <a:srgbClr val="FF0000"/>
-                </a:solidFill>
-              </a:rPr>
-              <a:t>isgo=true</a:t>
-            </a:r>
-            <a:endParaRPr lang="en-US" dirty="0">
-              <a:solidFill>
-                <a:srgbClr val="FF0000"/>
-              </a:solidFill>
-            </a:endParaRPr>
-          </a:p>
-        </p:txBody>
-      </p:sp>
-    </p:spTree>
-    <p:extLst>
-      <p:ext uri="{BB962C8B-B14F-4D97-AF65-F5344CB8AC3E}">
-        <p14:creationId xmlns:p14="http://schemas.microsoft.com/office/powerpoint/2010/main" val="1894702267"/>
-      </p:ext>
-    </p:extLst>
-  </p:cSld>
-  <p:clrMapOvr>
-    <a:masterClrMapping/>
-  </p:clrMapOvr>
-  <p:timing>
-    <p:tnLst>
-      <p:par>
-        <p:cTn id="1" dur="indefinite" restart="never" nodeType="tmRoot"/>
-      </p:par>
-    </p:tnLst>
-  </p:timing>
-</p:sld>
-</file>
-
 <file path=ppt/slides/slide4.xml><?xml version="1.0" encoding="utf-8"?>
 <p:sld xmlns:a="http://schemas.openxmlformats.org/drawingml/2006/main" xmlns:r="http://schemas.openxmlformats.org/officeDocument/2006/relationships" xmlns:p="http://schemas.openxmlformats.org/presentationml/2006/main">
   <p:cSld>
@@ -16107,7 +18811,34 @@
               </a:rPr>
               <a:t>ROUTE</a:t>
             </a:r>
-            <a:endParaRPr lang="en-US" dirty="0">
+          </a:p>
+          <a:p>
+            <a:pPr algn="ctr"/>
+            <a:r>
+              <a:rPr lang="en-US" sz="2000" dirty="0" smtClean="0">
+                <a:latin typeface="Cambria" panose="02040503050406030204" pitchFamily="18" charset="0"/>
+              </a:rPr>
+              <a:t>Route: </a:t>
+            </a:r>
+            <a:r>
+              <a:rPr lang="en-US" sz="2000" dirty="0" smtClean="0">
+                <a:latin typeface="Cambria" panose="02040503050406030204" pitchFamily="18" charset="0"/>
+              </a:rPr>
+              <a:t>represent the </a:t>
+            </a:r>
+            <a:r>
+              <a:rPr lang="en-US" sz="2000" dirty="0" smtClean="0">
+                <a:latin typeface="Cambria" panose="02040503050406030204" pitchFamily="18" charset="0"/>
+              </a:rPr>
+              <a:t>route </a:t>
+            </a:r>
+            <a:r>
+              <a:rPr lang="en-US" sz="2000" dirty="0" smtClean="0">
+                <a:latin typeface="Cambria" panose="02040503050406030204" pitchFamily="18" charset="0"/>
+              </a:rPr>
+              <a:t>of bus.</a:t>
+            </a:r>
+            <a:endParaRPr lang="en-US" sz="2000" dirty="0">
               <a:latin typeface="Cambria" panose="02040503050406030204" pitchFamily="18" charset="0"/>
             </a:endParaRPr>
           </a:p>
@@ -16150,6 +18881,66 @@
           <a:chExt cx="0" cy="0"/>
         </a:xfrm>
       </p:grpSpPr>
+      <p:pic>
+        <p:nvPicPr>
+          <p:cNvPr id="4" name="Picture 3"/>
+          <p:cNvPicPr>
+            <a:picLocks noChangeAspect="1"/>
+          </p:cNvPicPr>
+          <p:nvPr/>
+        </p:nvPicPr>
+        <p:blipFill>
+          <a:blip r:embed="rId2">
+            <a:extLst>
+              <a:ext uri="{28A0092B-C50C-407E-A947-70E740481C1C}">
+                <a14:useLocalDpi xmlns:a14="http://schemas.microsoft.com/office/drawing/2010/main" val="0"/>
+              </a:ext>
+            </a:extLst>
+          </a:blip>
+          <a:stretch>
+            <a:fillRect/>
+          </a:stretch>
+        </p:blipFill>
+        <p:spPr>
+          <a:xfrm>
+            <a:off x="281940" y="941070"/>
+            <a:ext cx="8580120" cy="4975860"/>
+          </a:xfrm>
+          <a:prstGeom prst="rect">
+            <a:avLst/>
+          </a:prstGeom>
+        </p:spPr>
+      </p:pic>
+    </p:spTree>
+    <p:extLst>
+      <p:ext uri="{BB962C8B-B14F-4D97-AF65-F5344CB8AC3E}">
+        <p14:creationId xmlns:p14="http://schemas.microsoft.com/office/powerpoint/2010/main" val="226758327"/>
+      </p:ext>
+    </p:extLst>
+  </p:cSld>
+  <p:clrMapOvr>
+    <a:masterClrMapping/>
+  </p:clrMapOvr>
+</p:sld>
+</file>
+
+<file path=ppt/slides/slide6.xml><?xml version="1.0" encoding="utf-8"?>
+<p:sld xmlns:a="http://schemas.openxmlformats.org/drawingml/2006/main" xmlns:r="http://schemas.openxmlformats.org/officeDocument/2006/relationships" xmlns:p="http://schemas.openxmlformats.org/presentationml/2006/main">
+  <p:cSld>
+    <p:spTree>
+      <p:nvGrpSpPr>
+        <p:cNvPr id="1" name=""/>
+        <p:cNvGrpSpPr/>
+        <p:nvPr/>
+      </p:nvGrpSpPr>
+      <p:grpSpPr>
+        <a:xfrm>
+          <a:off x="0" y="0"/>
+          <a:ext cx="0" cy="0"/>
+          <a:chOff x="0" y="0"/>
+          <a:chExt cx="0" cy="0"/>
+        </a:xfrm>
+      </p:grpSpPr>
       <p:graphicFrame>
         <p:nvGraphicFramePr>
           <p:cNvPr id="4" name="Table 3"/>
@@ -16159,7 +18950,1016 @@
           <p:nvPr>
             <p:extLst>
               <p:ext uri="{D42A27DB-BD31-4B8C-83A1-F6EECF244321}">
-                <p14:modId xmlns:p14="http://schemas.microsoft.com/office/powerpoint/2010/main" val="1570054129"/>
+                <p14:modId xmlns:p14="http://schemas.microsoft.com/office/powerpoint/2010/main" val="2191468763"/>
+              </p:ext>
+            </p:extLst>
+          </p:nvPr>
+        </p:nvGraphicFramePr>
+        <p:xfrm>
+          <a:off x="137160" y="83819"/>
+          <a:ext cx="8557260" cy="5514975"/>
+        </p:xfrm>
+        <a:graphic>
+          <a:graphicData uri="http://schemas.openxmlformats.org/drawingml/2006/table">
+            <a:tbl>
+              <a:tblPr firstRow="1" bandRow="1">
+                <a:tableStyleId>{5C22544A-7EE6-4342-B048-85BDC9FD1C3A}</a:tableStyleId>
+              </a:tblPr>
+              <a:tblGrid>
+                <a:gridCol w="662940"/>
+                <a:gridCol w="4381500"/>
+                <a:gridCol w="3512820"/>
+              </a:tblGrid>
+              <a:tr h="394335">
+                <a:tc>
+                  <a:txBody>
+                    <a:bodyPr/>
+                    <a:lstStyle/>
+                    <a:p>
+                      <a:pPr algn="ctr"/>
+                      <a:r>
+                        <a:rPr lang="en-US" sz="1600" dirty="0" smtClean="0"/>
+                        <a:t>Index</a:t>
+                      </a:r>
+                      <a:endParaRPr lang="en-US" sz="1600" dirty="0"/>
+                    </a:p>
+                  </a:txBody>
+                  <a:tcPr/>
+                </a:tc>
+                <a:tc>
+                  <a:txBody>
+                    <a:bodyPr/>
+                    <a:lstStyle/>
+                    <a:p>
+                      <a:pPr algn="ctr"/>
+                      <a:r>
+                        <a:rPr lang="en-US" dirty="0" smtClean="0"/>
+                        <a:t>Sample value</a:t>
+                      </a:r>
+                      <a:endParaRPr lang="en-US" dirty="0"/>
+                    </a:p>
+                  </a:txBody>
+                  <a:tcPr/>
+                </a:tc>
+                <a:tc>
+                  <a:txBody>
+                    <a:bodyPr/>
+                    <a:lstStyle/>
+                    <a:p>
+                      <a:pPr algn="ctr"/>
+                      <a:r>
+                        <a:rPr lang="en-US" dirty="0" smtClean="0"/>
+                        <a:t>Attribute</a:t>
+                      </a:r>
+                      <a:endParaRPr lang="en-US" dirty="0"/>
+                    </a:p>
+                  </a:txBody>
+                  <a:tcPr/>
+                </a:tc>
+              </a:tr>
+              <a:tr h="175260">
+                <a:tc>
+                  <a:txBody>
+                    <a:bodyPr/>
+                    <a:lstStyle/>
+                    <a:p>
+                      <a:pPr algn="ctr"/>
+                      <a:r>
+                        <a:rPr lang="en-US" dirty="0" smtClean="0"/>
+                        <a:t>0</a:t>
+                      </a:r>
+                      <a:endParaRPr lang="en-US" dirty="0"/>
+                    </a:p>
+                  </a:txBody>
+                  <a:tcPr/>
+                </a:tc>
+                <a:tc>
+                  <a:txBody>
+                    <a:bodyPr/>
+                    <a:lstStyle/>
+                    <a:p>
+                      <a:pPr algn="ctr"/>
+                      <a:r>
+                        <a:rPr lang="en-US" dirty="0" smtClean="0"/>
+                        <a:t>1</a:t>
+                      </a:r>
+                      <a:endParaRPr lang="en-US" dirty="0"/>
+                    </a:p>
+                  </a:txBody>
+                  <a:tcPr/>
+                </a:tc>
+                <a:tc>
+                  <a:txBody>
+                    <a:bodyPr/>
+                    <a:lstStyle/>
+                    <a:p>
+                      <a:pPr algn="ctr"/>
+                      <a:r>
+                        <a:rPr lang="en-US" dirty="0" smtClean="0"/>
+                        <a:t>Route’s id</a:t>
+                      </a:r>
+                      <a:endParaRPr lang="en-US" dirty="0"/>
+                    </a:p>
+                  </a:txBody>
+                  <a:tcPr/>
+                </a:tc>
+              </a:tr>
+              <a:tr h="175260">
+                <a:tc>
+                  <a:txBody>
+                    <a:bodyPr/>
+                    <a:lstStyle/>
+                    <a:p>
+                      <a:pPr algn="ctr"/>
+                      <a:r>
+                        <a:rPr lang="en-US" dirty="0" smtClean="0"/>
+                        <a:t>1</a:t>
+                      </a:r>
+                      <a:endParaRPr lang="en-US" dirty="0"/>
+                    </a:p>
+                  </a:txBody>
+                  <a:tcPr/>
+                </a:tc>
+                <a:tc>
+                  <a:txBody>
+                    <a:bodyPr/>
+                    <a:lstStyle/>
+                    <a:p>
+                      <a:pPr algn="ctr"/>
+                      <a:r>
+                        <a:rPr lang="en-US" dirty="0" smtClean="0"/>
+                        <a:t>8999</a:t>
+                      </a:r>
+                      <a:endParaRPr lang="en-US" dirty="0"/>
+                    </a:p>
+                  </a:txBody>
+                  <a:tcPr/>
+                </a:tc>
+                <a:tc>
+                  <a:txBody>
+                    <a:bodyPr/>
+                    <a:lstStyle/>
+                    <a:p>
+                      <a:pPr algn="ctr"/>
+                      <a:r>
+                        <a:rPr lang="en-US" dirty="0" smtClean="0"/>
+                        <a:t>Stop station’s ID</a:t>
+                      </a:r>
+                      <a:endParaRPr lang="en-US" dirty="0"/>
+                    </a:p>
+                  </a:txBody>
+                  <a:tcPr/>
+                </a:tc>
+              </a:tr>
+              <a:tr h="175260">
+                <a:tc>
+                  <a:txBody>
+                    <a:bodyPr/>
+                    <a:lstStyle/>
+                    <a:p>
+                      <a:pPr algn="ctr"/>
+                      <a:r>
+                        <a:rPr lang="en-US" dirty="0" smtClean="0"/>
+                        <a:t>2</a:t>
+                      </a:r>
+                      <a:endParaRPr lang="en-US" dirty="0"/>
+                    </a:p>
+                  </a:txBody>
+                  <a:tcPr/>
+                </a:tc>
+                <a:tc>
+                  <a:txBody>
+                    <a:bodyPr/>
+                    <a:lstStyle/>
+                    <a:p>
+                      <a:pPr algn="ctr"/>
+                      <a:r>
+                        <a:rPr lang="en-US" dirty="0" smtClean="0"/>
+                        <a:t>8994</a:t>
+                      </a:r>
+                      <a:endParaRPr lang="en-US" dirty="0"/>
+                    </a:p>
+                  </a:txBody>
+                  <a:tcPr/>
+                </a:tc>
+                <a:tc>
+                  <a:txBody>
+                    <a:bodyPr/>
+                    <a:lstStyle/>
+                    <a:p>
+                      <a:pPr algn="ctr"/>
+                      <a:r>
+                        <a:rPr lang="en-US" dirty="0" smtClean="0"/>
+                        <a:t>Stop station’s ID</a:t>
+                      </a:r>
+                      <a:endParaRPr lang="en-US" dirty="0"/>
+                    </a:p>
+                  </a:txBody>
+                  <a:tcPr/>
+                </a:tc>
+              </a:tr>
+              <a:tr h="306705">
+                <a:tc>
+                  <a:txBody>
+                    <a:bodyPr/>
+                    <a:lstStyle/>
+                    <a:p>
+                      <a:pPr algn="ctr"/>
+                      <a:r>
+                        <a:rPr lang="en-US" dirty="0" smtClean="0"/>
+                        <a:t>3</a:t>
+                      </a:r>
+                      <a:endParaRPr lang="en-US" dirty="0"/>
+                    </a:p>
+                  </a:txBody>
+                  <a:tcPr/>
+                </a:tc>
+                <a:tc>
+                  <a:txBody>
+                    <a:bodyPr/>
+                    <a:lstStyle/>
+                    <a:p>
+                      <a:pPr algn="ctr"/>
+                      <a:r>
+                        <a:rPr lang="en-US" sz="1800" b="0" i="0" kern="1200" dirty="0" smtClean="0">
+                          <a:solidFill>
+                            <a:schemeClr val="dk1"/>
+                          </a:solidFill>
+                          <a:effectLst/>
+                          <a:latin typeface="+mn-lt"/>
+                          <a:ea typeface="+mn-ea"/>
+                          <a:cs typeface="+mn-cs"/>
+                        </a:rPr>
+                        <a:t>106.70589000000001,10.776800000000001</a:t>
+                      </a:r>
+                      <a:endParaRPr lang="en-US" dirty="0"/>
+                    </a:p>
+                  </a:txBody>
+                  <a:tcPr/>
+                </a:tc>
+                <a:tc>
+                  <a:txBody>
+                    <a:bodyPr/>
+                    <a:lstStyle/>
+                    <a:p>
+                      <a:pPr algn="ctr"/>
+                      <a:r>
+                        <a:rPr lang="en-US" dirty="0" smtClean="0"/>
+                        <a:t>Middle points</a:t>
+                      </a:r>
+                      <a:endParaRPr lang="en-US" dirty="0"/>
+                    </a:p>
+                  </a:txBody>
+                  <a:tcPr/>
+                </a:tc>
+              </a:tr>
+              <a:tr h="175260">
+                <a:tc>
+                  <a:txBody>
+                    <a:bodyPr/>
+                    <a:lstStyle/>
+                    <a:p>
+                      <a:pPr algn="ctr"/>
+                      <a:r>
+                        <a:rPr lang="en-US" dirty="0" smtClean="0"/>
+                        <a:t>4</a:t>
+                      </a:r>
+                      <a:endParaRPr lang="en-US" dirty="0"/>
+                    </a:p>
+                  </a:txBody>
+                  <a:tcPr/>
+                </a:tc>
+                <a:tc>
+                  <a:txBody>
+                    <a:bodyPr/>
+                    <a:lstStyle/>
+                    <a:p>
+                      <a:pPr algn="ctr"/>
+                      <a:r>
+                        <a:rPr lang="en-US" b="1" dirty="0" smtClean="0">
+                          <a:solidFill>
+                            <a:srgbClr val="FF0000"/>
+                          </a:solidFill>
+                        </a:rPr>
+                        <a:t>True</a:t>
+                      </a:r>
+                      <a:endParaRPr lang="en-US" b="1" dirty="0">
+                        <a:solidFill>
+                          <a:srgbClr val="FF0000"/>
+                        </a:solidFill>
+                      </a:endParaRPr>
+                    </a:p>
+                  </a:txBody>
+                  <a:tcPr/>
+                </a:tc>
+                <a:tc>
+                  <a:txBody>
+                    <a:bodyPr/>
+                    <a:lstStyle/>
+                    <a:p>
+                      <a:pPr algn="ctr"/>
+                      <a:r>
+                        <a:rPr lang="en-US" dirty="0" smtClean="0"/>
+                        <a:t>Turn</a:t>
+                      </a:r>
+                      <a:r>
+                        <a:rPr lang="en-US" baseline="0" dirty="0" smtClean="0"/>
+                        <a:t> (</a:t>
+                      </a:r>
+                      <a:r>
+                        <a:rPr lang="en-US" baseline="0" dirty="0" err="1" smtClean="0"/>
+                        <a:t>isgo</a:t>
+                      </a:r>
+                      <a:r>
+                        <a:rPr lang="en-US" baseline="0" dirty="0" smtClean="0"/>
+                        <a:t> parameter)</a:t>
+                      </a:r>
+                      <a:endParaRPr lang="en-US" dirty="0"/>
+                    </a:p>
+                  </a:txBody>
+                  <a:tcPr/>
+                </a:tc>
+              </a:tr>
+              <a:tr h="175260">
+                <a:tc>
+                  <a:txBody>
+                    <a:bodyPr/>
+                    <a:lstStyle/>
+                    <a:p>
+                      <a:pPr algn="ctr"/>
+                      <a:r>
+                        <a:rPr lang="en-US" dirty="0" smtClean="0"/>
+                        <a:t>5</a:t>
+                      </a:r>
+                      <a:endParaRPr lang="en-US" dirty="0"/>
+                    </a:p>
+                  </a:txBody>
+                  <a:tcPr/>
+                </a:tc>
+                <a:tc>
+                  <a:txBody>
+                    <a:bodyPr/>
+                    <a:lstStyle/>
+                    <a:p>
+                      <a:pPr algn="ctr"/>
+                      <a:r>
+                        <a:rPr lang="en-US" sz="1800" b="0" i="0" kern="1200" dirty="0" smtClean="0">
+                          <a:solidFill>
+                            <a:schemeClr val="dk1"/>
+                          </a:solidFill>
+                          <a:effectLst/>
+                          <a:latin typeface="+mn-lt"/>
+                          <a:ea typeface="+mn-ea"/>
+                          <a:cs typeface="+mn-cs"/>
+                        </a:rPr>
+                        <a:t>1</a:t>
+                      </a:r>
+                      <a:endParaRPr lang="en-US" dirty="0"/>
+                    </a:p>
+                  </a:txBody>
+                  <a:tcPr/>
+                </a:tc>
+                <a:tc>
+                  <a:txBody>
+                    <a:bodyPr/>
+                    <a:lstStyle/>
+                    <a:p>
+                      <a:pPr algn="ctr"/>
+                      <a:r>
+                        <a:rPr lang="en-US" dirty="0" smtClean="0"/>
+                        <a:t>Order</a:t>
+                      </a:r>
+                      <a:r>
+                        <a:rPr lang="en-US" baseline="0" dirty="0" smtClean="0"/>
+                        <a:t> in route</a:t>
+                      </a:r>
+                      <a:endParaRPr lang="en-US" dirty="0"/>
+                    </a:p>
+                  </a:txBody>
+                  <a:tcPr/>
+                </a:tc>
+              </a:tr>
+              <a:tr h="175260">
+                <a:tc>
+                  <a:txBody>
+                    <a:bodyPr/>
+                    <a:lstStyle/>
+                    <a:p>
+                      <a:pPr algn="ctr"/>
+                      <a:r>
+                        <a:rPr lang="en-US" dirty="0" smtClean="0"/>
+                        <a:t>6</a:t>
+                      </a:r>
+                      <a:endParaRPr lang="en-US" dirty="0"/>
+                    </a:p>
+                  </a:txBody>
+                  <a:tcPr/>
+                </a:tc>
+                <a:tc>
+                  <a:txBody>
+                    <a:bodyPr/>
+                    <a:lstStyle/>
+                    <a:p>
+                      <a:pPr algn="ctr"/>
+                      <a:r>
+                        <a:rPr lang="en-US" sz="1800" b="0" i="0" kern="1200" dirty="0" smtClean="0">
+                          <a:solidFill>
+                            <a:schemeClr val="dk1"/>
+                          </a:solidFill>
+                          <a:effectLst/>
+                          <a:latin typeface="+mn-lt"/>
+                          <a:ea typeface="+mn-ea"/>
+                          <a:cs typeface="+mn-cs"/>
+                        </a:rPr>
+                        <a:t>468.747807122203</a:t>
+                      </a:r>
+                      <a:endParaRPr lang="en-US" dirty="0"/>
+                    </a:p>
+                  </a:txBody>
+                  <a:tcPr/>
+                </a:tc>
+                <a:tc>
+                  <a:txBody>
+                    <a:bodyPr/>
+                    <a:lstStyle/>
+                    <a:p>
+                      <a:pPr algn="ctr"/>
+                      <a:r>
+                        <a:rPr lang="en-US" dirty="0" smtClean="0"/>
+                        <a:t>Distance</a:t>
+                      </a:r>
+                      <a:endParaRPr lang="en-US" dirty="0"/>
+                    </a:p>
+                  </a:txBody>
+                  <a:tcPr/>
+                </a:tc>
+              </a:tr>
+              <a:tr h="175260">
+                <a:tc>
+                  <a:txBody>
+                    <a:bodyPr/>
+                    <a:lstStyle/>
+                    <a:p>
+                      <a:pPr algn="ctr"/>
+                      <a:r>
+                        <a:rPr lang="en-US" dirty="0" smtClean="0"/>
+                        <a:t>7</a:t>
+                      </a:r>
+                      <a:endParaRPr lang="en-US" dirty="0"/>
+                    </a:p>
+                  </a:txBody>
+                  <a:tcPr/>
+                </a:tc>
+                <a:tc>
+                  <a:txBody>
+                    <a:bodyPr/>
+                    <a:lstStyle/>
+                    <a:p>
+                      <a:pPr algn="ctr"/>
+                      <a:r>
+                        <a:rPr lang="vi-VN" sz="1800" b="0" i="0" kern="1200" dirty="0" smtClean="0">
+                          <a:solidFill>
+                            <a:schemeClr val="dk1"/>
+                          </a:solidFill>
+                          <a:effectLst/>
+                          <a:latin typeface="+mn-lt"/>
+                          <a:ea typeface="+mn-ea"/>
+                          <a:cs typeface="+mn-cs"/>
+                        </a:rPr>
+                        <a:t>Công Trường Mê Linh</a:t>
+                      </a:r>
+                      <a:endParaRPr lang="en-US" dirty="0"/>
+                    </a:p>
+                  </a:txBody>
+                  <a:tcPr/>
+                </a:tc>
+                <a:tc>
+                  <a:txBody>
+                    <a:bodyPr/>
+                    <a:lstStyle/>
+                    <a:p>
+                      <a:pPr algn="ctr"/>
+                      <a:r>
+                        <a:rPr lang="en-US" dirty="0" smtClean="0"/>
+                        <a:t>Start station’s name</a:t>
+                      </a:r>
+                      <a:endParaRPr lang="en-US" dirty="0"/>
+                    </a:p>
+                  </a:txBody>
+                  <a:tcPr/>
+                </a:tc>
+              </a:tr>
+              <a:tr h="175260">
+                <a:tc>
+                  <a:txBody>
+                    <a:bodyPr/>
+                    <a:lstStyle/>
+                    <a:p>
+                      <a:pPr algn="ctr"/>
+                      <a:r>
+                        <a:rPr lang="en-US" dirty="0" smtClean="0"/>
+                        <a:t>8</a:t>
+                      </a:r>
+                      <a:endParaRPr lang="en-US" dirty="0"/>
+                    </a:p>
+                  </a:txBody>
+                  <a:tcPr/>
+                </a:tc>
+                <a:tc>
+                  <a:txBody>
+                    <a:bodyPr/>
+                    <a:lstStyle/>
+                    <a:p>
+                      <a:pPr algn="ctr"/>
+                      <a:r>
+                        <a:rPr lang="en-US" sz="1800" b="0" i="0" kern="1200" dirty="0" smtClean="0">
+                          <a:solidFill>
+                            <a:schemeClr val="dk1"/>
+                          </a:solidFill>
+                          <a:effectLst/>
+                          <a:latin typeface="+mn-lt"/>
+                          <a:ea typeface="+mn-ea"/>
+                          <a:cs typeface="+mn-cs"/>
+                        </a:rPr>
+                        <a:t>106.705856990563</a:t>
+                      </a:r>
+                      <a:endParaRPr lang="en-US" dirty="0"/>
+                    </a:p>
+                  </a:txBody>
+                  <a:tcPr/>
+                </a:tc>
+                <a:tc>
+                  <a:txBody>
+                    <a:bodyPr/>
+                    <a:lstStyle/>
+                    <a:p>
+                      <a:pPr algn="ctr"/>
+                      <a:r>
+                        <a:rPr lang="en-US" dirty="0" smtClean="0"/>
+                        <a:t>Start station’s longitude</a:t>
+                      </a:r>
+                      <a:endParaRPr lang="en-US" dirty="0"/>
+                    </a:p>
+                  </a:txBody>
+                  <a:tcPr/>
+                </a:tc>
+              </a:tr>
+              <a:tr h="175260">
+                <a:tc>
+                  <a:txBody>
+                    <a:bodyPr/>
+                    <a:lstStyle/>
+                    <a:p>
+                      <a:pPr algn="ctr"/>
+                      <a:r>
+                        <a:rPr lang="en-US" dirty="0" smtClean="0"/>
+                        <a:t>9</a:t>
+                      </a:r>
+                      <a:endParaRPr lang="en-US" dirty="0"/>
+                    </a:p>
+                  </a:txBody>
+                  <a:tcPr/>
+                </a:tc>
+                <a:tc>
+                  <a:txBody>
+                    <a:bodyPr/>
+                    <a:lstStyle/>
+                    <a:p>
+                      <a:pPr algn="ctr"/>
+                      <a:r>
+                        <a:rPr lang="en-US" sz="1800" b="0" i="0" kern="1200" dirty="0" smtClean="0">
+                          <a:solidFill>
+                            <a:schemeClr val="dk1"/>
+                          </a:solidFill>
+                          <a:effectLst/>
+                          <a:latin typeface="+mn-lt"/>
+                          <a:ea typeface="+mn-ea"/>
+                          <a:cs typeface="+mn-cs"/>
+                        </a:rPr>
+                        <a:t>10.7767894851893</a:t>
+                      </a:r>
+                      <a:endParaRPr lang="en-US" dirty="0"/>
+                    </a:p>
+                  </a:txBody>
+                  <a:tcPr/>
+                </a:tc>
+                <a:tc>
+                  <a:txBody>
+                    <a:bodyPr/>
+                    <a:lstStyle/>
+                    <a:p>
+                      <a:pPr algn="ctr"/>
+                      <a:r>
+                        <a:rPr lang="en-US" dirty="0" smtClean="0"/>
+                        <a:t>Start station’s latitude</a:t>
+                      </a:r>
+                      <a:endParaRPr lang="en-US" dirty="0"/>
+                    </a:p>
+                  </a:txBody>
+                  <a:tcPr/>
+                </a:tc>
+              </a:tr>
+              <a:tr h="306705">
+                <a:tc>
+                  <a:txBody>
+                    <a:bodyPr/>
+                    <a:lstStyle/>
+                    <a:p>
+                      <a:pPr algn="ctr"/>
+                      <a:r>
+                        <a:rPr lang="en-US" dirty="0" smtClean="0"/>
+                        <a:t>10</a:t>
+                      </a:r>
+                      <a:endParaRPr lang="en-US" dirty="0"/>
+                    </a:p>
+                  </a:txBody>
+                  <a:tcPr/>
+                </a:tc>
+                <a:tc>
+                  <a:txBody>
+                    <a:bodyPr/>
+                    <a:lstStyle/>
+                    <a:p>
+                      <a:pPr algn="ctr"/>
+                      <a:r>
+                        <a:rPr lang="en-US" sz="1800" b="1" i="0" kern="1200" dirty="0" smtClean="0">
+                          <a:solidFill>
+                            <a:srgbClr val="FF0000"/>
+                          </a:solidFill>
+                          <a:effectLst/>
+                          <a:latin typeface="+mn-lt"/>
+                          <a:ea typeface="+mn-ea"/>
+                          <a:cs typeface="+mn-cs"/>
+                        </a:rPr>
+                        <a:t>01</a:t>
+                      </a:r>
+                      <a:endParaRPr lang="en-US" b="1" dirty="0">
+                        <a:solidFill>
+                          <a:srgbClr val="FF0000"/>
+                        </a:solidFill>
+                      </a:endParaRPr>
+                    </a:p>
+                  </a:txBody>
+                  <a:tcPr/>
+                </a:tc>
+                <a:tc>
+                  <a:txBody>
+                    <a:bodyPr/>
+                    <a:lstStyle/>
+                    <a:p>
+                      <a:pPr algn="ctr"/>
+                      <a:r>
+                        <a:rPr lang="en-US" dirty="0" smtClean="0"/>
+                        <a:t>Bus number</a:t>
+                      </a:r>
+                      <a:endParaRPr lang="en-US" dirty="0"/>
+                    </a:p>
+                  </a:txBody>
+                  <a:tcPr/>
+                </a:tc>
+              </a:tr>
+              <a:tr h="306705">
+                <a:tc>
+                  <a:txBody>
+                    <a:bodyPr/>
+                    <a:lstStyle/>
+                    <a:p>
+                      <a:pPr algn="ctr"/>
+                      <a:r>
+                        <a:rPr lang="en-US" dirty="0" smtClean="0"/>
+                        <a:t>11</a:t>
+                      </a:r>
+                      <a:endParaRPr lang="en-US" dirty="0"/>
+                    </a:p>
+                  </a:txBody>
+                  <a:tcPr/>
+                </a:tc>
+                <a:tc>
+                  <a:txBody>
+                    <a:bodyPr/>
+                    <a:lstStyle/>
+                    <a:p>
+                      <a:pPr algn="ctr"/>
+                      <a:r>
+                        <a:rPr lang="en-US" sz="1800" b="1" i="0" kern="1200" dirty="0" err="1" smtClean="0">
+                          <a:solidFill>
+                            <a:srgbClr val="FF0000"/>
+                          </a:solidFill>
+                          <a:effectLst/>
+                          <a:latin typeface="+mn-lt"/>
+                          <a:ea typeface="+mn-ea"/>
+                          <a:cs typeface="+mn-cs"/>
+                        </a:rPr>
+                        <a:t>Bến</a:t>
+                      </a:r>
+                      <a:r>
+                        <a:rPr lang="en-US" sz="1800" b="1" i="0" kern="1200" dirty="0" smtClean="0">
+                          <a:solidFill>
+                            <a:srgbClr val="FF0000"/>
+                          </a:solidFill>
+                          <a:effectLst/>
+                          <a:latin typeface="+mn-lt"/>
+                          <a:ea typeface="+mn-ea"/>
+                          <a:cs typeface="+mn-cs"/>
+                        </a:rPr>
+                        <a:t> </a:t>
+                      </a:r>
+                      <a:r>
+                        <a:rPr lang="en-US" sz="1800" b="1" i="0" kern="1200" dirty="0" err="1" smtClean="0">
+                          <a:solidFill>
+                            <a:srgbClr val="FF0000"/>
+                          </a:solidFill>
+                          <a:effectLst/>
+                          <a:latin typeface="+mn-lt"/>
+                          <a:ea typeface="+mn-ea"/>
+                          <a:cs typeface="+mn-cs"/>
+                        </a:rPr>
+                        <a:t>Thành</a:t>
+                      </a:r>
+                      <a:r>
+                        <a:rPr lang="en-US" sz="1800" b="1" i="0" kern="1200" dirty="0" smtClean="0">
+                          <a:solidFill>
+                            <a:srgbClr val="FF0000"/>
+                          </a:solidFill>
+                          <a:effectLst/>
+                          <a:latin typeface="+mn-lt"/>
+                          <a:ea typeface="+mn-ea"/>
+                          <a:cs typeface="+mn-cs"/>
+                        </a:rPr>
+                        <a:t>- BX </a:t>
+                      </a:r>
+                      <a:r>
+                        <a:rPr lang="en-US" sz="1800" b="1" i="0" kern="1200" dirty="0" err="1" smtClean="0">
+                          <a:solidFill>
+                            <a:srgbClr val="FF0000"/>
+                          </a:solidFill>
+                          <a:effectLst/>
+                          <a:latin typeface="+mn-lt"/>
+                          <a:ea typeface="+mn-ea"/>
+                          <a:cs typeface="+mn-cs"/>
+                        </a:rPr>
+                        <a:t>Chợ</a:t>
+                      </a:r>
+                      <a:r>
+                        <a:rPr lang="en-US" sz="1800" b="1" i="0" kern="1200" dirty="0" smtClean="0">
+                          <a:solidFill>
+                            <a:srgbClr val="FF0000"/>
+                          </a:solidFill>
+                          <a:effectLst/>
+                          <a:latin typeface="+mn-lt"/>
+                          <a:ea typeface="+mn-ea"/>
+                          <a:cs typeface="+mn-cs"/>
+                        </a:rPr>
+                        <a:t> </a:t>
+                      </a:r>
+                      <a:r>
+                        <a:rPr lang="en-US" sz="1800" b="1" i="0" kern="1200" dirty="0" err="1" smtClean="0">
+                          <a:solidFill>
+                            <a:srgbClr val="FF0000"/>
+                          </a:solidFill>
+                          <a:effectLst/>
+                          <a:latin typeface="+mn-lt"/>
+                          <a:ea typeface="+mn-ea"/>
+                          <a:cs typeface="+mn-cs"/>
+                        </a:rPr>
+                        <a:t>Lớn</a:t>
+                      </a:r>
+                      <a:endParaRPr lang="en-US" b="1" dirty="0">
+                        <a:solidFill>
+                          <a:srgbClr val="FF0000"/>
+                        </a:solidFill>
+                      </a:endParaRPr>
+                    </a:p>
+                  </a:txBody>
+                  <a:tcPr/>
+                </a:tc>
+                <a:tc>
+                  <a:txBody>
+                    <a:bodyPr/>
+                    <a:lstStyle/>
+                    <a:p>
+                      <a:pPr algn="ctr"/>
+                      <a:r>
+                        <a:rPr lang="en-US" dirty="0" smtClean="0"/>
+                        <a:t>Bus name</a:t>
+                      </a:r>
+                      <a:endParaRPr lang="en-US" dirty="0"/>
+                    </a:p>
+                  </a:txBody>
+                  <a:tcPr/>
+                </a:tc>
+              </a:tr>
+              <a:tr h="306705">
+                <a:tc>
+                  <a:txBody>
+                    <a:bodyPr/>
+                    <a:lstStyle/>
+                    <a:p>
+                      <a:pPr algn="ctr"/>
+                      <a:r>
+                        <a:rPr lang="en-US" dirty="0" smtClean="0"/>
+                        <a:t>12</a:t>
+                      </a:r>
+                      <a:endParaRPr lang="en-US" dirty="0"/>
+                    </a:p>
+                  </a:txBody>
+                  <a:tcPr/>
+                </a:tc>
+                <a:tc>
+                  <a:txBody>
+                    <a:bodyPr/>
+                    <a:lstStyle/>
+                    <a:p>
+                      <a:pPr algn="ctr"/>
+                      <a:r>
+                        <a:rPr lang="vi-VN" sz="1800" b="0" i="0" kern="1200" dirty="0" smtClean="0">
+                          <a:solidFill>
+                            <a:schemeClr val="dk1"/>
+                          </a:solidFill>
+                          <a:effectLst/>
+                          <a:latin typeface="+mn-lt"/>
+                          <a:ea typeface="+mn-ea"/>
+                          <a:cs typeface="+mn-cs"/>
+                        </a:rPr>
+                        <a:t>Công trường Mê Linh, Thi Sách, Quận 1</a:t>
+                      </a:r>
+                      <a:endParaRPr lang="en-US" dirty="0"/>
+                    </a:p>
+                  </a:txBody>
+                  <a:tcPr/>
+                </a:tc>
+                <a:tc>
+                  <a:txBody>
+                    <a:bodyPr/>
+                    <a:lstStyle/>
+                    <a:p>
+                      <a:pPr algn="ctr"/>
+                      <a:r>
+                        <a:rPr lang="en-US" dirty="0" smtClean="0"/>
+                        <a:t>Start</a:t>
+                      </a:r>
+                      <a:r>
+                        <a:rPr lang="en-US" baseline="0" dirty="0" smtClean="0"/>
+                        <a:t> station’s address</a:t>
+                      </a:r>
+                      <a:endParaRPr lang="en-US" dirty="0"/>
+                    </a:p>
+                  </a:txBody>
+                  <a:tcPr/>
+                </a:tc>
+              </a:tr>
+              <a:tr h="306705">
+                <a:tc>
+                  <a:txBody>
+                    <a:bodyPr/>
+                    <a:lstStyle/>
+                    <a:p>
+                      <a:pPr algn="ctr"/>
+                      <a:r>
+                        <a:rPr lang="en-US" dirty="0" smtClean="0"/>
+                        <a:t>13</a:t>
+                      </a:r>
+                      <a:endParaRPr lang="en-US" dirty="0"/>
+                    </a:p>
+                  </a:txBody>
+                  <a:tcPr/>
+                </a:tc>
+                <a:tc>
+                  <a:txBody>
+                    <a:bodyPr/>
+                    <a:lstStyle/>
+                    <a:p>
+                      <a:pPr algn="ctr"/>
+                      <a:r>
+                        <a:rPr lang="en-US" sz="1800" b="0" i="0" kern="1200" dirty="0" smtClean="0">
+                          <a:solidFill>
+                            <a:schemeClr val="dk1"/>
+                          </a:solidFill>
+                          <a:effectLst/>
+                          <a:latin typeface="+mn-lt"/>
+                          <a:ea typeface="+mn-ea"/>
+                          <a:cs typeface="+mn-cs"/>
+                        </a:rPr>
+                        <a:t>BX06</a:t>
+                      </a:r>
+                      <a:endParaRPr lang="en-US" dirty="0"/>
+                    </a:p>
+                  </a:txBody>
+                  <a:tcPr/>
+                </a:tc>
+                <a:tc>
+                  <a:txBody>
+                    <a:bodyPr/>
+                    <a:lstStyle/>
+                    <a:p>
+                      <a:pPr algn="ctr"/>
+                      <a:r>
+                        <a:rPr lang="en-US" dirty="0" smtClean="0"/>
+                        <a:t>Start station’s code</a:t>
+                      </a:r>
+                      <a:endParaRPr lang="en-US" dirty="0"/>
+                    </a:p>
+                  </a:txBody>
+                  <a:tcPr/>
+                </a:tc>
+              </a:tr>
+            </a:tbl>
+          </a:graphicData>
+        </a:graphic>
+      </p:graphicFrame>
+      <p:sp>
+        <p:nvSpPr>
+          <p:cNvPr id="5" name="Rectangle 4"/>
+          <p:cNvSpPr/>
+          <p:nvPr/>
+        </p:nvSpPr>
+        <p:spPr>
+          <a:xfrm>
+            <a:off x="769620" y="5867400"/>
+            <a:ext cx="7490460" cy="369332"/>
+          </a:xfrm>
+          <a:prstGeom prst="rect">
+            <a:avLst/>
+          </a:prstGeom>
+        </p:spPr>
+        <p:txBody>
+          <a:bodyPr wrap="square">
+            <a:spAutoFit/>
+          </a:bodyPr>
+          <a:lstStyle/>
+          <a:p>
+            <a:r>
+              <a:rPr lang="en-US" dirty="0" smtClean="0"/>
+              <a:t>http://mapbus.ebms.vn/ajax.aspx?action=listRouteStations&amp;</a:t>
+            </a:r>
+            <a:r>
+              <a:rPr lang="en-US" dirty="0" smtClean="0">
+                <a:solidFill>
+                  <a:srgbClr val="FF0000"/>
+                </a:solidFill>
+              </a:rPr>
+              <a:t>rid=1</a:t>
+            </a:r>
+            <a:r>
+              <a:rPr lang="en-US" dirty="0" smtClean="0"/>
+              <a:t>&amp;</a:t>
+            </a:r>
+            <a:r>
+              <a:rPr lang="en-US" dirty="0" smtClean="0">
+                <a:solidFill>
+                  <a:srgbClr val="FF0000"/>
+                </a:solidFill>
+              </a:rPr>
+              <a:t>isgo=true</a:t>
+            </a:r>
+            <a:endParaRPr lang="en-US" dirty="0">
+              <a:solidFill>
+                <a:srgbClr val="FF0000"/>
+              </a:solidFill>
+            </a:endParaRPr>
+          </a:p>
+        </p:txBody>
+      </p:sp>
+    </p:spTree>
+    <p:extLst>
+      <p:ext uri="{BB962C8B-B14F-4D97-AF65-F5344CB8AC3E}">
+        <p14:creationId xmlns:p14="http://schemas.microsoft.com/office/powerpoint/2010/main" val="1073985417"/>
+      </p:ext>
+    </p:extLst>
+  </p:cSld>
+  <p:clrMapOvr>
+    <a:masterClrMapping/>
+  </p:clrMapOvr>
+</p:sld>
+</file>
+
+<file path=ppt/slides/slide7.xml><?xml version="1.0" encoding="utf-8"?>
+<p:sld xmlns:a="http://schemas.openxmlformats.org/drawingml/2006/main" xmlns:r="http://schemas.openxmlformats.org/officeDocument/2006/relationships" xmlns:p="http://schemas.openxmlformats.org/presentationml/2006/main">
+  <p:cSld>
+    <p:spTree>
+      <p:nvGrpSpPr>
+        <p:cNvPr id="1" name=""/>
+        <p:cNvGrpSpPr/>
+        <p:nvPr/>
+      </p:nvGrpSpPr>
+      <p:grpSpPr>
+        <a:xfrm>
+          <a:off x="0" y="0"/>
+          <a:ext cx="0" cy="0"/>
+          <a:chOff x="0" y="0"/>
+          <a:chExt cx="0" cy="0"/>
+        </a:xfrm>
+      </p:grpSpPr>
+      <p:graphicFrame>
+        <p:nvGraphicFramePr>
+          <p:cNvPr id="4" name="Table 3"/>
+          <p:cNvGraphicFramePr>
+            <a:graphicFrameLocks noGrp="1"/>
+          </p:cNvGraphicFramePr>
+          <p:nvPr>
+            <p:extLst>
+              <p:ext uri="{D42A27DB-BD31-4B8C-83A1-F6EECF244321}">
+                <p14:modId xmlns:p14="http://schemas.microsoft.com/office/powerpoint/2010/main" val="3691032903"/>
               </p:ext>
             </p:extLst>
           </p:nvPr>
@@ -16427,12 +20227,18 @@
                     <a:p>
                       <a:pPr algn="ctr"/>
                       <a:r>
-                        <a:rPr lang="en-US" smtClean="0">
+                        <a:rPr lang="en-US" b="1" dirty="0" smtClean="0">
+                          <a:solidFill>
+                            <a:srgbClr val="FF0000"/>
+                          </a:solidFill>
                           <a:latin typeface="Cambria" panose="02040503050406030204" pitchFamily="18" charset="0"/>
                         </a:rPr>
                         <a:t>True</a:t>
                       </a:r>
-                      <a:endParaRPr lang="en-US" dirty="0">
+                      <a:endParaRPr lang="en-US" b="1" dirty="0">
+                        <a:solidFill>
+                          <a:srgbClr val="FF0000"/>
+                        </a:solidFill>
                         <a:latin typeface="Cambria" panose="02040503050406030204" pitchFamily="18" charset="0"/>
                       </a:endParaRPr>
                     </a:p>
@@ -16920,13 +20726,13 @@
           <p:nvPr>
             <p:extLst>
               <p:ext uri="{D42A27DB-BD31-4B8C-83A1-F6EECF244321}">
-                <p14:modId xmlns:p14="http://schemas.microsoft.com/office/powerpoint/2010/main" val="2488292794"/>
+                <p14:modId xmlns:p14="http://schemas.microsoft.com/office/powerpoint/2010/main" val="2227558383"/>
               </p:ext>
             </p:extLst>
           </p:nvPr>
         </p:nvGraphicFramePr>
         <p:xfrm>
-          <a:off x="6164366" y="435834"/>
+          <a:off x="7147697" y="114549"/>
           <a:ext cx="1749039" cy="743698"/>
         </p:xfrm>
         <a:graphic>
@@ -16983,8 +20789,314 @@
         </p:nvCxnSpPr>
         <p:spPr>
           <a:xfrm flipV="1">
-            <a:off x="3597779" y="1008406"/>
-            <a:ext cx="2623559" cy="1948439"/>
+            <a:off x="3700329" y="623843"/>
+            <a:ext cx="3452501" cy="2307365"/>
+          </a:xfrm>
+          <a:prstGeom prst="straightConnector1">
+            <a:avLst/>
+          </a:prstGeom>
+          <a:ln>
+            <a:tailEnd type="triangle"/>
+          </a:ln>
+        </p:spPr>
+        <p:style>
+          <a:lnRef idx="3">
+            <a:schemeClr val="accent2"/>
+          </a:lnRef>
+          <a:fillRef idx="0">
+            <a:schemeClr val="accent2"/>
+          </a:fillRef>
+          <a:effectRef idx="2">
+            <a:schemeClr val="accent2"/>
+          </a:effectRef>
+          <a:fontRef idx="minor">
+            <a:schemeClr val="tx1"/>
+          </a:fontRef>
+        </p:style>
+      </p:cxnSp>
+      <p:pic>
+        <p:nvPicPr>
+          <p:cNvPr id="7" name="Picture 6"/>
+          <p:cNvPicPr>
+            <a:picLocks noChangeAspect="1"/>
+          </p:cNvPicPr>
+          <p:nvPr/>
+        </p:nvPicPr>
+        <p:blipFill>
+          <a:blip r:embed="rId2">
+            <a:extLst>
+              <a:ext uri="{28A0092B-C50C-407E-A947-70E740481C1C}">
+                <a14:useLocalDpi xmlns:a14="http://schemas.microsoft.com/office/drawing/2010/main" val="0"/>
+              </a:ext>
+            </a:extLst>
+          </a:blip>
+          <a:stretch>
+            <a:fillRect/>
+          </a:stretch>
+        </p:blipFill>
+        <p:spPr>
+          <a:xfrm>
+            <a:off x="6221338" y="1358782"/>
+            <a:ext cx="2659731" cy="4901013"/>
+          </a:xfrm>
+          <a:prstGeom prst="rect">
+            <a:avLst/>
+          </a:prstGeom>
+        </p:spPr>
+      </p:pic>
+      <p:cxnSp>
+        <p:nvCxnSpPr>
+          <p:cNvPr id="14" name="Straight Arrow Connector 13"/>
+          <p:cNvCxnSpPr/>
+          <p:nvPr/>
+        </p:nvCxnSpPr>
+        <p:spPr>
+          <a:xfrm>
+            <a:off x="7058826" y="2008262"/>
+            <a:ext cx="162370" cy="393106"/>
+          </a:xfrm>
+          <a:prstGeom prst="straightConnector1">
+            <a:avLst/>
+          </a:prstGeom>
+          <a:ln>
+            <a:solidFill>
+              <a:srgbClr val="FF0000"/>
+            </a:solidFill>
+            <a:tailEnd type="triangle"/>
+          </a:ln>
+        </p:spPr>
+        <p:style>
+          <a:lnRef idx="3">
+            <a:schemeClr val="accent2"/>
+          </a:lnRef>
+          <a:fillRef idx="0">
+            <a:schemeClr val="accent2"/>
+          </a:fillRef>
+          <a:effectRef idx="2">
+            <a:schemeClr val="accent2"/>
+          </a:effectRef>
+          <a:fontRef idx="minor">
+            <a:schemeClr val="tx1"/>
+          </a:fontRef>
+        </p:style>
+      </p:cxnSp>
+      <p:cxnSp>
+        <p:nvCxnSpPr>
+          <p:cNvPr id="15" name="Straight Arrow Connector 14"/>
+          <p:cNvCxnSpPr/>
+          <p:nvPr/>
+        </p:nvCxnSpPr>
+        <p:spPr>
+          <a:xfrm flipH="1">
+            <a:off x="6981914" y="2931208"/>
+            <a:ext cx="239282" cy="393106"/>
+          </a:xfrm>
+          <a:prstGeom prst="straightConnector1">
+            <a:avLst/>
+          </a:prstGeom>
+          <a:ln>
+            <a:solidFill>
+              <a:srgbClr val="FF0000"/>
+            </a:solidFill>
+            <a:tailEnd type="triangle"/>
+          </a:ln>
+        </p:spPr>
+        <p:style>
+          <a:lnRef idx="3">
+            <a:schemeClr val="accent2"/>
+          </a:lnRef>
+          <a:fillRef idx="0">
+            <a:schemeClr val="accent2"/>
+          </a:fillRef>
+          <a:effectRef idx="2">
+            <a:schemeClr val="accent2"/>
+          </a:effectRef>
+          <a:fontRef idx="minor">
+            <a:schemeClr val="tx1"/>
+          </a:fontRef>
+        </p:style>
+      </p:cxnSp>
+      <p:cxnSp>
+        <p:nvCxnSpPr>
+          <p:cNvPr id="17" name="Straight Arrow Connector 16"/>
+          <p:cNvCxnSpPr/>
+          <p:nvPr/>
+        </p:nvCxnSpPr>
+        <p:spPr>
+          <a:xfrm>
+            <a:off x="7041735" y="3854154"/>
+            <a:ext cx="358922" cy="318331"/>
+          </a:xfrm>
+          <a:prstGeom prst="straightConnector1">
+            <a:avLst/>
+          </a:prstGeom>
+          <a:ln>
+            <a:solidFill>
+              <a:srgbClr val="FF0000"/>
+            </a:solidFill>
+            <a:tailEnd type="triangle"/>
+          </a:ln>
+        </p:spPr>
+        <p:style>
+          <a:lnRef idx="3">
+            <a:schemeClr val="accent2"/>
+          </a:lnRef>
+          <a:fillRef idx="0">
+            <a:schemeClr val="accent2"/>
+          </a:fillRef>
+          <a:effectRef idx="2">
+            <a:schemeClr val="accent2"/>
+          </a:effectRef>
+          <a:fontRef idx="minor">
+            <a:schemeClr val="tx1"/>
+          </a:fontRef>
+        </p:style>
+      </p:cxnSp>
+      <p:cxnSp>
+        <p:nvCxnSpPr>
+          <p:cNvPr id="20" name="Straight Arrow Connector 19"/>
+          <p:cNvCxnSpPr/>
+          <p:nvPr/>
+        </p:nvCxnSpPr>
+        <p:spPr>
+          <a:xfrm flipH="1">
+            <a:off x="7725398" y="4461582"/>
+            <a:ext cx="17092" cy="443704"/>
+          </a:xfrm>
+          <a:prstGeom prst="straightConnector1">
+            <a:avLst/>
+          </a:prstGeom>
+          <a:ln>
+            <a:solidFill>
+              <a:srgbClr val="FF0000"/>
+            </a:solidFill>
+            <a:tailEnd type="triangle"/>
+          </a:ln>
+        </p:spPr>
+        <p:style>
+          <a:lnRef idx="3">
+            <a:schemeClr val="accent2"/>
+          </a:lnRef>
+          <a:fillRef idx="0">
+            <a:schemeClr val="accent2"/>
+          </a:fillRef>
+          <a:effectRef idx="2">
+            <a:schemeClr val="accent2"/>
+          </a:effectRef>
+          <a:fontRef idx="minor">
+            <a:schemeClr val="tx1"/>
+          </a:fontRef>
+        </p:style>
+      </p:cxnSp>
+      <p:cxnSp>
+        <p:nvCxnSpPr>
+          <p:cNvPr id="23" name="Straight Arrow Connector 22"/>
+          <p:cNvCxnSpPr/>
+          <p:nvPr/>
+        </p:nvCxnSpPr>
+        <p:spPr>
+          <a:xfrm flipH="1">
+            <a:off x="7629970" y="5451470"/>
+            <a:ext cx="17092" cy="443704"/>
+          </a:xfrm>
+          <a:prstGeom prst="straightConnector1">
+            <a:avLst/>
+          </a:prstGeom>
+          <a:ln>
+            <a:solidFill>
+              <a:srgbClr val="FF0000"/>
+            </a:solidFill>
+            <a:tailEnd type="triangle"/>
+          </a:ln>
+        </p:spPr>
+        <p:style>
+          <a:lnRef idx="3">
+            <a:schemeClr val="accent2"/>
+          </a:lnRef>
+          <a:fillRef idx="0">
+            <a:schemeClr val="accent2"/>
+          </a:fillRef>
+          <a:effectRef idx="2">
+            <a:schemeClr val="accent2"/>
+          </a:effectRef>
+          <a:fontRef idx="minor">
+            <a:schemeClr val="tx1"/>
+          </a:fontRef>
+        </p:style>
+      </p:cxnSp>
+      <p:cxnSp>
+        <p:nvCxnSpPr>
+          <p:cNvPr id="24" name="Straight Arrow Connector 23"/>
+          <p:cNvCxnSpPr/>
+          <p:nvPr/>
+        </p:nvCxnSpPr>
+        <p:spPr>
+          <a:xfrm>
+            <a:off x="3700329" y="3015348"/>
+            <a:ext cx="3281585" cy="838806"/>
+          </a:xfrm>
+          <a:prstGeom prst="straightConnector1">
+            <a:avLst/>
+          </a:prstGeom>
+          <a:ln>
+            <a:tailEnd type="triangle"/>
+          </a:ln>
+        </p:spPr>
+        <p:style>
+          <a:lnRef idx="3">
+            <a:schemeClr val="accent2"/>
+          </a:lnRef>
+          <a:fillRef idx="0">
+            <a:schemeClr val="accent2"/>
+          </a:fillRef>
+          <a:effectRef idx="2">
+            <a:schemeClr val="accent2"/>
+          </a:effectRef>
+          <a:fontRef idx="minor">
+            <a:schemeClr val="tx1"/>
+          </a:fontRef>
+        </p:style>
+      </p:cxnSp>
+      <p:pic>
+        <p:nvPicPr>
+          <p:cNvPr id="30" name="Picture 29"/>
+          <p:cNvPicPr>
+            <a:picLocks noChangeAspect="1"/>
+          </p:cNvPicPr>
+          <p:nvPr/>
+        </p:nvPicPr>
+        <p:blipFill>
+          <a:blip r:embed="rId3">
+            <a:extLst>
+              <a:ext uri="{28A0092B-C50C-407E-A947-70E740481C1C}">
+                <a14:useLocalDpi xmlns:a14="http://schemas.microsoft.com/office/drawing/2010/main" val="0"/>
+              </a:ext>
+            </a:extLst>
+          </a:blip>
+          <a:stretch>
+            <a:fillRect/>
+          </a:stretch>
+        </p:blipFill>
+        <p:spPr>
+          <a:xfrm>
+            <a:off x="68971" y="79308"/>
+            <a:ext cx="6784756" cy="443863"/>
+          </a:xfrm>
+          <a:prstGeom prst="rect">
+            <a:avLst/>
+          </a:prstGeom>
+        </p:spPr>
+      </p:pic>
+      <p:cxnSp>
+        <p:nvCxnSpPr>
+          <p:cNvPr id="9" name="Straight Arrow Connector 8"/>
+          <p:cNvCxnSpPr/>
+          <p:nvPr/>
+        </p:nvCxnSpPr>
+        <p:spPr>
+          <a:xfrm flipV="1">
+            <a:off x="3700329" y="367469"/>
+            <a:ext cx="2956845" cy="2469736"/>
           </a:xfrm>
           <a:prstGeom prst="straightConnector1">
             <a:avLst/>
@@ -17028,7 +21140,7 @@
 </p:sld>
 </file>
 
-<file path=ppt/slides/slide6.xml><?xml version="1.0" encoding="utf-8"?>
+<file path=ppt/slides/slide8.xml><?xml version="1.0" encoding="utf-8"?>
 <p:sld xmlns:a="http://schemas.openxmlformats.org/drawingml/2006/main" xmlns:r="http://schemas.openxmlformats.org/officeDocument/2006/relationships" xmlns:p="http://schemas.openxmlformats.org/presentationml/2006/main">
   <p:cSld>
     <p:spTree>
@@ -17054,7 +21166,7 @@
           <p:nvPr>
             <p:extLst>
               <p:ext uri="{D42A27DB-BD31-4B8C-83A1-F6EECF244321}">
-                <p14:modId xmlns:p14="http://schemas.microsoft.com/office/powerpoint/2010/main" val="893751712"/>
+                <p14:modId xmlns:p14="http://schemas.microsoft.com/office/powerpoint/2010/main" val="343880394"/>
               </p:ext>
             </p:extLst>
           </p:nvPr>
@@ -17592,9 +21704,9 @@
                     <a:p>
                       <a:pPr algn="ctr"/>
                       <a:r>
-                        <a:rPr lang="en-US" sz="1800" b="0" i="0" kern="1200" smtClean="0">
+                        <a:rPr lang="en-US" sz="1800" b="1" i="0" kern="1200" dirty="0" smtClean="0">
                           <a:solidFill>
-                            <a:schemeClr val="dk1"/>
+                            <a:srgbClr val="FF0000"/>
                           </a:solidFill>
                           <a:effectLst/>
                           <a:latin typeface="Cambria" panose="02040503050406030204" pitchFamily="18" charset="0"/>
@@ -17603,7 +21715,10 @@
                         </a:rPr>
                         <a:t>01</a:t>
                       </a:r>
-                      <a:endParaRPr lang="en-US" dirty="0">
+                      <a:endParaRPr lang="en-US" b="1" dirty="0">
+                        <a:solidFill>
+                          <a:srgbClr val="FF0000"/>
+                        </a:solidFill>
                         <a:latin typeface="Cambria" panose="02040503050406030204" pitchFamily="18" charset="0"/>
                       </a:endParaRPr>
                     </a:p>
@@ -17815,13 +21930,13 @@
           <p:nvPr>
             <p:extLst>
               <p:ext uri="{D42A27DB-BD31-4B8C-83A1-F6EECF244321}">
-                <p14:modId xmlns:p14="http://schemas.microsoft.com/office/powerpoint/2010/main" val="1552045169"/>
+                <p14:modId xmlns:p14="http://schemas.microsoft.com/office/powerpoint/2010/main" val="2947391374"/>
               </p:ext>
             </p:extLst>
           </p:nvPr>
         </p:nvGraphicFramePr>
         <p:xfrm>
-          <a:off x="6164366" y="435834"/>
+          <a:off x="6802452" y="1384416"/>
           <a:ext cx="1749039" cy="1115547"/>
         </p:xfrm>
         <a:graphic>
@@ -17894,8 +22009,71 @@
         </p:nvCxnSpPr>
         <p:spPr>
           <a:xfrm flipV="1">
-            <a:off x="3474720" y="1290416"/>
-            <a:ext cx="2797893" cy="3738784"/>
+            <a:off x="3474720" y="2341548"/>
+            <a:ext cx="3392378" cy="2687653"/>
+          </a:xfrm>
+          <a:prstGeom prst="straightConnector1">
+            <a:avLst/>
+          </a:prstGeom>
+          <a:ln>
+            <a:tailEnd type="triangle"/>
+          </a:ln>
+        </p:spPr>
+        <p:style>
+          <a:lnRef idx="3">
+            <a:schemeClr val="accent2"/>
+          </a:lnRef>
+          <a:fillRef idx="0">
+            <a:schemeClr val="accent2"/>
+          </a:fillRef>
+          <a:effectRef idx="2">
+            <a:schemeClr val="accent2"/>
+          </a:effectRef>
+          <a:fontRef idx="minor">
+            <a:schemeClr val="tx1"/>
+          </a:fontRef>
+        </p:style>
+      </p:cxnSp>
+      <p:pic>
+        <p:nvPicPr>
+          <p:cNvPr id="11" name="Picture 10"/>
+          <p:cNvPicPr>
+            <a:picLocks noChangeAspect="1"/>
+          </p:cNvPicPr>
+          <p:nvPr/>
+        </p:nvPicPr>
+        <p:blipFill>
+          <a:blip r:embed="rId2">
+            <a:extLst>
+              <a:ext uri="{28A0092B-C50C-407E-A947-70E740481C1C}">
+                <a14:useLocalDpi xmlns:a14="http://schemas.microsoft.com/office/drawing/2010/main" val="0"/>
+              </a:ext>
+            </a:extLst>
+          </a:blip>
+          <a:stretch>
+            <a:fillRect/>
+          </a:stretch>
+        </p:blipFill>
+        <p:spPr>
+          <a:xfrm>
+            <a:off x="82342" y="290816"/>
+            <a:ext cx="6784756" cy="443863"/>
+          </a:xfrm>
+          <a:prstGeom prst="rect">
+            <a:avLst/>
+          </a:prstGeom>
+        </p:spPr>
+      </p:pic>
+      <p:cxnSp>
+        <p:nvCxnSpPr>
+          <p:cNvPr id="10" name="Straight Arrow Connector 9"/>
+          <p:cNvCxnSpPr/>
+          <p:nvPr/>
+        </p:nvCxnSpPr>
+        <p:spPr>
+          <a:xfrm flipH="1" flipV="1">
+            <a:off x="341832" y="615297"/>
+            <a:ext cx="2593079" cy="4413903"/>
           </a:xfrm>
           <a:prstGeom prst="straightConnector1">
             <a:avLst/>
@@ -17939,7 +22117,7 @@
 </p:sld>
 </file>
 
-<file path=ppt/slides/slide7.xml><?xml version="1.0" encoding="utf-8"?>
+<file path=ppt/slides/slide9.xml><?xml version="1.0" encoding="utf-8"?>
 <p:sld xmlns:a="http://schemas.openxmlformats.org/drawingml/2006/main" xmlns:r="http://schemas.openxmlformats.org/officeDocument/2006/relationships" xmlns:p="http://schemas.openxmlformats.org/presentationml/2006/main">
   <p:cSld>
     <p:spTree>
@@ -17965,7 +22143,7 @@
           <p:nvPr>
             <p:extLst>
               <p:ext uri="{D42A27DB-BD31-4B8C-83A1-F6EECF244321}">
-                <p14:modId xmlns:p14="http://schemas.microsoft.com/office/powerpoint/2010/main" val="2482554419"/>
+                <p14:modId xmlns:p14="http://schemas.microsoft.com/office/powerpoint/2010/main" val="1905963055"/>
               </p:ext>
             </p:extLst>
           </p:nvPr>
@@ -18549,18 +22727,93 @@
                     <a:p>
                       <a:pPr algn="ctr"/>
                       <a:r>
-                        <a:rPr lang="en-US" sz="1800" b="0" i="0" kern="1200" smtClean="0">
+                        <a:rPr lang="en-US" sz="1800" b="1" i="0" kern="1200" dirty="0" err="1" smtClean="0">
                           <a:solidFill>
-                            <a:schemeClr val="dk1"/>
+                            <a:srgbClr val="FF0000"/>
                           </a:solidFill>
                           <a:effectLst/>
                           <a:latin typeface="Cambria" panose="02040503050406030204" pitchFamily="18" charset="0"/>
                           <a:ea typeface="+mn-ea"/>
                           <a:cs typeface="+mn-cs"/>
                         </a:rPr>
-                        <a:t>Bến Thành- BX Chợ Lớn</a:t>
-                      </a:r>
-                      <a:endParaRPr lang="en-US" dirty="0">
+                        <a:t>Bến</a:t>
+                      </a:r>
+                      <a:r>
+                        <a:rPr lang="en-US" sz="1800" b="1" i="0" kern="1200" dirty="0" smtClean="0">
+                          <a:solidFill>
+                            <a:srgbClr val="FF0000"/>
+                          </a:solidFill>
+                          <a:effectLst/>
+                          <a:latin typeface="Cambria" panose="02040503050406030204" pitchFamily="18" charset="0"/>
+                          <a:ea typeface="+mn-ea"/>
+                          <a:cs typeface="+mn-cs"/>
+                        </a:rPr>
+                        <a:t> </a:t>
+                      </a:r>
+                      <a:r>
+                        <a:rPr lang="en-US" sz="1800" b="1" i="0" kern="1200" dirty="0" err="1" smtClean="0">
+                          <a:solidFill>
+                            <a:srgbClr val="FF0000"/>
+                          </a:solidFill>
+                          <a:effectLst/>
+                          <a:latin typeface="Cambria" panose="02040503050406030204" pitchFamily="18" charset="0"/>
+                          <a:ea typeface="+mn-ea"/>
+                          <a:cs typeface="+mn-cs"/>
+                        </a:rPr>
+                        <a:t>Thành</a:t>
+                      </a:r>
+                      <a:r>
+                        <a:rPr lang="en-US" sz="1800" b="1" i="0" kern="1200" dirty="0" smtClean="0">
+                          <a:solidFill>
+                            <a:srgbClr val="FF0000"/>
+                          </a:solidFill>
+                          <a:effectLst/>
+                          <a:latin typeface="Cambria" panose="02040503050406030204" pitchFamily="18" charset="0"/>
+                          <a:ea typeface="+mn-ea"/>
+                          <a:cs typeface="+mn-cs"/>
+                        </a:rPr>
+                        <a:t>- BX </a:t>
+                      </a:r>
+                      <a:r>
+                        <a:rPr lang="en-US" sz="1800" b="1" i="0" kern="1200" dirty="0" err="1" smtClean="0">
+                          <a:solidFill>
+                            <a:srgbClr val="FF0000"/>
+                          </a:solidFill>
+                          <a:effectLst/>
+                          <a:latin typeface="Cambria" panose="02040503050406030204" pitchFamily="18" charset="0"/>
+                          <a:ea typeface="+mn-ea"/>
+                          <a:cs typeface="+mn-cs"/>
+                        </a:rPr>
+                        <a:t>Chợ</a:t>
+                      </a:r>
+                      <a:r>
+                        <a:rPr lang="en-US" sz="1800" b="1" i="0" kern="1200" dirty="0" smtClean="0">
+                          <a:solidFill>
+                            <a:srgbClr val="FF0000"/>
+                          </a:solidFill>
+                          <a:effectLst/>
+                          <a:latin typeface="Cambria" panose="02040503050406030204" pitchFamily="18" charset="0"/>
+                          <a:ea typeface="+mn-ea"/>
+                          <a:cs typeface="+mn-cs"/>
+                        </a:rPr>
+                        <a:t> </a:t>
+                      </a:r>
+                      <a:r>
+                        <a:rPr lang="en-US" sz="1800" b="1" i="0" kern="1200" dirty="0" err="1" smtClean="0">
+                          <a:solidFill>
+                            <a:srgbClr val="FF0000"/>
+                          </a:solidFill>
+                          <a:effectLst/>
+                          <a:latin typeface="Cambria" panose="02040503050406030204" pitchFamily="18" charset="0"/>
+                          <a:ea typeface="+mn-ea"/>
+                          <a:cs typeface="+mn-cs"/>
+                        </a:rPr>
+                        <a:t>Lớn</a:t>
+                      </a:r>
+                      <a:endParaRPr lang="en-US" b="1" dirty="0">
+                        <a:solidFill>
+                          <a:srgbClr val="FF0000"/>
+                        </a:solidFill>
                         <a:latin typeface="Cambria" panose="02040503050406030204" pitchFamily="18" charset="0"/>
                       </a:endParaRPr>
                     </a:p>
@@ -18726,13 +22979,13 @@
           <p:nvPr>
             <p:extLst>
               <p:ext uri="{D42A27DB-BD31-4B8C-83A1-F6EECF244321}">
-                <p14:modId xmlns:p14="http://schemas.microsoft.com/office/powerpoint/2010/main" val="842521654"/>
+                <p14:modId xmlns:p14="http://schemas.microsoft.com/office/powerpoint/2010/main" val="1884562370"/>
               </p:ext>
             </p:extLst>
           </p:nvPr>
         </p:nvGraphicFramePr>
         <p:xfrm>
-          <a:off x="6164366" y="435834"/>
+          <a:off x="6694205" y="2349666"/>
           <a:ext cx="1749039" cy="1487396"/>
         </p:xfrm>
         <a:graphic>
@@ -18821,8 +23074,71 @@
         </p:nvCxnSpPr>
         <p:spPr>
           <a:xfrm flipV="1">
-            <a:off x="4480560" y="1717705"/>
-            <a:ext cx="1774961" cy="3697575"/>
+            <a:off x="4480560" y="3640508"/>
+            <a:ext cx="2279163" cy="1774774"/>
+          </a:xfrm>
+          <a:prstGeom prst="straightConnector1">
+            <a:avLst/>
+          </a:prstGeom>
+          <a:ln>
+            <a:tailEnd type="triangle"/>
+          </a:ln>
+        </p:spPr>
+        <p:style>
+          <a:lnRef idx="3">
+            <a:schemeClr val="accent2"/>
+          </a:lnRef>
+          <a:fillRef idx="0">
+            <a:schemeClr val="accent2"/>
+          </a:fillRef>
+          <a:effectRef idx="2">
+            <a:schemeClr val="accent2"/>
+          </a:effectRef>
+          <a:fontRef idx="minor">
+            <a:schemeClr val="tx1"/>
+          </a:fontRef>
+        </p:style>
+      </p:cxnSp>
+      <p:pic>
+        <p:nvPicPr>
+          <p:cNvPr id="9" name="Picture 8"/>
+          <p:cNvPicPr>
+            <a:picLocks noChangeAspect="1"/>
+          </p:cNvPicPr>
+          <p:nvPr/>
+        </p:nvPicPr>
+        <p:blipFill>
+          <a:blip r:embed="rId2">
+            <a:extLst>
+              <a:ext uri="{28A0092B-C50C-407E-A947-70E740481C1C}">
+                <a14:useLocalDpi xmlns:a14="http://schemas.microsoft.com/office/drawing/2010/main" val="0"/>
+              </a:ext>
+            </a:extLst>
+          </a:blip>
+          <a:stretch>
+            <a:fillRect/>
+          </a:stretch>
+        </p:blipFill>
+        <p:spPr>
+          <a:xfrm>
+            <a:off x="86063" y="672289"/>
+            <a:ext cx="6784756" cy="443863"/>
+          </a:xfrm>
+          <a:prstGeom prst="rect">
+            <a:avLst/>
+          </a:prstGeom>
+        </p:spPr>
+      </p:pic>
+      <p:cxnSp>
+        <p:nvCxnSpPr>
+          <p:cNvPr id="11" name="Straight Arrow Connector 10"/>
+          <p:cNvCxnSpPr/>
+          <p:nvPr/>
+        </p:nvCxnSpPr>
+        <p:spPr>
+          <a:xfrm flipH="1" flipV="1">
+            <a:off x="1640793" y="1034041"/>
+            <a:ext cx="1162229" cy="4187439"/>
           </a:xfrm>
           <a:prstGeom prst="straightConnector1">
             <a:avLst/>
@@ -18850,979 +23166,6 @@
     <p:extLst>
       <p:ext uri="{BB962C8B-B14F-4D97-AF65-F5344CB8AC3E}">
         <p14:creationId xmlns:p14="http://schemas.microsoft.com/office/powerpoint/2010/main" val="3066861398"/>
-      </p:ext>
-    </p:extLst>
-  </p:cSld>
-  <p:clrMapOvr>
-    <a:masterClrMapping/>
-  </p:clrMapOvr>
-  <p:timing>
-    <p:tnLst>
-      <p:par>
-        <p:cTn id="1" dur="indefinite" restart="never" nodeType="tmRoot"/>
-      </p:par>
-    </p:tnLst>
-  </p:timing>
-</p:sld>
-</file>
-
-<file path=ppt/slides/slide8.xml><?xml version="1.0" encoding="utf-8"?>
-<p:sld xmlns:a="http://schemas.openxmlformats.org/drawingml/2006/main" xmlns:r="http://schemas.openxmlformats.org/officeDocument/2006/relationships" xmlns:p="http://schemas.openxmlformats.org/presentationml/2006/main">
-  <p:cSld>
-    <p:spTree>
-      <p:nvGrpSpPr>
-        <p:cNvPr id="1" name=""/>
-        <p:cNvGrpSpPr/>
-        <p:nvPr/>
-      </p:nvGrpSpPr>
-      <p:grpSpPr>
-        <a:xfrm>
-          <a:off x="0" y="0"/>
-          <a:ext cx="0" cy="0"/>
-          <a:chOff x="0" y="0"/>
-          <a:chExt cx="0" cy="0"/>
-        </a:xfrm>
-      </p:grpSpPr>
-      <p:sp>
-        <p:nvSpPr>
-          <p:cNvPr id="5" name="Rectangle 4"/>
-          <p:cNvSpPr/>
-          <p:nvPr/>
-        </p:nvSpPr>
-        <p:spPr>
-          <a:xfrm>
-            <a:off x="0" y="0"/>
-            <a:ext cx="9144000" cy="6858000"/>
-          </a:xfrm>
-          <a:prstGeom prst="rect">
-            <a:avLst/>
-          </a:prstGeom>
-        </p:spPr>
-        <p:style>
-          <a:lnRef idx="2">
-            <a:schemeClr val="accent1">
-              <a:shade val="50000"/>
-            </a:schemeClr>
-          </a:lnRef>
-          <a:fillRef idx="1">
-            <a:schemeClr val="accent1"/>
-          </a:fillRef>
-          <a:effectRef idx="0">
-            <a:schemeClr val="accent1"/>
-          </a:effectRef>
-          <a:fontRef idx="minor">
-            <a:schemeClr val="lt1"/>
-          </a:fontRef>
-        </p:style>
-        <p:txBody>
-          <a:bodyPr rtlCol="0" anchor="ctr"/>
-          <a:lstStyle/>
-          <a:p>
-            <a:pPr algn="ctr"/>
-            <a:r>
-              <a:rPr lang="en-US" sz="11500" dirty="0" smtClean="0">
-                <a:latin typeface="Cambria" panose="02040503050406030204" pitchFamily="18" charset="0"/>
-              </a:rPr>
-              <a:t>STATION</a:t>
-            </a:r>
-            <a:endParaRPr lang="en-US" dirty="0">
-              <a:latin typeface="Cambria" panose="02040503050406030204" pitchFamily="18" charset="0"/>
-            </a:endParaRPr>
-          </a:p>
-        </p:txBody>
-      </p:sp>
-    </p:spTree>
-    <p:extLst>
-      <p:ext uri="{BB962C8B-B14F-4D97-AF65-F5344CB8AC3E}">
-        <p14:creationId xmlns:p14="http://schemas.microsoft.com/office/powerpoint/2010/main" val="793598644"/>
-      </p:ext>
-    </p:extLst>
-  </p:cSld>
-  <p:clrMapOvr>
-    <a:masterClrMapping/>
-  </p:clrMapOvr>
-</p:sld>
-</file>
-
-<file path=ppt/slides/slide9.xml><?xml version="1.0" encoding="utf-8"?>
-<p:sld xmlns:a="http://schemas.openxmlformats.org/drawingml/2006/main" xmlns:r="http://schemas.openxmlformats.org/officeDocument/2006/relationships" xmlns:p="http://schemas.openxmlformats.org/presentationml/2006/main">
-  <p:cSld>
-    <p:spTree>
-      <p:nvGrpSpPr>
-        <p:cNvPr id="1" name=""/>
-        <p:cNvGrpSpPr/>
-        <p:nvPr/>
-      </p:nvGrpSpPr>
-      <p:grpSpPr>
-        <a:xfrm>
-          <a:off x="0" y="0"/>
-          <a:ext cx="0" cy="0"/>
-          <a:chOff x="0" y="0"/>
-          <a:chExt cx="0" cy="0"/>
-        </a:xfrm>
-      </p:grpSpPr>
-      <p:graphicFrame>
-        <p:nvGraphicFramePr>
-          <p:cNvPr id="15" name="Table 14"/>
-          <p:cNvGraphicFramePr>
-            <a:graphicFrameLocks noGrp="1"/>
-          </p:cNvGraphicFramePr>
-          <p:nvPr>
-            <p:extLst>
-              <p:ext uri="{D42A27DB-BD31-4B8C-83A1-F6EECF244321}">
-                <p14:modId xmlns:p14="http://schemas.microsoft.com/office/powerpoint/2010/main" val="840763811"/>
-              </p:ext>
-            </p:extLst>
-          </p:nvPr>
-        </p:nvGraphicFramePr>
-        <p:xfrm>
-          <a:off x="106679" y="81588"/>
-          <a:ext cx="5552441" cy="6193561"/>
-        </p:xfrm>
-        <a:graphic>
-          <a:graphicData uri="http://schemas.openxmlformats.org/drawingml/2006/table">
-            <a:tbl>
-              <a:tblPr firstRow="1" bandRow="1">
-                <a:tableStyleId>{5C22544A-7EE6-4342-B048-85BDC9FD1C3A}</a:tableStyleId>
-              </a:tblPr>
-              <a:tblGrid>
-                <a:gridCol w="729701"/>
-                <a:gridCol w="4822740"/>
-              </a:tblGrid>
-              <a:tr h="371881">
-                <a:tc>
-                  <a:txBody>
-                    <a:bodyPr/>
-                    <a:lstStyle/>
-                    <a:p>
-                      <a:pPr algn="ctr"/>
-                      <a:r>
-                        <a:rPr lang="en-US" sz="1600" dirty="0" smtClean="0">
-                          <a:latin typeface="Cambria" panose="02040503050406030204" pitchFamily="18" charset="0"/>
-                        </a:rPr>
-                        <a:t>Index</a:t>
-                      </a:r>
-                      <a:endParaRPr lang="en-US" sz="1600" dirty="0">
-                        <a:latin typeface="Cambria" panose="02040503050406030204" pitchFamily="18" charset="0"/>
-                      </a:endParaRPr>
-                    </a:p>
-                  </a:txBody>
-                  <a:tcPr/>
-                </a:tc>
-                <a:tc>
-                  <a:txBody>
-                    <a:bodyPr/>
-                    <a:lstStyle/>
-                    <a:p>
-                      <a:pPr algn="ctr"/>
-                      <a:r>
-                        <a:rPr lang="en-US" dirty="0" smtClean="0">
-                          <a:latin typeface="Cambria" panose="02040503050406030204" pitchFamily="18" charset="0"/>
-                        </a:rPr>
-                        <a:t>Sample value</a:t>
-                      </a:r>
-                      <a:endParaRPr lang="en-US" dirty="0">
-                        <a:latin typeface="Cambria" panose="02040503050406030204" pitchFamily="18" charset="0"/>
-                      </a:endParaRPr>
-                    </a:p>
-                  </a:txBody>
-                  <a:tcPr/>
-                </a:tc>
-              </a:tr>
-              <a:tr h="352590">
-                <a:tc>
-                  <a:txBody>
-                    <a:bodyPr/>
-                    <a:lstStyle/>
-                    <a:p>
-                      <a:pPr algn="ctr"/>
-                      <a:r>
-                        <a:rPr lang="en-US" smtClean="0">
-                          <a:latin typeface="Cambria" panose="02040503050406030204" pitchFamily="18" charset="0"/>
-                        </a:rPr>
-                        <a:t>0</a:t>
-                      </a:r>
-                      <a:endParaRPr lang="en-US" dirty="0">
-                        <a:latin typeface="Cambria" panose="02040503050406030204" pitchFamily="18" charset="0"/>
-                      </a:endParaRPr>
-                    </a:p>
-                  </a:txBody>
-                  <a:tcPr/>
-                </a:tc>
-                <a:tc>
-                  <a:txBody>
-                    <a:bodyPr/>
-                    <a:lstStyle/>
-                    <a:p>
-                      <a:pPr algn="ctr"/>
-                      <a:r>
-                        <a:rPr lang="en-US" smtClean="0">
-                          <a:latin typeface="Cambria" panose="02040503050406030204" pitchFamily="18" charset="0"/>
-                        </a:rPr>
-                        <a:t>1</a:t>
-                      </a:r>
-                      <a:endParaRPr lang="en-US" dirty="0">
-                        <a:latin typeface="Cambria" panose="02040503050406030204" pitchFamily="18" charset="0"/>
-                      </a:endParaRPr>
-                    </a:p>
-                  </a:txBody>
-                  <a:tcPr/>
-                </a:tc>
-              </a:tr>
-              <a:tr h="352590">
-                <a:tc>
-                  <a:txBody>
-                    <a:bodyPr/>
-                    <a:lstStyle/>
-                    <a:p>
-                      <a:pPr algn="ctr"/>
-                      <a:r>
-                        <a:rPr lang="en-US" smtClean="0">
-                          <a:latin typeface="Cambria" panose="02040503050406030204" pitchFamily="18" charset="0"/>
-                        </a:rPr>
-                        <a:t>1</a:t>
-                      </a:r>
-                      <a:endParaRPr lang="en-US" dirty="0">
-                        <a:latin typeface="Cambria" panose="02040503050406030204" pitchFamily="18" charset="0"/>
-                      </a:endParaRPr>
-                    </a:p>
-                  </a:txBody>
-                  <a:tcPr/>
-                </a:tc>
-                <a:tc>
-                  <a:txBody>
-                    <a:bodyPr/>
-                    <a:lstStyle/>
-                    <a:p>
-                      <a:pPr algn="ctr"/>
-                      <a:r>
-                        <a:rPr lang="en-US" smtClean="0">
-                          <a:latin typeface="Cambria" panose="02040503050406030204" pitchFamily="18" charset="0"/>
-                        </a:rPr>
-                        <a:t>8999</a:t>
-                      </a:r>
-                      <a:endParaRPr lang="en-US" dirty="0">
-                        <a:latin typeface="Cambria" panose="02040503050406030204" pitchFamily="18" charset="0"/>
-                      </a:endParaRPr>
-                    </a:p>
-                  </a:txBody>
-                  <a:tcPr/>
-                </a:tc>
-              </a:tr>
-              <a:tr h="352590">
-                <a:tc>
-                  <a:txBody>
-                    <a:bodyPr/>
-                    <a:lstStyle/>
-                    <a:p>
-                      <a:pPr algn="ctr"/>
-                      <a:r>
-                        <a:rPr lang="en-US" smtClean="0">
-                          <a:latin typeface="Cambria" panose="02040503050406030204" pitchFamily="18" charset="0"/>
-                        </a:rPr>
-                        <a:t>2</a:t>
-                      </a:r>
-                      <a:endParaRPr lang="en-US" dirty="0">
-                        <a:latin typeface="Cambria" panose="02040503050406030204" pitchFamily="18" charset="0"/>
-                      </a:endParaRPr>
-                    </a:p>
-                  </a:txBody>
-                  <a:tcPr/>
-                </a:tc>
-                <a:tc>
-                  <a:txBody>
-                    <a:bodyPr/>
-                    <a:lstStyle/>
-                    <a:p>
-                      <a:pPr algn="ctr"/>
-                      <a:r>
-                        <a:rPr lang="en-US" dirty="0" smtClean="0">
-                          <a:latin typeface="Cambria" panose="02040503050406030204" pitchFamily="18" charset="0"/>
-                        </a:rPr>
-                        <a:t>8994</a:t>
-                      </a:r>
-                      <a:endParaRPr lang="en-US" dirty="0">
-                        <a:latin typeface="Cambria" panose="02040503050406030204" pitchFamily="18" charset="0"/>
-                      </a:endParaRPr>
-                    </a:p>
-                  </a:txBody>
-                  <a:tcPr/>
-                </a:tc>
-              </a:tr>
-              <a:tr h="1028386">
-                <a:tc>
-                  <a:txBody>
-                    <a:bodyPr/>
-                    <a:lstStyle/>
-                    <a:p>
-                      <a:pPr algn="ctr"/>
-                      <a:r>
-                        <a:rPr lang="en-US" smtClean="0">
-                          <a:latin typeface="Cambria" panose="02040503050406030204" pitchFamily="18" charset="0"/>
-                        </a:rPr>
-                        <a:t>3</a:t>
-                      </a:r>
-                      <a:endParaRPr lang="en-US" dirty="0">
-                        <a:latin typeface="Cambria" panose="02040503050406030204" pitchFamily="18" charset="0"/>
-                      </a:endParaRPr>
-                    </a:p>
-                  </a:txBody>
-                  <a:tcPr/>
-                </a:tc>
-                <a:tc>
-                  <a:txBody>
-                    <a:bodyPr/>
-                    <a:lstStyle/>
-                    <a:p>
-                      <a:pPr marL="0" marR="0" indent="0" algn="ctr" defTabSz="914400" rtl="0" eaLnBrk="1" fontAlgn="auto" latinLnBrk="0" hangingPunct="1">
-                        <a:lnSpc>
-                          <a:spcPct val="100000"/>
-                        </a:lnSpc>
-                        <a:spcBef>
-                          <a:spcPts val="0"/>
-                        </a:spcBef>
-                        <a:spcAft>
-                          <a:spcPts val="0"/>
-                        </a:spcAft>
-                        <a:buClrTx/>
-                        <a:buSzTx/>
-                        <a:buFontTx/>
-                        <a:buNone/>
-                        <a:tabLst/>
-                        <a:defRPr/>
-                      </a:pPr>
-                      <a:r>
-                        <a:rPr lang="en-US" sz="1600" b="0" i="0" kern="1200" dirty="0" smtClean="0">
-                          <a:solidFill>
-                            <a:schemeClr val="dk1"/>
-                          </a:solidFill>
-                          <a:effectLst/>
-                          <a:latin typeface="Cambria" panose="02040503050406030204" pitchFamily="18" charset="0"/>
-                          <a:ea typeface="+mn-ea"/>
-                          <a:cs typeface="+mn-cs"/>
-                        </a:rPr>
-                        <a:t>106.70589000000001,10.776800000000001 106.70627,10.775810000000002 106.70623,10.77579 106.70617000000001,10.77576 ...</a:t>
-                      </a:r>
-                      <a:endParaRPr lang="en-US" sz="1600" dirty="0" smtClean="0">
-                        <a:latin typeface="Cambria" panose="02040503050406030204" pitchFamily="18" charset="0"/>
-                      </a:endParaRPr>
-                    </a:p>
-                  </a:txBody>
-                  <a:tcPr/>
-                </a:tc>
-              </a:tr>
-              <a:tr h="352590">
-                <a:tc>
-                  <a:txBody>
-                    <a:bodyPr/>
-                    <a:lstStyle/>
-                    <a:p>
-                      <a:pPr algn="ctr"/>
-                      <a:r>
-                        <a:rPr lang="en-US" smtClean="0">
-                          <a:latin typeface="Cambria" panose="02040503050406030204" pitchFamily="18" charset="0"/>
-                        </a:rPr>
-                        <a:t>4</a:t>
-                      </a:r>
-                      <a:endParaRPr lang="en-US" dirty="0">
-                        <a:latin typeface="Cambria" panose="02040503050406030204" pitchFamily="18" charset="0"/>
-                      </a:endParaRPr>
-                    </a:p>
-                  </a:txBody>
-                  <a:tcPr/>
-                </a:tc>
-                <a:tc>
-                  <a:txBody>
-                    <a:bodyPr/>
-                    <a:lstStyle/>
-                    <a:p>
-                      <a:pPr algn="ctr"/>
-                      <a:r>
-                        <a:rPr lang="en-US" smtClean="0">
-                          <a:latin typeface="Cambria" panose="02040503050406030204" pitchFamily="18" charset="0"/>
-                        </a:rPr>
-                        <a:t>True</a:t>
-                      </a:r>
-                      <a:endParaRPr lang="en-US" dirty="0">
-                        <a:latin typeface="Cambria" panose="02040503050406030204" pitchFamily="18" charset="0"/>
-                      </a:endParaRPr>
-                    </a:p>
-                  </a:txBody>
-                  <a:tcPr/>
-                </a:tc>
-              </a:tr>
-              <a:tr h="352590">
-                <a:tc>
-                  <a:txBody>
-                    <a:bodyPr/>
-                    <a:lstStyle/>
-                    <a:p>
-                      <a:pPr algn="ctr"/>
-                      <a:r>
-                        <a:rPr lang="en-US" smtClean="0">
-                          <a:latin typeface="Cambria" panose="02040503050406030204" pitchFamily="18" charset="0"/>
-                        </a:rPr>
-                        <a:t>5</a:t>
-                      </a:r>
-                      <a:endParaRPr lang="en-US" dirty="0">
-                        <a:latin typeface="Cambria" panose="02040503050406030204" pitchFamily="18" charset="0"/>
-                      </a:endParaRPr>
-                    </a:p>
-                  </a:txBody>
-                  <a:tcPr/>
-                </a:tc>
-                <a:tc>
-                  <a:txBody>
-                    <a:bodyPr/>
-                    <a:lstStyle/>
-                    <a:p>
-                      <a:pPr algn="ctr"/>
-                      <a:r>
-                        <a:rPr lang="en-US" sz="1800" b="0" i="0" kern="1200" smtClean="0">
-                          <a:solidFill>
-                            <a:schemeClr val="dk1"/>
-                          </a:solidFill>
-                          <a:effectLst/>
-                          <a:latin typeface="Cambria" panose="02040503050406030204" pitchFamily="18" charset="0"/>
-                          <a:ea typeface="+mn-ea"/>
-                          <a:cs typeface="+mn-cs"/>
-                        </a:rPr>
-                        <a:t>1</a:t>
-                      </a:r>
-                      <a:endParaRPr lang="en-US" dirty="0">
-                        <a:latin typeface="Cambria" panose="02040503050406030204" pitchFamily="18" charset="0"/>
-                      </a:endParaRPr>
-                    </a:p>
-                  </a:txBody>
-                  <a:tcPr/>
-                </a:tc>
-              </a:tr>
-              <a:tr h="352590">
-                <a:tc>
-                  <a:txBody>
-                    <a:bodyPr/>
-                    <a:lstStyle/>
-                    <a:p>
-                      <a:pPr algn="ctr"/>
-                      <a:r>
-                        <a:rPr lang="en-US" smtClean="0">
-                          <a:latin typeface="Cambria" panose="02040503050406030204" pitchFamily="18" charset="0"/>
-                        </a:rPr>
-                        <a:t>6</a:t>
-                      </a:r>
-                      <a:endParaRPr lang="en-US" dirty="0">
-                        <a:latin typeface="Cambria" panose="02040503050406030204" pitchFamily="18" charset="0"/>
-                      </a:endParaRPr>
-                    </a:p>
-                  </a:txBody>
-                  <a:tcPr/>
-                </a:tc>
-                <a:tc>
-                  <a:txBody>
-                    <a:bodyPr/>
-                    <a:lstStyle/>
-                    <a:p>
-                      <a:pPr algn="ctr"/>
-                      <a:r>
-                        <a:rPr lang="en-US" sz="1800" b="0" i="0" kern="1200" smtClean="0">
-                          <a:solidFill>
-                            <a:schemeClr val="dk1"/>
-                          </a:solidFill>
-                          <a:effectLst/>
-                          <a:latin typeface="Cambria" panose="02040503050406030204" pitchFamily="18" charset="0"/>
-                          <a:ea typeface="+mn-ea"/>
-                          <a:cs typeface="+mn-cs"/>
-                        </a:rPr>
-                        <a:t>468.747807122203</a:t>
-                      </a:r>
-                      <a:endParaRPr lang="en-US" dirty="0">
-                        <a:latin typeface="Cambria" panose="02040503050406030204" pitchFamily="18" charset="0"/>
-                      </a:endParaRPr>
-                    </a:p>
-                  </a:txBody>
-                  <a:tcPr/>
-                </a:tc>
-              </a:tr>
-              <a:tr h="352590">
-                <a:tc>
-                  <a:txBody>
-                    <a:bodyPr/>
-                    <a:lstStyle/>
-                    <a:p>
-                      <a:pPr algn="ctr"/>
-                      <a:r>
-                        <a:rPr lang="en-US" smtClean="0">
-                          <a:latin typeface="Cambria" panose="02040503050406030204" pitchFamily="18" charset="0"/>
-                        </a:rPr>
-                        <a:t>7</a:t>
-                      </a:r>
-                      <a:endParaRPr lang="en-US" dirty="0">
-                        <a:latin typeface="Cambria" panose="02040503050406030204" pitchFamily="18" charset="0"/>
-                      </a:endParaRPr>
-                    </a:p>
-                  </a:txBody>
-                  <a:tcPr/>
-                </a:tc>
-                <a:tc>
-                  <a:txBody>
-                    <a:bodyPr/>
-                    <a:lstStyle/>
-                    <a:p>
-                      <a:pPr algn="ctr"/>
-                      <a:r>
-                        <a:rPr lang="vi-VN" sz="1800" b="0" i="0" kern="1200" smtClean="0">
-                          <a:solidFill>
-                            <a:schemeClr val="dk1"/>
-                          </a:solidFill>
-                          <a:effectLst/>
-                          <a:latin typeface="Cambria" panose="02040503050406030204" pitchFamily="18" charset="0"/>
-                          <a:ea typeface="+mn-ea"/>
-                          <a:cs typeface="+mn-cs"/>
-                        </a:rPr>
-                        <a:t>Công Trường Mê Linh</a:t>
-                      </a:r>
-                      <a:endParaRPr lang="en-US" dirty="0">
-                        <a:latin typeface="Cambria" panose="02040503050406030204" pitchFamily="18" charset="0"/>
-                      </a:endParaRPr>
-                    </a:p>
-                  </a:txBody>
-                  <a:tcPr/>
-                </a:tc>
-              </a:tr>
-              <a:tr h="352590">
-                <a:tc>
-                  <a:txBody>
-                    <a:bodyPr/>
-                    <a:lstStyle/>
-                    <a:p>
-                      <a:pPr algn="ctr"/>
-                      <a:r>
-                        <a:rPr lang="en-US" smtClean="0">
-                          <a:latin typeface="Cambria" panose="02040503050406030204" pitchFamily="18" charset="0"/>
-                        </a:rPr>
-                        <a:t>8</a:t>
-                      </a:r>
-                      <a:endParaRPr lang="en-US" dirty="0">
-                        <a:latin typeface="Cambria" panose="02040503050406030204" pitchFamily="18" charset="0"/>
-                      </a:endParaRPr>
-                    </a:p>
-                  </a:txBody>
-                  <a:tcPr/>
-                </a:tc>
-                <a:tc>
-                  <a:txBody>
-                    <a:bodyPr/>
-                    <a:lstStyle/>
-                    <a:p>
-                      <a:pPr algn="ctr"/>
-                      <a:r>
-                        <a:rPr lang="en-US" sz="1800" b="0" i="0" kern="1200" smtClean="0">
-                          <a:solidFill>
-                            <a:schemeClr val="dk1"/>
-                          </a:solidFill>
-                          <a:effectLst/>
-                          <a:latin typeface="Cambria" panose="02040503050406030204" pitchFamily="18" charset="0"/>
-                          <a:ea typeface="+mn-ea"/>
-                          <a:cs typeface="+mn-cs"/>
-                        </a:rPr>
-                        <a:t>106.705856990563</a:t>
-                      </a:r>
-                      <a:endParaRPr lang="en-US" dirty="0">
-                        <a:latin typeface="Cambria" panose="02040503050406030204" pitchFamily="18" charset="0"/>
-                      </a:endParaRPr>
-                    </a:p>
-                  </a:txBody>
-                  <a:tcPr/>
-                </a:tc>
-              </a:tr>
-              <a:tr h="352590">
-                <a:tc>
-                  <a:txBody>
-                    <a:bodyPr/>
-                    <a:lstStyle/>
-                    <a:p>
-                      <a:pPr algn="ctr"/>
-                      <a:r>
-                        <a:rPr lang="en-US" smtClean="0">
-                          <a:latin typeface="Cambria" panose="02040503050406030204" pitchFamily="18" charset="0"/>
-                        </a:rPr>
-                        <a:t>9</a:t>
-                      </a:r>
-                      <a:endParaRPr lang="en-US" dirty="0">
-                        <a:latin typeface="Cambria" panose="02040503050406030204" pitchFamily="18" charset="0"/>
-                      </a:endParaRPr>
-                    </a:p>
-                  </a:txBody>
-                  <a:tcPr/>
-                </a:tc>
-                <a:tc>
-                  <a:txBody>
-                    <a:bodyPr/>
-                    <a:lstStyle/>
-                    <a:p>
-                      <a:pPr algn="ctr"/>
-                      <a:r>
-                        <a:rPr lang="en-US" sz="1800" b="0" i="0" kern="1200" smtClean="0">
-                          <a:solidFill>
-                            <a:schemeClr val="dk1"/>
-                          </a:solidFill>
-                          <a:effectLst/>
-                          <a:latin typeface="Cambria" panose="02040503050406030204" pitchFamily="18" charset="0"/>
-                          <a:ea typeface="+mn-ea"/>
-                          <a:cs typeface="+mn-cs"/>
-                        </a:rPr>
-                        <a:t>10.7767894851893</a:t>
-                      </a:r>
-                      <a:endParaRPr lang="en-US" dirty="0">
-                        <a:latin typeface="Cambria" panose="02040503050406030204" pitchFamily="18" charset="0"/>
-                      </a:endParaRPr>
-                    </a:p>
-                  </a:txBody>
-                  <a:tcPr/>
-                </a:tc>
-              </a:tr>
-              <a:tr h="352590">
-                <a:tc>
-                  <a:txBody>
-                    <a:bodyPr/>
-                    <a:lstStyle/>
-                    <a:p>
-                      <a:pPr algn="ctr"/>
-                      <a:r>
-                        <a:rPr lang="en-US" smtClean="0">
-                          <a:latin typeface="Cambria" panose="02040503050406030204" pitchFamily="18" charset="0"/>
-                        </a:rPr>
-                        <a:t>10</a:t>
-                      </a:r>
-                      <a:endParaRPr lang="en-US" dirty="0">
-                        <a:latin typeface="Cambria" panose="02040503050406030204" pitchFamily="18" charset="0"/>
-                      </a:endParaRPr>
-                    </a:p>
-                  </a:txBody>
-                  <a:tcPr/>
-                </a:tc>
-                <a:tc>
-                  <a:txBody>
-                    <a:bodyPr/>
-                    <a:lstStyle/>
-                    <a:p>
-                      <a:pPr algn="ctr"/>
-                      <a:r>
-                        <a:rPr lang="en-US" sz="1800" b="0" i="0" kern="1200" smtClean="0">
-                          <a:solidFill>
-                            <a:schemeClr val="dk1"/>
-                          </a:solidFill>
-                          <a:effectLst/>
-                          <a:latin typeface="Cambria" panose="02040503050406030204" pitchFamily="18" charset="0"/>
-                          <a:ea typeface="+mn-ea"/>
-                          <a:cs typeface="+mn-cs"/>
-                        </a:rPr>
-                        <a:t>01</a:t>
-                      </a:r>
-                      <a:endParaRPr lang="en-US" dirty="0">
-                        <a:latin typeface="Cambria" panose="02040503050406030204" pitchFamily="18" charset="0"/>
-                      </a:endParaRPr>
-                    </a:p>
-                  </a:txBody>
-                  <a:tcPr/>
-                </a:tc>
-              </a:tr>
-              <a:tr h="352590">
-                <a:tc>
-                  <a:txBody>
-                    <a:bodyPr/>
-                    <a:lstStyle/>
-                    <a:p>
-                      <a:pPr algn="ctr"/>
-                      <a:r>
-                        <a:rPr lang="en-US" smtClean="0">
-                          <a:latin typeface="Cambria" panose="02040503050406030204" pitchFamily="18" charset="0"/>
-                        </a:rPr>
-                        <a:t>11</a:t>
-                      </a:r>
-                      <a:endParaRPr lang="en-US" dirty="0">
-                        <a:latin typeface="Cambria" panose="02040503050406030204" pitchFamily="18" charset="0"/>
-                      </a:endParaRPr>
-                    </a:p>
-                  </a:txBody>
-                  <a:tcPr/>
-                </a:tc>
-                <a:tc>
-                  <a:txBody>
-                    <a:bodyPr/>
-                    <a:lstStyle/>
-                    <a:p>
-                      <a:pPr algn="ctr"/>
-                      <a:r>
-                        <a:rPr lang="en-US" sz="1800" b="0" i="0" kern="1200" smtClean="0">
-                          <a:solidFill>
-                            <a:schemeClr val="dk1"/>
-                          </a:solidFill>
-                          <a:effectLst/>
-                          <a:latin typeface="Cambria" panose="02040503050406030204" pitchFamily="18" charset="0"/>
-                          <a:ea typeface="+mn-ea"/>
-                          <a:cs typeface="+mn-cs"/>
-                        </a:rPr>
-                        <a:t>Bến Thành- BX Chợ Lớn</a:t>
-                      </a:r>
-                      <a:endParaRPr lang="en-US" dirty="0">
-                        <a:latin typeface="Cambria" panose="02040503050406030204" pitchFamily="18" charset="0"/>
-                      </a:endParaRPr>
-                    </a:p>
-                  </a:txBody>
-                  <a:tcPr/>
-                </a:tc>
-              </a:tr>
-              <a:tr h="352590">
-                <a:tc>
-                  <a:txBody>
-                    <a:bodyPr/>
-                    <a:lstStyle/>
-                    <a:p>
-                      <a:pPr algn="ctr"/>
-                      <a:r>
-                        <a:rPr lang="en-US" smtClean="0">
-                          <a:latin typeface="Cambria" panose="02040503050406030204" pitchFamily="18" charset="0"/>
-                        </a:rPr>
-                        <a:t>12</a:t>
-                      </a:r>
-                      <a:endParaRPr lang="en-US" dirty="0">
-                        <a:latin typeface="Cambria" panose="02040503050406030204" pitchFamily="18" charset="0"/>
-                      </a:endParaRPr>
-                    </a:p>
-                  </a:txBody>
-                  <a:tcPr/>
-                </a:tc>
-                <a:tc>
-                  <a:txBody>
-                    <a:bodyPr/>
-                    <a:lstStyle/>
-                    <a:p>
-                      <a:pPr algn="ctr"/>
-                      <a:r>
-                        <a:rPr lang="vi-VN" sz="1800" b="0" i="0" kern="1200" smtClean="0">
-                          <a:solidFill>
-                            <a:schemeClr val="dk1"/>
-                          </a:solidFill>
-                          <a:effectLst/>
-                          <a:latin typeface="Cambria" panose="02040503050406030204" pitchFamily="18" charset="0"/>
-                          <a:ea typeface="+mn-ea"/>
-                          <a:cs typeface="+mn-cs"/>
-                        </a:rPr>
-                        <a:t>Công trường Mê Linh, Thi Sách, Quận 1</a:t>
-                      </a:r>
-                      <a:endParaRPr lang="en-US" dirty="0">
-                        <a:latin typeface="Cambria" panose="02040503050406030204" pitchFamily="18" charset="0"/>
-                      </a:endParaRPr>
-                    </a:p>
-                  </a:txBody>
-                  <a:tcPr/>
-                </a:tc>
-              </a:tr>
-              <a:tr h="352590">
-                <a:tc>
-                  <a:txBody>
-                    <a:bodyPr/>
-                    <a:lstStyle/>
-                    <a:p>
-                      <a:pPr algn="ctr"/>
-                      <a:r>
-                        <a:rPr lang="en-US" smtClean="0">
-                          <a:latin typeface="Cambria" panose="02040503050406030204" pitchFamily="18" charset="0"/>
-                        </a:rPr>
-                        <a:t>13</a:t>
-                      </a:r>
-                      <a:endParaRPr lang="en-US" dirty="0">
-                        <a:latin typeface="Cambria" panose="02040503050406030204" pitchFamily="18" charset="0"/>
-                      </a:endParaRPr>
-                    </a:p>
-                  </a:txBody>
-                  <a:tcPr/>
-                </a:tc>
-                <a:tc>
-                  <a:txBody>
-                    <a:bodyPr/>
-                    <a:lstStyle/>
-                    <a:p>
-                      <a:pPr algn="ctr"/>
-                      <a:r>
-                        <a:rPr lang="en-US" sz="1800" b="0" i="0" kern="1200" dirty="0" smtClean="0">
-                          <a:solidFill>
-                            <a:schemeClr val="dk1"/>
-                          </a:solidFill>
-                          <a:effectLst/>
-                          <a:latin typeface="Cambria" panose="02040503050406030204" pitchFamily="18" charset="0"/>
-                          <a:ea typeface="+mn-ea"/>
-                          <a:cs typeface="+mn-cs"/>
-                        </a:rPr>
-                        <a:t>BX06</a:t>
-                      </a:r>
-                      <a:endParaRPr lang="en-US" dirty="0">
-                        <a:latin typeface="Cambria" panose="02040503050406030204" pitchFamily="18" charset="0"/>
-                      </a:endParaRPr>
-                    </a:p>
-                  </a:txBody>
-                  <a:tcPr/>
-                </a:tc>
-              </a:tr>
-            </a:tbl>
-          </a:graphicData>
-        </a:graphic>
-      </p:graphicFrame>
-      <p:sp>
-        <p:nvSpPr>
-          <p:cNvPr id="9" name="Rectangle 8"/>
-          <p:cNvSpPr/>
-          <p:nvPr/>
-        </p:nvSpPr>
-        <p:spPr>
-          <a:xfrm>
-            <a:off x="495300" y="6334760"/>
-            <a:ext cx="7490460" cy="369332"/>
-          </a:xfrm>
-          <a:prstGeom prst="rect">
-            <a:avLst/>
-          </a:prstGeom>
-        </p:spPr>
-        <p:txBody>
-          <a:bodyPr wrap="square">
-            <a:spAutoFit/>
-          </a:bodyPr>
-          <a:lstStyle/>
-          <a:p>
-            <a:r>
-              <a:rPr lang="en-US" dirty="0" smtClean="0"/>
-              <a:t>http://mapbus.ebms.vn/ajax.aspx?action=listRouteStations&amp;</a:t>
-            </a:r>
-            <a:r>
-              <a:rPr lang="en-US" dirty="0" smtClean="0">
-                <a:solidFill>
-                  <a:srgbClr val="FF0000"/>
-                </a:solidFill>
-              </a:rPr>
-              <a:t>rid=1</a:t>
-            </a:r>
-            <a:r>
-              <a:rPr lang="en-US" dirty="0" smtClean="0"/>
-              <a:t>&amp;</a:t>
-            </a:r>
-            <a:r>
-              <a:rPr lang="en-US" dirty="0" smtClean="0">
-                <a:solidFill>
-                  <a:srgbClr val="FF0000"/>
-                </a:solidFill>
-              </a:rPr>
-              <a:t>isgo=true</a:t>
-            </a:r>
-            <a:endParaRPr lang="en-US" dirty="0">
-              <a:solidFill>
-                <a:srgbClr val="FF0000"/>
-              </a:solidFill>
-            </a:endParaRPr>
-          </a:p>
-        </p:txBody>
-      </p:sp>
-      <p:graphicFrame>
-        <p:nvGraphicFramePr>
-          <p:cNvPr id="10" name="Table 9"/>
-          <p:cNvGraphicFramePr>
-            <a:graphicFrameLocks noGrp="1"/>
-          </p:cNvGraphicFramePr>
-          <p:nvPr>
-            <p:extLst>
-              <p:ext uri="{D42A27DB-BD31-4B8C-83A1-F6EECF244321}">
-                <p14:modId xmlns:p14="http://schemas.microsoft.com/office/powerpoint/2010/main" val="2077931681"/>
-              </p:ext>
-            </p:extLst>
-          </p:nvPr>
-        </p:nvGraphicFramePr>
-        <p:xfrm>
-          <a:off x="6164366" y="435834"/>
-          <a:ext cx="1749039" cy="743698"/>
-        </p:xfrm>
-        <a:graphic>
-          <a:graphicData uri="http://schemas.openxmlformats.org/drawingml/2006/table">
-            <a:tbl>
-              <a:tblPr firstRow="1" bandRow="1">
-                <a:tableStyleId>{21E4AEA4-8DFA-4A89-87EB-49C32662AFE0}</a:tableStyleId>
-              </a:tblPr>
-              <a:tblGrid>
-                <a:gridCol w="1749039"/>
-              </a:tblGrid>
-              <a:tr h="371849">
-                <a:tc>
-                  <a:txBody>
-                    <a:bodyPr/>
-                    <a:lstStyle/>
-                    <a:p>
-                      <a:pPr algn="ctr"/>
-                      <a:r>
-                        <a:rPr lang="en-US" dirty="0" smtClean="0"/>
-                        <a:t>Station</a:t>
-                      </a:r>
-                      <a:endParaRPr lang="en-US" dirty="0"/>
-                    </a:p>
-                  </a:txBody>
-                  <a:tcPr/>
-                </a:tc>
-              </a:tr>
-              <a:tr h="371849">
-                <a:tc>
-                  <a:txBody>
-                    <a:bodyPr/>
-                    <a:lstStyle/>
-                    <a:p>
-                      <a:r>
-                        <a:rPr lang="en-US" dirty="0" err="1" smtClean="0"/>
-                        <a:t>CodeID</a:t>
-                      </a:r>
-                      <a:endParaRPr lang="en-US" dirty="0"/>
-                    </a:p>
-                  </a:txBody>
-                  <a:tcPr/>
-                </a:tc>
-              </a:tr>
-            </a:tbl>
-          </a:graphicData>
-        </a:graphic>
-      </p:graphicFrame>
-      <p:cxnSp>
-        <p:nvCxnSpPr>
-          <p:cNvPr id="11" name="Straight Arrow Connector 10"/>
-          <p:cNvCxnSpPr/>
-          <p:nvPr/>
-        </p:nvCxnSpPr>
-        <p:spPr>
-          <a:xfrm flipV="1">
-            <a:off x="3576320" y="1059680"/>
-            <a:ext cx="2653564" cy="5046480"/>
-          </a:xfrm>
-          <a:prstGeom prst="straightConnector1">
-            <a:avLst/>
-          </a:prstGeom>
-          <a:ln>
-            <a:tailEnd type="triangle"/>
-          </a:ln>
-        </p:spPr>
-        <p:style>
-          <a:lnRef idx="3">
-            <a:schemeClr val="accent2"/>
-          </a:lnRef>
-          <a:fillRef idx="0">
-            <a:schemeClr val="accent2"/>
-          </a:fillRef>
-          <a:effectRef idx="2">
-            <a:schemeClr val="accent2"/>
-          </a:effectRef>
-          <a:fontRef idx="minor">
-            <a:schemeClr val="tx1"/>
-          </a:fontRef>
-        </p:style>
-      </p:cxnSp>
-    </p:spTree>
-    <p:extLst>
-      <p:ext uri="{BB962C8B-B14F-4D97-AF65-F5344CB8AC3E}">
-        <p14:creationId xmlns:p14="http://schemas.microsoft.com/office/powerpoint/2010/main" val="616242176"/>
       </p:ext>
     </p:extLst>
   </p:cSld>
